--- a/MutationTesting/Are my units testing well.pptx
+++ b/MutationTesting/Are my units testing well.pptx
@@ -5,19 +5,28 @@
     <p:sldMasterId id="2147483707" r:id="rId4"/>
   </p:sldMasterIdLst>
   <p:notesMasterIdLst>
-    <p:notesMasterId r:id="rId12"/>
+    <p:notesMasterId r:id="rId21"/>
   </p:notesMasterIdLst>
   <p:handoutMasterIdLst>
-    <p:handoutMasterId r:id="rId13"/>
+    <p:handoutMasterId r:id="rId22"/>
   </p:handoutMasterIdLst>
   <p:sldIdLst>
     <p:sldId id="256" r:id="rId5"/>
     <p:sldId id="7668" r:id="rId6"/>
     <p:sldId id="7669" r:id="rId7"/>
     <p:sldId id="7682" r:id="rId8"/>
-    <p:sldId id="7681" r:id="rId9"/>
-    <p:sldId id="7673" r:id="rId10"/>
-    <p:sldId id="7670" r:id="rId11"/>
+    <p:sldId id="7683" r:id="rId9"/>
+    <p:sldId id="7685" r:id="rId10"/>
+    <p:sldId id="7686" r:id="rId11"/>
+    <p:sldId id="7687" r:id="rId12"/>
+    <p:sldId id="7688" r:id="rId13"/>
+    <p:sldId id="7689" r:id="rId14"/>
+    <p:sldId id="7690" r:id="rId15"/>
+    <p:sldId id="7691" r:id="rId16"/>
+    <p:sldId id="7684" r:id="rId17"/>
+    <p:sldId id="7681" r:id="rId18"/>
+    <p:sldId id="7673" r:id="rId19"/>
+    <p:sldId id="7670" r:id="rId20"/>
   </p:sldIdLst>
   <p:sldSz cx="7315200" cy="4114800"/>
   <p:notesSz cx="6858000" cy="9144000"/>
@@ -855,6 +864,154 @@
 </p:notes>
 </file>
 
+<file path=ppt/notesSlides/notesSlide10.xml><?xml version="1.0" encoding="utf-8"?>
+<p:notes xmlns:a="http://schemas.openxmlformats.org/drawingml/2006/main" xmlns:r="http://schemas.openxmlformats.org/officeDocument/2006/relationships" xmlns:p="http://schemas.openxmlformats.org/presentationml/2006/main">
+  <p:cSld>
+    <p:spTree>
+      <p:nvGrpSpPr>
+        <p:cNvPr id="1" name=""/>
+        <p:cNvGrpSpPr/>
+        <p:nvPr/>
+      </p:nvGrpSpPr>
+      <p:grpSpPr>
+        <a:xfrm>
+          <a:off x="0" y="0"/>
+          <a:ext cx="0" cy="0"/>
+          <a:chOff x="0" y="0"/>
+          <a:chExt cx="0" cy="0"/>
+        </a:xfrm>
+      </p:grpSpPr>
+      <p:sp>
+        <p:nvSpPr>
+          <p:cNvPr id="2" name="Slide Image Placeholder 1"/>
+          <p:cNvSpPr>
+            <a:spLocks noGrp="1" noRot="1" noChangeAspect="1"/>
+          </p:cNvSpPr>
+          <p:nvPr>
+            <p:ph type="sldImg"/>
+          </p:nvPr>
+        </p:nvSpPr>
+        <p:spPr/>
+      </p:sp>
+      <p:sp>
+        <p:nvSpPr>
+          <p:cNvPr id="3" name="Notes Placeholder 2"/>
+          <p:cNvSpPr>
+            <a:spLocks noGrp="1"/>
+          </p:cNvSpPr>
+          <p:nvPr>
+            <p:ph type="body" idx="1"/>
+          </p:nvPr>
+        </p:nvSpPr>
+        <p:spPr/>
+        <p:txBody>
+          <a:bodyPr/>
+          <a:lstStyle/>
+          <a:p>
+            <a:r>
+              <a:rPr lang="en-US" sz="800" b="0" i="0" kern="1200" dirty="0">
+                <a:solidFill>
+                  <a:schemeClr val="tx1"/>
+                </a:solidFill>
+                <a:effectLst/>
+                <a:latin typeface="+mn-lt"/>
+                <a:ea typeface="ＭＳ Ｐゴシック" charset="-128"/>
+                <a:cs typeface="ＭＳ Ｐゴシック" charset="-128"/>
+              </a:rPr>
+              <a:t>Interns and apprentices at Relativity aren’t errand-runners. From the moment you step in the door, you’ll play a critical role in our global business.</a:t>
+            </a:r>
+          </a:p>
+          <a:p>
+            <a:endParaRPr lang="en-US" sz="800" b="0" i="0" kern="1200" dirty="0">
+              <a:solidFill>
+                <a:schemeClr val="tx1"/>
+              </a:solidFill>
+              <a:effectLst/>
+              <a:latin typeface="+mn-lt"/>
+              <a:ea typeface="ＭＳ Ｐゴシック" charset="-128"/>
+            </a:endParaRPr>
+          </a:p>
+          <a:p>
+            <a:r>
+              <a:rPr lang="en-US" sz="800" b="0" i="0" kern="1200" dirty="0">
+                <a:solidFill>
+                  <a:schemeClr val="tx1"/>
+                </a:solidFill>
+                <a:effectLst/>
+                <a:latin typeface="+mn-lt"/>
+                <a:ea typeface="ＭＳ Ｐゴシック"/>
+                <a:cs typeface="Calibri"/>
+              </a:rPr>
+              <a:t>Relativity hosts immersive internship programs across the company, where college students and recent grads take on real-world assignments. You’ll write code</a:t>
+            </a:r>
+            <a:r>
+              <a:rPr lang="en-US" dirty="0">
+                <a:ea typeface="ＭＳ Ｐゴシック"/>
+                <a:cs typeface="Calibri"/>
+              </a:rPr>
+              <a:t>, work on a team of professionals,</a:t>
+            </a:r>
+            <a:r>
+              <a:rPr lang="en-US" sz="800" b="0" i="0" kern="1200" dirty="0">
+                <a:solidFill>
+                  <a:schemeClr val="tx1"/>
+                </a:solidFill>
+                <a:effectLst/>
+                <a:latin typeface="+mn-lt"/>
+                <a:ea typeface="ＭＳ Ｐゴシック"/>
+                <a:cs typeface="Calibri"/>
+              </a:rPr>
+              <a:t> and gain work experience that’s tailored to you. And yes – you’ll get paid for it, too.</a:t>
+            </a:r>
+            <a:endParaRPr lang="en-US" dirty="0">
+              <a:ea typeface="ＭＳ Ｐゴシック"/>
+              <a:cs typeface="Calibri"/>
+            </a:endParaRPr>
+          </a:p>
+        </p:txBody>
+      </p:sp>
+      <p:sp>
+        <p:nvSpPr>
+          <p:cNvPr id="4" name="Slide Number Placeholder 3"/>
+          <p:cNvSpPr>
+            <a:spLocks noGrp="1"/>
+          </p:cNvSpPr>
+          <p:nvPr>
+            <p:ph type="sldNum" sz="quarter" idx="5"/>
+          </p:nvPr>
+        </p:nvSpPr>
+        <p:spPr/>
+        <p:txBody>
+          <a:bodyPr/>
+          <a:lstStyle/>
+          <a:p>
+            <a:pPr>
+              <a:defRPr/>
+            </a:pPr>
+            <a:fld id="{11B43CDF-1D78-47C9-9EB7-BA4F1CF35C03}" type="slidenum">
+              <a:rPr lang="en-US" smtClean="0"/>
+              <a:pPr>
+                <a:defRPr/>
+              </a:pPr>
+              <a:t>14</a:t>
+            </a:fld>
+            <a:endParaRPr lang="en-US"/>
+          </a:p>
+        </p:txBody>
+      </p:sp>
+    </p:spTree>
+    <p:extLst>
+      <p:ext uri="{BB962C8B-B14F-4D97-AF65-F5344CB8AC3E}">
+        <p14:creationId xmlns:p14="http://schemas.microsoft.com/office/powerpoint/2010/main" val="3390741496"/>
+      </p:ext>
+    </p:extLst>
+  </p:cSld>
+  <p:clrMapOvr>
+    <a:masterClrMapping/>
+  </p:clrMapOvr>
+</p:notes>
+</file>
+
 <file path=ppt/notesSlides/notesSlide2.xml><?xml version="1.0" encoding="utf-8"?>
 <p:notes xmlns:a="http://schemas.openxmlformats.org/drawingml/2006/main" xmlns:r="http://schemas.openxmlformats.org/officeDocument/2006/relationships" xmlns:p="http://schemas.openxmlformats.org/presentationml/2006/main">
   <p:cSld>
@@ -1076,65 +1233,7 @@
           <a:bodyPr/>
           <a:lstStyle/>
           <a:p>
-            <a:r>
-              <a:rPr lang="en-US" sz="800" b="0" i="0" kern="1200" dirty="0">
-                <a:solidFill>
-                  <a:schemeClr val="tx1"/>
-                </a:solidFill>
-                <a:effectLst/>
-                <a:latin typeface="+mn-lt"/>
-                <a:ea typeface="ＭＳ Ｐゴシック" charset="-128"/>
-                <a:cs typeface="ＭＳ Ｐゴシック" charset="-128"/>
-              </a:rPr>
-              <a:t>Interns and apprentices at Relativity aren’t errand-runners. From the moment you step in the door, you’ll play a critical role in our global business.</a:t>
-            </a:r>
-          </a:p>
-          <a:p>
-            <a:endParaRPr lang="en-US" sz="800" b="0" i="0" kern="1200" dirty="0">
-              <a:solidFill>
-                <a:schemeClr val="tx1"/>
-              </a:solidFill>
-              <a:effectLst/>
-              <a:latin typeface="+mn-lt"/>
-              <a:ea typeface="ＭＳ Ｐゴシック" charset="-128"/>
-            </a:endParaRPr>
-          </a:p>
-          <a:p>
-            <a:r>
-              <a:rPr lang="en-US" sz="800" b="0" i="0" kern="1200" dirty="0">
-                <a:solidFill>
-                  <a:schemeClr val="tx1"/>
-                </a:solidFill>
-                <a:effectLst/>
-                <a:latin typeface="+mn-lt"/>
-                <a:ea typeface="ＭＳ Ｐゴシック"/>
-                <a:cs typeface="Calibri"/>
-              </a:rPr>
-              <a:t>Relativity hosts immersive internship programs across the company, where college students and recent grads take on real-world assignments. You’ll write code</a:t>
-            </a:r>
-            <a:r>
-              <a:rPr lang="en-US" dirty="0">
-                <a:ea typeface="ＭＳ Ｐゴシック"/>
-                <a:cs typeface="Calibri"/>
-              </a:rPr>
-              <a:t>, work on a team of professionals,</a:t>
-            </a:r>
-            <a:r>
-              <a:rPr lang="en-US" sz="800" b="0" i="0" kern="1200" dirty="0">
-                <a:solidFill>
-                  <a:schemeClr val="tx1"/>
-                </a:solidFill>
-                <a:effectLst/>
-                <a:latin typeface="+mn-lt"/>
-                <a:ea typeface="ＭＳ Ｐゴシック"/>
-                <a:cs typeface="Calibri"/>
-              </a:rPr>
-              <a:t> and gain work experience that’s tailored to you. And yes – you’ll get paid for it, too.</a:t>
-            </a:r>
-            <a:endParaRPr lang="en-US" dirty="0">
-              <a:ea typeface="ＭＳ Ｐゴシック"/>
-              <a:cs typeface="Calibri"/>
-            </a:endParaRPr>
+            <a:endParaRPr lang="pl-PL" dirty="0"/>
           </a:p>
         </p:txBody>
       </p:sp>
@@ -1161,7 +1260,7 @@
               <a:pPr>
                 <a:defRPr/>
               </a:pPr>
-              <a:t>5</a:t>
+              <a:t>7</a:t>
             </a:fld>
             <a:endParaRPr lang="en-US"/>
           </a:p>
@@ -1170,7 +1269,457 @@
     </p:spTree>
     <p:extLst>
       <p:ext uri="{BB962C8B-B14F-4D97-AF65-F5344CB8AC3E}">
-        <p14:creationId xmlns:p14="http://schemas.microsoft.com/office/powerpoint/2010/main" val="3390741496"/>
+        <p14:creationId xmlns:p14="http://schemas.microsoft.com/office/powerpoint/2010/main" val="2805119304"/>
+      </p:ext>
+    </p:extLst>
+  </p:cSld>
+  <p:clrMapOvr>
+    <a:masterClrMapping/>
+  </p:clrMapOvr>
+</p:notes>
+</file>
+
+<file path=ppt/notesSlides/notesSlide5.xml><?xml version="1.0" encoding="utf-8"?>
+<p:notes xmlns:a="http://schemas.openxmlformats.org/drawingml/2006/main" xmlns:r="http://schemas.openxmlformats.org/officeDocument/2006/relationships" xmlns:p="http://schemas.openxmlformats.org/presentationml/2006/main">
+  <p:cSld>
+    <p:spTree>
+      <p:nvGrpSpPr>
+        <p:cNvPr id="1" name=""/>
+        <p:cNvGrpSpPr/>
+        <p:nvPr/>
+      </p:nvGrpSpPr>
+      <p:grpSpPr>
+        <a:xfrm>
+          <a:off x="0" y="0"/>
+          <a:ext cx="0" cy="0"/>
+          <a:chOff x="0" y="0"/>
+          <a:chExt cx="0" cy="0"/>
+        </a:xfrm>
+      </p:grpSpPr>
+      <p:sp>
+        <p:nvSpPr>
+          <p:cNvPr id="2" name="Slide Image Placeholder 1"/>
+          <p:cNvSpPr>
+            <a:spLocks noGrp="1" noRot="1" noChangeAspect="1"/>
+          </p:cNvSpPr>
+          <p:nvPr>
+            <p:ph type="sldImg"/>
+          </p:nvPr>
+        </p:nvSpPr>
+        <p:spPr/>
+      </p:sp>
+      <p:sp>
+        <p:nvSpPr>
+          <p:cNvPr id="3" name="Notes Placeholder 2"/>
+          <p:cNvSpPr>
+            <a:spLocks noGrp="1"/>
+          </p:cNvSpPr>
+          <p:nvPr>
+            <p:ph type="body" idx="1"/>
+          </p:nvPr>
+        </p:nvSpPr>
+        <p:spPr/>
+        <p:txBody>
+          <a:bodyPr/>
+          <a:lstStyle/>
+          <a:p>
+            <a:endParaRPr lang="pl-PL" dirty="0"/>
+          </a:p>
+        </p:txBody>
+      </p:sp>
+      <p:sp>
+        <p:nvSpPr>
+          <p:cNvPr id="4" name="Slide Number Placeholder 3"/>
+          <p:cNvSpPr>
+            <a:spLocks noGrp="1"/>
+          </p:cNvSpPr>
+          <p:nvPr>
+            <p:ph type="sldNum" sz="quarter" idx="5"/>
+          </p:nvPr>
+        </p:nvSpPr>
+        <p:spPr/>
+        <p:txBody>
+          <a:bodyPr/>
+          <a:lstStyle/>
+          <a:p>
+            <a:pPr>
+              <a:defRPr/>
+            </a:pPr>
+            <a:fld id="{11B43CDF-1D78-47C9-9EB7-BA4F1CF35C03}" type="slidenum">
+              <a:rPr lang="en-US" smtClean="0"/>
+              <a:pPr>
+                <a:defRPr/>
+              </a:pPr>
+              <a:t>8</a:t>
+            </a:fld>
+            <a:endParaRPr lang="en-US"/>
+          </a:p>
+        </p:txBody>
+      </p:sp>
+    </p:spTree>
+    <p:extLst>
+      <p:ext uri="{BB962C8B-B14F-4D97-AF65-F5344CB8AC3E}">
+        <p14:creationId xmlns:p14="http://schemas.microsoft.com/office/powerpoint/2010/main" val="1407199506"/>
+      </p:ext>
+    </p:extLst>
+  </p:cSld>
+  <p:clrMapOvr>
+    <a:masterClrMapping/>
+  </p:clrMapOvr>
+</p:notes>
+</file>
+
+<file path=ppt/notesSlides/notesSlide6.xml><?xml version="1.0" encoding="utf-8"?>
+<p:notes xmlns:a="http://schemas.openxmlformats.org/drawingml/2006/main" xmlns:r="http://schemas.openxmlformats.org/officeDocument/2006/relationships" xmlns:p="http://schemas.openxmlformats.org/presentationml/2006/main">
+  <p:cSld>
+    <p:spTree>
+      <p:nvGrpSpPr>
+        <p:cNvPr id="1" name=""/>
+        <p:cNvGrpSpPr/>
+        <p:nvPr/>
+      </p:nvGrpSpPr>
+      <p:grpSpPr>
+        <a:xfrm>
+          <a:off x="0" y="0"/>
+          <a:ext cx="0" cy="0"/>
+          <a:chOff x="0" y="0"/>
+          <a:chExt cx="0" cy="0"/>
+        </a:xfrm>
+      </p:grpSpPr>
+      <p:sp>
+        <p:nvSpPr>
+          <p:cNvPr id="2" name="Slide Image Placeholder 1"/>
+          <p:cNvSpPr>
+            <a:spLocks noGrp="1" noRot="1" noChangeAspect="1"/>
+          </p:cNvSpPr>
+          <p:nvPr>
+            <p:ph type="sldImg"/>
+          </p:nvPr>
+        </p:nvSpPr>
+        <p:spPr/>
+      </p:sp>
+      <p:sp>
+        <p:nvSpPr>
+          <p:cNvPr id="3" name="Notes Placeholder 2"/>
+          <p:cNvSpPr>
+            <a:spLocks noGrp="1"/>
+          </p:cNvSpPr>
+          <p:nvPr>
+            <p:ph type="body" idx="1"/>
+          </p:nvPr>
+        </p:nvSpPr>
+        <p:spPr/>
+        <p:txBody>
+          <a:bodyPr/>
+          <a:lstStyle/>
+          <a:p>
+            <a:endParaRPr lang="pl-PL" dirty="0"/>
+          </a:p>
+        </p:txBody>
+      </p:sp>
+      <p:sp>
+        <p:nvSpPr>
+          <p:cNvPr id="4" name="Slide Number Placeholder 3"/>
+          <p:cNvSpPr>
+            <a:spLocks noGrp="1"/>
+          </p:cNvSpPr>
+          <p:nvPr>
+            <p:ph type="sldNum" sz="quarter" idx="5"/>
+          </p:nvPr>
+        </p:nvSpPr>
+        <p:spPr/>
+        <p:txBody>
+          <a:bodyPr/>
+          <a:lstStyle/>
+          <a:p>
+            <a:pPr>
+              <a:defRPr/>
+            </a:pPr>
+            <a:fld id="{11B43CDF-1D78-47C9-9EB7-BA4F1CF35C03}" type="slidenum">
+              <a:rPr lang="en-US" smtClean="0"/>
+              <a:pPr>
+                <a:defRPr/>
+              </a:pPr>
+              <a:t>9</a:t>
+            </a:fld>
+            <a:endParaRPr lang="en-US"/>
+          </a:p>
+        </p:txBody>
+      </p:sp>
+    </p:spTree>
+    <p:extLst>
+      <p:ext uri="{BB962C8B-B14F-4D97-AF65-F5344CB8AC3E}">
+        <p14:creationId xmlns:p14="http://schemas.microsoft.com/office/powerpoint/2010/main" val="1067160871"/>
+      </p:ext>
+    </p:extLst>
+  </p:cSld>
+  <p:clrMapOvr>
+    <a:masterClrMapping/>
+  </p:clrMapOvr>
+</p:notes>
+</file>
+
+<file path=ppt/notesSlides/notesSlide7.xml><?xml version="1.0" encoding="utf-8"?>
+<p:notes xmlns:a="http://schemas.openxmlformats.org/drawingml/2006/main" xmlns:r="http://schemas.openxmlformats.org/officeDocument/2006/relationships" xmlns:p="http://schemas.openxmlformats.org/presentationml/2006/main">
+  <p:cSld>
+    <p:spTree>
+      <p:nvGrpSpPr>
+        <p:cNvPr id="1" name=""/>
+        <p:cNvGrpSpPr/>
+        <p:nvPr/>
+      </p:nvGrpSpPr>
+      <p:grpSpPr>
+        <a:xfrm>
+          <a:off x="0" y="0"/>
+          <a:ext cx="0" cy="0"/>
+          <a:chOff x="0" y="0"/>
+          <a:chExt cx="0" cy="0"/>
+        </a:xfrm>
+      </p:grpSpPr>
+      <p:sp>
+        <p:nvSpPr>
+          <p:cNvPr id="2" name="Slide Image Placeholder 1"/>
+          <p:cNvSpPr>
+            <a:spLocks noGrp="1" noRot="1" noChangeAspect="1"/>
+          </p:cNvSpPr>
+          <p:nvPr>
+            <p:ph type="sldImg"/>
+          </p:nvPr>
+        </p:nvSpPr>
+        <p:spPr/>
+      </p:sp>
+      <p:sp>
+        <p:nvSpPr>
+          <p:cNvPr id="3" name="Notes Placeholder 2"/>
+          <p:cNvSpPr>
+            <a:spLocks noGrp="1"/>
+          </p:cNvSpPr>
+          <p:nvPr>
+            <p:ph type="body" idx="1"/>
+          </p:nvPr>
+        </p:nvSpPr>
+        <p:spPr/>
+        <p:txBody>
+          <a:bodyPr/>
+          <a:lstStyle/>
+          <a:p>
+            <a:endParaRPr lang="pl-PL" dirty="0"/>
+          </a:p>
+        </p:txBody>
+      </p:sp>
+      <p:sp>
+        <p:nvSpPr>
+          <p:cNvPr id="4" name="Slide Number Placeholder 3"/>
+          <p:cNvSpPr>
+            <a:spLocks noGrp="1"/>
+          </p:cNvSpPr>
+          <p:nvPr>
+            <p:ph type="sldNum" sz="quarter" idx="5"/>
+          </p:nvPr>
+        </p:nvSpPr>
+        <p:spPr/>
+        <p:txBody>
+          <a:bodyPr/>
+          <a:lstStyle/>
+          <a:p>
+            <a:pPr>
+              <a:defRPr/>
+            </a:pPr>
+            <a:fld id="{11B43CDF-1D78-47C9-9EB7-BA4F1CF35C03}" type="slidenum">
+              <a:rPr lang="en-US" smtClean="0"/>
+              <a:pPr>
+                <a:defRPr/>
+              </a:pPr>
+              <a:t>10</a:t>
+            </a:fld>
+            <a:endParaRPr lang="en-US"/>
+          </a:p>
+        </p:txBody>
+      </p:sp>
+    </p:spTree>
+    <p:extLst>
+      <p:ext uri="{BB962C8B-B14F-4D97-AF65-F5344CB8AC3E}">
+        <p14:creationId xmlns:p14="http://schemas.microsoft.com/office/powerpoint/2010/main" val="2958477060"/>
+      </p:ext>
+    </p:extLst>
+  </p:cSld>
+  <p:clrMapOvr>
+    <a:masterClrMapping/>
+  </p:clrMapOvr>
+</p:notes>
+</file>
+
+<file path=ppt/notesSlides/notesSlide8.xml><?xml version="1.0" encoding="utf-8"?>
+<p:notes xmlns:a="http://schemas.openxmlformats.org/drawingml/2006/main" xmlns:r="http://schemas.openxmlformats.org/officeDocument/2006/relationships" xmlns:p="http://schemas.openxmlformats.org/presentationml/2006/main">
+  <p:cSld>
+    <p:spTree>
+      <p:nvGrpSpPr>
+        <p:cNvPr id="1" name=""/>
+        <p:cNvGrpSpPr/>
+        <p:nvPr/>
+      </p:nvGrpSpPr>
+      <p:grpSpPr>
+        <a:xfrm>
+          <a:off x="0" y="0"/>
+          <a:ext cx="0" cy="0"/>
+          <a:chOff x="0" y="0"/>
+          <a:chExt cx="0" cy="0"/>
+        </a:xfrm>
+      </p:grpSpPr>
+      <p:sp>
+        <p:nvSpPr>
+          <p:cNvPr id="2" name="Slide Image Placeholder 1"/>
+          <p:cNvSpPr>
+            <a:spLocks noGrp="1" noRot="1" noChangeAspect="1"/>
+          </p:cNvSpPr>
+          <p:nvPr>
+            <p:ph type="sldImg"/>
+          </p:nvPr>
+        </p:nvSpPr>
+        <p:spPr/>
+      </p:sp>
+      <p:sp>
+        <p:nvSpPr>
+          <p:cNvPr id="3" name="Notes Placeholder 2"/>
+          <p:cNvSpPr>
+            <a:spLocks noGrp="1"/>
+          </p:cNvSpPr>
+          <p:nvPr>
+            <p:ph type="body" idx="1"/>
+          </p:nvPr>
+        </p:nvSpPr>
+        <p:spPr/>
+        <p:txBody>
+          <a:bodyPr/>
+          <a:lstStyle/>
+          <a:p>
+            <a:endParaRPr lang="pl-PL" dirty="0"/>
+          </a:p>
+        </p:txBody>
+      </p:sp>
+      <p:sp>
+        <p:nvSpPr>
+          <p:cNvPr id="4" name="Slide Number Placeholder 3"/>
+          <p:cNvSpPr>
+            <a:spLocks noGrp="1"/>
+          </p:cNvSpPr>
+          <p:nvPr>
+            <p:ph type="sldNum" sz="quarter" idx="5"/>
+          </p:nvPr>
+        </p:nvSpPr>
+        <p:spPr/>
+        <p:txBody>
+          <a:bodyPr/>
+          <a:lstStyle/>
+          <a:p>
+            <a:pPr>
+              <a:defRPr/>
+            </a:pPr>
+            <a:fld id="{11B43CDF-1D78-47C9-9EB7-BA4F1CF35C03}" type="slidenum">
+              <a:rPr lang="en-US" smtClean="0"/>
+              <a:pPr>
+                <a:defRPr/>
+              </a:pPr>
+              <a:t>11</a:t>
+            </a:fld>
+            <a:endParaRPr lang="en-US"/>
+          </a:p>
+        </p:txBody>
+      </p:sp>
+    </p:spTree>
+    <p:extLst>
+      <p:ext uri="{BB962C8B-B14F-4D97-AF65-F5344CB8AC3E}">
+        <p14:creationId xmlns:p14="http://schemas.microsoft.com/office/powerpoint/2010/main" val="2613777046"/>
+      </p:ext>
+    </p:extLst>
+  </p:cSld>
+  <p:clrMapOvr>
+    <a:masterClrMapping/>
+  </p:clrMapOvr>
+</p:notes>
+</file>
+
+<file path=ppt/notesSlides/notesSlide9.xml><?xml version="1.0" encoding="utf-8"?>
+<p:notes xmlns:a="http://schemas.openxmlformats.org/drawingml/2006/main" xmlns:r="http://schemas.openxmlformats.org/officeDocument/2006/relationships" xmlns:p="http://schemas.openxmlformats.org/presentationml/2006/main">
+  <p:cSld>
+    <p:spTree>
+      <p:nvGrpSpPr>
+        <p:cNvPr id="1" name=""/>
+        <p:cNvGrpSpPr/>
+        <p:nvPr/>
+      </p:nvGrpSpPr>
+      <p:grpSpPr>
+        <a:xfrm>
+          <a:off x="0" y="0"/>
+          <a:ext cx="0" cy="0"/>
+          <a:chOff x="0" y="0"/>
+          <a:chExt cx="0" cy="0"/>
+        </a:xfrm>
+      </p:grpSpPr>
+      <p:sp>
+        <p:nvSpPr>
+          <p:cNvPr id="2" name="Slide Image Placeholder 1"/>
+          <p:cNvSpPr>
+            <a:spLocks noGrp="1" noRot="1" noChangeAspect="1"/>
+          </p:cNvSpPr>
+          <p:nvPr>
+            <p:ph type="sldImg"/>
+          </p:nvPr>
+        </p:nvSpPr>
+        <p:spPr/>
+      </p:sp>
+      <p:sp>
+        <p:nvSpPr>
+          <p:cNvPr id="3" name="Notes Placeholder 2"/>
+          <p:cNvSpPr>
+            <a:spLocks noGrp="1"/>
+          </p:cNvSpPr>
+          <p:nvPr>
+            <p:ph type="body" idx="1"/>
+          </p:nvPr>
+        </p:nvSpPr>
+        <p:spPr/>
+        <p:txBody>
+          <a:bodyPr/>
+          <a:lstStyle/>
+          <a:p>
+            <a:endParaRPr lang="pl-PL" dirty="0"/>
+          </a:p>
+        </p:txBody>
+      </p:sp>
+      <p:sp>
+        <p:nvSpPr>
+          <p:cNvPr id="4" name="Slide Number Placeholder 3"/>
+          <p:cNvSpPr>
+            <a:spLocks noGrp="1"/>
+          </p:cNvSpPr>
+          <p:nvPr>
+            <p:ph type="sldNum" sz="quarter" idx="5"/>
+          </p:nvPr>
+        </p:nvSpPr>
+        <p:spPr/>
+        <p:txBody>
+          <a:bodyPr/>
+          <a:lstStyle/>
+          <a:p>
+            <a:pPr>
+              <a:defRPr/>
+            </a:pPr>
+            <a:fld id="{11B43CDF-1D78-47C9-9EB7-BA4F1CF35C03}" type="slidenum">
+              <a:rPr lang="en-US" smtClean="0"/>
+              <a:pPr>
+                <a:defRPr/>
+              </a:pPr>
+              <a:t>12</a:t>
+            </a:fld>
+            <a:endParaRPr lang="en-US"/>
+          </a:p>
+        </p:txBody>
+      </p:sp>
+    </p:spTree>
+    <p:extLst>
+      <p:ext uri="{BB962C8B-B14F-4D97-AF65-F5344CB8AC3E}">
+        <p14:creationId xmlns:p14="http://schemas.microsoft.com/office/powerpoint/2010/main" val="479894456"/>
       </p:ext>
     </p:extLst>
   </p:cSld>
@@ -8175,7 +8724,7 @@
 </p:sld>
 </file>
 
-<file path=ppt/slides/slide2.xml><?xml version="1.0" encoding="utf-8"?>
+<file path=ppt/slides/slide10.xml><?xml version="1.0" encoding="utf-8"?>
 <p:sld xmlns:a="http://schemas.openxmlformats.org/drawingml/2006/main" xmlns:r="http://schemas.openxmlformats.org/officeDocument/2006/relationships" xmlns:p="http://schemas.openxmlformats.org/presentationml/2006/main">
   <p:cSld>
     <p:spTree>
@@ -8194,247 +8743,713 @@
       </p:grpSpPr>
       <p:sp>
         <p:nvSpPr>
-          <p:cNvPr id="7" name="Oval 6">
+          <p:cNvPr id="2" name="Title 1">
             <a:extLst>
               <a:ext uri="{FF2B5EF4-FFF2-40B4-BE49-F238E27FC236}">
-                <a16:creationId xmlns:a16="http://schemas.microsoft.com/office/drawing/2014/main" id="{D193322F-8342-4A1B-ADFF-689802BBF227}"/>
+                <a16:creationId xmlns:a16="http://schemas.microsoft.com/office/drawing/2014/main" id="{9F330C78-AE15-4C22-9298-CD62FABE4066}"/>
               </a:ext>
             </a:extLst>
           </p:cNvPr>
-          <p:cNvSpPr/>
-          <p:nvPr/>
+          <p:cNvSpPr>
+            <a:spLocks noGrp="1"/>
+          </p:cNvSpPr>
+          <p:nvPr>
+            <p:ph type="title"/>
+          </p:nvPr>
+        </p:nvSpPr>
+        <p:spPr/>
+        <p:txBody>
+          <a:bodyPr anchor="ctr">
+            <a:normAutofit fontScale="90000"/>
+          </a:bodyPr>
+          <a:lstStyle/>
+          <a:p>
+            <a:r>
+              <a:rPr lang="pl-PL" sz="2000" dirty="0" err="1"/>
+              <a:t>Yes</a:t>
+            </a:r>
+            <a:r>
+              <a:rPr lang="pl-PL" sz="2000" dirty="0"/>
+              <a:t>, we </a:t>
+            </a:r>
+            <a:r>
+              <a:rPr lang="pl-PL" sz="2000" dirty="0" err="1"/>
+              <a:t>can</a:t>
+            </a:r>
+            <a:r>
+              <a:rPr lang="pl-PL" sz="2000" dirty="0"/>
+              <a:t>!</a:t>
+            </a:r>
+            <a:endParaRPr lang="pl-PL" sz="1600" dirty="0"/>
+          </a:p>
+        </p:txBody>
+      </p:sp>
+      <p:sp>
+        <p:nvSpPr>
+          <p:cNvPr id="4" name="Content Placeholder 3">
+            <a:extLst>
+              <a:ext uri="{FF2B5EF4-FFF2-40B4-BE49-F238E27FC236}">
+                <a16:creationId xmlns:a16="http://schemas.microsoft.com/office/drawing/2014/main" id="{52756FBF-A39D-4D8E-847A-42E970536F10}"/>
+              </a:ext>
+            </a:extLst>
+          </p:cNvPr>
+          <p:cNvSpPr>
+            <a:spLocks noGrp="1"/>
+          </p:cNvSpPr>
+          <p:nvPr>
+            <p:ph idx="1"/>
+          </p:nvPr>
         </p:nvSpPr>
         <p:spPr>
           <a:xfrm>
-            <a:off x="685798" y="1028365"/>
-            <a:ext cx="2286000" cy="2286000"/>
+            <a:off x="224843" y="1524000"/>
+            <a:ext cx="6873240" cy="1295400"/>
           </a:xfrm>
-          <a:prstGeom prst="ellipse">
-            <a:avLst/>
-          </a:prstGeom>
-          <a:solidFill>
-            <a:schemeClr val="accent6">
-              <a:lumMod val="20000"/>
-              <a:lumOff val="80000"/>
-            </a:schemeClr>
-          </a:solidFill>
-          <a:ln w="12700">
-            <a:solidFill>
-              <a:schemeClr val="accent6"/>
-            </a:solidFill>
-            <a:prstDash val="dash"/>
-          </a:ln>
-          <a:effectLst/>
         </p:spPr>
-        <p:style>
-          <a:lnRef idx="1">
-            <a:schemeClr val="accent1"/>
-          </a:lnRef>
-          <a:fillRef idx="3">
-            <a:schemeClr val="accent1"/>
-          </a:fillRef>
-          <a:effectRef idx="2">
-            <a:schemeClr val="accent1"/>
-          </a:effectRef>
-          <a:fontRef idx="minor">
-            <a:schemeClr val="lt1"/>
-          </a:fontRef>
-        </p:style>
         <p:txBody>
-          <a:bodyPr rtlCol="0" anchor="ctr"/>
+          <a:bodyPr>
+            <a:normAutofit/>
+          </a:bodyPr>
           <a:lstStyle/>
           <a:p>
-            <a:pPr algn="ctr"/>
-            <a:r>
-              <a:rPr lang="en-US" sz="1150" dirty="0">
-                <a:solidFill>
-                  <a:schemeClr val="tx2"/>
+            <a:pPr marL="0" indent="0" algn="ctr">
+              <a:buNone/>
+            </a:pPr>
+            <a:endParaRPr lang="pl-PL" sz="1800" dirty="0"/>
+          </a:p>
+          <a:p>
+            <a:pPr marL="0" indent="0" algn="ctr">
+              <a:buNone/>
+            </a:pPr>
+            <a:r>
+              <a:rPr lang="pl-PL" sz="1800" dirty="0" err="1"/>
+              <a:t>Mutation</a:t>
+            </a:r>
+            <a:r>
+              <a:rPr lang="pl-PL" sz="1800" dirty="0"/>
+              <a:t> </a:t>
+            </a:r>
+            <a:r>
+              <a:rPr lang="pl-PL" sz="1800" dirty="0" err="1"/>
+              <a:t>testing</a:t>
+            </a:r>
+            <a:r>
+              <a:rPr lang="pl-PL" sz="1800" dirty="0"/>
+              <a:t> </a:t>
+            </a:r>
+            <a:r>
+              <a:rPr lang="pl-PL" sz="1800" dirty="0" err="1">
+                <a:solidFill>
+                  <a:schemeClr val="accent1">
+                    <a:lumMod val="75000"/>
+                  </a:schemeClr>
                 </a:solidFill>
               </a:rPr>
-              <a:t>Place speaker’s photo over this area.</a:t>
-            </a:r>
-          </a:p>
-          <a:p>
-            <a:pPr algn="ctr"/>
-            <a:endParaRPr lang="en-US" sz="1150" dirty="0">
-              <a:solidFill>
-                <a:schemeClr val="tx2"/>
-              </a:solidFill>
-            </a:endParaRPr>
-          </a:p>
-          <a:p>
-            <a:pPr algn="ctr"/>
-            <a:r>
-              <a:rPr lang="en-US" sz="1150" dirty="0">
-                <a:solidFill>
-                  <a:schemeClr val="tx2"/>
+              <a:t>alters</a:t>
+            </a:r>
+            <a:r>
+              <a:rPr lang="pl-PL" sz="1800" dirty="0"/>
+              <a:t> </a:t>
+            </a:r>
+            <a:r>
+              <a:rPr lang="pl-PL" sz="1800" dirty="0" err="1"/>
+              <a:t>our</a:t>
+            </a:r>
+            <a:r>
+              <a:rPr lang="pl-PL" sz="1800" dirty="0"/>
+              <a:t> </a:t>
+            </a:r>
+            <a:r>
+              <a:rPr lang="pl-PL" sz="1800" dirty="0" err="1"/>
+              <a:t>code</a:t>
+            </a:r>
+            <a:r>
+              <a:rPr lang="pl-PL" sz="1800" dirty="0"/>
+              <a:t> </a:t>
+            </a:r>
+            <a:r>
+              <a:rPr lang="pl-PL" sz="1800" dirty="0" err="1">
+                <a:solidFill>
+                  <a:schemeClr val="accent1">
+                    <a:lumMod val="75000"/>
+                  </a:schemeClr>
                 </a:solidFill>
               </a:rPr>
-              <a:t>See notes on the right on how to crop your photo into a perfect circle.</a:t>
+              <a:t>bahavior</a:t>
+            </a:r>
+            <a:r>
+              <a:rPr lang="pl-PL" sz="1800" dirty="0"/>
+              <a:t> and </a:t>
+            </a:r>
+            <a:r>
+              <a:rPr lang="pl-PL" sz="1800" dirty="0" err="1"/>
+              <a:t>verify</a:t>
+            </a:r>
+            <a:r>
+              <a:rPr lang="pl-PL" sz="1800" dirty="0"/>
+              <a:t> </a:t>
+            </a:r>
+            <a:r>
+              <a:rPr lang="pl-PL" sz="1800" dirty="0" err="1"/>
+              <a:t>if</a:t>
+            </a:r>
+            <a:r>
+              <a:rPr lang="pl-PL" sz="1800" dirty="0"/>
+              <a:t> </a:t>
+            </a:r>
+            <a:r>
+              <a:rPr lang="pl-PL" sz="1800" dirty="0" err="1">
+                <a:solidFill>
+                  <a:schemeClr val="accent1">
+                    <a:lumMod val="75000"/>
+                  </a:schemeClr>
+                </a:solidFill>
+              </a:rPr>
+              <a:t>any</a:t>
+            </a:r>
+            <a:r>
+              <a:rPr lang="pl-PL" sz="1800" dirty="0">
+                <a:solidFill>
+                  <a:schemeClr val="accent1">
+                    <a:lumMod val="75000"/>
+                  </a:schemeClr>
+                </a:solidFill>
+              </a:rPr>
+              <a:t> test </a:t>
+            </a:r>
+            <a:r>
+              <a:rPr lang="pl-PL" sz="1800" dirty="0" err="1">
+                <a:solidFill>
+                  <a:schemeClr val="accent1">
+                    <a:lumMod val="75000"/>
+                  </a:schemeClr>
+                </a:solidFill>
+              </a:rPr>
+              <a:t>detected</a:t>
+            </a:r>
+            <a:r>
+              <a:rPr lang="pl-PL" sz="1800" dirty="0">
+                <a:solidFill>
+                  <a:schemeClr val="accent1">
+                    <a:lumMod val="75000"/>
+                  </a:schemeClr>
+                </a:solidFill>
+              </a:rPr>
+              <a:t> </a:t>
+            </a:r>
+            <a:r>
+              <a:rPr lang="pl-PL" sz="1800" dirty="0" err="1">
+                <a:solidFill>
+                  <a:schemeClr val="accent1">
+                    <a:lumMod val="75000"/>
+                  </a:schemeClr>
+                </a:solidFill>
+              </a:rPr>
+              <a:t>this</a:t>
+            </a:r>
+            <a:r>
+              <a:rPr lang="pl-PL" sz="1800" dirty="0">
+                <a:solidFill>
+                  <a:schemeClr val="accent1">
+                    <a:lumMod val="75000"/>
+                  </a:schemeClr>
+                </a:solidFill>
+              </a:rPr>
+              <a:t> </a:t>
+            </a:r>
+            <a:r>
+              <a:rPr lang="pl-PL" sz="1800" dirty="0" err="1"/>
+              <a:t>change</a:t>
+            </a:r>
+            <a:r>
+              <a:rPr lang="pl-PL" sz="1800" dirty="0"/>
+              <a:t> and </a:t>
+            </a:r>
+            <a:r>
+              <a:rPr lang="pl-PL" sz="1800" dirty="0" err="1"/>
+              <a:t>failed</a:t>
+            </a:r>
+            <a:r>
+              <a:rPr lang="pl-PL" sz="1800" dirty="0"/>
+              <a:t>.</a:t>
             </a:r>
           </a:p>
         </p:txBody>
       </p:sp>
-      <p:graphicFrame>
-        <p:nvGraphicFramePr>
-          <p:cNvPr id="4" name="Object 3" hidden="1">
+    </p:spTree>
+    <p:extLst>
+      <p:ext uri="{BB962C8B-B14F-4D97-AF65-F5344CB8AC3E}">
+        <p14:creationId xmlns:p14="http://schemas.microsoft.com/office/powerpoint/2010/main" val="3981840890"/>
+      </p:ext>
+    </p:extLst>
+  </p:cSld>
+  <p:clrMapOvr>
+    <a:masterClrMapping/>
+  </p:clrMapOvr>
+  <mc:AlternateContent xmlns:mc="http://schemas.openxmlformats.org/markup-compatibility/2006">
+    <mc:Choice xmlns:p14="http://schemas.microsoft.com/office/powerpoint/2010/main" Requires="p14">
+      <p:transition spd="med" p14:dur="700">
+        <p:fade/>
+      </p:transition>
+    </mc:Choice>
+    <mc:Fallback>
+      <p:transition spd="med">
+        <p:fade/>
+      </p:transition>
+    </mc:Fallback>
+  </mc:AlternateContent>
+</p:sld>
+</file>
+
+<file path=ppt/slides/slide11.xml><?xml version="1.0" encoding="utf-8"?>
+<p:sld xmlns:a="http://schemas.openxmlformats.org/drawingml/2006/main" xmlns:r="http://schemas.openxmlformats.org/officeDocument/2006/relationships" xmlns:p="http://schemas.openxmlformats.org/presentationml/2006/main">
+  <p:cSld>
+    <p:spTree>
+      <p:nvGrpSpPr>
+        <p:cNvPr id="1" name=""/>
+        <p:cNvGrpSpPr/>
+        <p:nvPr/>
+      </p:nvGrpSpPr>
+      <p:grpSpPr>
+        <a:xfrm>
+          <a:off x="0" y="0"/>
+          <a:ext cx="0" cy="0"/>
+          <a:chOff x="0" y="0"/>
+          <a:chExt cx="0" cy="0"/>
+        </a:xfrm>
+      </p:grpSpPr>
+      <p:sp>
+        <p:nvSpPr>
+          <p:cNvPr id="4" name="Content Placeholder 3">
             <a:extLst>
               <a:ext uri="{FF2B5EF4-FFF2-40B4-BE49-F238E27FC236}">
-                <a16:creationId xmlns:a16="http://schemas.microsoft.com/office/drawing/2014/main" id="{DD5033BE-E220-4FCE-9BCE-55F73C2F1C92}"/>
+                <a16:creationId xmlns:a16="http://schemas.microsoft.com/office/drawing/2014/main" id="{52756FBF-A39D-4D8E-847A-42E970536F10}"/>
               </a:ext>
             </a:extLst>
           </p:cNvPr>
-          <p:cNvGraphicFramePr>
-            <a:graphicFrameLocks noChangeAspect="1"/>
-          </p:cNvGraphicFramePr>
+          <p:cNvSpPr>
+            <a:spLocks noGrp="1"/>
+          </p:cNvSpPr>
           <p:nvPr>
-            <p:custDataLst>
-              <p:tags r:id="rId2"/>
-            </p:custDataLst>
+            <p:ph idx="1"/>
           </p:nvPr>
-        </p:nvGraphicFramePr>
-        <p:xfrm>
-          <a:off x="1589" y="1589"/>
-          <a:ext cx="1588" cy="1588"/>
-        </p:xfrm>
-        <a:graphic>
-          <a:graphicData uri="http://schemas.openxmlformats.org/presentationml/2006/ole">
-            <mc:AlternateContent xmlns:mc="http://schemas.openxmlformats.org/markup-compatibility/2006">
-              <mc:Choice xmlns:v="urn:schemas-microsoft-com:vml" Requires="v">
-                <p:oleObj spid="_x0000_s25601" name="think-cell Slide" r:id="rId5" imgW="360" imgH="360" progId="TCLayout.ActiveDocument.1">
-                  <p:embed/>
-                </p:oleObj>
-              </mc:Choice>
-              <mc:Fallback>
-                <p:oleObj name="think-cell Slide" r:id="rId5" imgW="360" imgH="360" progId="TCLayout.ActiveDocument.1">
-                  <p:embed/>
-                  <p:pic>
-                    <p:nvPicPr>
-                      <p:cNvPr id="4" name="Object 3" hidden="1">
-                        <a:extLst>
-                          <a:ext uri="{FF2B5EF4-FFF2-40B4-BE49-F238E27FC236}">
-                            <a16:creationId xmlns:a16="http://schemas.microsoft.com/office/drawing/2014/main" id="{DD5033BE-E220-4FCE-9BCE-55F73C2F1C92}"/>
-                          </a:ext>
-                        </a:extLst>
-                      </p:cNvPr>
-                      <p:cNvPicPr/>
-                      <p:nvPr/>
-                    </p:nvPicPr>
-                    <p:blipFill>
-                      <a:blip r:embed="rId6"/>
-                      <a:stretch>
-                        <a:fillRect/>
-                      </a:stretch>
-                    </p:blipFill>
-                    <p:spPr>
-                      <a:xfrm>
-                        <a:off x="1589" y="1589"/>
-                        <a:ext cx="1588" cy="1588"/>
-                      </a:xfrm>
-                      <a:prstGeom prst="rect">
-                        <a:avLst/>
-                      </a:prstGeom>
-                    </p:spPr>
-                  </p:pic>
-                </p:oleObj>
-              </mc:Fallback>
-            </mc:AlternateContent>
-          </a:graphicData>
-        </a:graphic>
-      </p:graphicFrame>
-      <p:sp>
-        <p:nvSpPr>
-          <p:cNvPr id="5" name="TextBox 4">
-            <a:extLst>
-              <a:ext uri="{FF2B5EF4-FFF2-40B4-BE49-F238E27FC236}">
-                <a16:creationId xmlns:a16="http://schemas.microsoft.com/office/drawing/2014/main" id="{8B86315F-7F7C-4308-9A86-851CB9E58C0B}"/>
-              </a:ext>
-            </a:extLst>
-          </p:cNvPr>
-          <p:cNvSpPr txBox="1"/>
-          <p:nvPr/>
         </p:nvSpPr>
-        <p:spPr>
-          <a:xfrm>
-            <a:off x="3206184" y="1832614"/>
-            <a:ext cx="3675926" cy="830997"/>
-          </a:xfrm>
-          <a:prstGeom prst="rect">
-            <a:avLst/>
-          </a:prstGeom>
-          <a:noFill/>
-        </p:spPr>
+        <p:spPr/>
         <p:txBody>
-          <a:bodyPr wrap="square" lIns="91440" tIns="45720" rIns="91440" bIns="45720" rtlCol="0" anchor="ctr">
-            <a:spAutoFit/>
+          <a:bodyPr>
+            <a:normAutofit lnSpcReduction="10000"/>
           </a:bodyPr>
           <a:lstStyle/>
           <a:p>
-            <a:pPr algn="ctr"/>
-            <a:r>
-              <a:rPr lang="en-US" sz="2400" b="1" dirty="0">
-                <a:solidFill>
-                  <a:schemeClr val="accent1"/>
-                </a:solidFill>
-                <a:latin typeface="+mj-lt"/>
-                <a:ea typeface="ＭＳ Ｐゴシック"/>
-              </a:rPr>
-              <a:t>Konrad </a:t>
-            </a:r>
-            <a:r>
-              <a:rPr lang="en-US" sz="2400" b="1" dirty="0" err="1">
-                <a:solidFill>
-                  <a:schemeClr val="accent1"/>
-                </a:solidFill>
-                <a:latin typeface="+mj-lt"/>
-                <a:ea typeface="ＭＳ Ｐゴシック"/>
-              </a:rPr>
-              <a:t>Gałczyński</a:t>
-            </a:r>
-            <a:r>
-              <a:rPr lang="en-US" sz="2400" b="1" dirty="0">
-                <a:solidFill>
-                  <a:schemeClr val="accent1"/>
-                </a:solidFill>
-                <a:latin typeface="+mj-lt"/>
-                <a:ea typeface="ＭＳ Ｐゴシック"/>
-              </a:rPr>
-              <a:t> </a:t>
-            </a:r>
-            <a:endParaRPr lang="en-US" dirty="0">
-              <a:solidFill>
-                <a:schemeClr val="accent1"/>
-              </a:solidFill>
-            </a:endParaRPr>
-          </a:p>
-          <a:p>
-            <a:pPr algn="ctr"/>
-            <a:r>
-              <a:rPr lang="en-US" sz="1200" dirty="0">
-                <a:solidFill>
-                  <a:schemeClr val="tx2"/>
-                </a:solidFill>
-                <a:latin typeface="+mj-lt"/>
-                <a:ea typeface="ＭＳ Ｐゴシック"/>
-              </a:rPr>
-              <a:t>Senior Software Engineer</a:t>
-            </a:r>
-            <a:endParaRPr lang="en-US" dirty="0">
-              <a:solidFill>
-                <a:schemeClr val="tx2"/>
-              </a:solidFill>
-              <a:ea typeface="ＭＳ Ｐゴシック"/>
-            </a:endParaRPr>
-          </a:p>
-          <a:p>
-            <a:pPr algn="ctr"/>
-            <a:endParaRPr lang="en-US" sz="1200" dirty="0">
-              <a:solidFill>
-                <a:schemeClr val="tx2"/>
-              </a:solidFill>
-              <a:latin typeface="+mj-lt"/>
-              <a:cs typeface="Arial"/>
-            </a:endParaRPr>
+            <a:r>
+              <a:rPr lang="pl-PL" sz="1400" dirty="0" err="1"/>
+              <a:t>Based</a:t>
+            </a:r>
+            <a:r>
+              <a:rPr lang="pl-PL" sz="1400" dirty="0"/>
+              <a:t> on </a:t>
+            </a:r>
+            <a:r>
+              <a:rPr lang="pl-PL" sz="1400" dirty="0" err="1"/>
+              <a:t>two</a:t>
+            </a:r>
+            <a:r>
+              <a:rPr lang="pl-PL" sz="1400" dirty="0"/>
+              <a:t> </a:t>
+            </a:r>
+            <a:r>
+              <a:rPr lang="pl-PL" sz="1400" dirty="0" err="1"/>
+              <a:t>hypothesis</a:t>
+            </a:r>
+            <a:r>
+              <a:rPr lang="pl-PL" sz="1400" dirty="0"/>
+              <a:t>:</a:t>
+            </a:r>
+          </a:p>
+          <a:p>
+            <a:pPr lvl="1"/>
+            <a:r>
+              <a:rPr lang="en-US" sz="1400" dirty="0"/>
+              <a:t>experienced programmers introduce bugs by making small mistakes</a:t>
+            </a:r>
+            <a:endParaRPr lang="pl-PL" sz="1400" dirty="0"/>
+          </a:p>
+          <a:p>
+            <a:pPr lvl="1"/>
+            <a:r>
+              <a:rPr lang="en-US" sz="1400" dirty="0"/>
+              <a:t>small faults can cascade to bigger faults and catching small faults will also prevent big faults to happen</a:t>
+            </a:r>
+            <a:endParaRPr lang="pl-PL" sz="1600" dirty="0"/>
+          </a:p>
+          <a:p>
+            <a:r>
+              <a:rPr lang="pl-PL" sz="1400" dirty="0" err="1"/>
+              <a:t>Glossary</a:t>
+            </a:r>
+            <a:endParaRPr lang="pl-PL" sz="1400" dirty="0"/>
+          </a:p>
+          <a:p>
+            <a:pPr lvl="1"/>
+            <a:r>
+              <a:rPr lang="pl-PL" sz="1400" dirty="0" err="1"/>
+              <a:t>Mutations</a:t>
+            </a:r>
+            <a:r>
+              <a:rPr lang="pl-PL" sz="1400" dirty="0"/>
+              <a:t> operator/</a:t>
+            </a:r>
+            <a:r>
+              <a:rPr lang="pl-PL" sz="1400" dirty="0" err="1"/>
+              <a:t>mutator</a:t>
+            </a:r>
+            <a:r>
+              <a:rPr lang="pl-PL" sz="1400" dirty="0"/>
+              <a:t> – </a:t>
+            </a:r>
+            <a:r>
+              <a:rPr lang="pl-PL" sz="1400" dirty="0" err="1"/>
+              <a:t>operation</a:t>
+            </a:r>
+            <a:r>
+              <a:rPr lang="pl-PL" sz="1400" dirty="0"/>
+              <a:t> applied to </a:t>
+            </a:r>
+            <a:r>
+              <a:rPr lang="pl-PL" sz="1400" dirty="0" err="1"/>
+              <a:t>original</a:t>
+            </a:r>
+            <a:r>
+              <a:rPr lang="pl-PL" sz="1400" dirty="0"/>
+              <a:t> </a:t>
+            </a:r>
+            <a:r>
+              <a:rPr lang="pl-PL" sz="1400" dirty="0" err="1"/>
+              <a:t>code</a:t>
+            </a:r>
+            <a:r>
+              <a:rPr lang="pl-PL" sz="1400" dirty="0"/>
+              <a:t> (for </a:t>
+            </a:r>
+            <a:r>
+              <a:rPr lang="pl-PL" sz="1400" dirty="0" err="1"/>
+              <a:t>example</a:t>
+            </a:r>
+            <a:r>
+              <a:rPr lang="pl-PL" sz="1400" dirty="0"/>
+              <a:t> </a:t>
+            </a:r>
+            <a:r>
+              <a:rPr lang="pl-PL" sz="1400" dirty="0" err="1"/>
+              <a:t>changing</a:t>
+            </a:r>
+            <a:r>
+              <a:rPr lang="pl-PL" sz="1400" dirty="0"/>
+              <a:t> `&lt;` operator to `&gt;=`</a:t>
+            </a:r>
+          </a:p>
+          <a:p>
+            <a:pPr lvl="1"/>
+            <a:r>
+              <a:rPr lang="pl-PL" sz="1400" dirty="0"/>
+              <a:t>Mutant – </a:t>
+            </a:r>
+            <a:r>
+              <a:rPr lang="pl-PL" sz="1400" dirty="0" err="1"/>
+              <a:t>result</a:t>
+            </a:r>
+            <a:r>
+              <a:rPr lang="pl-PL" sz="1400" dirty="0"/>
+              <a:t> of </a:t>
+            </a:r>
+            <a:r>
+              <a:rPr lang="pl-PL" sz="1400" dirty="0" err="1"/>
+              <a:t>applying</a:t>
+            </a:r>
+            <a:r>
+              <a:rPr lang="pl-PL" sz="1400" dirty="0"/>
+              <a:t> </a:t>
+            </a:r>
+            <a:r>
+              <a:rPr lang="pl-PL" sz="1400" dirty="0" err="1"/>
+              <a:t>mutator</a:t>
+            </a:r>
+            <a:r>
+              <a:rPr lang="pl-PL" sz="1400" dirty="0"/>
+              <a:t> to </a:t>
+            </a:r>
+            <a:r>
+              <a:rPr lang="pl-PL" sz="1400" dirty="0" err="1"/>
+              <a:t>specified</a:t>
+            </a:r>
+            <a:r>
+              <a:rPr lang="pl-PL" sz="1400" dirty="0"/>
+              <a:t> </a:t>
+            </a:r>
+            <a:r>
+              <a:rPr lang="pl-PL" sz="1400" dirty="0" err="1"/>
+              <a:t>enitity</a:t>
+            </a:r>
+            <a:r>
+              <a:rPr lang="pl-PL" sz="1400" dirty="0"/>
+              <a:t> (</a:t>
+            </a:r>
+            <a:r>
+              <a:rPr lang="pl-PL" sz="1400" dirty="0" err="1"/>
+              <a:t>typically</a:t>
+            </a:r>
+            <a:r>
+              <a:rPr lang="pl-PL" sz="1400" dirty="0"/>
+              <a:t> a </a:t>
+            </a:r>
+            <a:r>
+              <a:rPr lang="pl-PL" sz="1400" dirty="0" err="1"/>
+              <a:t>class</a:t>
+            </a:r>
+            <a:r>
+              <a:rPr lang="pl-PL" sz="1400" dirty="0"/>
+              <a:t>)</a:t>
+            </a:r>
+          </a:p>
+          <a:p>
+            <a:pPr lvl="1"/>
+            <a:r>
+              <a:rPr lang="pl-PL" sz="1400" dirty="0"/>
+              <a:t>Mutant </a:t>
+            </a:r>
+            <a:r>
+              <a:rPr lang="pl-PL" sz="1400" dirty="0" err="1"/>
+              <a:t>killed</a:t>
+            </a:r>
+            <a:r>
+              <a:rPr lang="pl-PL" sz="1400" dirty="0"/>
+              <a:t> – </a:t>
+            </a:r>
+            <a:r>
+              <a:rPr lang="pl-PL" sz="1400" dirty="0" err="1"/>
+              <a:t>at</a:t>
+            </a:r>
+            <a:r>
+              <a:rPr lang="pl-PL" sz="1400" dirty="0"/>
+              <a:t> </a:t>
+            </a:r>
+            <a:r>
+              <a:rPr lang="pl-PL" sz="1400" dirty="0" err="1"/>
+              <a:t>least</a:t>
+            </a:r>
+            <a:r>
+              <a:rPr lang="pl-PL" sz="1400" dirty="0"/>
+              <a:t> one test from </a:t>
+            </a:r>
+            <a:r>
+              <a:rPr lang="pl-PL" sz="1400" dirty="0" err="1"/>
+              <a:t>suite</a:t>
+            </a:r>
+            <a:r>
+              <a:rPr lang="pl-PL" sz="1400" dirty="0"/>
+              <a:t> </a:t>
+            </a:r>
+            <a:r>
+              <a:rPr lang="pl-PL" sz="1400" dirty="0" err="1"/>
+              <a:t>failed</a:t>
+            </a:r>
+            <a:r>
+              <a:rPr lang="pl-PL" sz="1400" dirty="0"/>
+              <a:t> </a:t>
+            </a:r>
+            <a:r>
+              <a:rPr lang="pl-PL" sz="1400" dirty="0" err="1"/>
+              <a:t>when</a:t>
+            </a:r>
+            <a:r>
+              <a:rPr lang="pl-PL" sz="1400" dirty="0"/>
+              <a:t> </a:t>
+            </a:r>
+            <a:r>
+              <a:rPr lang="pl-PL" sz="1400" dirty="0" err="1"/>
+              <a:t>executed</a:t>
+            </a:r>
+            <a:r>
+              <a:rPr lang="pl-PL" sz="1400" dirty="0"/>
+              <a:t> </a:t>
+            </a:r>
+            <a:r>
+              <a:rPr lang="pl-PL" sz="1400" dirty="0" err="1"/>
+              <a:t>against</a:t>
+            </a:r>
+            <a:r>
+              <a:rPr lang="pl-PL" sz="1400" dirty="0"/>
+              <a:t> </a:t>
+            </a:r>
+            <a:r>
+              <a:rPr lang="pl-PL" sz="1400" dirty="0" err="1"/>
+              <a:t>mutated</a:t>
+            </a:r>
+            <a:r>
+              <a:rPr lang="pl-PL" sz="1400" dirty="0"/>
+              <a:t> </a:t>
+            </a:r>
+            <a:r>
+              <a:rPr lang="pl-PL" sz="1400" dirty="0" err="1"/>
+              <a:t>code</a:t>
+            </a:r>
+            <a:endParaRPr lang="pl-PL" sz="1400" dirty="0"/>
+          </a:p>
+          <a:p>
+            <a:pPr lvl="1"/>
+            <a:r>
+              <a:rPr lang="pl-PL" sz="1400" dirty="0"/>
+              <a:t>Mutant </a:t>
+            </a:r>
+            <a:r>
+              <a:rPr lang="pl-PL" sz="1400" dirty="0" err="1"/>
+              <a:t>survived</a:t>
+            </a:r>
+            <a:r>
+              <a:rPr lang="pl-PL" sz="1400" dirty="0"/>
+              <a:t> – no test from </a:t>
+            </a:r>
+            <a:r>
+              <a:rPr lang="pl-PL" sz="1400" dirty="0" err="1"/>
+              <a:t>suite</a:t>
+            </a:r>
+            <a:r>
+              <a:rPr lang="pl-PL" sz="1400" dirty="0"/>
+              <a:t> </a:t>
+            </a:r>
+            <a:r>
+              <a:rPr lang="pl-PL" sz="1400" dirty="0" err="1"/>
+              <a:t>failed</a:t>
+            </a:r>
+            <a:r>
+              <a:rPr lang="pl-PL" sz="1400" dirty="0"/>
+              <a:t> </a:t>
+            </a:r>
+            <a:r>
+              <a:rPr lang="pl-PL" sz="1400" dirty="0" err="1"/>
+              <a:t>when</a:t>
+            </a:r>
+            <a:r>
+              <a:rPr lang="pl-PL" sz="1400" dirty="0"/>
+              <a:t> </a:t>
+            </a:r>
+            <a:r>
+              <a:rPr lang="pl-PL" sz="1400" dirty="0" err="1"/>
+              <a:t>executed</a:t>
+            </a:r>
+            <a:r>
+              <a:rPr lang="pl-PL" sz="1400" dirty="0"/>
+              <a:t> </a:t>
+            </a:r>
+            <a:r>
+              <a:rPr lang="pl-PL" sz="1400" dirty="0" err="1"/>
+              <a:t>against</a:t>
+            </a:r>
+            <a:r>
+              <a:rPr lang="pl-PL" sz="1400" dirty="0"/>
+              <a:t> </a:t>
+            </a:r>
+            <a:r>
+              <a:rPr lang="pl-PL" sz="1400" dirty="0" err="1"/>
+              <a:t>mutated</a:t>
+            </a:r>
+            <a:r>
+              <a:rPr lang="pl-PL" sz="1400" dirty="0"/>
+              <a:t> </a:t>
+            </a:r>
+            <a:r>
+              <a:rPr lang="pl-PL" sz="1400" dirty="0" err="1"/>
+              <a:t>code</a:t>
+            </a:r>
+            <a:endParaRPr lang="pl-PL" sz="1400" dirty="0"/>
+          </a:p>
+          <a:p>
+            <a:pPr lvl="1"/>
+            <a:r>
+              <a:rPr lang="pl-PL" sz="1400" dirty="0" err="1"/>
+              <a:t>Mutation</a:t>
+            </a:r>
+            <a:r>
+              <a:rPr lang="pl-PL" sz="1400" dirty="0"/>
+              <a:t> </a:t>
+            </a:r>
+            <a:r>
+              <a:rPr lang="pl-PL" sz="1400" dirty="0" err="1"/>
+              <a:t>buckets</a:t>
+            </a:r>
+            <a:r>
+              <a:rPr lang="pl-PL" sz="1400" dirty="0"/>
+              <a:t> – </a:t>
+            </a:r>
+            <a:r>
+              <a:rPr lang="pl-PL" sz="1400" dirty="0" err="1"/>
+              <a:t>modified</a:t>
+            </a:r>
+            <a:r>
+              <a:rPr lang="pl-PL" sz="1400" dirty="0"/>
+              <a:t> </a:t>
+            </a:r>
+            <a:r>
+              <a:rPr lang="pl-PL" sz="1400" dirty="0" err="1"/>
+              <a:t>code</a:t>
+            </a:r>
+            <a:r>
+              <a:rPr lang="pl-PL" sz="1400" dirty="0"/>
+              <a:t> </a:t>
+            </a:r>
+            <a:r>
+              <a:rPr lang="pl-PL" sz="1400" dirty="0" err="1"/>
+              <a:t>can</a:t>
+            </a:r>
+            <a:r>
+              <a:rPr lang="pl-PL" sz="1400" dirty="0"/>
+              <a:t> be </a:t>
+            </a:r>
+            <a:r>
+              <a:rPr lang="pl-PL" sz="1400" dirty="0" err="1"/>
+              <a:t>valid</a:t>
+            </a:r>
+            <a:r>
+              <a:rPr lang="pl-PL" sz="1400" dirty="0"/>
+              <a:t>, not </a:t>
+            </a:r>
+            <a:r>
+              <a:rPr lang="pl-PL" sz="1400" dirty="0" err="1"/>
+              <a:t>valid</a:t>
+            </a:r>
+            <a:r>
+              <a:rPr lang="pl-PL" sz="1400" dirty="0"/>
+              <a:t> </a:t>
+            </a:r>
+            <a:r>
+              <a:rPr lang="pl-PL" sz="1400" dirty="0" err="1"/>
+              <a:t>or</a:t>
+            </a:r>
+            <a:r>
+              <a:rPr lang="pl-PL" sz="1400" dirty="0"/>
+              <a:t> </a:t>
+            </a:r>
+            <a:r>
+              <a:rPr lang="pl-PL" sz="1400" dirty="0" err="1"/>
+              <a:t>equivalent</a:t>
+            </a:r>
+            <a:r>
+              <a:rPr lang="pl-PL" sz="1400" dirty="0"/>
+              <a:t> to </a:t>
+            </a:r>
+            <a:r>
+              <a:rPr lang="pl-PL" sz="1400" dirty="0" err="1"/>
+              <a:t>other</a:t>
+            </a:r>
+            <a:r>
+              <a:rPr lang="pl-PL" sz="1400" dirty="0"/>
+              <a:t> </a:t>
+            </a:r>
+            <a:r>
+              <a:rPr lang="pl-PL" sz="1400" dirty="0" err="1"/>
+              <a:t>mutations</a:t>
+            </a:r>
+            <a:endParaRPr lang="pl-PL" sz="1400" dirty="0"/>
           </a:p>
         </p:txBody>
       </p:sp>
@@ -8443,7 +9458,557 @@
           <p:cNvPr id="2" name="Title 1">
             <a:extLst>
               <a:ext uri="{FF2B5EF4-FFF2-40B4-BE49-F238E27FC236}">
-                <a16:creationId xmlns:a16="http://schemas.microsoft.com/office/drawing/2014/main" id="{4F9453A7-33F9-42DC-A527-6A05B25E391F}"/>
+                <a16:creationId xmlns:a16="http://schemas.microsoft.com/office/drawing/2014/main" id="{9F330C78-AE15-4C22-9298-CD62FABE4066}"/>
+              </a:ext>
+            </a:extLst>
+          </p:cNvPr>
+          <p:cNvSpPr>
+            <a:spLocks noGrp="1"/>
+          </p:cNvSpPr>
+          <p:nvPr>
+            <p:ph type="title"/>
+          </p:nvPr>
+        </p:nvSpPr>
+        <p:spPr/>
+        <p:txBody>
+          <a:bodyPr anchor="ctr">
+            <a:normAutofit fontScale="90000"/>
+          </a:bodyPr>
+          <a:lstStyle/>
+          <a:p>
+            <a:r>
+              <a:rPr lang="pl-PL" sz="2000" dirty="0" err="1"/>
+              <a:t>Mutation</a:t>
+            </a:r>
+            <a:r>
+              <a:rPr lang="pl-PL" sz="2000" dirty="0"/>
+              <a:t> </a:t>
+            </a:r>
+            <a:r>
+              <a:rPr lang="pl-PL" sz="2000" dirty="0" err="1"/>
+              <a:t>testing</a:t>
+            </a:r>
+            <a:r>
+              <a:rPr lang="pl-PL" sz="2000" dirty="0"/>
+              <a:t> </a:t>
+            </a:r>
+            <a:r>
+              <a:rPr lang="pl-PL" sz="2000" dirty="0" err="1"/>
+              <a:t>concepts</a:t>
+            </a:r>
+            <a:endParaRPr lang="pl-PL" sz="1600" dirty="0"/>
+          </a:p>
+        </p:txBody>
+      </p:sp>
+    </p:spTree>
+    <p:extLst>
+      <p:ext uri="{BB962C8B-B14F-4D97-AF65-F5344CB8AC3E}">
+        <p14:creationId xmlns:p14="http://schemas.microsoft.com/office/powerpoint/2010/main" val="543761337"/>
+      </p:ext>
+    </p:extLst>
+  </p:cSld>
+  <p:clrMapOvr>
+    <a:masterClrMapping/>
+  </p:clrMapOvr>
+  <mc:AlternateContent xmlns:mc="http://schemas.openxmlformats.org/markup-compatibility/2006">
+    <mc:Choice xmlns:p14="http://schemas.microsoft.com/office/powerpoint/2010/main" Requires="p14">
+      <p:transition spd="med" p14:dur="700">
+        <p:fade/>
+      </p:transition>
+    </mc:Choice>
+    <mc:Fallback>
+      <p:transition spd="med">
+        <p:fade/>
+      </p:transition>
+    </mc:Fallback>
+  </mc:AlternateContent>
+</p:sld>
+</file>
+
+<file path=ppt/slides/slide12.xml><?xml version="1.0" encoding="utf-8"?>
+<p:sld xmlns:a="http://schemas.openxmlformats.org/drawingml/2006/main" xmlns:r="http://schemas.openxmlformats.org/officeDocument/2006/relationships" xmlns:p="http://schemas.openxmlformats.org/presentationml/2006/main">
+  <p:cSld>
+    <p:spTree>
+      <p:nvGrpSpPr>
+        <p:cNvPr id="1" name=""/>
+        <p:cNvGrpSpPr/>
+        <p:nvPr/>
+      </p:nvGrpSpPr>
+      <p:grpSpPr>
+        <a:xfrm>
+          <a:off x="0" y="0"/>
+          <a:ext cx="0" cy="0"/>
+          <a:chOff x="0" y="0"/>
+          <a:chExt cx="0" cy="0"/>
+        </a:xfrm>
+      </p:grpSpPr>
+      <p:sp>
+        <p:nvSpPr>
+          <p:cNvPr id="4" name="Content Placeholder 3">
+            <a:extLst>
+              <a:ext uri="{FF2B5EF4-FFF2-40B4-BE49-F238E27FC236}">
+                <a16:creationId xmlns:a16="http://schemas.microsoft.com/office/drawing/2014/main" id="{52756FBF-A39D-4D8E-847A-42E970536F10}"/>
+              </a:ext>
+            </a:extLst>
+          </p:cNvPr>
+          <p:cNvSpPr>
+            <a:spLocks noGrp="1"/>
+          </p:cNvSpPr>
+          <p:nvPr>
+            <p:ph idx="1"/>
+          </p:nvPr>
+        </p:nvSpPr>
+        <p:spPr/>
+        <p:txBody>
+          <a:bodyPr>
+            <a:normAutofit/>
+          </a:bodyPr>
+          <a:lstStyle/>
+          <a:p>
+            <a:r>
+              <a:rPr lang="pl-PL" sz="1400" dirty="0" err="1"/>
+              <a:t>Arithmetic</a:t>
+            </a:r>
+            <a:r>
+              <a:rPr lang="pl-PL" sz="1400" dirty="0"/>
+              <a:t> </a:t>
+            </a:r>
+            <a:r>
+              <a:rPr lang="pl-PL" sz="1400" dirty="0" err="1"/>
+              <a:t>operations</a:t>
+            </a:r>
+            <a:r>
+              <a:rPr lang="pl-PL" sz="1400" dirty="0"/>
+              <a:t> – `+` </a:t>
+            </a:r>
+            <a:r>
+              <a:rPr lang="pl-PL" sz="1400" dirty="0" err="1"/>
+              <a:t>changes</a:t>
+            </a:r>
+            <a:r>
+              <a:rPr lang="pl-PL" sz="1400" dirty="0"/>
+              <a:t> to `-`, `*` </a:t>
+            </a:r>
+            <a:r>
+              <a:rPr lang="pl-PL" sz="1400" dirty="0" err="1"/>
+              <a:t>changes</a:t>
+            </a:r>
+            <a:r>
+              <a:rPr lang="pl-PL" sz="1400" dirty="0"/>
+              <a:t> to `/`</a:t>
+            </a:r>
+          </a:p>
+          <a:p>
+            <a:r>
+              <a:rPr lang="pl-PL" sz="1400" dirty="0" err="1"/>
+              <a:t>Equality</a:t>
+            </a:r>
+            <a:r>
+              <a:rPr lang="pl-PL" sz="1400" dirty="0"/>
+              <a:t> </a:t>
+            </a:r>
+            <a:r>
+              <a:rPr lang="pl-PL" sz="1400" dirty="0" err="1"/>
+              <a:t>operations</a:t>
+            </a:r>
+            <a:r>
+              <a:rPr lang="pl-PL" sz="1400" dirty="0"/>
+              <a:t> – `==` </a:t>
+            </a:r>
+            <a:r>
+              <a:rPr lang="pl-PL" sz="1400" dirty="0" err="1"/>
+              <a:t>changes</a:t>
+            </a:r>
+            <a:r>
+              <a:rPr lang="pl-PL" sz="1400" dirty="0"/>
+              <a:t> to `!=`, `&gt;` </a:t>
+            </a:r>
+            <a:r>
+              <a:rPr lang="pl-PL" sz="1400" dirty="0" err="1"/>
+              <a:t>changes</a:t>
+            </a:r>
+            <a:r>
+              <a:rPr lang="pl-PL" sz="1400" dirty="0"/>
+              <a:t> to `&lt;=` </a:t>
+            </a:r>
+          </a:p>
+          <a:p>
+            <a:r>
+              <a:rPr lang="pl-PL" sz="1400" dirty="0" err="1"/>
+              <a:t>Literals</a:t>
+            </a:r>
+            <a:r>
+              <a:rPr lang="pl-PL" sz="1400" dirty="0"/>
+              <a:t> and </a:t>
+            </a:r>
+            <a:r>
+              <a:rPr lang="pl-PL" sz="1400" dirty="0" err="1"/>
+              <a:t>constants</a:t>
+            </a:r>
+            <a:r>
+              <a:rPr lang="pl-PL" sz="1400" dirty="0"/>
+              <a:t> – </a:t>
+            </a:r>
+            <a:r>
+              <a:rPr lang="pl-PL" sz="1400" dirty="0" err="1"/>
+              <a:t>true</a:t>
+            </a:r>
+            <a:r>
+              <a:rPr lang="pl-PL" sz="1400" dirty="0"/>
+              <a:t> </a:t>
+            </a:r>
+            <a:r>
+              <a:rPr lang="pl-PL" sz="1400" dirty="0" err="1"/>
+              <a:t>changes</a:t>
+            </a:r>
+            <a:r>
+              <a:rPr lang="pl-PL" sz="1400" dirty="0"/>
+              <a:t> to </a:t>
+            </a:r>
+            <a:r>
+              <a:rPr lang="pl-PL" sz="1400" dirty="0" err="1"/>
+              <a:t>false</a:t>
+            </a:r>
+            <a:r>
+              <a:rPr lang="pl-PL" sz="1400" dirty="0"/>
+              <a:t>, 1 </a:t>
+            </a:r>
+            <a:r>
+              <a:rPr lang="pl-PL" sz="1400" dirty="0" err="1"/>
+              <a:t>changes</a:t>
+            </a:r>
+            <a:r>
+              <a:rPr lang="pl-PL" sz="1400" dirty="0"/>
+              <a:t> to 2, `</a:t>
+            </a:r>
+            <a:r>
+              <a:rPr lang="pl-PL" sz="1400" dirty="0" err="1"/>
+              <a:t>someString</a:t>
+            </a:r>
+            <a:r>
+              <a:rPr lang="pl-PL" sz="1400" dirty="0"/>
+              <a:t>` </a:t>
+            </a:r>
+            <a:r>
+              <a:rPr lang="pl-PL" sz="1400" dirty="0" err="1"/>
+              <a:t>changes</a:t>
+            </a:r>
+            <a:r>
+              <a:rPr lang="pl-PL" sz="1400" dirty="0"/>
+              <a:t> to `</a:t>
+            </a:r>
+            <a:r>
+              <a:rPr lang="pl-PL" sz="1400" dirty="0" err="1"/>
+              <a:t>otherString</a:t>
+            </a:r>
+            <a:r>
+              <a:rPr lang="pl-PL" sz="1400" dirty="0"/>
+              <a:t>`</a:t>
+            </a:r>
+          </a:p>
+          <a:p>
+            <a:r>
+              <a:rPr lang="pl-PL" sz="1400" dirty="0" err="1"/>
+              <a:t>Assignment</a:t>
+            </a:r>
+            <a:r>
+              <a:rPr lang="pl-PL" sz="1400" dirty="0"/>
+              <a:t> </a:t>
+            </a:r>
+            <a:r>
+              <a:rPr lang="pl-PL" sz="1400" dirty="0" err="1"/>
+              <a:t>statements</a:t>
+            </a:r>
+            <a:r>
+              <a:rPr lang="pl-PL" sz="1400" dirty="0"/>
+              <a:t> – `+=` </a:t>
+            </a:r>
+            <a:r>
+              <a:rPr lang="pl-PL" sz="1400" dirty="0" err="1"/>
+              <a:t>changes</a:t>
+            </a:r>
+            <a:r>
+              <a:rPr lang="pl-PL" sz="1400" dirty="0"/>
+              <a:t> to  `-=`, `^=` </a:t>
+            </a:r>
+            <a:r>
+              <a:rPr lang="pl-PL" sz="1400" dirty="0" err="1"/>
+              <a:t>changes</a:t>
+            </a:r>
+            <a:r>
+              <a:rPr lang="pl-PL" sz="1400" dirty="0"/>
+              <a:t> to `&amp;=`</a:t>
+            </a:r>
+          </a:p>
+          <a:p>
+            <a:r>
+              <a:rPr lang="pl-PL" sz="1400" dirty="0" err="1"/>
+              <a:t>Unary</a:t>
+            </a:r>
+            <a:r>
+              <a:rPr lang="pl-PL" sz="1400" dirty="0"/>
+              <a:t> and update </a:t>
+            </a:r>
+            <a:r>
+              <a:rPr lang="pl-PL" sz="1400" dirty="0" err="1"/>
+              <a:t>operators</a:t>
+            </a:r>
+            <a:r>
+              <a:rPr lang="pl-PL" sz="1400" dirty="0"/>
+              <a:t> - `-</a:t>
+            </a:r>
+            <a:r>
+              <a:rPr lang="pl-PL" sz="1400" dirty="0" err="1"/>
+              <a:t>variable</a:t>
+            </a:r>
+            <a:r>
+              <a:rPr lang="pl-PL" sz="1400" dirty="0"/>
+              <a:t>` </a:t>
+            </a:r>
+            <a:r>
+              <a:rPr lang="pl-PL" sz="1400" dirty="0" err="1"/>
+              <a:t>changes</a:t>
+            </a:r>
+            <a:r>
+              <a:rPr lang="pl-PL" sz="1400" dirty="0"/>
+              <a:t> to `+</a:t>
+            </a:r>
+            <a:r>
+              <a:rPr lang="pl-PL" sz="1400" dirty="0" err="1"/>
+              <a:t>variable</a:t>
+            </a:r>
+            <a:r>
+              <a:rPr lang="pl-PL" sz="1400" dirty="0"/>
+              <a:t>`, `</a:t>
+            </a:r>
+            <a:r>
+              <a:rPr lang="pl-PL" sz="1400" dirty="0" err="1"/>
+              <a:t>variable</a:t>
+            </a:r>
+            <a:r>
+              <a:rPr lang="pl-PL" sz="1400" dirty="0"/>
+              <a:t>++` </a:t>
+            </a:r>
+            <a:r>
+              <a:rPr lang="pl-PL" sz="1400" dirty="0" err="1"/>
+              <a:t>changes</a:t>
+            </a:r>
+            <a:r>
+              <a:rPr lang="pl-PL" sz="1400" dirty="0"/>
+              <a:t> to `</a:t>
+            </a:r>
+            <a:r>
+              <a:rPr lang="pl-PL" sz="1400" dirty="0" err="1"/>
+              <a:t>variable</a:t>
+            </a:r>
+            <a:r>
+              <a:rPr lang="pl-PL" sz="1400" dirty="0"/>
+              <a:t>--`</a:t>
+            </a:r>
+          </a:p>
+          <a:p>
+            <a:r>
+              <a:rPr lang="pl-PL" sz="1400" dirty="0" err="1"/>
+              <a:t>Regex</a:t>
+            </a:r>
+            <a:r>
+              <a:rPr lang="pl-PL" sz="1400" dirty="0"/>
+              <a:t> </a:t>
+            </a:r>
+            <a:r>
+              <a:rPr lang="pl-PL" sz="1400" dirty="0" err="1"/>
+              <a:t>mutators</a:t>
+            </a:r>
+            <a:endParaRPr lang="pl-PL" sz="1400" dirty="0"/>
+          </a:p>
+          <a:p>
+            <a:r>
+              <a:rPr lang="pl-PL" sz="1400" dirty="0"/>
+              <a:t>Language </a:t>
+            </a:r>
+            <a:r>
+              <a:rPr lang="pl-PL" sz="1400" dirty="0" err="1"/>
+              <a:t>specific</a:t>
+            </a:r>
+            <a:r>
+              <a:rPr lang="pl-PL" sz="1400" dirty="0"/>
+              <a:t> </a:t>
+            </a:r>
+            <a:r>
+              <a:rPr lang="pl-PL" sz="1400" dirty="0" err="1"/>
+              <a:t>mutators</a:t>
+            </a:r>
+            <a:r>
+              <a:rPr lang="pl-PL" sz="1400" dirty="0"/>
+              <a:t> – LINQ `</a:t>
+            </a:r>
+            <a:r>
+              <a:rPr lang="pl-PL" sz="1400" dirty="0" err="1"/>
+              <a:t>All</a:t>
+            </a:r>
+            <a:r>
+              <a:rPr lang="pl-PL" sz="1400" dirty="0"/>
+              <a:t>()` </a:t>
+            </a:r>
+            <a:r>
+              <a:rPr lang="pl-PL" sz="1400" dirty="0" err="1"/>
+              <a:t>changes</a:t>
+            </a:r>
+            <a:r>
+              <a:rPr lang="pl-PL" sz="1400" dirty="0"/>
+              <a:t> to LINQ `</a:t>
+            </a:r>
+            <a:r>
+              <a:rPr lang="pl-PL" sz="1400" dirty="0" err="1"/>
+              <a:t>Any</a:t>
+            </a:r>
+            <a:r>
+              <a:rPr lang="pl-PL" sz="1400"/>
+              <a:t>()`</a:t>
+            </a:r>
+            <a:endParaRPr lang="pl-PL" sz="1400" dirty="0"/>
+          </a:p>
+        </p:txBody>
+      </p:sp>
+      <p:sp>
+        <p:nvSpPr>
+          <p:cNvPr id="2" name="Title 1">
+            <a:extLst>
+              <a:ext uri="{FF2B5EF4-FFF2-40B4-BE49-F238E27FC236}">
+                <a16:creationId xmlns:a16="http://schemas.microsoft.com/office/drawing/2014/main" id="{9F330C78-AE15-4C22-9298-CD62FABE4066}"/>
+              </a:ext>
+            </a:extLst>
+          </p:cNvPr>
+          <p:cNvSpPr>
+            <a:spLocks noGrp="1"/>
+          </p:cNvSpPr>
+          <p:nvPr>
+            <p:ph type="title"/>
+          </p:nvPr>
+        </p:nvSpPr>
+        <p:spPr/>
+        <p:txBody>
+          <a:bodyPr anchor="ctr">
+            <a:normAutofit fontScale="90000"/>
+          </a:bodyPr>
+          <a:lstStyle/>
+          <a:p>
+            <a:r>
+              <a:rPr lang="pl-PL" sz="2000" dirty="0" err="1"/>
+              <a:t>Mutators</a:t>
+            </a:r>
+            <a:r>
+              <a:rPr lang="pl-PL" sz="2000" dirty="0"/>
+              <a:t> </a:t>
+            </a:r>
+            <a:r>
+              <a:rPr lang="pl-PL" sz="2000" dirty="0" err="1"/>
+              <a:t>examples</a:t>
+            </a:r>
+            <a:endParaRPr lang="pl-PL" sz="1600" dirty="0"/>
+          </a:p>
+        </p:txBody>
+      </p:sp>
+    </p:spTree>
+    <p:extLst>
+      <p:ext uri="{BB962C8B-B14F-4D97-AF65-F5344CB8AC3E}">
+        <p14:creationId xmlns:p14="http://schemas.microsoft.com/office/powerpoint/2010/main" val="1938845842"/>
+      </p:ext>
+    </p:extLst>
+  </p:cSld>
+  <p:clrMapOvr>
+    <a:masterClrMapping/>
+  </p:clrMapOvr>
+  <mc:AlternateContent xmlns:mc="http://schemas.openxmlformats.org/markup-compatibility/2006">
+    <mc:Choice xmlns:p14="http://schemas.microsoft.com/office/powerpoint/2010/main" Requires="p14">
+      <p:transition spd="med" p14:dur="700">
+        <p:fade/>
+      </p:transition>
+    </mc:Choice>
+    <mc:Fallback>
+      <p:transition spd="med">
+        <p:fade/>
+      </p:transition>
+    </mc:Fallback>
+  </mc:AlternateContent>
+</p:sld>
+</file>
+
+<file path=ppt/slides/slide13.xml><?xml version="1.0" encoding="utf-8"?>
+<p:sld xmlns:a="http://schemas.openxmlformats.org/drawingml/2006/main" xmlns:r="http://schemas.openxmlformats.org/officeDocument/2006/relationships" xmlns:p="http://schemas.openxmlformats.org/presentationml/2006/main">
+  <p:cSld>
+    <p:spTree>
+      <p:nvGrpSpPr>
+        <p:cNvPr id="1" name=""/>
+        <p:cNvGrpSpPr/>
+        <p:nvPr/>
+      </p:nvGrpSpPr>
+      <p:grpSpPr>
+        <a:xfrm>
+          <a:off x="0" y="0"/>
+          <a:ext cx="0" cy="0"/>
+          <a:chOff x="0" y="0"/>
+          <a:chExt cx="0" cy="0"/>
+        </a:xfrm>
+      </p:grpSpPr>
+      <p:sp>
+        <p:nvSpPr>
+          <p:cNvPr id="6" name="Content Placeholder 5">
+            <a:extLst>
+              <a:ext uri="{FF2B5EF4-FFF2-40B4-BE49-F238E27FC236}">
+                <a16:creationId xmlns:a16="http://schemas.microsoft.com/office/drawing/2014/main" id="{ADB5CBDD-44A4-44B9-A5A6-C5EB9760B87C}"/>
+              </a:ext>
+            </a:extLst>
+          </p:cNvPr>
+          <p:cNvSpPr>
+            <a:spLocks noGrp="1"/>
+          </p:cNvSpPr>
+          <p:nvPr>
+            <p:ph idx="1"/>
+          </p:nvPr>
+        </p:nvSpPr>
+        <p:spPr/>
+        <p:txBody>
+          <a:bodyPr/>
+          <a:lstStyle/>
+          <a:p>
+            <a:r>
+              <a:rPr lang="pl-PL" dirty="0">
+                <a:hlinkClick r:id="rId2"/>
+              </a:rPr>
+              <a:t>https://elearningindustry.com/wp-content/uploads/2016/11/practical-learning-measurement-e1479981619388.jpeg</a:t>
+            </a:r>
+            <a:endParaRPr lang="pl-PL" dirty="0"/>
+          </a:p>
+          <a:p>
+            <a:r>
+              <a:rPr lang="pl-PL" dirty="0">
+                <a:hlinkClick r:id="rId3"/>
+              </a:rPr>
+              <a:t>https://blog.providentmetals.com/wp-content/uploads/2019/01/stack-of-silver-bars.jpg</a:t>
+            </a:r>
+            <a:endParaRPr lang="pl-PL" dirty="0"/>
+          </a:p>
+          <a:p>
+            <a:r>
+              <a:rPr lang="pl-PL" dirty="0">
+                <a:hlinkClick r:id="rId4"/>
+              </a:rPr>
+              <a:t>https://www.cwgmarkets.com/assets/images/gold.jpeg</a:t>
+            </a:r>
+            <a:endParaRPr lang="pl-PL" dirty="0"/>
+          </a:p>
+          <a:p>
+            <a:endParaRPr lang="pl-PL" dirty="0"/>
+          </a:p>
+        </p:txBody>
+      </p:sp>
+      <p:sp>
+        <p:nvSpPr>
+          <p:cNvPr id="5" name="Title 4">
+            <a:extLst>
+              <a:ext uri="{FF2B5EF4-FFF2-40B4-BE49-F238E27FC236}">
+                <a16:creationId xmlns:a16="http://schemas.microsoft.com/office/drawing/2014/main" id="{3AB7D658-FD2B-4B86-A92A-52150CF549A1}"/>
               </a:ext>
             </a:extLst>
           </p:cNvPr>
@@ -8460,276 +10025,17 @@
           <a:lstStyle/>
           <a:p>
             <a:r>
-              <a:rPr lang="en-US" dirty="0"/>
-              <a:t>Welcome and Introduction</a:t>
-            </a:r>
+              <a:rPr lang="pl-PL" dirty="0" err="1"/>
+              <a:t>Resources</a:t>
+            </a:r>
+            <a:endParaRPr lang="pl-PL" dirty="0"/>
           </a:p>
         </p:txBody>
       </p:sp>
-      <p:grpSp>
-        <p:nvGrpSpPr>
-          <p:cNvPr id="14" name="Group 13">
-            <a:extLst>
-              <a:ext uri="{FF2B5EF4-FFF2-40B4-BE49-F238E27FC236}">
-                <a16:creationId xmlns:a16="http://schemas.microsoft.com/office/drawing/2014/main" id="{881F0995-414C-4237-95FC-85372AF5DB10}"/>
-              </a:ext>
-            </a:extLst>
-          </p:cNvPr>
-          <p:cNvGrpSpPr/>
-          <p:nvPr/>
-        </p:nvGrpSpPr>
-        <p:grpSpPr>
-          <a:xfrm>
-            <a:off x="7391399" y="12702"/>
-            <a:ext cx="4454302" cy="4467460"/>
-            <a:chOff x="7391399" y="-275823"/>
-            <a:chExt cx="4454302" cy="4467460"/>
-          </a:xfrm>
-        </p:grpSpPr>
-        <p:sp>
-          <p:nvSpPr>
-            <p:cNvPr id="10" name="TextBox 9">
-              <a:extLst>
-                <a:ext uri="{FF2B5EF4-FFF2-40B4-BE49-F238E27FC236}">
-                  <a16:creationId xmlns:a16="http://schemas.microsoft.com/office/drawing/2014/main" id="{1A7A618D-F23B-4484-8431-20F8132FEC96}"/>
-                </a:ext>
-              </a:extLst>
-            </p:cNvPr>
-            <p:cNvSpPr txBox="1"/>
-            <p:nvPr/>
-          </p:nvSpPr>
-          <p:spPr>
-            <a:xfrm>
-              <a:off x="7391399" y="-275823"/>
-              <a:ext cx="4454301" cy="1015663"/>
-            </a:xfrm>
-            <a:prstGeom prst="rect">
-              <a:avLst/>
-            </a:prstGeom>
-            <a:solidFill>
-              <a:schemeClr val="accent3"/>
-            </a:solidFill>
-          </p:spPr>
-          <p:txBody>
-            <a:bodyPr wrap="square" rtlCol="0" anchor="t">
-              <a:spAutoFit/>
-            </a:bodyPr>
-            <a:lstStyle/>
-            <a:p>
-              <a:pPr marL="171450" indent="-171450">
-                <a:spcBef>
-                  <a:spcPts val="600"/>
-                </a:spcBef>
-                <a:buFont typeface="Arial" panose="020B0604020202020204" pitchFamily="34" charset="0"/>
-                <a:buChar char="•"/>
-              </a:pPr>
-              <a:r>
-                <a:rPr lang="en-US" sz="1000" dirty="0">
-                  <a:solidFill>
-                    <a:schemeClr val="bg1"/>
-                  </a:solidFill>
-                  <a:latin typeface="+mj-lt"/>
-                </a:rPr>
-                <a:t>After inserting the photo onto the slide, click the Format tab at the top.</a:t>
-              </a:r>
-            </a:p>
-            <a:p>
-              <a:pPr marL="171450" indent="-171450">
-                <a:spcBef>
-                  <a:spcPts val="600"/>
-                </a:spcBef>
-                <a:buFont typeface="Arial" panose="020B0604020202020204" pitchFamily="34" charset="0"/>
-                <a:buChar char="•"/>
-              </a:pPr>
-              <a:r>
-                <a:rPr lang="en-US" sz="1000" dirty="0">
-                  <a:solidFill>
-                    <a:schemeClr val="bg1"/>
-                  </a:solidFill>
-                  <a:latin typeface="+mj-lt"/>
-                </a:rPr>
-                <a:t>Click the Crop drop-down &gt; Aspect Ratio &gt; 1:1 to make it a perfect square.</a:t>
-              </a:r>
-            </a:p>
-            <a:p>
-              <a:pPr marL="171450" indent="-171450">
-                <a:spcBef>
-                  <a:spcPts val="600"/>
-                </a:spcBef>
-                <a:buFont typeface="Arial" panose="020B0604020202020204" pitchFamily="34" charset="0"/>
-                <a:buChar char="•"/>
-              </a:pPr>
-              <a:r>
-                <a:rPr lang="en-US" sz="1000" dirty="0">
-                  <a:solidFill>
-                    <a:schemeClr val="bg1"/>
-                  </a:solidFill>
-                  <a:latin typeface="+mj-lt"/>
-                </a:rPr>
-                <a:t>Then go back to the Crop drop-down &gt; Crop to Shape &gt; and pick the Oval shape.</a:t>
-              </a:r>
-            </a:p>
-          </p:txBody>
-        </p:sp>
-        <p:grpSp>
-          <p:nvGrpSpPr>
-            <p:cNvPr id="13" name="Group 12">
-              <a:extLst>
-                <a:ext uri="{FF2B5EF4-FFF2-40B4-BE49-F238E27FC236}">
-                  <a16:creationId xmlns:a16="http://schemas.microsoft.com/office/drawing/2014/main" id="{9B78A935-5740-4292-9C58-4617E22DF45E}"/>
-                </a:ext>
-              </a:extLst>
-            </p:cNvPr>
-            <p:cNvGrpSpPr/>
-            <p:nvPr/>
-          </p:nvGrpSpPr>
-          <p:grpSpPr>
-            <a:xfrm>
-              <a:off x="7391400" y="871539"/>
-              <a:ext cx="4454301" cy="3320098"/>
-              <a:chOff x="7391400" y="102472"/>
-              <a:chExt cx="4454301" cy="3320098"/>
-            </a:xfrm>
-          </p:grpSpPr>
-          <p:pic>
-            <p:nvPicPr>
-              <p:cNvPr id="8" name="Picture 7">
-                <a:extLst>
-                  <a:ext uri="{FF2B5EF4-FFF2-40B4-BE49-F238E27FC236}">
-                    <a16:creationId xmlns:a16="http://schemas.microsoft.com/office/drawing/2014/main" id="{6D276838-7869-4C66-A203-A3B7256819C7}"/>
-                  </a:ext>
-                </a:extLst>
-              </p:cNvPr>
-              <p:cNvPicPr>
-                <a:picLocks noChangeAspect="1"/>
-              </p:cNvPicPr>
-              <p:nvPr/>
-            </p:nvPicPr>
-            <p:blipFill>
-              <a:blip r:embed="rId7"/>
-              <a:stretch>
-                <a:fillRect/>
-              </a:stretch>
-            </p:blipFill>
-            <p:spPr>
-              <a:xfrm>
-                <a:off x="7696200" y="140572"/>
-                <a:ext cx="1429545" cy="3281998"/>
-              </a:xfrm>
-              <a:prstGeom prst="rect">
-                <a:avLst/>
-              </a:prstGeom>
-            </p:spPr>
-          </p:pic>
-          <p:pic>
-            <p:nvPicPr>
-              <p:cNvPr id="9" name="Picture 8">
-                <a:extLst>
-                  <a:ext uri="{FF2B5EF4-FFF2-40B4-BE49-F238E27FC236}">
-                    <a16:creationId xmlns:a16="http://schemas.microsoft.com/office/drawing/2014/main" id="{2532C9A3-9454-4FC8-9B76-1AD3030DBB6E}"/>
-                  </a:ext>
-                </a:extLst>
-              </p:cNvPr>
-              <p:cNvPicPr>
-                <a:picLocks noChangeAspect="1"/>
-              </p:cNvPicPr>
-              <p:nvPr/>
-            </p:nvPicPr>
-            <p:blipFill rotWithShape="1">
-              <a:blip r:embed="rId8"/>
-              <a:srcRect b="22106"/>
-              <a:stretch/>
-            </p:blipFill>
-            <p:spPr>
-              <a:xfrm>
-                <a:off x="9470964" y="140572"/>
-                <a:ext cx="2374737" cy="3205161"/>
-              </a:xfrm>
-              <a:prstGeom prst="rect">
-                <a:avLst/>
-              </a:prstGeom>
-            </p:spPr>
-          </p:pic>
-          <p:sp>
-            <p:nvSpPr>
-              <p:cNvPr id="11" name="TextBox 10">
-                <a:extLst>
-                  <a:ext uri="{FF2B5EF4-FFF2-40B4-BE49-F238E27FC236}">
-                    <a16:creationId xmlns:a16="http://schemas.microsoft.com/office/drawing/2014/main" id="{53DA212A-3017-4028-ACAA-D5611AE92D26}"/>
-                  </a:ext>
-                </a:extLst>
-              </p:cNvPr>
-              <p:cNvSpPr txBox="1"/>
-              <p:nvPr/>
-            </p:nvSpPr>
-            <p:spPr>
-              <a:xfrm>
-                <a:off x="7391400" y="102472"/>
-                <a:ext cx="457200" cy="253916"/>
-              </a:xfrm>
-              <a:prstGeom prst="rect">
-                <a:avLst/>
-              </a:prstGeom>
-              <a:noFill/>
-            </p:spPr>
-            <p:txBody>
-              <a:bodyPr wrap="square" rtlCol="0" anchor="ctr">
-                <a:spAutoFit/>
-              </a:bodyPr>
-              <a:lstStyle/>
-              <a:p>
-                <a:r>
-                  <a:rPr lang="en-US" sz="1050" dirty="0">
-                    <a:latin typeface="+mj-lt"/>
-                  </a:rPr>
-                  <a:t>1.</a:t>
-                </a:r>
-              </a:p>
-            </p:txBody>
-          </p:sp>
-          <p:sp>
-            <p:nvSpPr>
-              <p:cNvPr id="12" name="TextBox 11">
-                <a:extLst>
-                  <a:ext uri="{FF2B5EF4-FFF2-40B4-BE49-F238E27FC236}">
-                    <a16:creationId xmlns:a16="http://schemas.microsoft.com/office/drawing/2014/main" id="{D49552CF-2680-4BB2-BD0E-E59B54B1C512}"/>
-                  </a:ext>
-                </a:extLst>
-              </p:cNvPr>
-              <p:cNvSpPr txBox="1"/>
-              <p:nvPr/>
-            </p:nvSpPr>
-            <p:spPr>
-              <a:xfrm>
-                <a:off x="9201945" y="102472"/>
-                <a:ext cx="457200" cy="253916"/>
-              </a:xfrm>
-              <a:prstGeom prst="rect">
-                <a:avLst/>
-              </a:prstGeom>
-              <a:noFill/>
-            </p:spPr>
-            <p:txBody>
-              <a:bodyPr wrap="square" rtlCol="0" anchor="ctr">
-                <a:spAutoFit/>
-              </a:bodyPr>
-              <a:lstStyle/>
-              <a:p>
-                <a:r>
-                  <a:rPr lang="en-US" sz="1050" dirty="0">
-                    <a:latin typeface="+mj-lt"/>
-                  </a:rPr>
-                  <a:t>2.</a:t>
-                </a:r>
-              </a:p>
-            </p:txBody>
-          </p:sp>
-        </p:grpSp>
-      </p:grpSp>
     </p:spTree>
     <p:extLst>
       <p:ext uri="{BB962C8B-B14F-4D97-AF65-F5344CB8AC3E}">
-        <p14:creationId xmlns:p14="http://schemas.microsoft.com/office/powerpoint/2010/main" val="3268191436"/>
+        <p14:creationId xmlns:p14="http://schemas.microsoft.com/office/powerpoint/2010/main" val="1218340993"/>
       </p:ext>
     </p:extLst>
   </p:cSld>
@@ -8751,831 +10057,7 @@
 </p:sld>
 </file>
 
-<file path=ppt/slides/slide3.xml><?xml version="1.0" encoding="utf-8"?>
-<p:sld xmlns:a="http://schemas.openxmlformats.org/drawingml/2006/main" xmlns:r="http://schemas.openxmlformats.org/officeDocument/2006/relationships" xmlns:p="http://schemas.openxmlformats.org/presentationml/2006/main">
-  <p:cSld>
-    <p:spTree>
-      <p:nvGrpSpPr>
-        <p:cNvPr id="1" name=""/>
-        <p:cNvGrpSpPr/>
-        <p:nvPr/>
-      </p:nvGrpSpPr>
-      <p:grpSpPr>
-        <a:xfrm>
-          <a:off x="0" y="0"/>
-          <a:ext cx="0" cy="0"/>
-          <a:chOff x="0" y="0"/>
-          <a:chExt cx="0" cy="0"/>
-        </a:xfrm>
-      </p:grpSpPr>
-      <p:pic>
-        <p:nvPicPr>
-          <p:cNvPr id="4" name="Picture 3" descr="A picture containing building, outdoor, city, tall&#10;&#10;Description automatically generated">
-            <a:extLst>
-              <a:ext uri="{FF2B5EF4-FFF2-40B4-BE49-F238E27FC236}">
-                <a16:creationId xmlns:a16="http://schemas.microsoft.com/office/drawing/2014/main" id="{73D7250A-F4DB-4DD9-A03D-9372DF4B99A2}"/>
-              </a:ext>
-            </a:extLst>
-          </p:cNvPr>
-          <p:cNvPicPr>
-            <a:picLocks noChangeAspect="1"/>
-          </p:cNvPicPr>
-          <p:nvPr/>
-        </p:nvPicPr>
-        <p:blipFill rotWithShape="1">
-          <a:blip r:embed="rId3"/>
-          <a:srcRect l="9174" t="5504" r="2752" b="20184"/>
-          <a:stretch/>
-        </p:blipFill>
-        <p:spPr>
-          <a:xfrm>
-            <a:off x="0" y="0"/>
-            <a:ext cx="7315200" cy="4114800"/>
-          </a:xfrm>
-          <a:prstGeom prst="rect">
-            <a:avLst/>
-          </a:prstGeom>
-        </p:spPr>
-      </p:pic>
-      <p:sp>
-        <p:nvSpPr>
-          <p:cNvPr id="17" name="Parallelogram 16" hidden="1">
-            <a:extLst>
-              <a:ext uri="{FF2B5EF4-FFF2-40B4-BE49-F238E27FC236}">
-                <a16:creationId xmlns:a16="http://schemas.microsoft.com/office/drawing/2014/main" id="{7CBCE8C9-92C9-4543-9B94-371AAA35468B}"/>
-              </a:ext>
-            </a:extLst>
-          </p:cNvPr>
-          <p:cNvSpPr/>
-          <p:nvPr/>
-        </p:nvSpPr>
-        <p:spPr>
-          <a:xfrm>
-            <a:off x="-685800" y="0"/>
-            <a:ext cx="6217920" cy="4114800"/>
-          </a:xfrm>
-          <a:prstGeom prst="parallelogram">
-            <a:avLst/>
-          </a:prstGeom>
-          <a:solidFill>
-            <a:srgbClr val="FFFFFF">
-              <a:alpha val="80000"/>
-            </a:srgbClr>
-          </a:solidFill>
-          <a:ln>
-            <a:noFill/>
-          </a:ln>
-          <a:effectLst/>
-        </p:spPr>
-        <p:style>
-          <a:lnRef idx="1">
-            <a:schemeClr val="accent1"/>
-          </a:lnRef>
-          <a:fillRef idx="3">
-            <a:schemeClr val="accent1"/>
-          </a:fillRef>
-          <a:effectRef idx="2">
-            <a:schemeClr val="accent1"/>
-          </a:effectRef>
-          <a:fontRef idx="minor">
-            <a:schemeClr val="lt1"/>
-          </a:fontRef>
-        </p:style>
-        <p:txBody>
-          <a:bodyPr rtlCol="0" anchor="ctr"/>
-          <a:lstStyle/>
-          <a:p>
-            <a:pPr algn="ctr"/>
-            <a:endParaRPr lang="en-US" dirty="0" err="1"/>
-          </a:p>
-        </p:txBody>
-      </p:sp>
-      <p:grpSp>
-        <p:nvGrpSpPr>
-          <p:cNvPr id="2" name="Group 1">
-            <a:extLst>
-              <a:ext uri="{FF2B5EF4-FFF2-40B4-BE49-F238E27FC236}">
-                <a16:creationId xmlns:a16="http://schemas.microsoft.com/office/drawing/2014/main" id="{46716EB0-D389-4770-8F94-C54233F8110C}"/>
-              </a:ext>
-            </a:extLst>
-          </p:cNvPr>
-          <p:cNvGrpSpPr/>
-          <p:nvPr/>
-        </p:nvGrpSpPr>
-        <p:grpSpPr>
-          <a:xfrm>
-            <a:off x="0" y="0"/>
-            <a:ext cx="5384800" cy="4114800"/>
-            <a:chOff x="0" y="0"/>
-            <a:chExt cx="5384800" cy="4114800"/>
-          </a:xfrm>
-        </p:grpSpPr>
-        <p:sp>
-          <p:nvSpPr>
-            <p:cNvPr id="21" name="Freeform: Shape 20">
-              <a:extLst>
-                <a:ext uri="{FF2B5EF4-FFF2-40B4-BE49-F238E27FC236}">
-                  <a16:creationId xmlns:a16="http://schemas.microsoft.com/office/drawing/2014/main" id="{1325082E-5ABE-49E1-93A7-BF33D9DAF534}"/>
-                </a:ext>
-              </a:extLst>
-            </p:cNvPr>
-            <p:cNvSpPr/>
-            <p:nvPr/>
-          </p:nvSpPr>
-          <p:spPr>
-            <a:xfrm>
-              <a:off x="0" y="0"/>
-              <a:ext cx="5384800" cy="4114800"/>
-            </a:xfrm>
-            <a:custGeom>
-              <a:avLst/>
-              <a:gdLst>
-                <a:gd name="connsiteX0" fmla="*/ 0 w 5384800"/>
-                <a:gd name="connsiteY0" fmla="*/ 0 h 4114800"/>
-                <a:gd name="connsiteX1" fmla="*/ 5384800 w 5384800"/>
-                <a:gd name="connsiteY1" fmla="*/ 0 h 4114800"/>
-                <a:gd name="connsiteX2" fmla="*/ 4356100 w 5384800"/>
-                <a:gd name="connsiteY2" fmla="*/ 4114800 h 4114800"/>
-                <a:gd name="connsiteX3" fmla="*/ 0 w 5384800"/>
-                <a:gd name="connsiteY3" fmla="*/ 4114800 h 4114800"/>
-              </a:gdLst>
-              <a:ahLst/>
-              <a:cxnLst>
-                <a:cxn ang="0">
-                  <a:pos x="connsiteX0" y="connsiteY0"/>
-                </a:cxn>
-                <a:cxn ang="0">
-                  <a:pos x="connsiteX1" y="connsiteY1"/>
-                </a:cxn>
-                <a:cxn ang="0">
-                  <a:pos x="connsiteX2" y="connsiteY2"/>
-                </a:cxn>
-                <a:cxn ang="0">
-                  <a:pos x="connsiteX3" y="connsiteY3"/>
-                </a:cxn>
-              </a:cxnLst>
-              <a:rect l="l" t="t" r="r" b="b"/>
-              <a:pathLst>
-                <a:path w="5384800" h="4114800">
-                  <a:moveTo>
-                    <a:pt x="0" y="0"/>
-                  </a:moveTo>
-                  <a:lnTo>
-                    <a:pt x="5384800" y="0"/>
-                  </a:lnTo>
-                  <a:lnTo>
-                    <a:pt x="4356100" y="4114800"/>
-                  </a:lnTo>
-                  <a:lnTo>
-                    <a:pt x="0" y="4114800"/>
-                  </a:lnTo>
-                  <a:close/>
-                </a:path>
-              </a:pathLst>
-            </a:custGeom>
-            <a:solidFill>
-              <a:srgbClr val="FFFFFF">
-                <a:alpha val="80000"/>
-              </a:srgbClr>
-            </a:solidFill>
-            <a:ln>
-              <a:noFill/>
-            </a:ln>
-            <a:effectLst/>
-          </p:spPr>
-          <p:style>
-            <a:lnRef idx="1">
-              <a:schemeClr val="accent1"/>
-            </a:lnRef>
-            <a:fillRef idx="3">
-              <a:schemeClr val="accent1"/>
-            </a:fillRef>
-            <a:effectRef idx="2">
-              <a:schemeClr val="accent1"/>
-            </a:effectRef>
-            <a:fontRef idx="minor">
-              <a:schemeClr val="lt1"/>
-            </a:fontRef>
-          </p:style>
-          <p:txBody>
-            <a:bodyPr rtlCol="0" anchor="ctr"/>
-            <a:lstStyle/>
-            <a:p>
-              <a:pPr algn="ctr"/>
-              <a:endParaRPr lang="en-US" dirty="0" err="1"/>
-            </a:p>
-          </p:txBody>
-        </p:sp>
-        <p:sp>
-          <p:nvSpPr>
-            <p:cNvPr id="18" name="Parallelogram 17">
-              <a:extLst>
-                <a:ext uri="{FF2B5EF4-FFF2-40B4-BE49-F238E27FC236}">
-                  <a16:creationId xmlns:a16="http://schemas.microsoft.com/office/drawing/2014/main" id="{6FF8BFB4-4358-40AC-A34A-E008147BFF37}"/>
-                </a:ext>
-              </a:extLst>
-            </p:cNvPr>
-            <p:cNvSpPr/>
-            <p:nvPr/>
-          </p:nvSpPr>
-          <p:spPr>
-            <a:xfrm>
-              <a:off x="4204970" y="0"/>
-              <a:ext cx="1097280" cy="4114800"/>
-            </a:xfrm>
-            <a:prstGeom prst="parallelogram">
-              <a:avLst>
-                <a:gd name="adj" fmla="val 92879"/>
-              </a:avLst>
-            </a:prstGeom>
-            <a:solidFill>
-              <a:schemeClr val="accent1"/>
-            </a:solidFill>
-            <a:ln>
-              <a:noFill/>
-            </a:ln>
-            <a:effectLst/>
-          </p:spPr>
-          <p:style>
-            <a:lnRef idx="1">
-              <a:schemeClr val="accent1"/>
-            </a:lnRef>
-            <a:fillRef idx="3">
-              <a:schemeClr val="accent1"/>
-            </a:fillRef>
-            <a:effectRef idx="2">
-              <a:schemeClr val="accent1"/>
-            </a:effectRef>
-            <a:fontRef idx="minor">
-              <a:schemeClr val="lt1"/>
-            </a:fontRef>
-          </p:style>
-          <p:txBody>
-            <a:bodyPr rtlCol="0" anchor="ctr"/>
-            <a:lstStyle/>
-            <a:p>
-              <a:pPr algn="ctr"/>
-              <a:endParaRPr lang="en-US" dirty="0" err="1"/>
-            </a:p>
-          </p:txBody>
-        </p:sp>
-        <p:sp>
-          <p:nvSpPr>
-            <p:cNvPr id="25" name="Freeform: Shape 24">
-              <a:extLst>
-                <a:ext uri="{FF2B5EF4-FFF2-40B4-BE49-F238E27FC236}">
-                  <a16:creationId xmlns:a16="http://schemas.microsoft.com/office/drawing/2014/main" id="{D0127B4D-B755-46EB-889F-461664FC9DB1}"/>
-                </a:ext>
-              </a:extLst>
-            </p:cNvPr>
-            <p:cNvSpPr/>
-            <p:nvPr/>
-          </p:nvSpPr>
-          <p:spPr>
-            <a:xfrm>
-              <a:off x="0" y="0"/>
-              <a:ext cx="5236210" cy="4114800"/>
-            </a:xfrm>
-            <a:custGeom>
-              <a:avLst/>
-              <a:gdLst>
-                <a:gd name="connsiteX0" fmla="*/ 0 w 5236210"/>
-                <a:gd name="connsiteY0" fmla="*/ 0 h 4114800"/>
-                <a:gd name="connsiteX1" fmla="*/ 5236210 w 5236210"/>
-                <a:gd name="connsiteY1" fmla="*/ 0 h 4114800"/>
-                <a:gd name="connsiteX2" fmla="*/ 4207510 w 5236210"/>
-                <a:gd name="connsiteY2" fmla="*/ 4114800 h 4114800"/>
-                <a:gd name="connsiteX3" fmla="*/ 0 w 5236210"/>
-                <a:gd name="connsiteY3" fmla="*/ 4114800 h 4114800"/>
-              </a:gdLst>
-              <a:ahLst/>
-              <a:cxnLst>
-                <a:cxn ang="0">
-                  <a:pos x="connsiteX0" y="connsiteY0"/>
-                </a:cxn>
-                <a:cxn ang="0">
-                  <a:pos x="connsiteX1" y="connsiteY1"/>
-                </a:cxn>
-                <a:cxn ang="0">
-                  <a:pos x="connsiteX2" y="connsiteY2"/>
-                </a:cxn>
-                <a:cxn ang="0">
-                  <a:pos x="connsiteX3" y="connsiteY3"/>
-                </a:cxn>
-              </a:cxnLst>
-              <a:rect l="l" t="t" r="r" b="b"/>
-              <a:pathLst>
-                <a:path w="5236210" h="4114800">
-                  <a:moveTo>
-                    <a:pt x="0" y="0"/>
-                  </a:moveTo>
-                  <a:lnTo>
-                    <a:pt x="5236210" y="0"/>
-                  </a:lnTo>
-                  <a:lnTo>
-                    <a:pt x="4207510" y="4114800"/>
-                  </a:lnTo>
-                  <a:lnTo>
-                    <a:pt x="0" y="4114800"/>
-                  </a:lnTo>
-                  <a:close/>
-                </a:path>
-              </a:pathLst>
-            </a:custGeom>
-            <a:solidFill>
-              <a:srgbClr val="FFFFFF">
-                <a:alpha val="70000"/>
-              </a:srgbClr>
-            </a:solidFill>
-            <a:ln>
-              <a:noFill/>
-            </a:ln>
-            <a:effectLst/>
-          </p:spPr>
-          <p:style>
-            <a:lnRef idx="1">
-              <a:schemeClr val="accent1"/>
-            </a:lnRef>
-            <a:fillRef idx="3">
-              <a:schemeClr val="accent1"/>
-            </a:fillRef>
-            <a:effectRef idx="2">
-              <a:schemeClr val="accent1"/>
-            </a:effectRef>
-            <a:fontRef idx="minor">
-              <a:schemeClr val="lt1"/>
-            </a:fontRef>
-          </p:style>
-          <p:txBody>
-            <a:bodyPr rtlCol="0" anchor="ctr"/>
-            <a:lstStyle/>
-            <a:p>
-              <a:pPr algn="ctr"/>
-              <a:endParaRPr lang="en-US" dirty="0" err="1"/>
-            </a:p>
-          </p:txBody>
-        </p:sp>
-      </p:grpSp>
-      <p:pic>
-        <p:nvPicPr>
-          <p:cNvPr id="27" name="Picture 26" descr="Logo&#10;&#10;Description automatically generated">
-            <a:extLst>
-              <a:ext uri="{FF2B5EF4-FFF2-40B4-BE49-F238E27FC236}">
-                <a16:creationId xmlns:a16="http://schemas.microsoft.com/office/drawing/2014/main" id="{B6773448-DEBE-4F4C-BF24-E7616CB82C3D}"/>
-              </a:ext>
-            </a:extLst>
-          </p:cNvPr>
-          <p:cNvPicPr>
-            <a:picLocks noChangeAspect="1"/>
-          </p:cNvPicPr>
-          <p:nvPr/>
-        </p:nvPicPr>
-        <p:blipFill>
-          <a:blip r:embed="rId4"/>
-          <a:stretch>
-            <a:fillRect/>
-          </a:stretch>
-        </p:blipFill>
-        <p:spPr>
-          <a:xfrm>
-            <a:off x="4686238" y="2968854"/>
-            <a:ext cx="2563933" cy="850944"/>
-          </a:xfrm>
-          <a:prstGeom prst="rect">
-            <a:avLst/>
-          </a:prstGeom>
-        </p:spPr>
-      </p:pic>
-      <p:sp>
-        <p:nvSpPr>
-          <p:cNvPr id="28" name="TextBox 27">
-            <a:extLst>
-              <a:ext uri="{FF2B5EF4-FFF2-40B4-BE49-F238E27FC236}">
-                <a16:creationId xmlns:a16="http://schemas.microsoft.com/office/drawing/2014/main" id="{E9E4E957-B7AA-4592-BE2B-A36B3BC976BA}"/>
-              </a:ext>
-            </a:extLst>
-          </p:cNvPr>
-          <p:cNvSpPr txBox="1"/>
-          <p:nvPr/>
-        </p:nvSpPr>
-        <p:spPr>
-          <a:xfrm>
-            <a:off x="217805" y="352425"/>
-            <a:ext cx="4648200" cy="3554819"/>
-          </a:xfrm>
-          <a:custGeom>
-            <a:avLst/>
-            <a:gdLst>
-              <a:gd name="connsiteX0" fmla="*/ 0 w 4648200"/>
-              <a:gd name="connsiteY0" fmla="*/ 0 h 3554819"/>
-              <a:gd name="connsiteX1" fmla="*/ 4648200 w 4648200"/>
-              <a:gd name="connsiteY1" fmla="*/ 0 h 3554819"/>
-              <a:gd name="connsiteX2" fmla="*/ 4648200 w 4648200"/>
-              <a:gd name="connsiteY2" fmla="*/ 3554819 h 3554819"/>
-              <a:gd name="connsiteX3" fmla="*/ 0 w 4648200"/>
-              <a:gd name="connsiteY3" fmla="*/ 3554819 h 3554819"/>
-              <a:gd name="connsiteX4" fmla="*/ 0 w 4648200"/>
-              <a:gd name="connsiteY4" fmla="*/ 0 h 3554819"/>
-              <a:gd name="connsiteX0" fmla="*/ 0 w 4648200"/>
-              <a:gd name="connsiteY0" fmla="*/ 0 h 3554819"/>
-              <a:gd name="connsiteX1" fmla="*/ 4648200 w 4648200"/>
-              <a:gd name="connsiteY1" fmla="*/ 0 h 3554819"/>
-              <a:gd name="connsiteX2" fmla="*/ 3724275 w 4648200"/>
-              <a:gd name="connsiteY2" fmla="*/ 3545294 h 3554819"/>
-              <a:gd name="connsiteX3" fmla="*/ 0 w 4648200"/>
-              <a:gd name="connsiteY3" fmla="*/ 3554819 h 3554819"/>
-              <a:gd name="connsiteX4" fmla="*/ 0 w 4648200"/>
-              <a:gd name="connsiteY4" fmla="*/ 0 h 3554819"/>
-            </a:gdLst>
-            <a:ahLst/>
-            <a:cxnLst>
-              <a:cxn ang="0">
-                <a:pos x="connsiteX0" y="connsiteY0"/>
-              </a:cxn>
-              <a:cxn ang="0">
-                <a:pos x="connsiteX1" y="connsiteY1"/>
-              </a:cxn>
-              <a:cxn ang="0">
-                <a:pos x="connsiteX2" y="connsiteY2"/>
-              </a:cxn>
-              <a:cxn ang="0">
-                <a:pos x="connsiteX3" y="connsiteY3"/>
-              </a:cxn>
-              <a:cxn ang="0">
-                <a:pos x="connsiteX4" y="connsiteY4"/>
-              </a:cxn>
-            </a:cxnLst>
-            <a:rect l="l" t="t" r="r" b="b"/>
-            <a:pathLst>
-              <a:path w="4648200" h="3554819">
-                <a:moveTo>
-                  <a:pt x="0" y="0"/>
-                </a:moveTo>
-                <a:lnTo>
-                  <a:pt x="4648200" y="0"/>
-                </a:lnTo>
-                <a:lnTo>
-                  <a:pt x="3724275" y="3545294"/>
-                </a:lnTo>
-                <a:lnTo>
-                  <a:pt x="0" y="3554819"/>
-                </a:lnTo>
-                <a:lnTo>
-                  <a:pt x="0" y="0"/>
-                </a:lnTo>
-                <a:close/>
-              </a:path>
-            </a:pathLst>
-          </a:custGeom>
-          <a:noFill/>
-        </p:spPr>
-        <p:txBody>
-          <a:bodyPr wrap="square" rIns="548640" rtlCol="0" anchor="t">
-            <a:spAutoFit/>
-          </a:bodyPr>
-          <a:lstStyle/>
-          <a:p>
-            <a:pPr marL="171450" indent="-171450">
-              <a:spcBef>
-                <a:spcPts val="1200"/>
-              </a:spcBef>
-              <a:buClr>
-                <a:schemeClr val="tx2"/>
-              </a:buClr>
-              <a:buFont typeface="Arial" panose="020B0604020202020204" pitchFamily="34" charset="0"/>
-              <a:buChar char="•"/>
-            </a:pPr>
-            <a:r>
-              <a:rPr lang="en-US" sz="1050" dirty="0">
-                <a:solidFill>
-                  <a:schemeClr val="tx2"/>
-                </a:solidFill>
-                <a:latin typeface="+mj-lt"/>
-              </a:rPr>
-              <a:t>Relativity creates intuitive software that helps law firms, government agencies, financial institutions, and other major corporations quickly find the truth in data.</a:t>
-            </a:r>
-          </a:p>
-          <a:p>
-            <a:pPr marL="171450" indent="-171450">
-              <a:spcBef>
-                <a:spcPts val="1200"/>
-              </a:spcBef>
-              <a:buClr>
-                <a:schemeClr val="tx2"/>
-              </a:buClr>
-              <a:buFont typeface="Arial" panose="020B0604020202020204" pitchFamily="34" charset="0"/>
-              <a:buChar char="•"/>
-            </a:pPr>
-            <a:r>
-              <a:rPr lang="en-US" sz="1050" dirty="0">
-                <a:solidFill>
-                  <a:schemeClr val="tx2"/>
-                </a:solidFill>
-                <a:latin typeface="+mj-lt"/>
-              </a:rPr>
-              <a:t>Founded in 2001, Relativity is headquartered in Chicago with offices worldwide in New Jersey, London, </a:t>
-            </a:r>
-            <a:r>
-              <a:rPr lang="pl-PL" sz="1050" dirty="0" err="1">
-                <a:solidFill>
-                  <a:schemeClr val="tx2"/>
-                </a:solidFill>
-                <a:latin typeface="+mj-lt"/>
-              </a:rPr>
-              <a:t>Krakow</a:t>
-            </a:r>
-            <a:r>
-              <a:rPr lang="en-US" sz="1050" dirty="0">
-                <a:solidFill>
-                  <a:schemeClr val="tx2"/>
-                </a:solidFill>
-                <a:latin typeface="+mj-lt"/>
-              </a:rPr>
-              <a:t>, Hong Kong, and Melbourne.</a:t>
-            </a:r>
-          </a:p>
-          <a:p>
-            <a:pPr marL="171450" indent="-171450">
-              <a:spcBef>
-                <a:spcPts val="1200"/>
-              </a:spcBef>
-              <a:buClr>
-                <a:schemeClr val="tx2"/>
-              </a:buClr>
-              <a:buFont typeface="Arial" panose="020B0604020202020204" pitchFamily="34" charset="0"/>
-              <a:buChar char="•"/>
-            </a:pPr>
-            <a:r>
-              <a:rPr lang="en-US" sz="1050" b="1" dirty="0">
-                <a:solidFill>
-                  <a:schemeClr val="accent1"/>
-                </a:solidFill>
-                <a:latin typeface="+mj-lt"/>
-              </a:rPr>
-              <a:t>1,200+</a:t>
-            </a:r>
-            <a:r>
-              <a:rPr lang="en-US" sz="1050" dirty="0">
-                <a:solidFill>
-                  <a:schemeClr val="tx2"/>
-                </a:solidFill>
-                <a:latin typeface="+mj-lt"/>
-              </a:rPr>
-              <a:t> employees</a:t>
-            </a:r>
-          </a:p>
-          <a:p>
-            <a:pPr marL="171450" indent="-171450">
-              <a:spcBef>
-                <a:spcPts val="1200"/>
-              </a:spcBef>
-              <a:buClr>
-                <a:schemeClr val="tx2"/>
-              </a:buClr>
-              <a:buFont typeface="Arial" panose="020B0604020202020204" pitchFamily="34" charset="0"/>
-              <a:buChar char="•"/>
-            </a:pPr>
-            <a:r>
-              <a:rPr lang="en-US" sz="1050" b="1" dirty="0">
-                <a:solidFill>
-                  <a:schemeClr val="accent1"/>
-                </a:solidFill>
-                <a:latin typeface="+mj-lt"/>
-              </a:rPr>
-              <a:t>300,000+</a:t>
-            </a:r>
-            <a:r>
-              <a:rPr lang="en-US" sz="1050" dirty="0">
-                <a:solidFill>
-                  <a:schemeClr val="tx2"/>
-                </a:solidFill>
-                <a:latin typeface="+mj-lt"/>
-              </a:rPr>
-              <a:t> enabled platform users</a:t>
-            </a:r>
-          </a:p>
-          <a:p>
-            <a:pPr marL="171450" indent="-171450">
-              <a:spcBef>
-                <a:spcPts val="1200"/>
-              </a:spcBef>
-              <a:buClr>
-                <a:schemeClr val="tx2"/>
-              </a:buClr>
-              <a:buFont typeface="Arial" panose="020B0604020202020204" pitchFamily="34" charset="0"/>
-              <a:buChar char="•"/>
-            </a:pPr>
-            <a:r>
-              <a:rPr lang="en-US" sz="1050" b="1" dirty="0">
-                <a:solidFill>
-                  <a:schemeClr val="accent1"/>
-                </a:solidFill>
-                <a:latin typeface="+mj-lt"/>
-              </a:rPr>
-              <a:t>5,000+</a:t>
-            </a:r>
-            <a:r>
-              <a:rPr lang="en-US" sz="1050" dirty="0">
-                <a:solidFill>
-                  <a:schemeClr val="tx2"/>
-                </a:solidFill>
-                <a:latin typeface="+mj-lt"/>
-              </a:rPr>
-              <a:t> attendees at Relativity Fest 2020, the largest conference for the e-discovery and compliance communities, and the second largest conference in legal technology</a:t>
-            </a:r>
-          </a:p>
-          <a:p>
-            <a:pPr marL="171450" indent="-171450">
-              <a:spcBef>
-                <a:spcPts val="1200"/>
-              </a:spcBef>
-              <a:buClr>
-                <a:schemeClr val="tx2"/>
-              </a:buClr>
-              <a:buFont typeface="Arial" panose="020B0604020202020204" pitchFamily="34" charset="0"/>
-              <a:buChar char="•"/>
-            </a:pPr>
-            <a:r>
-              <a:rPr lang="en-US" sz="1050" b="1" dirty="0">
-                <a:solidFill>
-                  <a:schemeClr val="accent1"/>
-                </a:solidFill>
-                <a:latin typeface="+mj-lt"/>
-              </a:rPr>
-              <a:t>100+</a:t>
-            </a:r>
-            <a:r>
-              <a:rPr lang="en-US" sz="1050" dirty="0">
-                <a:solidFill>
-                  <a:schemeClr val="tx2"/>
-                </a:solidFill>
-                <a:latin typeface="+mj-lt"/>
-              </a:rPr>
-              <a:t> developer partners and </a:t>
-            </a:r>
-            <a:r>
-              <a:rPr lang="en-US" sz="1050" b="1" dirty="0">
-                <a:solidFill>
-                  <a:schemeClr val="accent1"/>
-                </a:solidFill>
-                <a:latin typeface="+mj-lt"/>
-              </a:rPr>
-              <a:t>140+</a:t>
-            </a:r>
-            <a:r>
-              <a:rPr lang="en-US" sz="1050" dirty="0">
-                <a:solidFill>
-                  <a:schemeClr val="tx2"/>
-                </a:solidFill>
-                <a:latin typeface="+mj-lt"/>
-              </a:rPr>
-              <a:t> apps developed for the Relativity ecosystem</a:t>
-            </a:r>
-          </a:p>
-          <a:p>
-            <a:pPr marL="171450" indent="-171450">
-              <a:spcBef>
-                <a:spcPts val="1200"/>
-              </a:spcBef>
-              <a:buClr>
-                <a:schemeClr val="tx2"/>
-              </a:buClr>
-              <a:buFont typeface="Arial" panose="020B0604020202020204" pitchFamily="34" charset="0"/>
-              <a:buChar char="•"/>
-            </a:pPr>
-            <a:r>
-              <a:rPr lang="en-US" sz="1050" dirty="0">
-                <a:solidFill>
-                  <a:schemeClr val="tx2"/>
-                </a:solidFill>
-                <a:latin typeface="+mj-lt"/>
-              </a:rPr>
-              <a:t>Relativity is available in </a:t>
-            </a:r>
-            <a:r>
-              <a:rPr lang="en-US" sz="1050" b="1" dirty="0">
-                <a:solidFill>
-                  <a:schemeClr val="accent1"/>
-                </a:solidFill>
-                <a:latin typeface="+mj-lt"/>
-              </a:rPr>
-              <a:t>49 countries</a:t>
-            </a:r>
-            <a:r>
-              <a:rPr lang="en-US" sz="1050" dirty="0">
-                <a:solidFill>
-                  <a:schemeClr val="tx2"/>
-                </a:solidFill>
-                <a:latin typeface="+mj-lt"/>
-              </a:rPr>
-              <a:t>; </a:t>
-            </a:r>
-            <a:br>
-              <a:rPr lang="en-US" sz="1050" dirty="0">
-                <a:solidFill>
-                  <a:schemeClr val="tx2"/>
-                </a:solidFill>
-                <a:latin typeface="+mj-lt"/>
-              </a:rPr>
-            </a:br>
-            <a:r>
-              <a:rPr lang="en-US" sz="1050" dirty="0">
-                <a:solidFill>
-                  <a:schemeClr val="tx2"/>
-                </a:solidFill>
-                <a:latin typeface="+mj-lt"/>
-              </a:rPr>
-              <a:t>RelativityOne is available in </a:t>
-            </a:r>
-            <a:r>
-              <a:rPr lang="en-US" sz="1050" b="1" dirty="0">
-                <a:solidFill>
-                  <a:schemeClr val="accent1"/>
-                </a:solidFill>
-                <a:latin typeface="+mj-lt"/>
-              </a:rPr>
-              <a:t>9</a:t>
-            </a:r>
-            <a:r>
-              <a:rPr lang="en-US" sz="1050" dirty="0">
-                <a:solidFill>
-                  <a:schemeClr val="tx2"/>
-                </a:solidFill>
-                <a:latin typeface="+mj-lt"/>
-              </a:rPr>
-              <a:t> countries and growing.</a:t>
-            </a:r>
-          </a:p>
-        </p:txBody>
-      </p:sp>
-    </p:spTree>
-    <p:extLst>
-      <p:ext uri="{BB962C8B-B14F-4D97-AF65-F5344CB8AC3E}">
-        <p14:creationId xmlns:p14="http://schemas.microsoft.com/office/powerpoint/2010/main" val="3142584555"/>
-      </p:ext>
-    </p:extLst>
-  </p:cSld>
-  <p:clrMapOvr>
-    <a:masterClrMapping/>
-  </p:clrMapOvr>
-  <mc:AlternateContent xmlns:mc="http://schemas.openxmlformats.org/markup-compatibility/2006" xmlns:p14="http://schemas.microsoft.com/office/powerpoint/2010/main">
-    <mc:Choice Requires="p14">
-      <p:transition spd="med" p14:dur="700">
-        <p:fade/>
-      </p:transition>
-    </mc:Choice>
-    <mc:Fallback xmlns="">
-      <p:transition spd="med">
-        <p:fade/>
-      </p:transition>
-    </mc:Fallback>
-  </mc:AlternateContent>
-</p:sld>
-</file>
-
-<file path=ppt/slides/slide4.xml><?xml version="1.0" encoding="utf-8"?>
-<p:sld xmlns:a="http://schemas.openxmlformats.org/drawingml/2006/main" xmlns:r="http://schemas.openxmlformats.org/officeDocument/2006/relationships" xmlns:p="http://schemas.openxmlformats.org/presentationml/2006/main">
-  <p:cSld>
-    <p:spTree>
-      <p:nvGrpSpPr>
-        <p:cNvPr id="1" name=""/>
-        <p:cNvGrpSpPr/>
-        <p:nvPr/>
-      </p:nvGrpSpPr>
-      <p:grpSpPr>
-        <a:xfrm>
-          <a:off x="0" y="0"/>
-          <a:ext cx="0" cy="0"/>
-          <a:chOff x="0" y="0"/>
-          <a:chExt cx="0" cy="0"/>
-        </a:xfrm>
-      </p:grpSpPr>
-    </p:spTree>
-    <p:extLst>
-      <p:ext uri="{BB962C8B-B14F-4D97-AF65-F5344CB8AC3E}">
-        <p14:creationId xmlns:p14="http://schemas.microsoft.com/office/powerpoint/2010/main" val="2838881275"/>
-      </p:ext>
-    </p:extLst>
-  </p:cSld>
-  <p:clrMapOvr>
-    <a:masterClrMapping/>
-  </p:clrMapOvr>
-  <mc:AlternateContent xmlns:mc="http://schemas.openxmlformats.org/markup-compatibility/2006" xmlns:p14="http://schemas.microsoft.com/office/powerpoint/2010/main">
-    <mc:Choice Requires="p14">
-      <p:transition spd="med" p14:dur="700">
-        <p:fade/>
-      </p:transition>
-    </mc:Choice>
-    <mc:Fallback xmlns="">
-      <p:transition spd="med">
-        <p:fade/>
-      </p:transition>
-    </mc:Fallback>
-  </mc:AlternateContent>
-</p:sld>
-</file>
-
-<file path=ppt/slides/slide5.xml><?xml version="1.0" encoding="utf-8"?>
+<file path=ppt/slides/slide14.xml><?xml version="1.0" encoding="utf-8"?>
 <p:sld xmlns:a="http://schemas.openxmlformats.org/drawingml/2006/main" xmlns:r="http://schemas.openxmlformats.org/officeDocument/2006/relationships" xmlns:p="http://schemas.openxmlformats.org/presentationml/2006/main">
   <p:cSld>
     <p:spTree>
@@ -10200,7 +10682,7 @@
 </p:sld>
 </file>
 
-<file path=ppt/slides/slide6.xml><?xml version="1.0" encoding="utf-8"?>
+<file path=ppt/slides/slide15.xml><?xml version="1.0" encoding="utf-8"?>
 <p:sld xmlns:a="http://schemas.openxmlformats.org/drawingml/2006/main" xmlns:r="http://schemas.openxmlformats.org/officeDocument/2006/relationships" xmlns:p="http://schemas.openxmlformats.org/presentationml/2006/main">
   <p:cSld>
     <p:spTree>
@@ -10270,7 +10752,7 @@
 </p:sld>
 </file>
 
-<file path=ppt/slides/slide7.xml><?xml version="1.0" encoding="utf-8"?>
+<file path=ppt/slides/slide16.xml><?xml version="1.0" encoding="utf-8"?>
 <p:sld xmlns:a="http://schemas.openxmlformats.org/drawingml/2006/main" xmlns:r="http://schemas.openxmlformats.org/officeDocument/2006/relationships" xmlns:p="http://schemas.openxmlformats.org/presentationml/2006/main">
   <p:cSld>
     <p:spTree>
@@ -10513,6 +10995,2756 @@
       </p:transition>
     </mc:Choice>
     <mc:Fallback xmlns="">
+      <p:transition spd="med">
+        <p:fade/>
+      </p:transition>
+    </mc:Fallback>
+  </mc:AlternateContent>
+</p:sld>
+</file>
+
+<file path=ppt/slides/slide2.xml><?xml version="1.0" encoding="utf-8"?>
+<p:sld xmlns:a="http://schemas.openxmlformats.org/drawingml/2006/main" xmlns:r="http://schemas.openxmlformats.org/officeDocument/2006/relationships" xmlns:p="http://schemas.openxmlformats.org/presentationml/2006/main">
+  <p:cSld>
+    <p:spTree>
+      <p:nvGrpSpPr>
+        <p:cNvPr id="1" name=""/>
+        <p:cNvGrpSpPr/>
+        <p:nvPr/>
+      </p:nvGrpSpPr>
+      <p:grpSpPr>
+        <a:xfrm>
+          <a:off x="0" y="0"/>
+          <a:ext cx="0" cy="0"/>
+          <a:chOff x="0" y="0"/>
+          <a:chExt cx="0" cy="0"/>
+        </a:xfrm>
+      </p:grpSpPr>
+      <p:sp>
+        <p:nvSpPr>
+          <p:cNvPr id="7" name="Oval 6">
+            <a:extLst>
+              <a:ext uri="{FF2B5EF4-FFF2-40B4-BE49-F238E27FC236}">
+                <a16:creationId xmlns:a16="http://schemas.microsoft.com/office/drawing/2014/main" id="{D193322F-8342-4A1B-ADFF-689802BBF227}"/>
+              </a:ext>
+            </a:extLst>
+          </p:cNvPr>
+          <p:cNvSpPr/>
+          <p:nvPr/>
+        </p:nvSpPr>
+        <p:spPr>
+          <a:xfrm>
+            <a:off x="685798" y="1028365"/>
+            <a:ext cx="2286000" cy="2286000"/>
+          </a:xfrm>
+          <a:prstGeom prst="ellipse">
+            <a:avLst/>
+          </a:prstGeom>
+          <a:solidFill>
+            <a:schemeClr val="accent6">
+              <a:lumMod val="20000"/>
+              <a:lumOff val="80000"/>
+            </a:schemeClr>
+          </a:solidFill>
+          <a:ln w="12700">
+            <a:solidFill>
+              <a:schemeClr val="accent6"/>
+            </a:solidFill>
+            <a:prstDash val="dash"/>
+          </a:ln>
+          <a:effectLst/>
+        </p:spPr>
+        <p:style>
+          <a:lnRef idx="1">
+            <a:schemeClr val="accent1"/>
+          </a:lnRef>
+          <a:fillRef idx="3">
+            <a:schemeClr val="accent1"/>
+          </a:fillRef>
+          <a:effectRef idx="2">
+            <a:schemeClr val="accent1"/>
+          </a:effectRef>
+          <a:fontRef idx="minor">
+            <a:schemeClr val="lt1"/>
+          </a:fontRef>
+        </p:style>
+        <p:txBody>
+          <a:bodyPr rtlCol="0" anchor="ctr"/>
+          <a:lstStyle/>
+          <a:p>
+            <a:pPr algn="ctr"/>
+            <a:r>
+              <a:rPr lang="en-US" sz="1150" dirty="0">
+                <a:solidFill>
+                  <a:schemeClr val="tx2"/>
+                </a:solidFill>
+              </a:rPr>
+              <a:t>Place speaker’s photo over this area.</a:t>
+            </a:r>
+          </a:p>
+          <a:p>
+            <a:pPr algn="ctr"/>
+            <a:endParaRPr lang="en-US" sz="1150" dirty="0">
+              <a:solidFill>
+                <a:schemeClr val="tx2"/>
+              </a:solidFill>
+            </a:endParaRPr>
+          </a:p>
+          <a:p>
+            <a:pPr algn="ctr"/>
+            <a:r>
+              <a:rPr lang="en-US" sz="1150" dirty="0">
+                <a:solidFill>
+                  <a:schemeClr val="tx2"/>
+                </a:solidFill>
+              </a:rPr>
+              <a:t>See notes on the right on how to crop your photo into a perfect circle.</a:t>
+            </a:r>
+          </a:p>
+        </p:txBody>
+      </p:sp>
+      <p:graphicFrame>
+        <p:nvGraphicFramePr>
+          <p:cNvPr id="4" name="Object 3" hidden="1">
+            <a:extLst>
+              <a:ext uri="{FF2B5EF4-FFF2-40B4-BE49-F238E27FC236}">
+                <a16:creationId xmlns:a16="http://schemas.microsoft.com/office/drawing/2014/main" id="{DD5033BE-E220-4FCE-9BCE-55F73C2F1C92}"/>
+              </a:ext>
+            </a:extLst>
+          </p:cNvPr>
+          <p:cNvGraphicFramePr>
+            <a:graphicFrameLocks noChangeAspect="1"/>
+          </p:cNvGraphicFramePr>
+          <p:nvPr>
+            <p:custDataLst>
+              <p:tags r:id="rId1"/>
+            </p:custDataLst>
+          </p:nvPr>
+        </p:nvGraphicFramePr>
+        <p:xfrm>
+          <a:off x="1589" y="1589"/>
+          <a:ext cx="1588" cy="1588"/>
+        </p:xfrm>
+        <a:graphic>
+          <a:graphicData uri="http://schemas.openxmlformats.org/presentationml/2006/ole">
+            <mc:AlternateContent xmlns:mc="http://schemas.openxmlformats.org/markup-compatibility/2006">
+              <mc:Choice xmlns:v="urn:schemas-microsoft-com:vml" Requires="v">
+                <p:oleObj name="think-cell Slide" r:id="rId4" imgW="360" imgH="360" progId="TCLayout.ActiveDocument.1">
+                  <p:embed/>
+                </p:oleObj>
+              </mc:Choice>
+              <mc:Fallback>
+                <p:oleObj name="think-cell Slide" r:id="rId4" imgW="360" imgH="360" progId="TCLayout.ActiveDocument.1">
+                  <p:embed/>
+                  <p:pic>
+                    <p:nvPicPr>
+                      <p:cNvPr id="4" name="Object 3" hidden="1">
+                        <a:extLst>
+                          <a:ext uri="{FF2B5EF4-FFF2-40B4-BE49-F238E27FC236}">
+                            <a16:creationId xmlns:a16="http://schemas.microsoft.com/office/drawing/2014/main" id="{DD5033BE-E220-4FCE-9BCE-55F73C2F1C92}"/>
+                          </a:ext>
+                        </a:extLst>
+                      </p:cNvPr>
+                      <p:cNvPicPr/>
+                      <p:nvPr/>
+                    </p:nvPicPr>
+                    <p:blipFill>
+                      <a:blip r:embed="rId5"/>
+                      <a:stretch>
+                        <a:fillRect/>
+                      </a:stretch>
+                    </p:blipFill>
+                    <p:spPr>
+                      <a:xfrm>
+                        <a:off x="1589" y="1589"/>
+                        <a:ext cx="1588" cy="1588"/>
+                      </a:xfrm>
+                      <a:prstGeom prst="rect">
+                        <a:avLst/>
+                      </a:prstGeom>
+                    </p:spPr>
+                  </p:pic>
+                </p:oleObj>
+              </mc:Fallback>
+            </mc:AlternateContent>
+          </a:graphicData>
+        </a:graphic>
+      </p:graphicFrame>
+      <p:sp>
+        <p:nvSpPr>
+          <p:cNvPr id="5" name="TextBox 4">
+            <a:extLst>
+              <a:ext uri="{FF2B5EF4-FFF2-40B4-BE49-F238E27FC236}">
+                <a16:creationId xmlns:a16="http://schemas.microsoft.com/office/drawing/2014/main" id="{8B86315F-7F7C-4308-9A86-851CB9E58C0B}"/>
+              </a:ext>
+            </a:extLst>
+          </p:cNvPr>
+          <p:cNvSpPr txBox="1"/>
+          <p:nvPr/>
+        </p:nvSpPr>
+        <p:spPr>
+          <a:xfrm>
+            <a:off x="3206184" y="1832614"/>
+            <a:ext cx="3675926" cy="830997"/>
+          </a:xfrm>
+          <a:prstGeom prst="rect">
+            <a:avLst/>
+          </a:prstGeom>
+          <a:noFill/>
+        </p:spPr>
+        <p:txBody>
+          <a:bodyPr wrap="square" lIns="91440" tIns="45720" rIns="91440" bIns="45720" rtlCol="0" anchor="ctr">
+            <a:spAutoFit/>
+          </a:bodyPr>
+          <a:lstStyle/>
+          <a:p>
+            <a:pPr algn="ctr"/>
+            <a:r>
+              <a:rPr lang="en-US" sz="2400" b="1" dirty="0">
+                <a:solidFill>
+                  <a:schemeClr val="accent1"/>
+                </a:solidFill>
+                <a:latin typeface="+mj-lt"/>
+                <a:ea typeface="ＭＳ Ｐゴシック"/>
+              </a:rPr>
+              <a:t>Konrad </a:t>
+            </a:r>
+            <a:r>
+              <a:rPr lang="en-US" sz="2400" b="1" dirty="0" err="1">
+                <a:solidFill>
+                  <a:schemeClr val="accent1"/>
+                </a:solidFill>
+                <a:latin typeface="+mj-lt"/>
+                <a:ea typeface="ＭＳ Ｐゴシック"/>
+              </a:rPr>
+              <a:t>Gałczyński</a:t>
+            </a:r>
+            <a:r>
+              <a:rPr lang="en-US" sz="2400" b="1" dirty="0">
+                <a:solidFill>
+                  <a:schemeClr val="accent1"/>
+                </a:solidFill>
+                <a:latin typeface="+mj-lt"/>
+                <a:ea typeface="ＭＳ Ｐゴシック"/>
+              </a:rPr>
+              <a:t> </a:t>
+            </a:r>
+            <a:endParaRPr lang="en-US" dirty="0">
+              <a:solidFill>
+                <a:schemeClr val="accent1"/>
+              </a:solidFill>
+            </a:endParaRPr>
+          </a:p>
+          <a:p>
+            <a:pPr algn="ctr"/>
+            <a:r>
+              <a:rPr lang="en-US" sz="1200" dirty="0">
+                <a:solidFill>
+                  <a:schemeClr val="tx2"/>
+                </a:solidFill>
+                <a:latin typeface="+mj-lt"/>
+                <a:ea typeface="ＭＳ Ｐゴシック"/>
+              </a:rPr>
+              <a:t>Senior Software Engineer</a:t>
+            </a:r>
+            <a:endParaRPr lang="en-US" dirty="0">
+              <a:solidFill>
+                <a:schemeClr val="tx2"/>
+              </a:solidFill>
+              <a:ea typeface="ＭＳ Ｐゴシック"/>
+            </a:endParaRPr>
+          </a:p>
+          <a:p>
+            <a:pPr algn="ctr"/>
+            <a:endParaRPr lang="en-US" sz="1200" dirty="0">
+              <a:solidFill>
+                <a:schemeClr val="tx2"/>
+              </a:solidFill>
+              <a:latin typeface="+mj-lt"/>
+              <a:cs typeface="Arial"/>
+            </a:endParaRPr>
+          </a:p>
+        </p:txBody>
+      </p:sp>
+      <p:sp>
+        <p:nvSpPr>
+          <p:cNvPr id="2" name="Title 1">
+            <a:extLst>
+              <a:ext uri="{FF2B5EF4-FFF2-40B4-BE49-F238E27FC236}">
+                <a16:creationId xmlns:a16="http://schemas.microsoft.com/office/drawing/2014/main" id="{4F9453A7-33F9-42DC-A527-6A05B25E391F}"/>
+              </a:ext>
+            </a:extLst>
+          </p:cNvPr>
+          <p:cNvSpPr>
+            <a:spLocks noGrp="1"/>
+          </p:cNvSpPr>
+          <p:nvPr>
+            <p:ph type="title"/>
+          </p:nvPr>
+        </p:nvSpPr>
+        <p:spPr/>
+        <p:txBody>
+          <a:bodyPr/>
+          <a:lstStyle/>
+          <a:p>
+            <a:r>
+              <a:rPr lang="en-US" dirty="0"/>
+              <a:t>Welcome and Introduction</a:t>
+            </a:r>
+          </a:p>
+        </p:txBody>
+      </p:sp>
+      <p:grpSp>
+        <p:nvGrpSpPr>
+          <p:cNvPr id="14" name="Group 13">
+            <a:extLst>
+              <a:ext uri="{FF2B5EF4-FFF2-40B4-BE49-F238E27FC236}">
+                <a16:creationId xmlns:a16="http://schemas.microsoft.com/office/drawing/2014/main" id="{881F0995-414C-4237-95FC-85372AF5DB10}"/>
+              </a:ext>
+            </a:extLst>
+          </p:cNvPr>
+          <p:cNvGrpSpPr/>
+          <p:nvPr/>
+        </p:nvGrpSpPr>
+        <p:grpSpPr>
+          <a:xfrm>
+            <a:off x="7391399" y="12702"/>
+            <a:ext cx="4454302" cy="4467460"/>
+            <a:chOff x="7391399" y="-275823"/>
+            <a:chExt cx="4454302" cy="4467460"/>
+          </a:xfrm>
+        </p:grpSpPr>
+        <p:sp>
+          <p:nvSpPr>
+            <p:cNvPr id="10" name="TextBox 9">
+              <a:extLst>
+                <a:ext uri="{FF2B5EF4-FFF2-40B4-BE49-F238E27FC236}">
+                  <a16:creationId xmlns:a16="http://schemas.microsoft.com/office/drawing/2014/main" id="{1A7A618D-F23B-4484-8431-20F8132FEC96}"/>
+                </a:ext>
+              </a:extLst>
+            </p:cNvPr>
+            <p:cNvSpPr txBox="1"/>
+            <p:nvPr/>
+          </p:nvSpPr>
+          <p:spPr>
+            <a:xfrm>
+              <a:off x="7391399" y="-275823"/>
+              <a:ext cx="4454301" cy="1015663"/>
+            </a:xfrm>
+            <a:prstGeom prst="rect">
+              <a:avLst/>
+            </a:prstGeom>
+            <a:solidFill>
+              <a:schemeClr val="accent3"/>
+            </a:solidFill>
+          </p:spPr>
+          <p:txBody>
+            <a:bodyPr wrap="square" rtlCol="0" anchor="t">
+              <a:spAutoFit/>
+            </a:bodyPr>
+            <a:lstStyle/>
+            <a:p>
+              <a:pPr marL="171450" indent="-171450">
+                <a:spcBef>
+                  <a:spcPts val="600"/>
+                </a:spcBef>
+                <a:buFont typeface="Arial" panose="020B0604020202020204" pitchFamily="34" charset="0"/>
+                <a:buChar char="•"/>
+              </a:pPr>
+              <a:r>
+                <a:rPr lang="en-US" sz="1000" dirty="0">
+                  <a:solidFill>
+                    <a:schemeClr val="bg1"/>
+                  </a:solidFill>
+                  <a:latin typeface="+mj-lt"/>
+                </a:rPr>
+                <a:t>After inserting the photo onto the slide, click the Format tab at the top.</a:t>
+              </a:r>
+            </a:p>
+            <a:p>
+              <a:pPr marL="171450" indent="-171450">
+                <a:spcBef>
+                  <a:spcPts val="600"/>
+                </a:spcBef>
+                <a:buFont typeface="Arial" panose="020B0604020202020204" pitchFamily="34" charset="0"/>
+                <a:buChar char="•"/>
+              </a:pPr>
+              <a:r>
+                <a:rPr lang="en-US" sz="1000" dirty="0">
+                  <a:solidFill>
+                    <a:schemeClr val="bg1"/>
+                  </a:solidFill>
+                  <a:latin typeface="+mj-lt"/>
+                </a:rPr>
+                <a:t>Click the Crop drop-down &gt; Aspect Ratio &gt; 1:1 to make it a perfect square.</a:t>
+              </a:r>
+            </a:p>
+            <a:p>
+              <a:pPr marL="171450" indent="-171450">
+                <a:spcBef>
+                  <a:spcPts val="600"/>
+                </a:spcBef>
+                <a:buFont typeface="Arial" panose="020B0604020202020204" pitchFamily="34" charset="0"/>
+                <a:buChar char="•"/>
+              </a:pPr>
+              <a:r>
+                <a:rPr lang="en-US" sz="1000" dirty="0">
+                  <a:solidFill>
+                    <a:schemeClr val="bg1"/>
+                  </a:solidFill>
+                  <a:latin typeface="+mj-lt"/>
+                </a:rPr>
+                <a:t>Then go back to the Crop drop-down &gt; Crop to Shape &gt; and pick the Oval shape.</a:t>
+              </a:r>
+            </a:p>
+          </p:txBody>
+        </p:sp>
+        <p:grpSp>
+          <p:nvGrpSpPr>
+            <p:cNvPr id="13" name="Group 12">
+              <a:extLst>
+                <a:ext uri="{FF2B5EF4-FFF2-40B4-BE49-F238E27FC236}">
+                  <a16:creationId xmlns:a16="http://schemas.microsoft.com/office/drawing/2014/main" id="{9B78A935-5740-4292-9C58-4617E22DF45E}"/>
+                </a:ext>
+              </a:extLst>
+            </p:cNvPr>
+            <p:cNvGrpSpPr/>
+            <p:nvPr/>
+          </p:nvGrpSpPr>
+          <p:grpSpPr>
+            <a:xfrm>
+              <a:off x="7391400" y="871539"/>
+              <a:ext cx="4454301" cy="3320098"/>
+              <a:chOff x="7391400" y="102472"/>
+              <a:chExt cx="4454301" cy="3320098"/>
+            </a:xfrm>
+          </p:grpSpPr>
+          <p:pic>
+            <p:nvPicPr>
+              <p:cNvPr id="8" name="Picture 7">
+                <a:extLst>
+                  <a:ext uri="{FF2B5EF4-FFF2-40B4-BE49-F238E27FC236}">
+                    <a16:creationId xmlns:a16="http://schemas.microsoft.com/office/drawing/2014/main" id="{6D276838-7869-4C66-A203-A3B7256819C7}"/>
+                  </a:ext>
+                </a:extLst>
+              </p:cNvPr>
+              <p:cNvPicPr>
+                <a:picLocks noChangeAspect="1"/>
+              </p:cNvPicPr>
+              <p:nvPr/>
+            </p:nvPicPr>
+            <p:blipFill>
+              <a:blip r:embed="rId6"/>
+              <a:stretch>
+                <a:fillRect/>
+              </a:stretch>
+            </p:blipFill>
+            <p:spPr>
+              <a:xfrm>
+                <a:off x="7696200" y="140572"/>
+                <a:ext cx="1429545" cy="3281998"/>
+              </a:xfrm>
+              <a:prstGeom prst="rect">
+                <a:avLst/>
+              </a:prstGeom>
+            </p:spPr>
+          </p:pic>
+          <p:pic>
+            <p:nvPicPr>
+              <p:cNvPr id="9" name="Picture 8">
+                <a:extLst>
+                  <a:ext uri="{FF2B5EF4-FFF2-40B4-BE49-F238E27FC236}">
+                    <a16:creationId xmlns:a16="http://schemas.microsoft.com/office/drawing/2014/main" id="{2532C9A3-9454-4FC8-9B76-1AD3030DBB6E}"/>
+                  </a:ext>
+                </a:extLst>
+              </p:cNvPr>
+              <p:cNvPicPr>
+                <a:picLocks noChangeAspect="1"/>
+              </p:cNvPicPr>
+              <p:nvPr/>
+            </p:nvPicPr>
+            <p:blipFill rotWithShape="1">
+              <a:blip r:embed="rId7"/>
+              <a:srcRect b="22106"/>
+              <a:stretch/>
+            </p:blipFill>
+            <p:spPr>
+              <a:xfrm>
+                <a:off x="9470964" y="140572"/>
+                <a:ext cx="2374737" cy="3205161"/>
+              </a:xfrm>
+              <a:prstGeom prst="rect">
+                <a:avLst/>
+              </a:prstGeom>
+            </p:spPr>
+          </p:pic>
+          <p:sp>
+            <p:nvSpPr>
+              <p:cNvPr id="11" name="TextBox 10">
+                <a:extLst>
+                  <a:ext uri="{FF2B5EF4-FFF2-40B4-BE49-F238E27FC236}">
+                    <a16:creationId xmlns:a16="http://schemas.microsoft.com/office/drawing/2014/main" id="{53DA212A-3017-4028-ACAA-D5611AE92D26}"/>
+                  </a:ext>
+                </a:extLst>
+              </p:cNvPr>
+              <p:cNvSpPr txBox="1"/>
+              <p:nvPr/>
+            </p:nvSpPr>
+            <p:spPr>
+              <a:xfrm>
+                <a:off x="7391400" y="102472"/>
+                <a:ext cx="457200" cy="253916"/>
+              </a:xfrm>
+              <a:prstGeom prst="rect">
+                <a:avLst/>
+              </a:prstGeom>
+              <a:noFill/>
+            </p:spPr>
+            <p:txBody>
+              <a:bodyPr wrap="square" rtlCol="0" anchor="ctr">
+                <a:spAutoFit/>
+              </a:bodyPr>
+              <a:lstStyle/>
+              <a:p>
+                <a:r>
+                  <a:rPr lang="en-US" sz="1050" dirty="0">
+                    <a:latin typeface="+mj-lt"/>
+                  </a:rPr>
+                  <a:t>1.</a:t>
+                </a:r>
+              </a:p>
+            </p:txBody>
+          </p:sp>
+          <p:sp>
+            <p:nvSpPr>
+              <p:cNvPr id="12" name="TextBox 11">
+                <a:extLst>
+                  <a:ext uri="{FF2B5EF4-FFF2-40B4-BE49-F238E27FC236}">
+                    <a16:creationId xmlns:a16="http://schemas.microsoft.com/office/drawing/2014/main" id="{D49552CF-2680-4BB2-BD0E-E59B54B1C512}"/>
+                  </a:ext>
+                </a:extLst>
+              </p:cNvPr>
+              <p:cNvSpPr txBox="1"/>
+              <p:nvPr/>
+            </p:nvSpPr>
+            <p:spPr>
+              <a:xfrm>
+                <a:off x="9201945" y="102472"/>
+                <a:ext cx="457200" cy="253916"/>
+              </a:xfrm>
+              <a:prstGeom prst="rect">
+                <a:avLst/>
+              </a:prstGeom>
+              <a:noFill/>
+            </p:spPr>
+            <p:txBody>
+              <a:bodyPr wrap="square" rtlCol="0" anchor="ctr">
+                <a:spAutoFit/>
+              </a:bodyPr>
+              <a:lstStyle/>
+              <a:p>
+                <a:r>
+                  <a:rPr lang="en-US" sz="1050" dirty="0">
+                    <a:latin typeface="+mj-lt"/>
+                  </a:rPr>
+                  <a:t>2.</a:t>
+                </a:r>
+              </a:p>
+            </p:txBody>
+          </p:sp>
+        </p:grpSp>
+      </p:grpSp>
+      <p:pic>
+        <p:nvPicPr>
+          <p:cNvPr id="18" name="Picture 17" descr="A person smiling for the camera&#10;&#10;Description automatically generated with low confidence">
+            <a:extLst>
+              <a:ext uri="{FF2B5EF4-FFF2-40B4-BE49-F238E27FC236}">
+                <a16:creationId xmlns:a16="http://schemas.microsoft.com/office/drawing/2014/main" id="{E9C3AFDB-F786-45AD-9E21-F8F19CFE7FC7}"/>
+              </a:ext>
+            </a:extLst>
+          </p:cNvPr>
+          <p:cNvPicPr>
+            <a:picLocks noChangeAspect="1"/>
+          </p:cNvPicPr>
+          <p:nvPr/>
+        </p:nvPicPr>
+        <p:blipFill rotWithShape="1">
+          <a:blip r:embed="rId8"/>
+          <a:srcRect l="30" r="30"/>
+          <a:stretch/>
+        </p:blipFill>
+        <p:spPr>
+          <a:xfrm>
+            <a:off x="595539" y="823299"/>
+            <a:ext cx="2514600" cy="2514600"/>
+          </a:xfrm>
+          <a:prstGeom prst="ellipse">
+            <a:avLst/>
+          </a:prstGeom>
+        </p:spPr>
+      </p:pic>
+    </p:spTree>
+    <p:extLst>
+      <p:ext uri="{BB962C8B-B14F-4D97-AF65-F5344CB8AC3E}">
+        <p14:creationId xmlns:p14="http://schemas.microsoft.com/office/powerpoint/2010/main" val="3268191436"/>
+      </p:ext>
+    </p:extLst>
+  </p:cSld>
+  <p:clrMapOvr>
+    <a:masterClrMapping/>
+  </p:clrMapOvr>
+  <mc:AlternateContent xmlns:mc="http://schemas.openxmlformats.org/markup-compatibility/2006" xmlns:p14="http://schemas.microsoft.com/office/powerpoint/2010/main">
+    <mc:Choice Requires="p14">
+      <p:transition spd="med" p14:dur="700">
+        <p:fade/>
+      </p:transition>
+    </mc:Choice>
+    <mc:Fallback xmlns="">
+      <p:transition spd="med">
+        <p:fade/>
+      </p:transition>
+    </mc:Fallback>
+  </mc:AlternateContent>
+</p:sld>
+</file>
+
+<file path=ppt/slides/slide3.xml><?xml version="1.0" encoding="utf-8"?>
+<p:sld xmlns:a="http://schemas.openxmlformats.org/drawingml/2006/main" xmlns:r="http://schemas.openxmlformats.org/officeDocument/2006/relationships" xmlns:p="http://schemas.openxmlformats.org/presentationml/2006/main">
+  <p:cSld>
+    <p:spTree>
+      <p:nvGrpSpPr>
+        <p:cNvPr id="1" name=""/>
+        <p:cNvGrpSpPr/>
+        <p:nvPr/>
+      </p:nvGrpSpPr>
+      <p:grpSpPr>
+        <a:xfrm>
+          <a:off x="0" y="0"/>
+          <a:ext cx="0" cy="0"/>
+          <a:chOff x="0" y="0"/>
+          <a:chExt cx="0" cy="0"/>
+        </a:xfrm>
+      </p:grpSpPr>
+      <p:pic>
+        <p:nvPicPr>
+          <p:cNvPr id="4" name="Picture 3" descr="A picture containing building, outdoor, city, tall&#10;&#10;Description automatically generated">
+            <a:extLst>
+              <a:ext uri="{FF2B5EF4-FFF2-40B4-BE49-F238E27FC236}">
+                <a16:creationId xmlns:a16="http://schemas.microsoft.com/office/drawing/2014/main" id="{73D7250A-F4DB-4DD9-A03D-9372DF4B99A2}"/>
+              </a:ext>
+            </a:extLst>
+          </p:cNvPr>
+          <p:cNvPicPr>
+            <a:picLocks noChangeAspect="1"/>
+          </p:cNvPicPr>
+          <p:nvPr/>
+        </p:nvPicPr>
+        <p:blipFill rotWithShape="1">
+          <a:blip r:embed="rId3"/>
+          <a:srcRect l="9174" t="5504" r="2752" b="20184"/>
+          <a:stretch/>
+        </p:blipFill>
+        <p:spPr>
+          <a:xfrm>
+            <a:off x="0" y="0"/>
+            <a:ext cx="7315200" cy="4114800"/>
+          </a:xfrm>
+          <a:prstGeom prst="rect">
+            <a:avLst/>
+          </a:prstGeom>
+        </p:spPr>
+      </p:pic>
+      <p:sp>
+        <p:nvSpPr>
+          <p:cNvPr id="17" name="Parallelogram 16" hidden="1">
+            <a:extLst>
+              <a:ext uri="{FF2B5EF4-FFF2-40B4-BE49-F238E27FC236}">
+                <a16:creationId xmlns:a16="http://schemas.microsoft.com/office/drawing/2014/main" id="{7CBCE8C9-92C9-4543-9B94-371AAA35468B}"/>
+              </a:ext>
+            </a:extLst>
+          </p:cNvPr>
+          <p:cNvSpPr/>
+          <p:nvPr/>
+        </p:nvSpPr>
+        <p:spPr>
+          <a:xfrm>
+            <a:off x="-685800" y="0"/>
+            <a:ext cx="6217920" cy="4114800"/>
+          </a:xfrm>
+          <a:prstGeom prst="parallelogram">
+            <a:avLst/>
+          </a:prstGeom>
+          <a:solidFill>
+            <a:srgbClr val="FFFFFF">
+              <a:alpha val="80000"/>
+            </a:srgbClr>
+          </a:solidFill>
+          <a:ln>
+            <a:noFill/>
+          </a:ln>
+          <a:effectLst/>
+        </p:spPr>
+        <p:style>
+          <a:lnRef idx="1">
+            <a:schemeClr val="accent1"/>
+          </a:lnRef>
+          <a:fillRef idx="3">
+            <a:schemeClr val="accent1"/>
+          </a:fillRef>
+          <a:effectRef idx="2">
+            <a:schemeClr val="accent1"/>
+          </a:effectRef>
+          <a:fontRef idx="minor">
+            <a:schemeClr val="lt1"/>
+          </a:fontRef>
+        </p:style>
+        <p:txBody>
+          <a:bodyPr rtlCol="0" anchor="ctr"/>
+          <a:lstStyle/>
+          <a:p>
+            <a:pPr algn="ctr"/>
+            <a:endParaRPr lang="en-US" dirty="0" err="1"/>
+          </a:p>
+        </p:txBody>
+      </p:sp>
+      <p:grpSp>
+        <p:nvGrpSpPr>
+          <p:cNvPr id="2" name="Group 1">
+            <a:extLst>
+              <a:ext uri="{FF2B5EF4-FFF2-40B4-BE49-F238E27FC236}">
+                <a16:creationId xmlns:a16="http://schemas.microsoft.com/office/drawing/2014/main" id="{46716EB0-D389-4770-8F94-C54233F8110C}"/>
+              </a:ext>
+            </a:extLst>
+          </p:cNvPr>
+          <p:cNvGrpSpPr/>
+          <p:nvPr/>
+        </p:nvGrpSpPr>
+        <p:grpSpPr>
+          <a:xfrm>
+            <a:off x="0" y="0"/>
+            <a:ext cx="5384800" cy="4114800"/>
+            <a:chOff x="0" y="0"/>
+            <a:chExt cx="5384800" cy="4114800"/>
+          </a:xfrm>
+        </p:grpSpPr>
+        <p:sp>
+          <p:nvSpPr>
+            <p:cNvPr id="21" name="Freeform: Shape 20">
+              <a:extLst>
+                <a:ext uri="{FF2B5EF4-FFF2-40B4-BE49-F238E27FC236}">
+                  <a16:creationId xmlns:a16="http://schemas.microsoft.com/office/drawing/2014/main" id="{1325082E-5ABE-49E1-93A7-BF33D9DAF534}"/>
+                </a:ext>
+              </a:extLst>
+            </p:cNvPr>
+            <p:cNvSpPr/>
+            <p:nvPr/>
+          </p:nvSpPr>
+          <p:spPr>
+            <a:xfrm>
+              <a:off x="0" y="0"/>
+              <a:ext cx="5384800" cy="4114800"/>
+            </a:xfrm>
+            <a:custGeom>
+              <a:avLst/>
+              <a:gdLst>
+                <a:gd name="connsiteX0" fmla="*/ 0 w 5384800"/>
+                <a:gd name="connsiteY0" fmla="*/ 0 h 4114800"/>
+                <a:gd name="connsiteX1" fmla="*/ 5384800 w 5384800"/>
+                <a:gd name="connsiteY1" fmla="*/ 0 h 4114800"/>
+                <a:gd name="connsiteX2" fmla="*/ 4356100 w 5384800"/>
+                <a:gd name="connsiteY2" fmla="*/ 4114800 h 4114800"/>
+                <a:gd name="connsiteX3" fmla="*/ 0 w 5384800"/>
+                <a:gd name="connsiteY3" fmla="*/ 4114800 h 4114800"/>
+              </a:gdLst>
+              <a:ahLst/>
+              <a:cxnLst>
+                <a:cxn ang="0">
+                  <a:pos x="connsiteX0" y="connsiteY0"/>
+                </a:cxn>
+                <a:cxn ang="0">
+                  <a:pos x="connsiteX1" y="connsiteY1"/>
+                </a:cxn>
+                <a:cxn ang="0">
+                  <a:pos x="connsiteX2" y="connsiteY2"/>
+                </a:cxn>
+                <a:cxn ang="0">
+                  <a:pos x="connsiteX3" y="connsiteY3"/>
+                </a:cxn>
+              </a:cxnLst>
+              <a:rect l="l" t="t" r="r" b="b"/>
+              <a:pathLst>
+                <a:path w="5384800" h="4114800">
+                  <a:moveTo>
+                    <a:pt x="0" y="0"/>
+                  </a:moveTo>
+                  <a:lnTo>
+                    <a:pt x="5384800" y="0"/>
+                  </a:lnTo>
+                  <a:lnTo>
+                    <a:pt x="4356100" y="4114800"/>
+                  </a:lnTo>
+                  <a:lnTo>
+                    <a:pt x="0" y="4114800"/>
+                  </a:lnTo>
+                  <a:close/>
+                </a:path>
+              </a:pathLst>
+            </a:custGeom>
+            <a:solidFill>
+              <a:srgbClr val="FFFFFF">
+                <a:alpha val="80000"/>
+              </a:srgbClr>
+            </a:solidFill>
+            <a:ln>
+              <a:noFill/>
+            </a:ln>
+            <a:effectLst/>
+          </p:spPr>
+          <p:style>
+            <a:lnRef idx="1">
+              <a:schemeClr val="accent1"/>
+            </a:lnRef>
+            <a:fillRef idx="3">
+              <a:schemeClr val="accent1"/>
+            </a:fillRef>
+            <a:effectRef idx="2">
+              <a:schemeClr val="accent1"/>
+            </a:effectRef>
+            <a:fontRef idx="minor">
+              <a:schemeClr val="lt1"/>
+            </a:fontRef>
+          </p:style>
+          <p:txBody>
+            <a:bodyPr rtlCol="0" anchor="ctr"/>
+            <a:lstStyle/>
+            <a:p>
+              <a:pPr algn="ctr"/>
+              <a:endParaRPr lang="en-US" dirty="0" err="1"/>
+            </a:p>
+          </p:txBody>
+        </p:sp>
+        <p:sp>
+          <p:nvSpPr>
+            <p:cNvPr id="18" name="Parallelogram 17">
+              <a:extLst>
+                <a:ext uri="{FF2B5EF4-FFF2-40B4-BE49-F238E27FC236}">
+                  <a16:creationId xmlns:a16="http://schemas.microsoft.com/office/drawing/2014/main" id="{6FF8BFB4-4358-40AC-A34A-E008147BFF37}"/>
+                </a:ext>
+              </a:extLst>
+            </p:cNvPr>
+            <p:cNvSpPr/>
+            <p:nvPr/>
+          </p:nvSpPr>
+          <p:spPr>
+            <a:xfrm>
+              <a:off x="4204970" y="0"/>
+              <a:ext cx="1097280" cy="4114800"/>
+            </a:xfrm>
+            <a:prstGeom prst="parallelogram">
+              <a:avLst>
+                <a:gd name="adj" fmla="val 92879"/>
+              </a:avLst>
+            </a:prstGeom>
+            <a:solidFill>
+              <a:schemeClr val="accent1"/>
+            </a:solidFill>
+            <a:ln>
+              <a:noFill/>
+            </a:ln>
+            <a:effectLst/>
+          </p:spPr>
+          <p:style>
+            <a:lnRef idx="1">
+              <a:schemeClr val="accent1"/>
+            </a:lnRef>
+            <a:fillRef idx="3">
+              <a:schemeClr val="accent1"/>
+            </a:fillRef>
+            <a:effectRef idx="2">
+              <a:schemeClr val="accent1"/>
+            </a:effectRef>
+            <a:fontRef idx="minor">
+              <a:schemeClr val="lt1"/>
+            </a:fontRef>
+          </p:style>
+          <p:txBody>
+            <a:bodyPr rtlCol="0" anchor="ctr"/>
+            <a:lstStyle/>
+            <a:p>
+              <a:pPr algn="ctr"/>
+              <a:endParaRPr lang="en-US" dirty="0" err="1"/>
+            </a:p>
+          </p:txBody>
+        </p:sp>
+        <p:sp>
+          <p:nvSpPr>
+            <p:cNvPr id="25" name="Freeform: Shape 24">
+              <a:extLst>
+                <a:ext uri="{FF2B5EF4-FFF2-40B4-BE49-F238E27FC236}">
+                  <a16:creationId xmlns:a16="http://schemas.microsoft.com/office/drawing/2014/main" id="{D0127B4D-B755-46EB-889F-461664FC9DB1}"/>
+                </a:ext>
+              </a:extLst>
+            </p:cNvPr>
+            <p:cNvSpPr/>
+            <p:nvPr/>
+          </p:nvSpPr>
+          <p:spPr>
+            <a:xfrm>
+              <a:off x="0" y="0"/>
+              <a:ext cx="5236210" cy="4114800"/>
+            </a:xfrm>
+            <a:custGeom>
+              <a:avLst/>
+              <a:gdLst>
+                <a:gd name="connsiteX0" fmla="*/ 0 w 5236210"/>
+                <a:gd name="connsiteY0" fmla="*/ 0 h 4114800"/>
+                <a:gd name="connsiteX1" fmla="*/ 5236210 w 5236210"/>
+                <a:gd name="connsiteY1" fmla="*/ 0 h 4114800"/>
+                <a:gd name="connsiteX2" fmla="*/ 4207510 w 5236210"/>
+                <a:gd name="connsiteY2" fmla="*/ 4114800 h 4114800"/>
+                <a:gd name="connsiteX3" fmla="*/ 0 w 5236210"/>
+                <a:gd name="connsiteY3" fmla="*/ 4114800 h 4114800"/>
+              </a:gdLst>
+              <a:ahLst/>
+              <a:cxnLst>
+                <a:cxn ang="0">
+                  <a:pos x="connsiteX0" y="connsiteY0"/>
+                </a:cxn>
+                <a:cxn ang="0">
+                  <a:pos x="connsiteX1" y="connsiteY1"/>
+                </a:cxn>
+                <a:cxn ang="0">
+                  <a:pos x="connsiteX2" y="connsiteY2"/>
+                </a:cxn>
+                <a:cxn ang="0">
+                  <a:pos x="connsiteX3" y="connsiteY3"/>
+                </a:cxn>
+              </a:cxnLst>
+              <a:rect l="l" t="t" r="r" b="b"/>
+              <a:pathLst>
+                <a:path w="5236210" h="4114800">
+                  <a:moveTo>
+                    <a:pt x="0" y="0"/>
+                  </a:moveTo>
+                  <a:lnTo>
+                    <a:pt x="5236210" y="0"/>
+                  </a:lnTo>
+                  <a:lnTo>
+                    <a:pt x="4207510" y="4114800"/>
+                  </a:lnTo>
+                  <a:lnTo>
+                    <a:pt x="0" y="4114800"/>
+                  </a:lnTo>
+                  <a:close/>
+                </a:path>
+              </a:pathLst>
+            </a:custGeom>
+            <a:solidFill>
+              <a:srgbClr val="FFFFFF">
+                <a:alpha val="70000"/>
+              </a:srgbClr>
+            </a:solidFill>
+            <a:ln>
+              <a:noFill/>
+            </a:ln>
+            <a:effectLst/>
+          </p:spPr>
+          <p:style>
+            <a:lnRef idx="1">
+              <a:schemeClr val="accent1"/>
+            </a:lnRef>
+            <a:fillRef idx="3">
+              <a:schemeClr val="accent1"/>
+            </a:fillRef>
+            <a:effectRef idx="2">
+              <a:schemeClr val="accent1"/>
+            </a:effectRef>
+            <a:fontRef idx="minor">
+              <a:schemeClr val="lt1"/>
+            </a:fontRef>
+          </p:style>
+          <p:txBody>
+            <a:bodyPr rtlCol="0" anchor="ctr"/>
+            <a:lstStyle/>
+            <a:p>
+              <a:pPr algn="ctr"/>
+              <a:endParaRPr lang="en-US" dirty="0" err="1"/>
+            </a:p>
+          </p:txBody>
+        </p:sp>
+      </p:grpSp>
+      <p:pic>
+        <p:nvPicPr>
+          <p:cNvPr id="27" name="Picture 26" descr="Logo&#10;&#10;Description automatically generated">
+            <a:extLst>
+              <a:ext uri="{FF2B5EF4-FFF2-40B4-BE49-F238E27FC236}">
+                <a16:creationId xmlns:a16="http://schemas.microsoft.com/office/drawing/2014/main" id="{B6773448-DEBE-4F4C-BF24-E7616CB82C3D}"/>
+              </a:ext>
+            </a:extLst>
+          </p:cNvPr>
+          <p:cNvPicPr>
+            <a:picLocks noChangeAspect="1"/>
+          </p:cNvPicPr>
+          <p:nvPr/>
+        </p:nvPicPr>
+        <p:blipFill>
+          <a:blip r:embed="rId4"/>
+          <a:stretch>
+            <a:fillRect/>
+          </a:stretch>
+        </p:blipFill>
+        <p:spPr>
+          <a:xfrm>
+            <a:off x="4686238" y="2968854"/>
+            <a:ext cx="2563933" cy="850944"/>
+          </a:xfrm>
+          <a:prstGeom prst="rect">
+            <a:avLst/>
+          </a:prstGeom>
+        </p:spPr>
+      </p:pic>
+      <p:sp>
+        <p:nvSpPr>
+          <p:cNvPr id="28" name="TextBox 27">
+            <a:extLst>
+              <a:ext uri="{FF2B5EF4-FFF2-40B4-BE49-F238E27FC236}">
+                <a16:creationId xmlns:a16="http://schemas.microsoft.com/office/drawing/2014/main" id="{E9E4E957-B7AA-4592-BE2B-A36B3BC976BA}"/>
+              </a:ext>
+            </a:extLst>
+          </p:cNvPr>
+          <p:cNvSpPr txBox="1"/>
+          <p:nvPr/>
+        </p:nvSpPr>
+        <p:spPr>
+          <a:xfrm>
+            <a:off x="217805" y="352425"/>
+            <a:ext cx="4648200" cy="3554819"/>
+          </a:xfrm>
+          <a:custGeom>
+            <a:avLst/>
+            <a:gdLst>
+              <a:gd name="connsiteX0" fmla="*/ 0 w 4648200"/>
+              <a:gd name="connsiteY0" fmla="*/ 0 h 3554819"/>
+              <a:gd name="connsiteX1" fmla="*/ 4648200 w 4648200"/>
+              <a:gd name="connsiteY1" fmla="*/ 0 h 3554819"/>
+              <a:gd name="connsiteX2" fmla="*/ 4648200 w 4648200"/>
+              <a:gd name="connsiteY2" fmla="*/ 3554819 h 3554819"/>
+              <a:gd name="connsiteX3" fmla="*/ 0 w 4648200"/>
+              <a:gd name="connsiteY3" fmla="*/ 3554819 h 3554819"/>
+              <a:gd name="connsiteX4" fmla="*/ 0 w 4648200"/>
+              <a:gd name="connsiteY4" fmla="*/ 0 h 3554819"/>
+              <a:gd name="connsiteX0" fmla="*/ 0 w 4648200"/>
+              <a:gd name="connsiteY0" fmla="*/ 0 h 3554819"/>
+              <a:gd name="connsiteX1" fmla="*/ 4648200 w 4648200"/>
+              <a:gd name="connsiteY1" fmla="*/ 0 h 3554819"/>
+              <a:gd name="connsiteX2" fmla="*/ 3724275 w 4648200"/>
+              <a:gd name="connsiteY2" fmla="*/ 3545294 h 3554819"/>
+              <a:gd name="connsiteX3" fmla="*/ 0 w 4648200"/>
+              <a:gd name="connsiteY3" fmla="*/ 3554819 h 3554819"/>
+              <a:gd name="connsiteX4" fmla="*/ 0 w 4648200"/>
+              <a:gd name="connsiteY4" fmla="*/ 0 h 3554819"/>
+            </a:gdLst>
+            <a:ahLst/>
+            <a:cxnLst>
+              <a:cxn ang="0">
+                <a:pos x="connsiteX0" y="connsiteY0"/>
+              </a:cxn>
+              <a:cxn ang="0">
+                <a:pos x="connsiteX1" y="connsiteY1"/>
+              </a:cxn>
+              <a:cxn ang="0">
+                <a:pos x="connsiteX2" y="connsiteY2"/>
+              </a:cxn>
+              <a:cxn ang="0">
+                <a:pos x="connsiteX3" y="connsiteY3"/>
+              </a:cxn>
+              <a:cxn ang="0">
+                <a:pos x="connsiteX4" y="connsiteY4"/>
+              </a:cxn>
+            </a:cxnLst>
+            <a:rect l="l" t="t" r="r" b="b"/>
+            <a:pathLst>
+              <a:path w="4648200" h="3554819">
+                <a:moveTo>
+                  <a:pt x="0" y="0"/>
+                </a:moveTo>
+                <a:lnTo>
+                  <a:pt x="4648200" y="0"/>
+                </a:lnTo>
+                <a:lnTo>
+                  <a:pt x="3724275" y="3545294"/>
+                </a:lnTo>
+                <a:lnTo>
+                  <a:pt x="0" y="3554819"/>
+                </a:lnTo>
+                <a:lnTo>
+                  <a:pt x="0" y="0"/>
+                </a:lnTo>
+                <a:close/>
+              </a:path>
+            </a:pathLst>
+          </a:custGeom>
+          <a:noFill/>
+        </p:spPr>
+        <p:txBody>
+          <a:bodyPr wrap="square" rIns="548640" rtlCol="0" anchor="t">
+            <a:spAutoFit/>
+          </a:bodyPr>
+          <a:lstStyle/>
+          <a:p>
+            <a:pPr marL="171450" indent="-171450">
+              <a:spcBef>
+                <a:spcPts val="1200"/>
+              </a:spcBef>
+              <a:buClr>
+                <a:schemeClr val="tx2"/>
+              </a:buClr>
+              <a:buFont typeface="Arial" panose="020B0604020202020204" pitchFamily="34" charset="0"/>
+              <a:buChar char="•"/>
+            </a:pPr>
+            <a:r>
+              <a:rPr lang="en-US" sz="1050" dirty="0">
+                <a:solidFill>
+                  <a:schemeClr val="tx2"/>
+                </a:solidFill>
+                <a:latin typeface="+mj-lt"/>
+              </a:rPr>
+              <a:t>Relativity creates intuitive software that helps law firms, government agencies, financial institutions, and other major corporations quickly find the truth in data.</a:t>
+            </a:r>
+          </a:p>
+          <a:p>
+            <a:pPr marL="171450" indent="-171450">
+              <a:spcBef>
+                <a:spcPts val="1200"/>
+              </a:spcBef>
+              <a:buClr>
+                <a:schemeClr val="tx2"/>
+              </a:buClr>
+              <a:buFont typeface="Arial" panose="020B0604020202020204" pitchFamily="34" charset="0"/>
+              <a:buChar char="•"/>
+            </a:pPr>
+            <a:r>
+              <a:rPr lang="en-US" sz="1050" dirty="0">
+                <a:solidFill>
+                  <a:schemeClr val="tx2"/>
+                </a:solidFill>
+                <a:latin typeface="+mj-lt"/>
+              </a:rPr>
+              <a:t>Founded in 2001, Relativity is headquartered in Chicago with offices worldwide in New Jersey, London, </a:t>
+            </a:r>
+            <a:r>
+              <a:rPr lang="pl-PL" sz="1050" dirty="0" err="1">
+                <a:solidFill>
+                  <a:schemeClr val="tx2"/>
+                </a:solidFill>
+                <a:latin typeface="+mj-lt"/>
+              </a:rPr>
+              <a:t>Krakow</a:t>
+            </a:r>
+            <a:r>
+              <a:rPr lang="en-US" sz="1050" dirty="0">
+                <a:solidFill>
+                  <a:schemeClr val="tx2"/>
+                </a:solidFill>
+                <a:latin typeface="+mj-lt"/>
+              </a:rPr>
+              <a:t>, Hong Kong, and Melbourne.</a:t>
+            </a:r>
+          </a:p>
+          <a:p>
+            <a:pPr marL="171450" indent="-171450">
+              <a:spcBef>
+                <a:spcPts val="1200"/>
+              </a:spcBef>
+              <a:buClr>
+                <a:schemeClr val="tx2"/>
+              </a:buClr>
+              <a:buFont typeface="Arial" panose="020B0604020202020204" pitchFamily="34" charset="0"/>
+              <a:buChar char="•"/>
+            </a:pPr>
+            <a:r>
+              <a:rPr lang="en-US" sz="1050" b="1" dirty="0">
+                <a:solidFill>
+                  <a:schemeClr val="accent1"/>
+                </a:solidFill>
+                <a:latin typeface="+mj-lt"/>
+              </a:rPr>
+              <a:t>1,200+</a:t>
+            </a:r>
+            <a:r>
+              <a:rPr lang="en-US" sz="1050" dirty="0">
+                <a:solidFill>
+                  <a:schemeClr val="tx2"/>
+                </a:solidFill>
+                <a:latin typeface="+mj-lt"/>
+              </a:rPr>
+              <a:t> employees</a:t>
+            </a:r>
+          </a:p>
+          <a:p>
+            <a:pPr marL="171450" indent="-171450">
+              <a:spcBef>
+                <a:spcPts val="1200"/>
+              </a:spcBef>
+              <a:buClr>
+                <a:schemeClr val="tx2"/>
+              </a:buClr>
+              <a:buFont typeface="Arial" panose="020B0604020202020204" pitchFamily="34" charset="0"/>
+              <a:buChar char="•"/>
+            </a:pPr>
+            <a:r>
+              <a:rPr lang="en-US" sz="1050" b="1" dirty="0">
+                <a:solidFill>
+                  <a:schemeClr val="accent1"/>
+                </a:solidFill>
+                <a:latin typeface="+mj-lt"/>
+              </a:rPr>
+              <a:t>300,000+</a:t>
+            </a:r>
+            <a:r>
+              <a:rPr lang="en-US" sz="1050" dirty="0">
+                <a:solidFill>
+                  <a:schemeClr val="tx2"/>
+                </a:solidFill>
+                <a:latin typeface="+mj-lt"/>
+              </a:rPr>
+              <a:t> enabled platform users</a:t>
+            </a:r>
+          </a:p>
+          <a:p>
+            <a:pPr marL="171450" indent="-171450">
+              <a:spcBef>
+                <a:spcPts val="1200"/>
+              </a:spcBef>
+              <a:buClr>
+                <a:schemeClr val="tx2"/>
+              </a:buClr>
+              <a:buFont typeface="Arial" panose="020B0604020202020204" pitchFamily="34" charset="0"/>
+              <a:buChar char="•"/>
+            </a:pPr>
+            <a:r>
+              <a:rPr lang="en-US" sz="1050" b="1" dirty="0">
+                <a:solidFill>
+                  <a:schemeClr val="accent1"/>
+                </a:solidFill>
+                <a:latin typeface="+mj-lt"/>
+              </a:rPr>
+              <a:t>5,000+</a:t>
+            </a:r>
+            <a:r>
+              <a:rPr lang="en-US" sz="1050" dirty="0">
+                <a:solidFill>
+                  <a:schemeClr val="tx2"/>
+                </a:solidFill>
+                <a:latin typeface="+mj-lt"/>
+              </a:rPr>
+              <a:t> attendees at Relativity Fest 2020, the largest conference for the e-discovery and compliance communities, and the second largest conference in legal technology</a:t>
+            </a:r>
+          </a:p>
+          <a:p>
+            <a:pPr marL="171450" indent="-171450">
+              <a:spcBef>
+                <a:spcPts val="1200"/>
+              </a:spcBef>
+              <a:buClr>
+                <a:schemeClr val="tx2"/>
+              </a:buClr>
+              <a:buFont typeface="Arial" panose="020B0604020202020204" pitchFamily="34" charset="0"/>
+              <a:buChar char="•"/>
+            </a:pPr>
+            <a:r>
+              <a:rPr lang="en-US" sz="1050" b="1" dirty="0">
+                <a:solidFill>
+                  <a:schemeClr val="accent1"/>
+                </a:solidFill>
+                <a:latin typeface="+mj-lt"/>
+              </a:rPr>
+              <a:t>100+</a:t>
+            </a:r>
+            <a:r>
+              <a:rPr lang="en-US" sz="1050" dirty="0">
+                <a:solidFill>
+                  <a:schemeClr val="tx2"/>
+                </a:solidFill>
+                <a:latin typeface="+mj-lt"/>
+              </a:rPr>
+              <a:t> developer partners and </a:t>
+            </a:r>
+            <a:r>
+              <a:rPr lang="en-US" sz="1050" b="1" dirty="0">
+                <a:solidFill>
+                  <a:schemeClr val="accent1"/>
+                </a:solidFill>
+                <a:latin typeface="+mj-lt"/>
+              </a:rPr>
+              <a:t>140+</a:t>
+            </a:r>
+            <a:r>
+              <a:rPr lang="en-US" sz="1050" dirty="0">
+                <a:solidFill>
+                  <a:schemeClr val="tx2"/>
+                </a:solidFill>
+                <a:latin typeface="+mj-lt"/>
+              </a:rPr>
+              <a:t> apps developed for the Relativity ecosystem</a:t>
+            </a:r>
+          </a:p>
+          <a:p>
+            <a:pPr marL="171450" indent="-171450">
+              <a:spcBef>
+                <a:spcPts val="1200"/>
+              </a:spcBef>
+              <a:buClr>
+                <a:schemeClr val="tx2"/>
+              </a:buClr>
+              <a:buFont typeface="Arial" panose="020B0604020202020204" pitchFamily="34" charset="0"/>
+              <a:buChar char="•"/>
+            </a:pPr>
+            <a:r>
+              <a:rPr lang="en-US" sz="1050" dirty="0">
+                <a:solidFill>
+                  <a:schemeClr val="tx2"/>
+                </a:solidFill>
+                <a:latin typeface="+mj-lt"/>
+              </a:rPr>
+              <a:t>Relativity is available in </a:t>
+            </a:r>
+            <a:r>
+              <a:rPr lang="en-US" sz="1050" b="1" dirty="0">
+                <a:solidFill>
+                  <a:schemeClr val="accent1"/>
+                </a:solidFill>
+                <a:latin typeface="+mj-lt"/>
+              </a:rPr>
+              <a:t>49 countries</a:t>
+            </a:r>
+            <a:r>
+              <a:rPr lang="en-US" sz="1050" dirty="0">
+                <a:solidFill>
+                  <a:schemeClr val="tx2"/>
+                </a:solidFill>
+                <a:latin typeface="+mj-lt"/>
+              </a:rPr>
+              <a:t>; </a:t>
+            </a:r>
+            <a:br>
+              <a:rPr lang="en-US" sz="1050" dirty="0">
+                <a:solidFill>
+                  <a:schemeClr val="tx2"/>
+                </a:solidFill>
+                <a:latin typeface="+mj-lt"/>
+              </a:rPr>
+            </a:br>
+            <a:r>
+              <a:rPr lang="en-US" sz="1050" dirty="0">
+                <a:solidFill>
+                  <a:schemeClr val="tx2"/>
+                </a:solidFill>
+                <a:latin typeface="+mj-lt"/>
+              </a:rPr>
+              <a:t>RelativityOne is available in </a:t>
+            </a:r>
+            <a:r>
+              <a:rPr lang="en-US" sz="1050" b="1" dirty="0">
+                <a:solidFill>
+                  <a:schemeClr val="accent1"/>
+                </a:solidFill>
+                <a:latin typeface="+mj-lt"/>
+              </a:rPr>
+              <a:t>9</a:t>
+            </a:r>
+            <a:r>
+              <a:rPr lang="en-US" sz="1050" dirty="0">
+                <a:solidFill>
+                  <a:schemeClr val="tx2"/>
+                </a:solidFill>
+                <a:latin typeface="+mj-lt"/>
+              </a:rPr>
+              <a:t> countries and growing.</a:t>
+            </a:r>
+          </a:p>
+        </p:txBody>
+      </p:sp>
+    </p:spTree>
+    <p:extLst>
+      <p:ext uri="{BB962C8B-B14F-4D97-AF65-F5344CB8AC3E}">
+        <p14:creationId xmlns:p14="http://schemas.microsoft.com/office/powerpoint/2010/main" val="3142584555"/>
+      </p:ext>
+    </p:extLst>
+  </p:cSld>
+  <p:clrMapOvr>
+    <a:masterClrMapping/>
+  </p:clrMapOvr>
+  <mc:AlternateContent xmlns:mc="http://schemas.openxmlformats.org/markup-compatibility/2006" xmlns:p14="http://schemas.microsoft.com/office/powerpoint/2010/main">
+    <mc:Choice Requires="p14">
+      <p:transition spd="med" p14:dur="700">
+        <p:fade/>
+      </p:transition>
+    </mc:Choice>
+    <mc:Fallback xmlns="">
+      <p:transition spd="med">
+        <p:fade/>
+      </p:transition>
+    </mc:Fallback>
+  </mc:AlternateContent>
+</p:sld>
+</file>
+
+<file path=ppt/slides/slide4.xml><?xml version="1.0" encoding="utf-8"?>
+<p:sld xmlns:a="http://schemas.openxmlformats.org/drawingml/2006/main" xmlns:r="http://schemas.openxmlformats.org/officeDocument/2006/relationships" xmlns:p="http://schemas.openxmlformats.org/presentationml/2006/main">
+  <p:cSld>
+    <p:spTree>
+      <p:nvGrpSpPr>
+        <p:cNvPr id="1" name=""/>
+        <p:cNvGrpSpPr/>
+        <p:nvPr/>
+      </p:nvGrpSpPr>
+      <p:grpSpPr>
+        <a:xfrm>
+          <a:off x="0" y="0"/>
+          <a:ext cx="0" cy="0"/>
+          <a:chOff x="0" y="0"/>
+          <a:chExt cx="0" cy="0"/>
+        </a:xfrm>
+      </p:grpSpPr>
+      <p:sp>
+        <p:nvSpPr>
+          <p:cNvPr id="3" name="Content Placeholder 2">
+            <a:extLst>
+              <a:ext uri="{FF2B5EF4-FFF2-40B4-BE49-F238E27FC236}">
+                <a16:creationId xmlns:a16="http://schemas.microsoft.com/office/drawing/2014/main" id="{329D61D7-E06E-44B5-B938-6F4CB503AB3B}"/>
+              </a:ext>
+            </a:extLst>
+          </p:cNvPr>
+          <p:cNvSpPr>
+            <a:spLocks noGrp="1"/>
+          </p:cNvSpPr>
+          <p:nvPr>
+            <p:ph idx="13"/>
+          </p:nvPr>
+        </p:nvSpPr>
+        <p:spPr>
+          <a:xfrm>
+            <a:off x="2514600" y="426453"/>
+            <a:ext cx="4572000" cy="3261895"/>
+          </a:xfrm>
+        </p:spPr>
+        <p:txBody>
+          <a:bodyPr anchor="ctr">
+            <a:normAutofit/>
+          </a:bodyPr>
+          <a:lstStyle/>
+          <a:p>
+            <a:r>
+              <a:rPr lang="pl-PL"/>
+              <a:t>Unit </a:t>
+            </a:r>
+            <a:r>
+              <a:rPr lang="pl-PL" err="1"/>
+              <a:t>tests</a:t>
+            </a:r>
+            <a:r>
+              <a:rPr lang="pl-PL"/>
+              <a:t> </a:t>
+            </a:r>
+            <a:r>
+              <a:rPr lang="pl-PL" err="1"/>
+              <a:t>effectiveness</a:t>
+            </a:r>
+            <a:endParaRPr lang="pl-PL"/>
+          </a:p>
+          <a:p>
+            <a:r>
+              <a:rPr lang="pl-PL"/>
+              <a:t>`</a:t>
+            </a:r>
+            <a:r>
+              <a:rPr lang="pl-PL" err="1"/>
+              <a:t>Behavior</a:t>
+            </a:r>
+            <a:r>
+              <a:rPr lang="pl-PL"/>
+              <a:t> </a:t>
+            </a:r>
+            <a:r>
+              <a:rPr lang="pl-PL" err="1"/>
+              <a:t>coverage</a:t>
+            </a:r>
+            <a:r>
+              <a:rPr lang="pl-PL"/>
+              <a:t>`</a:t>
+            </a:r>
+          </a:p>
+          <a:p>
+            <a:r>
+              <a:rPr lang="pl-PL"/>
+              <a:t>How </a:t>
+            </a:r>
+            <a:r>
+              <a:rPr lang="pl-PL" err="1"/>
+              <a:t>it</a:t>
+            </a:r>
+            <a:r>
+              <a:rPr lang="pl-PL"/>
+              <a:t> </a:t>
+            </a:r>
+            <a:r>
+              <a:rPr lang="pl-PL" err="1"/>
+              <a:t>works</a:t>
+            </a:r>
+            <a:r>
+              <a:rPr lang="pl-PL"/>
+              <a:t> on real </a:t>
+            </a:r>
+            <a:r>
+              <a:rPr lang="pl-PL" err="1"/>
+              <a:t>code</a:t>
+            </a:r>
+            <a:r>
+              <a:rPr lang="pl-PL"/>
+              <a:t>?</a:t>
+            </a:r>
+          </a:p>
+          <a:p>
+            <a:r>
+              <a:rPr lang="pl-PL" err="1"/>
+              <a:t>Price</a:t>
+            </a:r>
+            <a:r>
+              <a:rPr lang="pl-PL"/>
+              <a:t> to </a:t>
+            </a:r>
+            <a:r>
+              <a:rPr lang="pl-PL" err="1"/>
+              <a:t>pay</a:t>
+            </a:r>
+            <a:endParaRPr lang="pl-PL"/>
+          </a:p>
+          <a:p>
+            <a:r>
+              <a:rPr lang="pl-PL" err="1"/>
+              <a:t>Wrap</a:t>
+            </a:r>
+            <a:r>
+              <a:rPr lang="pl-PL"/>
+              <a:t> </a:t>
+            </a:r>
+            <a:r>
+              <a:rPr lang="pl-PL" err="1"/>
+              <a:t>up</a:t>
+            </a:r>
+            <a:endParaRPr lang="pl-PL"/>
+          </a:p>
+        </p:txBody>
+      </p:sp>
+      <p:sp>
+        <p:nvSpPr>
+          <p:cNvPr id="2" name="Title 1">
+            <a:extLst>
+              <a:ext uri="{FF2B5EF4-FFF2-40B4-BE49-F238E27FC236}">
+                <a16:creationId xmlns:a16="http://schemas.microsoft.com/office/drawing/2014/main" id="{CEEDFA7F-8DBF-42DE-8B0F-2A2BB7ED304A}"/>
+              </a:ext>
+            </a:extLst>
+          </p:cNvPr>
+          <p:cNvSpPr>
+            <a:spLocks noGrp="1"/>
+          </p:cNvSpPr>
+          <p:nvPr>
+            <p:ph type="body" sz="quarter" idx="14"/>
+          </p:nvPr>
+        </p:nvSpPr>
+        <p:spPr>
+          <a:xfrm>
+            <a:off x="57150" y="1219200"/>
+            <a:ext cx="2095500" cy="1676400"/>
+          </a:xfrm>
+        </p:spPr>
+        <p:txBody>
+          <a:bodyPr anchor="ctr">
+            <a:normAutofit/>
+          </a:bodyPr>
+          <a:lstStyle/>
+          <a:p>
+            <a:r>
+              <a:rPr lang="pl-PL"/>
+              <a:t>AGENDA</a:t>
+            </a:r>
+            <a:endParaRPr lang="pl-PL" dirty="0"/>
+          </a:p>
+        </p:txBody>
+      </p:sp>
+    </p:spTree>
+    <p:extLst>
+      <p:ext uri="{BB962C8B-B14F-4D97-AF65-F5344CB8AC3E}">
+        <p14:creationId xmlns:p14="http://schemas.microsoft.com/office/powerpoint/2010/main" val="2838881275"/>
+      </p:ext>
+    </p:extLst>
+  </p:cSld>
+  <p:clrMapOvr>
+    <a:masterClrMapping/>
+  </p:clrMapOvr>
+  <mc:AlternateContent xmlns:mc="http://schemas.openxmlformats.org/markup-compatibility/2006" xmlns:p14="http://schemas.microsoft.com/office/powerpoint/2010/main">
+    <mc:Choice Requires="p14">
+      <p:transition spd="med" p14:dur="700">
+        <p:fade/>
+      </p:transition>
+    </mc:Choice>
+    <mc:Fallback xmlns="">
+      <p:transition spd="med">
+        <p:fade/>
+      </p:transition>
+    </mc:Fallback>
+  </mc:AlternateContent>
+</p:sld>
+</file>
+
+<file path=ppt/slides/slide5.xml><?xml version="1.0" encoding="utf-8"?>
+<p:sld xmlns:a="http://schemas.openxmlformats.org/drawingml/2006/main" xmlns:r="http://schemas.openxmlformats.org/officeDocument/2006/relationships" xmlns:p="http://schemas.openxmlformats.org/presentationml/2006/main">
+  <p:cSld>
+    <p:spTree>
+      <p:nvGrpSpPr>
+        <p:cNvPr id="1" name=""/>
+        <p:cNvGrpSpPr/>
+        <p:nvPr/>
+      </p:nvGrpSpPr>
+      <p:grpSpPr>
+        <a:xfrm>
+          <a:off x="0" y="0"/>
+          <a:ext cx="0" cy="0"/>
+          <a:chOff x="0" y="0"/>
+          <a:chExt cx="0" cy="0"/>
+        </a:xfrm>
+      </p:grpSpPr>
+      <p:pic>
+        <p:nvPicPr>
+          <p:cNvPr id="8" name="Content Placeholder 7" descr="Close-up of a calculator and a pen&#10;&#10;Description automatically generated with low confidence">
+            <a:extLst>
+              <a:ext uri="{FF2B5EF4-FFF2-40B4-BE49-F238E27FC236}">
+                <a16:creationId xmlns:a16="http://schemas.microsoft.com/office/drawing/2014/main" id="{2F993596-F2B1-4627-B1E8-6A712F114E11}"/>
+              </a:ext>
+            </a:extLst>
+          </p:cNvPr>
+          <p:cNvPicPr>
+            <a:picLocks noGrp="1" noChangeAspect="1"/>
+          </p:cNvPicPr>
+          <p:nvPr>
+            <p:ph idx="1"/>
+          </p:nvPr>
+        </p:nvPicPr>
+        <p:blipFill rotWithShape="1">
+          <a:blip r:embed="rId2"/>
+          <a:srcRect l="15945" r="28813" b="2"/>
+          <a:stretch/>
+        </p:blipFill>
+        <p:spPr>
+          <a:xfrm>
+            <a:off x="213360" y="609600"/>
+            <a:ext cx="3314102" cy="3359485"/>
+          </a:xfrm>
+          <a:noFill/>
+        </p:spPr>
+      </p:pic>
+      <p:sp>
+        <p:nvSpPr>
+          <p:cNvPr id="2" name="Title 1">
+            <a:extLst>
+              <a:ext uri="{FF2B5EF4-FFF2-40B4-BE49-F238E27FC236}">
+                <a16:creationId xmlns:a16="http://schemas.microsoft.com/office/drawing/2014/main" id="{9F330C78-AE15-4C22-9298-CD62FABE4066}"/>
+              </a:ext>
+            </a:extLst>
+          </p:cNvPr>
+          <p:cNvSpPr>
+            <a:spLocks noGrp="1"/>
+          </p:cNvSpPr>
+          <p:nvPr>
+            <p:ph type="title"/>
+          </p:nvPr>
+        </p:nvSpPr>
+        <p:spPr>
+          <a:xfrm>
+            <a:off x="152400" y="87537"/>
+            <a:ext cx="6934200" cy="288945"/>
+          </a:xfrm>
+        </p:spPr>
+        <p:txBody>
+          <a:bodyPr anchor="ctr">
+            <a:normAutofit/>
+          </a:bodyPr>
+          <a:lstStyle/>
+          <a:p>
+            <a:r>
+              <a:rPr lang="pl-PL" dirty="0" err="1"/>
+              <a:t>Are</a:t>
+            </a:r>
+            <a:r>
+              <a:rPr lang="pl-PL" dirty="0"/>
+              <a:t> my unit </a:t>
+            </a:r>
+            <a:r>
+              <a:rPr lang="pl-PL" dirty="0" err="1"/>
+              <a:t>tests</a:t>
+            </a:r>
+            <a:r>
+              <a:rPr lang="pl-PL" dirty="0"/>
+              <a:t> </a:t>
+            </a:r>
+            <a:r>
+              <a:rPr lang="pl-PL" dirty="0" err="1"/>
+              <a:t>testing</a:t>
+            </a:r>
+            <a:r>
+              <a:rPr lang="pl-PL" dirty="0"/>
+              <a:t> </a:t>
+            </a:r>
+            <a:r>
+              <a:rPr lang="pl-PL" dirty="0" err="1"/>
+              <a:t>well</a:t>
+            </a:r>
+            <a:r>
+              <a:rPr lang="pl-PL" dirty="0"/>
+              <a:t>? </a:t>
+            </a:r>
+          </a:p>
+        </p:txBody>
+      </p:sp>
+      <p:sp>
+        <p:nvSpPr>
+          <p:cNvPr id="4" name="Content Placeholder 3">
+            <a:extLst>
+              <a:ext uri="{FF2B5EF4-FFF2-40B4-BE49-F238E27FC236}">
+                <a16:creationId xmlns:a16="http://schemas.microsoft.com/office/drawing/2014/main" id="{C4794555-3DF3-4804-BFCC-63709EE5E53F}"/>
+              </a:ext>
+            </a:extLst>
+          </p:cNvPr>
+          <p:cNvSpPr>
+            <a:spLocks noGrp="1"/>
+          </p:cNvSpPr>
+          <p:nvPr>
+            <p:ph idx="10"/>
+          </p:nvPr>
+        </p:nvSpPr>
+        <p:spPr>
+          <a:xfrm>
+            <a:off x="3772498" y="609600"/>
+            <a:ext cx="3314102" cy="3359485"/>
+          </a:xfrm>
+        </p:spPr>
+        <p:txBody>
+          <a:bodyPr>
+            <a:normAutofit/>
+          </a:bodyPr>
+          <a:lstStyle/>
+          <a:p>
+            <a:r>
+              <a:rPr lang="pl-PL" err="1"/>
+              <a:t>Count</a:t>
+            </a:r>
+            <a:endParaRPr lang="pl-PL"/>
+          </a:p>
+          <a:p>
+            <a:r>
+              <a:rPr lang="pl-PL"/>
+              <a:t>Line </a:t>
+            </a:r>
+            <a:r>
+              <a:rPr lang="pl-PL" err="1"/>
+              <a:t>coverage</a:t>
+            </a:r>
+            <a:endParaRPr lang="pl-PL"/>
+          </a:p>
+          <a:p>
+            <a:r>
+              <a:rPr lang="pl-PL" err="1"/>
+              <a:t>Branch</a:t>
+            </a:r>
+            <a:r>
+              <a:rPr lang="pl-PL"/>
+              <a:t> </a:t>
+            </a:r>
+            <a:r>
+              <a:rPr lang="pl-PL" err="1"/>
+              <a:t>coverage</a:t>
+            </a:r>
+            <a:endParaRPr lang="pl-PL"/>
+          </a:p>
+          <a:p>
+            <a:r>
+              <a:rPr lang="pl-PL"/>
+              <a:t>???</a:t>
+            </a:r>
+          </a:p>
+        </p:txBody>
+      </p:sp>
+    </p:spTree>
+    <p:extLst>
+      <p:ext uri="{BB962C8B-B14F-4D97-AF65-F5344CB8AC3E}">
+        <p14:creationId xmlns:p14="http://schemas.microsoft.com/office/powerpoint/2010/main" val="3414708787"/>
+      </p:ext>
+    </p:extLst>
+  </p:cSld>
+  <p:clrMapOvr>
+    <a:masterClrMapping/>
+  </p:clrMapOvr>
+  <mc:AlternateContent xmlns:mc="http://schemas.openxmlformats.org/markup-compatibility/2006" xmlns:p14="http://schemas.microsoft.com/office/powerpoint/2010/main">
+    <mc:Choice Requires="p14">
+      <p:transition spd="med" p14:dur="700">
+        <p:fade/>
+      </p:transition>
+    </mc:Choice>
+    <mc:Fallback xmlns="">
+      <p:transition spd="med">
+        <p:fade/>
+      </p:transition>
+    </mc:Fallback>
+  </mc:AlternateContent>
+</p:sld>
+</file>
+
+<file path=ppt/slides/slide6.xml><?xml version="1.0" encoding="utf-8"?>
+<p:sld xmlns:a="http://schemas.openxmlformats.org/drawingml/2006/main" xmlns:r="http://schemas.openxmlformats.org/officeDocument/2006/relationships" xmlns:p="http://schemas.openxmlformats.org/presentationml/2006/main">
+  <p:cSld>
+    <p:spTree>
+      <p:nvGrpSpPr>
+        <p:cNvPr id="1" name=""/>
+        <p:cNvGrpSpPr/>
+        <p:nvPr/>
+      </p:nvGrpSpPr>
+      <p:grpSpPr>
+        <a:xfrm>
+          <a:off x="0" y="0"/>
+          <a:ext cx="0" cy="0"/>
+          <a:chOff x="0" y="0"/>
+          <a:chExt cx="0" cy="0"/>
+        </a:xfrm>
+      </p:grpSpPr>
+      <p:sp>
+        <p:nvSpPr>
+          <p:cNvPr id="2" name="Title 1">
+            <a:extLst>
+              <a:ext uri="{FF2B5EF4-FFF2-40B4-BE49-F238E27FC236}">
+                <a16:creationId xmlns:a16="http://schemas.microsoft.com/office/drawing/2014/main" id="{9F330C78-AE15-4C22-9298-CD62FABE4066}"/>
+              </a:ext>
+            </a:extLst>
+          </p:cNvPr>
+          <p:cNvSpPr>
+            <a:spLocks noGrp="1"/>
+          </p:cNvSpPr>
+          <p:nvPr>
+            <p:ph type="title"/>
+          </p:nvPr>
+        </p:nvSpPr>
+        <p:spPr>
+          <a:xfrm>
+            <a:off x="152400" y="87537"/>
+            <a:ext cx="6934200" cy="288945"/>
+          </a:xfrm>
+        </p:spPr>
+        <p:txBody>
+          <a:bodyPr anchor="ctr">
+            <a:normAutofit fontScale="90000"/>
+          </a:bodyPr>
+          <a:lstStyle/>
+          <a:p>
+            <a:r>
+              <a:rPr lang="pl-PL" sz="2000" dirty="0" err="1"/>
+              <a:t>Count</a:t>
+            </a:r>
+            <a:endParaRPr lang="pl-PL" dirty="0"/>
+          </a:p>
+        </p:txBody>
+      </p:sp>
+      <p:pic>
+        <p:nvPicPr>
+          <p:cNvPr id="10" name="Content Placeholder 9" descr="A picture containing text&#10;&#10;Description automatically generated">
+            <a:extLst>
+              <a:ext uri="{FF2B5EF4-FFF2-40B4-BE49-F238E27FC236}">
+                <a16:creationId xmlns:a16="http://schemas.microsoft.com/office/drawing/2014/main" id="{8511513A-C364-4682-9F0E-F30020AF9787}"/>
+              </a:ext>
+            </a:extLst>
+          </p:cNvPr>
+          <p:cNvPicPr>
+            <a:picLocks noGrp="1" noChangeAspect="1"/>
+          </p:cNvPicPr>
+          <p:nvPr>
+            <p:ph idx="10"/>
+          </p:nvPr>
+        </p:nvPicPr>
+        <p:blipFill>
+          <a:blip r:embed="rId2"/>
+          <a:stretch>
+            <a:fillRect/>
+          </a:stretch>
+        </p:blipFill>
+        <p:spPr>
+          <a:xfrm>
+            <a:off x="3771900" y="1006800"/>
+            <a:ext cx="3314700" cy="2564749"/>
+          </a:xfrm>
+        </p:spPr>
+      </p:pic>
+      <p:pic>
+        <p:nvPicPr>
+          <p:cNvPr id="7" name="Content Placeholder 6" descr="A picture containing indoor, keyboard, kitchen appliance&#10;&#10;Description automatically generated">
+            <a:extLst>
+              <a:ext uri="{FF2B5EF4-FFF2-40B4-BE49-F238E27FC236}">
+                <a16:creationId xmlns:a16="http://schemas.microsoft.com/office/drawing/2014/main" id="{8BA6732F-4E6E-45F4-865B-2CC813CD902B}"/>
+              </a:ext>
+            </a:extLst>
+          </p:cNvPr>
+          <p:cNvPicPr>
+            <a:picLocks noGrp="1" noChangeAspect="1"/>
+          </p:cNvPicPr>
+          <p:nvPr>
+            <p:ph idx="1"/>
+          </p:nvPr>
+        </p:nvPicPr>
+        <p:blipFill>
+          <a:blip r:embed="rId3"/>
+          <a:stretch>
+            <a:fillRect/>
+          </a:stretch>
+        </p:blipFill>
+        <p:spPr>
+          <a:xfrm>
+            <a:off x="212725" y="1248406"/>
+            <a:ext cx="3314700" cy="2081538"/>
+          </a:xfrm>
+        </p:spPr>
+      </p:pic>
+    </p:spTree>
+    <p:extLst>
+      <p:ext uri="{BB962C8B-B14F-4D97-AF65-F5344CB8AC3E}">
+        <p14:creationId xmlns:p14="http://schemas.microsoft.com/office/powerpoint/2010/main" val="1386682768"/>
+      </p:ext>
+    </p:extLst>
+  </p:cSld>
+  <p:clrMapOvr>
+    <a:masterClrMapping/>
+  </p:clrMapOvr>
+  <mc:AlternateContent xmlns:mc="http://schemas.openxmlformats.org/markup-compatibility/2006">
+    <mc:Choice xmlns:p14="http://schemas.microsoft.com/office/powerpoint/2010/main" Requires="p14">
+      <p:transition spd="med" p14:dur="700">
+        <p:fade/>
+      </p:transition>
+    </mc:Choice>
+    <mc:Fallback>
+      <p:transition spd="med">
+        <p:fade/>
+      </p:transition>
+    </mc:Fallback>
+  </mc:AlternateContent>
+</p:sld>
+</file>
+
+<file path=ppt/slides/slide7.xml><?xml version="1.0" encoding="utf-8"?>
+<p:sld xmlns:a="http://schemas.openxmlformats.org/drawingml/2006/main" xmlns:r="http://schemas.openxmlformats.org/officeDocument/2006/relationships" xmlns:p="http://schemas.openxmlformats.org/presentationml/2006/main">
+  <p:cSld>
+    <p:spTree>
+      <p:nvGrpSpPr>
+        <p:cNvPr id="1" name=""/>
+        <p:cNvGrpSpPr/>
+        <p:nvPr/>
+      </p:nvGrpSpPr>
+      <p:grpSpPr>
+        <a:xfrm>
+          <a:off x="0" y="0"/>
+          <a:ext cx="0" cy="0"/>
+          <a:chOff x="0" y="0"/>
+          <a:chExt cx="0" cy="0"/>
+        </a:xfrm>
+      </p:grpSpPr>
+      <p:pic>
+        <p:nvPicPr>
+          <p:cNvPr id="9" name="Content Placeholder 8" descr="Text&#10;&#10;Description automatically generated">
+            <a:extLst>
+              <a:ext uri="{FF2B5EF4-FFF2-40B4-BE49-F238E27FC236}">
+                <a16:creationId xmlns:a16="http://schemas.microsoft.com/office/drawing/2014/main" id="{3F08C965-F9C7-4AFE-9857-9DA35494FC91}"/>
+              </a:ext>
+            </a:extLst>
+          </p:cNvPr>
+          <p:cNvPicPr>
+            <a:picLocks noGrp="1" noChangeAspect="1"/>
+          </p:cNvPicPr>
+          <p:nvPr>
+            <p:ph idx="1"/>
+          </p:nvPr>
+        </p:nvPicPr>
+        <p:blipFill>
+          <a:blip r:embed="rId3"/>
+          <a:stretch>
+            <a:fillRect/>
+          </a:stretch>
+        </p:blipFill>
+        <p:spPr>
+          <a:xfrm>
+            <a:off x="212725" y="1665362"/>
+            <a:ext cx="3314700" cy="1247626"/>
+          </a:xfrm>
+        </p:spPr>
+      </p:pic>
+      <p:sp>
+        <p:nvSpPr>
+          <p:cNvPr id="2" name="Title 1">
+            <a:extLst>
+              <a:ext uri="{FF2B5EF4-FFF2-40B4-BE49-F238E27FC236}">
+                <a16:creationId xmlns:a16="http://schemas.microsoft.com/office/drawing/2014/main" id="{9F330C78-AE15-4C22-9298-CD62FABE4066}"/>
+              </a:ext>
+            </a:extLst>
+          </p:cNvPr>
+          <p:cNvSpPr>
+            <a:spLocks noGrp="1"/>
+          </p:cNvSpPr>
+          <p:nvPr>
+            <p:ph type="title"/>
+          </p:nvPr>
+        </p:nvSpPr>
+        <p:spPr/>
+        <p:txBody>
+          <a:bodyPr anchor="ctr">
+            <a:normAutofit fontScale="90000"/>
+          </a:bodyPr>
+          <a:lstStyle/>
+          <a:p>
+            <a:r>
+              <a:rPr lang="pl-PL" sz="2000" dirty="0"/>
+              <a:t>Line </a:t>
+            </a:r>
+            <a:r>
+              <a:rPr lang="pl-PL" sz="2000" dirty="0" err="1"/>
+              <a:t>coverage</a:t>
+            </a:r>
+            <a:endParaRPr lang="pl-PL" sz="1600" dirty="0"/>
+          </a:p>
+        </p:txBody>
+      </p:sp>
+      <p:pic>
+        <p:nvPicPr>
+          <p:cNvPr id="12" name="Content Placeholder 11" descr="Text&#10;&#10;Description automatically generated">
+            <a:extLst>
+              <a:ext uri="{FF2B5EF4-FFF2-40B4-BE49-F238E27FC236}">
+                <a16:creationId xmlns:a16="http://schemas.microsoft.com/office/drawing/2014/main" id="{2B16864E-7FF6-48CD-8EF6-16105D7CA779}"/>
+              </a:ext>
+            </a:extLst>
+          </p:cNvPr>
+          <p:cNvPicPr>
+            <a:picLocks noGrp="1" noChangeAspect="1"/>
+          </p:cNvPicPr>
+          <p:nvPr>
+            <p:ph idx="10"/>
+          </p:nvPr>
+        </p:nvPicPr>
+        <p:blipFill>
+          <a:blip r:embed="rId4"/>
+          <a:stretch>
+            <a:fillRect/>
+          </a:stretch>
+        </p:blipFill>
+        <p:spPr>
+          <a:xfrm>
+            <a:off x="3771900" y="1466762"/>
+            <a:ext cx="3314700" cy="1644825"/>
+          </a:xfrm>
+        </p:spPr>
+      </p:pic>
+    </p:spTree>
+    <p:extLst>
+      <p:ext uri="{BB962C8B-B14F-4D97-AF65-F5344CB8AC3E}">
+        <p14:creationId xmlns:p14="http://schemas.microsoft.com/office/powerpoint/2010/main" val="4024433489"/>
+      </p:ext>
+    </p:extLst>
+  </p:cSld>
+  <p:clrMapOvr>
+    <a:masterClrMapping/>
+  </p:clrMapOvr>
+  <mc:AlternateContent xmlns:mc="http://schemas.openxmlformats.org/markup-compatibility/2006">
+    <mc:Choice xmlns:p14="http://schemas.microsoft.com/office/powerpoint/2010/main" Requires="p14">
+      <p:transition spd="med" p14:dur="700">
+        <p:fade/>
+      </p:transition>
+    </mc:Choice>
+    <mc:Fallback>
+      <p:transition spd="med">
+        <p:fade/>
+      </p:transition>
+    </mc:Fallback>
+  </mc:AlternateContent>
+</p:sld>
+</file>
+
+<file path=ppt/slides/slide8.xml><?xml version="1.0" encoding="utf-8"?>
+<p:sld xmlns:a="http://schemas.openxmlformats.org/drawingml/2006/main" xmlns:r="http://schemas.openxmlformats.org/officeDocument/2006/relationships" xmlns:p="http://schemas.openxmlformats.org/presentationml/2006/main">
+  <p:cSld>
+    <p:spTree>
+      <p:nvGrpSpPr>
+        <p:cNvPr id="1" name=""/>
+        <p:cNvGrpSpPr/>
+        <p:nvPr/>
+      </p:nvGrpSpPr>
+      <p:grpSpPr>
+        <a:xfrm>
+          <a:off x="0" y="0"/>
+          <a:ext cx="0" cy="0"/>
+          <a:chOff x="0" y="0"/>
+          <a:chExt cx="0" cy="0"/>
+        </a:xfrm>
+      </p:grpSpPr>
+      <p:pic>
+        <p:nvPicPr>
+          <p:cNvPr id="6" name="Content Placeholder 5" descr="Text&#10;&#10;Description automatically generated">
+            <a:extLst>
+              <a:ext uri="{FF2B5EF4-FFF2-40B4-BE49-F238E27FC236}">
+                <a16:creationId xmlns:a16="http://schemas.microsoft.com/office/drawing/2014/main" id="{F2E8686B-2C12-45E4-BFBB-F4EA9F8FEF0F}"/>
+              </a:ext>
+            </a:extLst>
+          </p:cNvPr>
+          <p:cNvPicPr>
+            <a:picLocks noGrp="1" noChangeAspect="1"/>
+          </p:cNvPicPr>
+          <p:nvPr>
+            <p:ph idx="1"/>
+          </p:nvPr>
+        </p:nvPicPr>
+        <p:blipFill>
+          <a:blip r:embed="rId3"/>
+          <a:stretch>
+            <a:fillRect/>
+          </a:stretch>
+        </p:blipFill>
+        <p:spPr>
+          <a:xfrm>
+            <a:off x="2171498" y="667422"/>
+            <a:ext cx="2896004" cy="1438476"/>
+          </a:xfrm>
+        </p:spPr>
+      </p:pic>
+      <p:sp>
+        <p:nvSpPr>
+          <p:cNvPr id="2" name="Title 1">
+            <a:extLst>
+              <a:ext uri="{FF2B5EF4-FFF2-40B4-BE49-F238E27FC236}">
+                <a16:creationId xmlns:a16="http://schemas.microsoft.com/office/drawing/2014/main" id="{9F330C78-AE15-4C22-9298-CD62FABE4066}"/>
+              </a:ext>
+            </a:extLst>
+          </p:cNvPr>
+          <p:cNvSpPr>
+            <a:spLocks noGrp="1"/>
+          </p:cNvSpPr>
+          <p:nvPr>
+            <p:ph type="title"/>
+          </p:nvPr>
+        </p:nvSpPr>
+        <p:spPr/>
+        <p:txBody>
+          <a:bodyPr anchor="ctr">
+            <a:normAutofit fontScale="90000"/>
+          </a:bodyPr>
+          <a:lstStyle/>
+          <a:p>
+            <a:r>
+              <a:rPr lang="pl-PL" sz="2000" dirty="0" err="1"/>
+              <a:t>Branch</a:t>
+            </a:r>
+            <a:r>
+              <a:rPr lang="pl-PL" sz="2000" dirty="0"/>
+              <a:t> </a:t>
+            </a:r>
+            <a:r>
+              <a:rPr lang="pl-PL" sz="2000" dirty="0" err="1"/>
+              <a:t>coverage</a:t>
+            </a:r>
+            <a:endParaRPr lang="pl-PL" sz="1600" dirty="0"/>
+          </a:p>
+        </p:txBody>
+      </p:sp>
+      <p:cxnSp>
+        <p:nvCxnSpPr>
+          <p:cNvPr id="14" name="Straight Connector 13">
+            <a:extLst>
+              <a:ext uri="{FF2B5EF4-FFF2-40B4-BE49-F238E27FC236}">
+                <a16:creationId xmlns:a16="http://schemas.microsoft.com/office/drawing/2014/main" id="{39A6E0DF-2A5B-4F7F-BFE8-E50C327703D4}"/>
+              </a:ext>
+            </a:extLst>
+          </p:cNvPr>
+          <p:cNvCxnSpPr/>
+          <p:nvPr/>
+        </p:nvCxnSpPr>
+        <p:spPr>
+          <a:xfrm>
+            <a:off x="228600" y="2362200"/>
+            <a:ext cx="6766560" cy="0"/>
+          </a:xfrm>
+          <a:prstGeom prst="line">
+            <a:avLst/>
+          </a:prstGeom>
+          <a:ln>
+            <a:tailEnd type="none"/>
+          </a:ln>
+        </p:spPr>
+        <p:style>
+          <a:lnRef idx="1">
+            <a:schemeClr val="accent6"/>
+          </a:lnRef>
+          <a:fillRef idx="0">
+            <a:schemeClr val="accent6"/>
+          </a:fillRef>
+          <a:effectRef idx="0">
+            <a:schemeClr val="accent6"/>
+          </a:effectRef>
+          <a:fontRef idx="minor">
+            <a:schemeClr val="tx1"/>
+          </a:fontRef>
+        </p:style>
+      </p:cxnSp>
+      <p:pic>
+        <p:nvPicPr>
+          <p:cNvPr id="16" name="Picture 15" descr="Text&#10;&#10;Description automatically generated">
+            <a:extLst>
+              <a:ext uri="{FF2B5EF4-FFF2-40B4-BE49-F238E27FC236}">
+                <a16:creationId xmlns:a16="http://schemas.microsoft.com/office/drawing/2014/main" id="{BD7825C6-9794-4EA9-8937-31B911BEF672}"/>
+              </a:ext>
+            </a:extLst>
+          </p:cNvPr>
+          <p:cNvPicPr>
+            <a:picLocks noChangeAspect="1"/>
+          </p:cNvPicPr>
+          <p:nvPr/>
+        </p:nvPicPr>
+        <p:blipFill>
+          <a:blip r:embed="rId4"/>
+          <a:stretch>
+            <a:fillRect/>
+          </a:stretch>
+        </p:blipFill>
+        <p:spPr>
+          <a:xfrm>
+            <a:off x="523426" y="2618503"/>
+            <a:ext cx="6268348" cy="1159891"/>
+          </a:xfrm>
+          <a:prstGeom prst="rect">
+            <a:avLst/>
+          </a:prstGeom>
+        </p:spPr>
+      </p:pic>
+    </p:spTree>
+    <p:extLst>
+      <p:ext uri="{BB962C8B-B14F-4D97-AF65-F5344CB8AC3E}">
+        <p14:creationId xmlns:p14="http://schemas.microsoft.com/office/powerpoint/2010/main" val="2748268827"/>
+      </p:ext>
+    </p:extLst>
+  </p:cSld>
+  <p:clrMapOvr>
+    <a:masterClrMapping/>
+  </p:clrMapOvr>
+  <mc:AlternateContent xmlns:mc="http://schemas.openxmlformats.org/markup-compatibility/2006">
+    <mc:Choice xmlns:p14="http://schemas.microsoft.com/office/powerpoint/2010/main" Requires="p14">
+      <p:transition spd="med" p14:dur="700">
+        <p:fade/>
+      </p:transition>
+    </mc:Choice>
+    <mc:Fallback>
+      <p:transition spd="med">
+        <p:fade/>
+      </p:transition>
+    </mc:Fallback>
+  </mc:AlternateContent>
+</p:sld>
+</file>
+
+<file path=ppt/slides/slide9.xml><?xml version="1.0" encoding="utf-8"?>
+<p:sld xmlns:a="http://schemas.openxmlformats.org/drawingml/2006/main" xmlns:r="http://schemas.openxmlformats.org/officeDocument/2006/relationships" xmlns:p="http://schemas.openxmlformats.org/presentationml/2006/main">
+  <p:cSld>
+    <p:spTree>
+      <p:nvGrpSpPr>
+        <p:cNvPr id="1" name=""/>
+        <p:cNvGrpSpPr/>
+        <p:nvPr/>
+      </p:nvGrpSpPr>
+      <p:grpSpPr>
+        <a:xfrm>
+          <a:off x="0" y="0"/>
+          <a:ext cx="0" cy="0"/>
+          <a:chOff x="0" y="0"/>
+          <a:chExt cx="0" cy="0"/>
+        </a:xfrm>
+      </p:grpSpPr>
+      <p:sp>
+        <p:nvSpPr>
+          <p:cNvPr id="2" name="Title 1">
+            <a:extLst>
+              <a:ext uri="{FF2B5EF4-FFF2-40B4-BE49-F238E27FC236}">
+                <a16:creationId xmlns:a16="http://schemas.microsoft.com/office/drawing/2014/main" id="{9F330C78-AE15-4C22-9298-CD62FABE4066}"/>
+              </a:ext>
+            </a:extLst>
+          </p:cNvPr>
+          <p:cNvSpPr>
+            <a:spLocks noGrp="1"/>
+          </p:cNvSpPr>
+          <p:nvPr>
+            <p:ph type="title"/>
+          </p:nvPr>
+        </p:nvSpPr>
+        <p:spPr/>
+        <p:txBody>
+          <a:bodyPr anchor="ctr">
+            <a:normAutofit fontScale="90000"/>
+          </a:bodyPr>
+          <a:lstStyle/>
+          <a:p>
+            <a:r>
+              <a:rPr lang="pl-PL" sz="2000" dirty="0" err="1"/>
+              <a:t>Can</a:t>
+            </a:r>
+            <a:r>
+              <a:rPr lang="pl-PL" sz="2000" dirty="0"/>
+              <a:t> we do </a:t>
+            </a:r>
+            <a:r>
+              <a:rPr lang="pl-PL" sz="2000" dirty="0" err="1"/>
+              <a:t>better</a:t>
+            </a:r>
+            <a:r>
+              <a:rPr lang="pl-PL" sz="2000" dirty="0"/>
+              <a:t>?</a:t>
+            </a:r>
+            <a:endParaRPr lang="pl-PL" sz="1600" dirty="0"/>
+          </a:p>
+        </p:txBody>
+      </p:sp>
+      <p:sp>
+        <p:nvSpPr>
+          <p:cNvPr id="4" name="Content Placeholder 3">
+            <a:extLst>
+              <a:ext uri="{FF2B5EF4-FFF2-40B4-BE49-F238E27FC236}">
+                <a16:creationId xmlns:a16="http://schemas.microsoft.com/office/drawing/2014/main" id="{52756FBF-A39D-4D8E-847A-42E970536F10}"/>
+              </a:ext>
+            </a:extLst>
+          </p:cNvPr>
+          <p:cNvSpPr>
+            <a:spLocks noGrp="1"/>
+          </p:cNvSpPr>
+          <p:nvPr>
+            <p:ph idx="1"/>
+          </p:nvPr>
+        </p:nvSpPr>
+        <p:spPr>
+          <a:xfrm>
+            <a:off x="221711" y="1066800"/>
+            <a:ext cx="6873240" cy="2286001"/>
+          </a:xfrm>
+        </p:spPr>
+        <p:txBody>
+          <a:bodyPr>
+            <a:normAutofit/>
+          </a:bodyPr>
+          <a:lstStyle/>
+          <a:p>
+            <a:pPr marL="0" indent="0" algn="ctr">
+              <a:buNone/>
+            </a:pPr>
+            <a:r>
+              <a:rPr lang="pl-PL" sz="1600" dirty="0" err="1"/>
+              <a:t>Writing</a:t>
+            </a:r>
+            <a:r>
+              <a:rPr lang="pl-PL" sz="1600" dirty="0"/>
+              <a:t> </a:t>
+            </a:r>
+            <a:r>
+              <a:rPr lang="pl-PL" sz="1600" dirty="0" err="1"/>
+              <a:t>code</a:t>
+            </a:r>
+            <a:r>
+              <a:rPr lang="pl-PL" sz="1600" dirty="0"/>
+              <a:t> </a:t>
+            </a:r>
+            <a:r>
+              <a:rPr lang="pl-PL" sz="1600" dirty="0" err="1"/>
+              <a:t>is</a:t>
+            </a:r>
+            <a:r>
+              <a:rPr lang="pl-PL" sz="1600" dirty="0"/>
+              <a:t> </a:t>
+            </a:r>
+            <a:r>
+              <a:rPr lang="pl-PL" sz="1600" dirty="0" err="1"/>
+              <a:t>about</a:t>
+            </a:r>
+            <a:r>
+              <a:rPr lang="pl-PL" sz="1600" dirty="0"/>
+              <a:t> </a:t>
+            </a:r>
+            <a:r>
+              <a:rPr lang="pl-PL" sz="1600" dirty="0" err="1">
+                <a:solidFill>
+                  <a:schemeClr val="accent1">
+                    <a:lumMod val="75000"/>
+                  </a:schemeClr>
+                </a:solidFill>
+              </a:rPr>
+              <a:t>describing</a:t>
+            </a:r>
+            <a:r>
+              <a:rPr lang="pl-PL" sz="1600" dirty="0">
+                <a:solidFill>
+                  <a:schemeClr val="accent1">
+                    <a:lumMod val="75000"/>
+                  </a:schemeClr>
+                </a:solidFill>
+              </a:rPr>
+              <a:t> </a:t>
+            </a:r>
+            <a:r>
+              <a:rPr lang="pl-PL" sz="1600" dirty="0" err="1">
+                <a:solidFill>
+                  <a:schemeClr val="accent1">
+                    <a:lumMod val="75000"/>
+                  </a:schemeClr>
+                </a:solidFill>
+              </a:rPr>
+              <a:t>behavior</a:t>
+            </a:r>
+            <a:r>
+              <a:rPr lang="pl-PL" sz="1600" dirty="0">
+                <a:solidFill>
+                  <a:schemeClr val="accent1">
+                    <a:lumMod val="75000"/>
+                  </a:schemeClr>
+                </a:solidFill>
+              </a:rPr>
+              <a:t> </a:t>
+            </a:r>
+            <a:r>
+              <a:rPr lang="pl-PL" sz="1600" dirty="0"/>
+              <a:t>in </a:t>
+            </a:r>
+            <a:r>
+              <a:rPr lang="pl-PL" sz="1600" dirty="0" err="1"/>
+              <a:t>given</a:t>
+            </a:r>
+            <a:r>
+              <a:rPr lang="pl-PL" sz="1600" dirty="0"/>
+              <a:t> </a:t>
+            </a:r>
+            <a:r>
+              <a:rPr lang="pl-PL" sz="1600" dirty="0" err="1"/>
+              <a:t>programming</a:t>
+            </a:r>
+            <a:r>
+              <a:rPr lang="pl-PL" sz="1600" dirty="0"/>
+              <a:t> </a:t>
+            </a:r>
+            <a:r>
+              <a:rPr lang="pl-PL" sz="1600" dirty="0" err="1"/>
+              <a:t>language</a:t>
+            </a:r>
+            <a:r>
+              <a:rPr lang="pl-PL" sz="1600" dirty="0"/>
+              <a:t>.</a:t>
+            </a:r>
+          </a:p>
+          <a:p>
+            <a:pPr marL="0" indent="0" algn="ctr">
+              <a:buNone/>
+            </a:pPr>
+            <a:endParaRPr lang="pl-PL" sz="1600" dirty="0"/>
+          </a:p>
+          <a:p>
+            <a:pPr marL="0" indent="0" algn="ctr">
+              <a:buNone/>
+            </a:pPr>
+            <a:r>
+              <a:rPr lang="pl-PL" sz="1600" dirty="0" err="1">
+                <a:solidFill>
+                  <a:schemeClr val="accent1">
+                    <a:lumMod val="75000"/>
+                  </a:schemeClr>
+                </a:solidFill>
+              </a:rPr>
+              <a:t>Testing</a:t>
+            </a:r>
+            <a:r>
+              <a:rPr lang="pl-PL" sz="1600" dirty="0"/>
+              <a:t> </a:t>
+            </a:r>
+            <a:r>
+              <a:rPr lang="pl-PL" sz="1600" dirty="0" err="1"/>
+              <a:t>is</a:t>
+            </a:r>
+            <a:r>
+              <a:rPr lang="pl-PL" sz="1600" dirty="0"/>
+              <a:t> </a:t>
+            </a:r>
+            <a:r>
+              <a:rPr lang="pl-PL" sz="1600" dirty="0" err="1"/>
+              <a:t>about</a:t>
+            </a:r>
+            <a:r>
+              <a:rPr lang="pl-PL" sz="1600" dirty="0"/>
+              <a:t> </a:t>
+            </a:r>
+            <a:r>
+              <a:rPr lang="pl-PL" sz="1600" dirty="0" err="1">
+                <a:solidFill>
+                  <a:schemeClr val="accent1">
+                    <a:lumMod val="75000"/>
+                  </a:schemeClr>
+                </a:solidFill>
+              </a:rPr>
+              <a:t>ensuring</a:t>
+            </a:r>
+            <a:r>
+              <a:rPr lang="pl-PL" sz="1600" dirty="0"/>
+              <a:t> </a:t>
+            </a:r>
+            <a:r>
+              <a:rPr lang="pl-PL" sz="1600" dirty="0" err="1"/>
+              <a:t>that</a:t>
+            </a:r>
+            <a:r>
+              <a:rPr lang="pl-PL" sz="1600" dirty="0"/>
+              <a:t> </a:t>
+            </a:r>
+            <a:r>
+              <a:rPr lang="pl-PL" sz="1600" dirty="0" err="1"/>
+              <a:t>our</a:t>
+            </a:r>
+            <a:r>
+              <a:rPr lang="pl-PL" sz="1600" dirty="0"/>
+              <a:t> </a:t>
+            </a:r>
+            <a:r>
+              <a:rPr lang="pl-PL" sz="1600" dirty="0" err="1"/>
+              <a:t>code</a:t>
+            </a:r>
+            <a:r>
+              <a:rPr lang="pl-PL" sz="1600" dirty="0"/>
+              <a:t> </a:t>
+            </a:r>
+            <a:r>
+              <a:rPr lang="pl-PL" sz="1600" dirty="0" err="1">
+                <a:solidFill>
+                  <a:schemeClr val="accent1">
+                    <a:lumMod val="75000"/>
+                  </a:schemeClr>
+                </a:solidFill>
+              </a:rPr>
+              <a:t>behaves</a:t>
+            </a:r>
+            <a:r>
+              <a:rPr lang="pl-PL" sz="1600" dirty="0">
+                <a:solidFill>
+                  <a:schemeClr val="accent1">
+                    <a:lumMod val="75000"/>
+                  </a:schemeClr>
+                </a:solidFill>
+              </a:rPr>
+              <a:t> as </a:t>
+            </a:r>
+            <a:r>
+              <a:rPr lang="pl-PL" sz="1600" dirty="0" err="1">
+                <a:solidFill>
+                  <a:schemeClr val="accent1">
+                    <a:lumMod val="75000"/>
+                  </a:schemeClr>
+                </a:solidFill>
+              </a:rPr>
+              <a:t>expected</a:t>
+            </a:r>
+            <a:r>
+              <a:rPr lang="pl-PL" sz="1600" dirty="0"/>
+              <a:t>.</a:t>
+            </a:r>
+          </a:p>
+          <a:p>
+            <a:pPr marL="0" indent="0" algn="ctr">
+              <a:buNone/>
+            </a:pPr>
+            <a:endParaRPr lang="pl-PL" sz="1600" dirty="0"/>
+          </a:p>
+          <a:p>
+            <a:pPr marL="0" indent="0" algn="ctr">
+              <a:buNone/>
+            </a:pPr>
+            <a:r>
+              <a:rPr lang="pl-PL" sz="1600" dirty="0" err="1"/>
+              <a:t>What</a:t>
+            </a:r>
+            <a:r>
+              <a:rPr lang="pl-PL" sz="1600" dirty="0"/>
+              <a:t> </a:t>
+            </a:r>
+            <a:r>
+              <a:rPr lang="pl-PL" sz="1600" dirty="0" err="1"/>
+              <a:t>if</a:t>
+            </a:r>
+            <a:r>
+              <a:rPr lang="pl-PL" sz="1600" dirty="0"/>
+              <a:t> we </a:t>
+            </a:r>
+            <a:r>
+              <a:rPr lang="pl-PL" sz="1600" dirty="0" err="1"/>
+              <a:t>could</a:t>
+            </a:r>
+            <a:r>
+              <a:rPr lang="pl-PL" sz="1600" dirty="0"/>
+              <a:t> </a:t>
+            </a:r>
+            <a:r>
+              <a:rPr lang="pl-PL" sz="1600" dirty="0">
+                <a:solidFill>
+                  <a:schemeClr val="accent1">
+                    <a:lumMod val="75000"/>
+                  </a:schemeClr>
+                </a:solidFill>
+              </a:rPr>
+              <a:t>alter</a:t>
+            </a:r>
+            <a:r>
+              <a:rPr lang="pl-PL" sz="1600" dirty="0"/>
+              <a:t> </a:t>
+            </a:r>
+            <a:r>
+              <a:rPr lang="pl-PL" sz="1600" dirty="0" err="1"/>
+              <a:t>our</a:t>
+            </a:r>
+            <a:r>
+              <a:rPr lang="pl-PL" sz="1600" dirty="0"/>
+              <a:t> </a:t>
+            </a:r>
+            <a:r>
+              <a:rPr lang="pl-PL" sz="1600" dirty="0" err="1"/>
+              <a:t>code</a:t>
+            </a:r>
+            <a:r>
+              <a:rPr lang="pl-PL" sz="1600" dirty="0"/>
+              <a:t> </a:t>
+            </a:r>
+            <a:r>
+              <a:rPr lang="pl-PL" sz="1600" dirty="0" err="1">
+                <a:solidFill>
+                  <a:schemeClr val="accent1">
+                    <a:lumMod val="75000"/>
+                  </a:schemeClr>
+                </a:solidFill>
+              </a:rPr>
+              <a:t>bahavior</a:t>
+            </a:r>
+            <a:r>
+              <a:rPr lang="pl-PL" sz="1600" dirty="0"/>
+              <a:t> and </a:t>
+            </a:r>
+            <a:r>
+              <a:rPr lang="pl-PL" sz="1600" dirty="0" err="1"/>
+              <a:t>verify</a:t>
+            </a:r>
+            <a:r>
+              <a:rPr lang="pl-PL" sz="1600" dirty="0"/>
+              <a:t> </a:t>
+            </a:r>
+            <a:r>
+              <a:rPr lang="pl-PL" sz="1600" dirty="0" err="1"/>
+              <a:t>if</a:t>
+            </a:r>
+            <a:r>
+              <a:rPr lang="pl-PL" sz="1600" dirty="0"/>
+              <a:t> </a:t>
+            </a:r>
+            <a:r>
+              <a:rPr lang="pl-PL" sz="1600" dirty="0" err="1">
+                <a:solidFill>
+                  <a:schemeClr val="accent1">
+                    <a:lumMod val="75000"/>
+                  </a:schemeClr>
+                </a:solidFill>
+              </a:rPr>
+              <a:t>any</a:t>
+            </a:r>
+            <a:r>
+              <a:rPr lang="pl-PL" sz="1600" dirty="0">
+                <a:solidFill>
+                  <a:schemeClr val="accent1">
+                    <a:lumMod val="75000"/>
+                  </a:schemeClr>
+                </a:solidFill>
+              </a:rPr>
+              <a:t> test </a:t>
+            </a:r>
+            <a:r>
+              <a:rPr lang="pl-PL" sz="1600" dirty="0" err="1">
+                <a:solidFill>
+                  <a:schemeClr val="accent1">
+                    <a:lumMod val="75000"/>
+                  </a:schemeClr>
+                </a:solidFill>
+              </a:rPr>
+              <a:t>detected</a:t>
+            </a:r>
+            <a:r>
+              <a:rPr lang="pl-PL" sz="1600" dirty="0">
+                <a:solidFill>
+                  <a:schemeClr val="accent1">
+                    <a:lumMod val="75000"/>
+                  </a:schemeClr>
+                </a:solidFill>
+              </a:rPr>
+              <a:t> </a:t>
+            </a:r>
+            <a:r>
+              <a:rPr lang="pl-PL" sz="1600" dirty="0" err="1">
+                <a:solidFill>
+                  <a:schemeClr val="accent1">
+                    <a:lumMod val="75000"/>
+                  </a:schemeClr>
+                </a:solidFill>
+              </a:rPr>
+              <a:t>this</a:t>
+            </a:r>
+            <a:r>
+              <a:rPr lang="pl-PL" sz="1600" dirty="0">
+                <a:solidFill>
+                  <a:schemeClr val="accent1">
+                    <a:lumMod val="75000"/>
+                  </a:schemeClr>
+                </a:solidFill>
+              </a:rPr>
+              <a:t> </a:t>
+            </a:r>
+            <a:r>
+              <a:rPr lang="pl-PL" sz="1600" dirty="0" err="1"/>
+              <a:t>change</a:t>
+            </a:r>
+            <a:r>
+              <a:rPr lang="pl-PL" sz="1600" dirty="0"/>
+              <a:t> and </a:t>
+            </a:r>
+            <a:r>
+              <a:rPr lang="pl-PL" sz="1600" dirty="0" err="1"/>
+              <a:t>failed</a:t>
+            </a:r>
+            <a:r>
+              <a:rPr lang="pl-PL" sz="1600" dirty="0"/>
+              <a:t>?</a:t>
+            </a:r>
+          </a:p>
+        </p:txBody>
+      </p:sp>
+    </p:spTree>
+    <p:extLst>
+      <p:ext uri="{BB962C8B-B14F-4D97-AF65-F5344CB8AC3E}">
+        <p14:creationId xmlns:p14="http://schemas.microsoft.com/office/powerpoint/2010/main" val="2104735955"/>
+      </p:ext>
+    </p:extLst>
+  </p:cSld>
+  <p:clrMapOvr>
+    <a:masterClrMapping/>
+  </p:clrMapOvr>
+  <mc:AlternateContent xmlns:mc="http://schemas.openxmlformats.org/markup-compatibility/2006">
+    <mc:Choice xmlns:p14="http://schemas.microsoft.com/office/powerpoint/2010/main" Requires="p14">
+      <p:transition spd="med" p14:dur="700">
+        <p:fade/>
+      </p:transition>
+    </mc:Choice>
+    <mc:Fallback>
       <p:transition spd="med">
         <p:fade/>
       </p:transition>
@@ -11486,6 +14718,30 @@
 </file>
 
 <file path=customXml/item1.xml><?xml version="1.0" encoding="utf-8"?>
+<p:properties xmlns:p="http://schemas.microsoft.com/office/2006/metadata/properties" xmlns:xsi="http://www.w3.org/2001/XMLSchema-instance" xmlns:pc="http://schemas.microsoft.com/office/infopath/2007/PartnerControls">
+  <documentManagement>
+    <SharedWithUsers xmlns="bf0fef9f-d196-4c23-bcf0-443c0ceb4600">
+      <UserInfo>
+        <DisplayName>Kylie Denk</DisplayName>
+        <AccountId>12</AccountId>
+        <AccountType/>
+      </UserInfo>
+      <UserInfo>
+        <DisplayName>Karolina Ołdak</DisplayName>
+        <AccountId>710</AccountId>
+        <AccountType/>
+      </UserInfo>
+      <UserInfo>
+        <DisplayName>Maggie Radelet</DisplayName>
+        <AccountId>792</AccountId>
+        <AccountType/>
+      </UserInfo>
+    </SharedWithUsers>
+  </documentManagement>
+</p:properties>
+</file>
+
+<file path=customXml/item2.xml><?xml version="1.0" encoding="utf-8"?>
 <?mso-contentType ?>
 <FormTemplates xmlns="http://schemas.microsoft.com/sharepoint/v3/contenttype/forms">
   <Display>DocumentLibraryForm</Display>
@@ -11494,7 +14750,7 @@
 </FormTemplates>
 </file>
 
-<file path=customXml/item2.xml><?xml version="1.0" encoding="utf-8"?>
+<file path=customXml/item3.xml><?xml version="1.0" encoding="utf-8"?>
 <ct:contentTypeSchema xmlns:ct="http://schemas.microsoft.com/office/2006/metadata/contentType" xmlns:ma="http://schemas.microsoft.com/office/2006/metadata/properties/metaAttributes" ct:_="" ma:_="" ma:contentTypeName="Document" ma:contentTypeID="0x010100BAF31E0FF5D44D46A9B9ACE543F806C3" ma:contentTypeVersion="11" ma:contentTypeDescription="Create a new document." ma:contentTypeScope="" ma:versionID="79a4c3de9fc1f73dc63410dbaaf451b9">
   <xsd:schema xmlns:xsd="http://www.w3.org/2001/XMLSchema" xmlns:xs="http://www.w3.org/2001/XMLSchema" xmlns:p="http://schemas.microsoft.com/office/2006/metadata/properties" xmlns:ns2="c75009ab-3ea3-45b1-a0e3-cf532862f2f2" xmlns:ns3="bf0fef9f-d196-4c23-bcf0-443c0ceb4600" targetNamespace="http://schemas.microsoft.com/office/2006/metadata/properties" ma:root="true" ma:fieldsID="d22f37af8f6c52bee79c7e1979966e35" ns2:_="" ns3:_="">
     <xsd:import namespace="c75009ab-3ea3-45b1-a0e3-cf532862f2f2"/>
@@ -11705,31 +14961,24 @@
 </ct:contentTypeSchema>
 </file>
 
-<file path=customXml/item3.xml><?xml version="1.0" encoding="utf-8"?>
-<p:properties xmlns:p="http://schemas.microsoft.com/office/2006/metadata/properties" xmlns:xsi="http://www.w3.org/2001/XMLSchema-instance" xmlns:pc="http://schemas.microsoft.com/office/infopath/2007/PartnerControls">
-  <documentManagement>
-    <SharedWithUsers xmlns="bf0fef9f-d196-4c23-bcf0-443c0ceb4600">
-      <UserInfo>
-        <DisplayName>Kylie Denk</DisplayName>
-        <AccountId>12</AccountId>
-        <AccountType/>
-      </UserInfo>
-      <UserInfo>
-        <DisplayName>Karolina Ołdak</DisplayName>
-        <AccountId>710</AccountId>
-        <AccountType/>
-      </UserInfo>
-      <UserInfo>
-        <DisplayName>Maggie Radelet</DisplayName>
-        <AccountId>792</AccountId>
-        <AccountType/>
-      </UserInfo>
-    </SharedWithUsers>
-  </documentManagement>
-</p:properties>
+<file path=customXml/itemProps1.xml><?xml version="1.0" encoding="utf-8"?>
+<ds:datastoreItem xmlns:ds="http://schemas.openxmlformats.org/officeDocument/2006/customXml" ds:itemID="{36AD6E3D-C484-4201-B6A8-6ED8B8034C02}">
+  <ds:schemaRefs>
+    <ds:schemaRef ds:uri="http://purl.org/dc/terms/"/>
+    <ds:schemaRef ds:uri="http://schemas.openxmlformats.org/package/2006/metadata/core-properties"/>
+    <ds:schemaRef ds:uri="http://purl.org/dc/dcmitype/"/>
+    <ds:schemaRef ds:uri="http://schemas.microsoft.com/office/2006/documentManagement/types"/>
+    <ds:schemaRef ds:uri="http://purl.org/dc/elements/1.1/"/>
+    <ds:schemaRef ds:uri="http://schemas.microsoft.com/office/2006/metadata/properties"/>
+    <ds:schemaRef ds:uri="http://schemas.microsoft.com/office/infopath/2007/PartnerControls"/>
+    <ds:schemaRef ds:uri="bf0fef9f-d196-4c23-bcf0-443c0ceb4600"/>
+    <ds:schemaRef ds:uri="c75009ab-3ea3-45b1-a0e3-cf532862f2f2"/>
+    <ds:schemaRef ds:uri="http://www.w3.org/XML/1998/namespace"/>
+  </ds:schemaRefs>
+</ds:datastoreItem>
 </file>
 
-<file path=customXml/itemProps1.xml><?xml version="1.0" encoding="utf-8"?>
+<file path=customXml/itemProps2.xml><?xml version="1.0" encoding="utf-8"?>
 <ds:datastoreItem xmlns:ds="http://schemas.openxmlformats.org/officeDocument/2006/customXml" ds:itemID="{65354A55-FBA0-4DC3-8FD4-EA85436513B9}">
   <ds:schemaRefs>
     <ds:schemaRef ds:uri="http://schemas.microsoft.com/sharepoint/v3/contenttype/forms"/>
@@ -11737,7 +14986,7 @@
 </ds:datastoreItem>
 </file>
 
-<file path=customXml/itemProps2.xml><?xml version="1.0" encoding="utf-8"?>
+<file path=customXml/itemProps3.xml><?xml version="1.0" encoding="utf-8"?>
 <ds:datastoreItem xmlns:ds="http://schemas.openxmlformats.org/officeDocument/2006/customXml" ds:itemID="{7D492890-2B02-4A03-BFE2-5F7DD48161E7}">
   <ds:schemaRefs>
     <ds:schemaRef ds:uri="http://schemas.microsoft.com/office/2006/metadata/contentType"/>
@@ -11754,21 +15003,4 @@
     <ds:schemaRef ds:uri="http://schemas.microsoft.com/internal/obd"/>
   </ds:schemaRefs>
 </ds:datastoreItem>
-</file>
-
-<file path=customXml/itemProps3.xml><?xml version="1.0" encoding="utf-8"?>
-<ds:datastoreItem xmlns:ds="http://schemas.openxmlformats.org/officeDocument/2006/customXml" ds:itemID="{36AD6E3D-C484-4201-B6A8-6ED8B8034C02}">
-  <ds:schemaRefs>
-    <ds:schemaRef ds:uri="http://purl.org/dc/terms/"/>
-    <ds:schemaRef ds:uri="http://schemas.openxmlformats.org/package/2006/metadata/core-properties"/>
-    <ds:schemaRef ds:uri="http://purl.org/dc/dcmitype/"/>
-    <ds:schemaRef ds:uri="http://schemas.microsoft.com/office/2006/documentManagement/types"/>
-    <ds:schemaRef ds:uri="http://purl.org/dc/elements/1.1/"/>
-    <ds:schemaRef ds:uri="http://schemas.microsoft.com/office/2006/metadata/properties"/>
-    <ds:schemaRef ds:uri="http://schemas.microsoft.com/office/infopath/2007/PartnerControls"/>
-    <ds:schemaRef ds:uri="bf0fef9f-d196-4c23-bcf0-443c0ceb4600"/>
-    <ds:schemaRef ds:uri="c75009ab-3ea3-45b1-a0e3-cf532862f2f2"/>
-    <ds:schemaRef ds:uri="http://www.w3.org/XML/1998/namespace"/>
-  </ds:schemaRefs>
-</ds:datastoreItem>
 </file>
--- a/MutationTesting/Are my units testing well.pptx
+++ b/MutationTesting/Are my units testing well.pptx
@@ -5,10 +5,10 @@
     <p:sldMasterId id="2147483707" r:id="rId4"/>
   </p:sldMasterIdLst>
   <p:notesMasterIdLst>
-    <p:notesMasterId r:id="rId21"/>
+    <p:notesMasterId r:id="rId25"/>
   </p:notesMasterIdLst>
   <p:handoutMasterIdLst>
-    <p:handoutMasterId r:id="rId22"/>
+    <p:handoutMasterId r:id="rId26"/>
   </p:handoutMasterIdLst>
   <p:sldIdLst>
     <p:sldId id="256" r:id="rId5"/>
@@ -23,10 +23,14 @@
     <p:sldId id="7689" r:id="rId14"/>
     <p:sldId id="7690" r:id="rId15"/>
     <p:sldId id="7691" r:id="rId16"/>
-    <p:sldId id="7684" r:id="rId17"/>
-    <p:sldId id="7681" r:id="rId18"/>
-    <p:sldId id="7673" r:id="rId19"/>
-    <p:sldId id="7670" r:id="rId20"/>
+    <p:sldId id="7693" r:id="rId17"/>
+    <p:sldId id="7694" r:id="rId18"/>
+    <p:sldId id="7695" r:id="rId19"/>
+    <p:sldId id="7696" r:id="rId20"/>
+    <p:sldId id="7681" r:id="rId21"/>
+    <p:sldId id="7673" r:id="rId22"/>
+    <p:sldId id="7670" r:id="rId23"/>
+    <p:sldId id="7684" r:id="rId24"/>
   </p:sldIdLst>
   <p:sldSz cx="7315200" cy="4114800"/>
   <p:notesSz cx="6858000" cy="9144000"/>
@@ -908,65 +912,7 @@
           <a:bodyPr/>
           <a:lstStyle/>
           <a:p>
-            <a:r>
-              <a:rPr lang="en-US" sz="800" b="0" i="0" kern="1200" dirty="0">
-                <a:solidFill>
-                  <a:schemeClr val="tx1"/>
-                </a:solidFill>
-                <a:effectLst/>
-                <a:latin typeface="+mn-lt"/>
-                <a:ea typeface="ＭＳ Ｐゴシック" charset="-128"/>
-                <a:cs typeface="ＭＳ Ｐゴシック" charset="-128"/>
-              </a:rPr>
-              <a:t>Interns and apprentices at Relativity aren’t errand-runners. From the moment you step in the door, you’ll play a critical role in our global business.</a:t>
-            </a:r>
-          </a:p>
-          <a:p>
-            <a:endParaRPr lang="en-US" sz="800" b="0" i="0" kern="1200" dirty="0">
-              <a:solidFill>
-                <a:schemeClr val="tx1"/>
-              </a:solidFill>
-              <a:effectLst/>
-              <a:latin typeface="+mn-lt"/>
-              <a:ea typeface="ＭＳ Ｐゴシック" charset="-128"/>
-            </a:endParaRPr>
-          </a:p>
-          <a:p>
-            <a:r>
-              <a:rPr lang="en-US" sz="800" b="0" i="0" kern="1200" dirty="0">
-                <a:solidFill>
-                  <a:schemeClr val="tx1"/>
-                </a:solidFill>
-                <a:effectLst/>
-                <a:latin typeface="+mn-lt"/>
-                <a:ea typeface="ＭＳ Ｐゴシック"/>
-                <a:cs typeface="Calibri"/>
-              </a:rPr>
-              <a:t>Relativity hosts immersive internship programs across the company, where college students and recent grads take on real-world assignments. You’ll write code</a:t>
-            </a:r>
-            <a:r>
-              <a:rPr lang="en-US" dirty="0">
-                <a:ea typeface="ＭＳ Ｐゴシック"/>
-                <a:cs typeface="Calibri"/>
-              </a:rPr>
-              <a:t>, work on a team of professionals,</a:t>
-            </a:r>
-            <a:r>
-              <a:rPr lang="en-US" sz="800" b="0" i="0" kern="1200" dirty="0">
-                <a:solidFill>
-                  <a:schemeClr val="tx1"/>
-                </a:solidFill>
-                <a:effectLst/>
-                <a:latin typeface="+mn-lt"/>
-                <a:ea typeface="ＭＳ Ｐゴシック"/>
-                <a:cs typeface="Calibri"/>
-              </a:rPr>
-              <a:t> and gain work experience that’s tailored to you. And yes – you’ll get paid for it, too.</a:t>
-            </a:r>
-            <a:endParaRPr lang="en-US" dirty="0">
-              <a:ea typeface="ＭＳ Ｐゴシック"/>
-              <a:cs typeface="Calibri"/>
-            </a:endParaRPr>
+            <a:endParaRPr lang="pl-PL" dirty="0"/>
           </a:p>
         </p:txBody>
       </p:sp>
@@ -993,7 +939,425 @@
               <a:pPr>
                 <a:defRPr/>
               </a:pPr>
+              <a:t>13</a:t>
+            </a:fld>
+            <a:endParaRPr lang="en-US"/>
+          </a:p>
+        </p:txBody>
+      </p:sp>
+    </p:spTree>
+    <p:extLst>
+      <p:ext uri="{BB962C8B-B14F-4D97-AF65-F5344CB8AC3E}">
+        <p14:creationId xmlns:p14="http://schemas.microsoft.com/office/powerpoint/2010/main" val="1585037879"/>
+      </p:ext>
+    </p:extLst>
+  </p:cSld>
+  <p:clrMapOvr>
+    <a:masterClrMapping/>
+  </p:clrMapOvr>
+</p:notes>
+</file>
+
+<file path=ppt/notesSlides/notesSlide11.xml><?xml version="1.0" encoding="utf-8"?>
+<p:notes xmlns:a="http://schemas.openxmlformats.org/drawingml/2006/main" xmlns:r="http://schemas.openxmlformats.org/officeDocument/2006/relationships" xmlns:p="http://schemas.openxmlformats.org/presentationml/2006/main">
+  <p:cSld>
+    <p:spTree>
+      <p:nvGrpSpPr>
+        <p:cNvPr id="1" name=""/>
+        <p:cNvGrpSpPr/>
+        <p:nvPr/>
+      </p:nvGrpSpPr>
+      <p:grpSpPr>
+        <a:xfrm>
+          <a:off x="0" y="0"/>
+          <a:ext cx="0" cy="0"/>
+          <a:chOff x="0" y="0"/>
+          <a:chExt cx="0" cy="0"/>
+        </a:xfrm>
+      </p:grpSpPr>
+      <p:sp>
+        <p:nvSpPr>
+          <p:cNvPr id="2" name="Slide Image Placeholder 1"/>
+          <p:cNvSpPr>
+            <a:spLocks noGrp="1" noRot="1" noChangeAspect="1"/>
+          </p:cNvSpPr>
+          <p:nvPr>
+            <p:ph type="sldImg"/>
+          </p:nvPr>
+        </p:nvSpPr>
+        <p:spPr/>
+      </p:sp>
+      <p:sp>
+        <p:nvSpPr>
+          <p:cNvPr id="3" name="Notes Placeholder 2"/>
+          <p:cNvSpPr>
+            <a:spLocks noGrp="1"/>
+          </p:cNvSpPr>
+          <p:nvPr>
+            <p:ph type="body" idx="1"/>
+          </p:nvPr>
+        </p:nvSpPr>
+        <p:spPr/>
+        <p:txBody>
+          <a:bodyPr/>
+          <a:lstStyle/>
+          <a:p>
+            <a:endParaRPr lang="pl-PL" dirty="0"/>
+          </a:p>
+        </p:txBody>
+      </p:sp>
+      <p:sp>
+        <p:nvSpPr>
+          <p:cNvPr id="4" name="Slide Number Placeholder 3"/>
+          <p:cNvSpPr>
+            <a:spLocks noGrp="1"/>
+          </p:cNvSpPr>
+          <p:nvPr>
+            <p:ph type="sldNum" sz="quarter" idx="5"/>
+          </p:nvPr>
+        </p:nvSpPr>
+        <p:spPr/>
+        <p:txBody>
+          <a:bodyPr/>
+          <a:lstStyle/>
+          <a:p>
+            <a:pPr>
+              <a:defRPr/>
+            </a:pPr>
+            <a:fld id="{11B43CDF-1D78-47C9-9EB7-BA4F1CF35C03}" type="slidenum">
+              <a:rPr lang="en-US" smtClean="0"/>
+              <a:pPr>
+                <a:defRPr/>
+              </a:pPr>
               <a:t>14</a:t>
+            </a:fld>
+            <a:endParaRPr lang="en-US"/>
+          </a:p>
+        </p:txBody>
+      </p:sp>
+    </p:spTree>
+    <p:extLst>
+      <p:ext uri="{BB962C8B-B14F-4D97-AF65-F5344CB8AC3E}">
+        <p14:creationId xmlns:p14="http://schemas.microsoft.com/office/powerpoint/2010/main" val="1967561455"/>
+      </p:ext>
+    </p:extLst>
+  </p:cSld>
+  <p:clrMapOvr>
+    <a:masterClrMapping/>
+  </p:clrMapOvr>
+</p:notes>
+</file>
+
+<file path=ppt/notesSlides/notesSlide12.xml><?xml version="1.0" encoding="utf-8"?>
+<p:notes xmlns:a="http://schemas.openxmlformats.org/drawingml/2006/main" xmlns:r="http://schemas.openxmlformats.org/officeDocument/2006/relationships" xmlns:p="http://schemas.openxmlformats.org/presentationml/2006/main">
+  <p:cSld>
+    <p:spTree>
+      <p:nvGrpSpPr>
+        <p:cNvPr id="1" name=""/>
+        <p:cNvGrpSpPr/>
+        <p:nvPr/>
+      </p:nvGrpSpPr>
+      <p:grpSpPr>
+        <a:xfrm>
+          <a:off x="0" y="0"/>
+          <a:ext cx="0" cy="0"/>
+          <a:chOff x="0" y="0"/>
+          <a:chExt cx="0" cy="0"/>
+        </a:xfrm>
+      </p:grpSpPr>
+      <p:sp>
+        <p:nvSpPr>
+          <p:cNvPr id="2" name="Slide Image Placeholder 1"/>
+          <p:cNvSpPr>
+            <a:spLocks noGrp="1" noRot="1" noChangeAspect="1"/>
+          </p:cNvSpPr>
+          <p:nvPr>
+            <p:ph type="sldImg"/>
+          </p:nvPr>
+        </p:nvSpPr>
+        <p:spPr/>
+      </p:sp>
+      <p:sp>
+        <p:nvSpPr>
+          <p:cNvPr id="3" name="Notes Placeholder 2"/>
+          <p:cNvSpPr>
+            <a:spLocks noGrp="1"/>
+          </p:cNvSpPr>
+          <p:nvPr>
+            <p:ph type="body" idx="1"/>
+          </p:nvPr>
+        </p:nvSpPr>
+        <p:spPr/>
+        <p:txBody>
+          <a:bodyPr/>
+          <a:lstStyle/>
+          <a:p>
+            <a:endParaRPr lang="pl-PL" dirty="0"/>
+          </a:p>
+        </p:txBody>
+      </p:sp>
+      <p:sp>
+        <p:nvSpPr>
+          <p:cNvPr id="4" name="Slide Number Placeholder 3"/>
+          <p:cNvSpPr>
+            <a:spLocks noGrp="1"/>
+          </p:cNvSpPr>
+          <p:nvPr>
+            <p:ph type="sldNum" sz="quarter" idx="5"/>
+          </p:nvPr>
+        </p:nvSpPr>
+        <p:spPr/>
+        <p:txBody>
+          <a:bodyPr/>
+          <a:lstStyle/>
+          <a:p>
+            <a:pPr>
+              <a:defRPr/>
+            </a:pPr>
+            <a:fld id="{11B43CDF-1D78-47C9-9EB7-BA4F1CF35C03}" type="slidenum">
+              <a:rPr lang="en-US" smtClean="0"/>
+              <a:pPr>
+                <a:defRPr/>
+              </a:pPr>
+              <a:t>15</a:t>
+            </a:fld>
+            <a:endParaRPr lang="en-US"/>
+          </a:p>
+        </p:txBody>
+      </p:sp>
+    </p:spTree>
+    <p:extLst>
+      <p:ext uri="{BB962C8B-B14F-4D97-AF65-F5344CB8AC3E}">
+        <p14:creationId xmlns:p14="http://schemas.microsoft.com/office/powerpoint/2010/main" val="543677359"/>
+      </p:ext>
+    </p:extLst>
+  </p:cSld>
+  <p:clrMapOvr>
+    <a:masterClrMapping/>
+  </p:clrMapOvr>
+</p:notes>
+</file>
+
+<file path=ppt/notesSlides/notesSlide13.xml><?xml version="1.0" encoding="utf-8"?>
+<p:notes xmlns:a="http://schemas.openxmlformats.org/drawingml/2006/main" xmlns:r="http://schemas.openxmlformats.org/officeDocument/2006/relationships" xmlns:p="http://schemas.openxmlformats.org/presentationml/2006/main">
+  <p:cSld>
+    <p:spTree>
+      <p:nvGrpSpPr>
+        <p:cNvPr id="1" name=""/>
+        <p:cNvGrpSpPr/>
+        <p:nvPr/>
+      </p:nvGrpSpPr>
+      <p:grpSpPr>
+        <a:xfrm>
+          <a:off x="0" y="0"/>
+          <a:ext cx="0" cy="0"/>
+          <a:chOff x="0" y="0"/>
+          <a:chExt cx="0" cy="0"/>
+        </a:xfrm>
+      </p:grpSpPr>
+      <p:sp>
+        <p:nvSpPr>
+          <p:cNvPr id="2" name="Slide Image Placeholder 1"/>
+          <p:cNvSpPr>
+            <a:spLocks noGrp="1" noRot="1" noChangeAspect="1"/>
+          </p:cNvSpPr>
+          <p:nvPr>
+            <p:ph type="sldImg"/>
+          </p:nvPr>
+        </p:nvSpPr>
+        <p:spPr/>
+      </p:sp>
+      <p:sp>
+        <p:nvSpPr>
+          <p:cNvPr id="3" name="Notes Placeholder 2"/>
+          <p:cNvSpPr>
+            <a:spLocks noGrp="1"/>
+          </p:cNvSpPr>
+          <p:nvPr>
+            <p:ph type="body" idx="1"/>
+          </p:nvPr>
+        </p:nvSpPr>
+        <p:spPr/>
+        <p:txBody>
+          <a:bodyPr/>
+          <a:lstStyle/>
+          <a:p>
+            <a:endParaRPr lang="pl-PL" dirty="0"/>
+          </a:p>
+        </p:txBody>
+      </p:sp>
+      <p:sp>
+        <p:nvSpPr>
+          <p:cNvPr id="4" name="Slide Number Placeholder 3"/>
+          <p:cNvSpPr>
+            <a:spLocks noGrp="1"/>
+          </p:cNvSpPr>
+          <p:nvPr>
+            <p:ph type="sldNum" sz="quarter" idx="5"/>
+          </p:nvPr>
+        </p:nvSpPr>
+        <p:spPr/>
+        <p:txBody>
+          <a:bodyPr/>
+          <a:lstStyle/>
+          <a:p>
+            <a:pPr>
+              <a:defRPr/>
+            </a:pPr>
+            <a:fld id="{11B43CDF-1D78-47C9-9EB7-BA4F1CF35C03}" type="slidenum">
+              <a:rPr lang="en-US" smtClean="0"/>
+              <a:pPr>
+                <a:defRPr/>
+              </a:pPr>
+              <a:t>16</a:t>
+            </a:fld>
+            <a:endParaRPr lang="en-US"/>
+          </a:p>
+        </p:txBody>
+      </p:sp>
+    </p:spTree>
+    <p:extLst>
+      <p:ext uri="{BB962C8B-B14F-4D97-AF65-F5344CB8AC3E}">
+        <p14:creationId xmlns:p14="http://schemas.microsoft.com/office/powerpoint/2010/main" val="302537291"/>
+      </p:ext>
+    </p:extLst>
+  </p:cSld>
+  <p:clrMapOvr>
+    <a:masterClrMapping/>
+  </p:clrMapOvr>
+</p:notes>
+</file>
+
+<file path=ppt/notesSlides/notesSlide14.xml><?xml version="1.0" encoding="utf-8"?>
+<p:notes xmlns:a="http://schemas.openxmlformats.org/drawingml/2006/main" xmlns:r="http://schemas.openxmlformats.org/officeDocument/2006/relationships" xmlns:p="http://schemas.openxmlformats.org/presentationml/2006/main">
+  <p:cSld>
+    <p:spTree>
+      <p:nvGrpSpPr>
+        <p:cNvPr id="1" name=""/>
+        <p:cNvGrpSpPr/>
+        <p:nvPr/>
+      </p:nvGrpSpPr>
+      <p:grpSpPr>
+        <a:xfrm>
+          <a:off x="0" y="0"/>
+          <a:ext cx="0" cy="0"/>
+          <a:chOff x="0" y="0"/>
+          <a:chExt cx="0" cy="0"/>
+        </a:xfrm>
+      </p:grpSpPr>
+      <p:sp>
+        <p:nvSpPr>
+          <p:cNvPr id="2" name="Slide Image Placeholder 1"/>
+          <p:cNvSpPr>
+            <a:spLocks noGrp="1" noRot="1" noChangeAspect="1"/>
+          </p:cNvSpPr>
+          <p:nvPr>
+            <p:ph type="sldImg"/>
+          </p:nvPr>
+        </p:nvSpPr>
+        <p:spPr/>
+      </p:sp>
+      <p:sp>
+        <p:nvSpPr>
+          <p:cNvPr id="3" name="Notes Placeholder 2"/>
+          <p:cNvSpPr>
+            <a:spLocks noGrp="1"/>
+          </p:cNvSpPr>
+          <p:nvPr>
+            <p:ph type="body" idx="1"/>
+          </p:nvPr>
+        </p:nvSpPr>
+        <p:spPr/>
+        <p:txBody>
+          <a:bodyPr/>
+          <a:lstStyle/>
+          <a:p>
+            <a:r>
+              <a:rPr lang="en-US" sz="800" b="0" i="0" kern="1200" dirty="0">
+                <a:solidFill>
+                  <a:schemeClr val="tx1"/>
+                </a:solidFill>
+                <a:effectLst/>
+                <a:latin typeface="+mn-lt"/>
+                <a:ea typeface="ＭＳ Ｐゴシック" charset="-128"/>
+                <a:cs typeface="ＭＳ Ｐゴシック" charset="-128"/>
+              </a:rPr>
+              <a:t>Interns and apprentices at Relativity aren’t errand-runners. From the moment you step in the door, you’ll play a critical role in our global business.</a:t>
+            </a:r>
+          </a:p>
+          <a:p>
+            <a:endParaRPr lang="en-US" sz="800" b="0" i="0" kern="1200" dirty="0">
+              <a:solidFill>
+                <a:schemeClr val="tx1"/>
+              </a:solidFill>
+              <a:effectLst/>
+              <a:latin typeface="+mn-lt"/>
+              <a:ea typeface="ＭＳ Ｐゴシック" charset="-128"/>
+            </a:endParaRPr>
+          </a:p>
+          <a:p>
+            <a:r>
+              <a:rPr lang="en-US" sz="800" b="0" i="0" kern="1200" dirty="0">
+                <a:solidFill>
+                  <a:schemeClr val="tx1"/>
+                </a:solidFill>
+                <a:effectLst/>
+                <a:latin typeface="+mn-lt"/>
+                <a:ea typeface="ＭＳ Ｐゴシック"/>
+                <a:cs typeface="Calibri"/>
+              </a:rPr>
+              <a:t>Relativity hosts immersive internship programs across the company, where college students and recent grads take on real-world assignments. You’ll write code</a:t>
+            </a:r>
+            <a:r>
+              <a:rPr lang="en-US" dirty="0">
+                <a:ea typeface="ＭＳ Ｐゴシック"/>
+                <a:cs typeface="Calibri"/>
+              </a:rPr>
+              <a:t>, work on a team of professionals,</a:t>
+            </a:r>
+            <a:r>
+              <a:rPr lang="en-US" sz="800" b="0" i="0" kern="1200" dirty="0">
+                <a:solidFill>
+                  <a:schemeClr val="tx1"/>
+                </a:solidFill>
+                <a:effectLst/>
+                <a:latin typeface="+mn-lt"/>
+                <a:ea typeface="ＭＳ Ｐゴシック"/>
+                <a:cs typeface="Calibri"/>
+              </a:rPr>
+              <a:t> and gain work experience that’s tailored to you. And yes – you’ll get paid for it, too.</a:t>
+            </a:r>
+            <a:endParaRPr lang="en-US" dirty="0">
+              <a:ea typeface="ＭＳ Ｐゴシック"/>
+              <a:cs typeface="Calibri"/>
+            </a:endParaRPr>
+          </a:p>
+        </p:txBody>
+      </p:sp>
+      <p:sp>
+        <p:nvSpPr>
+          <p:cNvPr id="4" name="Slide Number Placeholder 3"/>
+          <p:cNvSpPr>
+            <a:spLocks noGrp="1"/>
+          </p:cNvSpPr>
+          <p:nvPr>
+            <p:ph type="sldNum" sz="quarter" idx="5"/>
+          </p:nvPr>
+        </p:nvSpPr>
+        <p:spPr/>
+        <p:txBody>
+          <a:bodyPr/>
+          <a:lstStyle/>
+          <a:p>
+            <a:pPr>
+              <a:defRPr/>
+            </a:pPr>
+            <a:fld id="{11B43CDF-1D78-47C9-9EB7-BA4F1CF35C03}" type="slidenum">
+              <a:rPr lang="en-US" smtClean="0"/>
+              <a:pPr>
+                <a:defRPr/>
+              </a:pPr>
+              <a:t>17</a:t>
             </a:fld>
             <a:endParaRPr lang="en-US"/>
           </a:p>
@@ -8998,6 +9362,100 @@
       </p:transition>
     </mc:Fallback>
   </mc:AlternateContent>
+  <p:timing>
+    <p:tnLst>
+      <p:par>
+        <p:cTn id="1" dur="indefinite" restart="never" nodeType="tmRoot">
+          <p:childTnLst>
+            <p:seq concurrent="1" nextAc="seek">
+              <p:cTn id="2" dur="indefinite" nodeType="mainSeq">
+                <p:childTnLst>
+                  <p:par>
+                    <p:cTn id="3" fill="hold">
+                      <p:stCondLst>
+                        <p:cond delay="indefinite"/>
+                      </p:stCondLst>
+                      <p:childTnLst>
+                        <p:par>
+                          <p:cTn id="4" fill="hold">
+                            <p:stCondLst>
+                              <p:cond delay="0"/>
+                            </p:stCondLst>
+                            <p:childTnLst>
+                              <p:par>
+                                <p:cTn id="5" presetID="10" presetClass="entr" presetSubtype="0" fill="hold" grpId="0" nodeType="clickEffect">
+                                  <p:stCondLst>
+                                    <p:cond delay="0"/>
+                                  </p:stCondLst>
+                                  <p:childTnLst>
+                                    <p:set>
+                                      <p:cBhvr>
+                                        <p:cTn id="6" dur="1" fill="hold">
+                                          <p:stCondLst>
+                                            <p:cond delay="0"/>
+                                          </p:stCondLst>
+                                        </p:cTn>
+                                        <p:tgtEl>
+                                          <p:spTgt spid="4">
+                                            <p:txEl>
+                                              <p:pRg st="1" end="1"/>
+                                            </p:txEl>
+                                          </p:spTgt>
+                                        </p:tgtEl>
+                                        <p:attrNameLst>
+                                          <p:attrName>style.visibility</p:attrName>
+                                        </p:attrNameLst>
+                                      </p:cBhvr>
+                                      <p:to>
+                                        <p:strVal val="visible"/>
+                                      </p:to>
+                                    </p:set>
+                                    <p:animEffect transition="in" filter="fade">
+                                      <p:cBhvr>
+                                        <p:cTn id="7" dur="500"/>
+                                        <p:tgtEl>
+                                          <p:spTgt spid="4">
+                                            <p:txEl>
+                                              <p:pRg st="1" end="1"/>
+                                            </p:txEl>
+                                          </p:spTgt>
+                                        </p:tgtEl>
+                                      </p:cBhvr>
+                                    </p:animEffect>
+                                  </p:childTnLst>
+                                </p:cTn>
+                              </p:par>
+                            </p:childTnLst>
+                          </p:cTn>
+                        </p:par>
+                      </p:childTnLst>
+                    </p:cTn>
+                  </p:par>
+                </p:childTnLst>
+              </p:cTn>
+              <p:prevCondLst>
+                <p:cond evt="onPrev" delay="0">
+                  <p:tgtEl>
+                    <p:sldTgt/>
+                  </p:tgtEl>
+                </p:cond>
+              </p:prevCondLst>
+              <p:nextCondLst>
+                <p:cond evt="onNext" delay="0">
+                  <p:tgtEl>
+                    <p:sldTgt/>
+                  </p:tgtEl>
+                </p:cond>
+              </p:nextCondLst>
+            </p:seq>
+          </p:childTnLst>
+        </p:cTn>
+      </p:par>
+    </p:tnLst>
+    <p:bldLst>
+      <p:bldP spid="4" grpId="0" build="p"/>
+    </p:bldLst>
+  </p:timing>
 </p:sld>
 </file>
 
@@ -9037,7 +9495,7 @@
         <p:spPr/>
         <p:txBody>
           <a:bodyPr>
-            <a:normAutofit lnSpcReduction="10000"/>
+            <a:normAutofit fontScale="92500" lnSpcReduction="10000"/>
           </a:bodyPr>
           <a:lstStyle/>
           <a:p>
@@ -9092,12 +9550,91 @@
           <a:p>
             <a:pPr lvl="1"/>
             <a:r>
+              <a:rPr lang="pl-PL" sz="1400" b="1" dirty="0" err="1"/>
+              <a:t>Mutations</a:t>
+            </a:r>
+            <a:r>
+              <a:rPr lang="pl-PL" sz="1400" b="1" dirty="0"/>
+              <a:t> operator/</a:t>
+            </a:r>
+            <a:r>
+              <a:rPr lang="pl-PL" sz="1400" b="1" dirty="0" err="1"/>
+              <a:t>mutator</a:t>
+            </a:r>
+            <a:r>
+              <a:rPr lang="pl-PL" sz="1400" b="1" dirty="0"/>
+              <a:t> </a:t>
+            </a:r>
+            <a:r>
+              <a:rPr lang="pl-PL" sz="1400" dirty="0"/>
+              <a:t>– </a:t>
+            </a:r>
+            <a:r>
               <a:rPr lang="pl-PL" sz="1400" dirty="0" err="1"/>
-              <a:t>Mutations</a:t>
+              <a:t>operation</a:t>
             </a:r>
             <a:r>
               <a:rPr lang="pl-PL" sz="1400" dirty="0"/>
-              <a:t> operator/</a:t>
+              <a:t> applied to </a:t>
+            </a:r>
+            <a:r>
+              <a:rPr lang="pl-PL" sz="1400" dirty="0" err="1"/>
+              <a:t>original</a:t>
+            </a:r>
+            <a:r>
+              <a:rPr lang="pl-PL" sz="1400" dirty="0"/>
+              <a:t> </a:t>
+            </a:r>
+            <a:r>
+              <a:rPr lang="pl-PL" sz="1400" dirty="0" err="1"/>
+              <a:t>code</a:t>
+            </a:r>
+            <a:r>
+              <a:rPr lang="pl-PL" sz="1400" dirty="0"/>
+              <a:t> (for </a:t>
+            </a:r>
+            <a:r>
+              <a:rPr lang="pl-PL" sz="1400" dirty="0" err="1"/>
+              <a:t>example</a:t>
+            </a:r>
+            <a:r>
+              <a:rPr lang="pl-PL" sz="1400" dirty="0"/>
+              <a:t> </a:t>
+            </a:r>
+            <a:r>
+              <a:rPr lang="pl-PL" sz="1400" dirty="0" err="1"/>
+              <a:t>changing</a:t>
+            </a:r>
+            <a:r>
+              <a:rPr lang="pl-PL" sz="1400" dirty="0"/>
+              <a:t> `&lt;` operator to `&gt;=`</a:t>
+            </a:r>
+          </a:p>
+          <a:p>
+            <a:pPr lvl="1"/>
+            <a:r>
+              <a:rPr lang="pl-PL" sz="1400" b="1" dirty="0"/>
+              <a:t>Mutant</a:t>
+            </a:r>
+            <a:r>
+              <a:rPr lang="pl-PL" sz="1400" dirty="0"/>
+              <a:t> – </a:t>
+            </a:r>
+            <a:r>
+              <a:rPr lang="pl-PL" sz="1400" dirty="0" err="1"/>
+              <a:t>result</a:t>
+            </a:r>
+            <a:r>
+              <a:rPr lang="pl-PL" sz="1400" dirty="0"/>
+              <a:t> of </a:t>
+            </a:r>
+            <a:r>
+              <a:rPr lang="pl-PL" sz="1400" dirty="0" err="1"/>
+              <a:t>applying</a:t>
+            </a:r>
+            <a:r>
+              <a:rPr lang="pl-PL" sz="1400" dirty="0"/>
+              <a:t> </a:t>
             </a:r>
             <a:r>
               <a:rPr lang="pl-PL" sz="1400" dirty="0" err="1"/>
@@ -9105,19 +9642,11 @@
             </a:r>
             <a:r>
               <a:rPr lang="pl-PL" sz="1400" dirty="0"/>
-              <a:t> – </a:t>
+              <a:t> to </a:t>
             </a:r>
             <a:r>
               <a:rPr lang="pl-PL" sz="1400" dirty="0" err="1"/>
-              <a:t>operation</a:t>
-            </a:r>
-            <a:r>
-              <a:rPr lang="pl-PL" sz="1400" dirty="0"/>
-              <a:t> applied to </a:t>
-            </a:r>
-            <a:r>
-              <a:rPr lang="pl-PL" sz="1400" dirty="0" err="1"/>
-              <a:t>original</a:t>
+              <a:t>specified</a:t>
             </a:r>
             <a:r>
               <a:rPr lang="pl-PL" sz="1400" dirty="0"/>
@@ -9125,15 +9654,50 @@
             </a:r>
             <a:r>
               <a:rPr lang="pl-PL" sz="1400" dirty="0" err="1"/>
-              <a:t>code</a:t>
+              <a:t>enitity</a:t>
             </a:r>
             <a:r>
               <a:rPr lang="pl-PL" sz="1400" dirty="0"/>
-              <a:t> (for </a:t>
+              <a:t> (</a:t>
             </a:r>
             <a:r>
               <a:rPr lang="pl-PL" sz="1400" dirty="0" err="1"/>
-              <a:t>example</a:t>
+              <a:t>typically</a:t>
+            </a:r>
+            <a:r>
+              <a:rPr lang="pl-PL" sz="1400" dirty="0"/>
+              <a:t> a </a:t>
+            </a:r>
+            <a:r>
+              <a:rPr lang="pl-PL" sz="1400" dirty="0" err="1"/>
+              <a:t>class</a:t>
+            </a:r>
+            <a:r>
+              <a:rPr lang="pl-PL" sz="1400" dirty="0"/>
+              <a:t>)</a:t>
+            </a:r>
+          </a:p>
+          <a:p>
+            <a:pPr lvl="1"/>
+            <a:r>
+              <a:rPr lang="pl-PL" sz="1400" b="1" dirty="0"/>
+              <a:t>Mutant </a:t>
+            </a:r>
+            <a:r>
+              <a:rPr lang="pl-PL" sz="1400" b="1" dirty="0" err="1"/>
+              <a:t>killed</a:t>
+            </a:r>
+            <a:r>
+              <a:rPr lang="pl-PL" sz="1400" b="1" dirty="0"/>
+              <a:t> </a:t>
+            </a:r>
+            <a:r>
+              <a:rPr lang="pl-PL" sz="1400" dirty="0"/>
+              <a:t>– </a:t>
+            </a:r>
+            <a:r>
+              <a:rPr lang="pl-PL" sz="1400" dirty="0" err="1"/>
+              <a:t>at</a:t>
             </a:r>
             <a:r>
               <a:rPr lang="pl-PL" sz="1400" dirty="0"/>
@@ -9141,30 +9705,15 @@
             </a:r>
             <a:r>
               <a:rPr lang="pl-PL" sz="1400" dirty="0" err="1"/>
-              <a:t>changing</a:t>
+              <a:t>least</a:t>
             </a:r>
             <a:r>
               <a:rPr lang="pl-PL" sz="1400" dirty="0"/>
-              <a:t> `&lt;` operator to `&gt;=`</a:t>
-            </a:r>
-          </a:p>
-          <a:p>
-            <a:pPr lvl="1"/>
-            <a:r>
-              <a:rPr lang="pl-PL" sz="1400" dirty="0"/>
-              <a:t>Mutant – </a:t>
+              <a:t> one test from </a:t>
             </a:r>
             <a:r>
               <a:rPr lang="pl-PL" sz="1400" dirty="0" err="1"/>
-              <a:t>result</a:t>
-            </a:r>
-            <a:r>
-              <a:rPr lang="pl-PL" sz="1400" dirty="0"/>
-              <a:t> of </a:t>
-            </a:r>
-            <a:r>
-              <a:rPr lang="pl-PL" sz="1400" dirty="0" err="1"/>
-              <a:t>applying</a:t>
+              <a:t>suite</a:t>
             </a:r>
             <a:r>
               <a:rPr lang="pl-PL" sz="1400" dirty="0"/>
@@ -9172,7 +9721,195 @@
             </a:r>
             <a:r>
               <a:rPr lang="pl-PL" sz="1400" dirty="0" err="1"/>
-              <a:t>mutator</a:t>
+              <a:t>failed</a:t>
+            </a:r>
+            <a:r>
+              <a:rPr lang="pl-PL" sz="1400" dirty="0"/>
+              <a:t> </a:t>
+            </a:r>
+            <a:r>
+              <a:rPr lang="pl-PL" sz="1400" dirty="0" err="1"/>
+              <a:t>when</a:t>
+            </a:r>
+            <a:r>
+              <a:rPr lang="pl-PL" sz="1400" dirty="0"/>
+              <a:t> </a:t>
+            </a:r>
+            <a:r>
+              <a:rPr lang="pl-PL" sz="1400" dirty="0" err="1"/>
+              <a:t>executed</a:t>
+            </a:r>
+            <a:r>
+              <a:rPr lang="pl-PL" sz="1400" dirty="0"/>
+              <a:t> </a:t>
+            </a:r>
+            <a:r>
+              <a:rPr lang="pl-PL" sz="1400" dirty="0" err="1"/>
+              <a:t>against</a:t>
+            </a:r>
+            <a:r>
+              <a:rPr lang="pl-PL" sz="1400" dirty="0"/>
+              <a:t> </a:t>
+            </a:r>
+            <a:r>
+              <a:rPr lang="pl-PL" sz="1400" dirty="0" err="1"/>
+              <a:t>mutated</a:t>
+            </a:r>
+            <a:r>
+              <a:rPr lang="pl-PL" sz="1400" dirty="0"/>
+              <a:t> </a:t>
+            </a:r>
+            <a:r>
+              <a:rPr lang="pl-PL" sz="1400" dirty="0" err="1"/>
+              <a:t>code</a:t>
+            </a:r>
+            <a:endParaRPr lang="pl-PL" sz="1400" dirty="0"/>
+          </a:p>
+          <a:p>
+            <a:pPr lvl="1"/>
+            <a:r>
+              <a:rPr lang="pl-PL" sz="1400" b="1" dirty="0"/>
+              <a:t>Mutant </a:t>
+            </a:r>
+            <a:r>
+              <a:rPr lang="pl-PL" sz="1400" b="1" dirty="0" err="1"/>
+              <a:t>survived</a:t>
+            </a:r>
+            <a:r>
+              <a:rPr lang="pl-PL" sz="1400" b="1" dirty="0"/>
+              <a:t> </a:t>
+            </a:r>
+            <a:r>
+              <a:rPr lang="pl-PL" sz="1400" dirty="0"/>
+              <a:t>– no test from </a:t>
+            </a:r>
+            <a:r>
+              <a:rPr lang="pl-PL" sz="1400" dirty="0" err="1"/>
+              <a:t>suite</a:t>
+            </a:r>
+            <a:r>
+              <a:rPr lang="pl-PL" sz="1400" dirty="0"/>
+              <a:t> </a:t>
+            </a:r>
+            <a:r>
+              <a:rPr lang="pl-PL" sz="1400" dirty="0" err="1"/>
+              <a:t>failed</a:t>
+            </a:r>
+            <a:r>
+              <a:rPr lang="pl-PL" sz="1400" dirty="0"/>
+              <a:t> </a:t>
+            </a:r>
+            <a:r>
+              <a:rPr lang="pl-PL" sz="1400" dirty="0" err="1"/>
+              <a:t>when</a:t>
+            </a:r>
+            <a:r>
+              <a:rPr lang="pl-PL" sz="1400" dirty="0"/>
+              <a:t> </a:t>
+            </a:r>
+            <a:r>
+              <a:rPr lang="pl-PL" sz="1400" dirty="0" err="1"/>
+              <a:t>executed</a:t>
+            </a:r>
+            <a:r>
+              <a:rPr lang="pl-PL" sz="1400" dirty="0"/>
+              <a:t> </a:t>
+            </a:r>
+            <a:r>
+              <a:rPr lang="pl-PL" sz="1400" dirty="0" err="1"/>
+              <a:t>against</a:t>
+            </a:r>
+            <a:r>
+              <a:rPr lang="pl-PL" sz="1400" dirty="0"/>
+              <a:t> </a:t>
+            </a:r>
+            <a:r>
+              <a:rPr lang="pl-PL" sz="1400" dirty="0" err="1"/>
+              <a:t>mutated</a:t>
+            </a:r>
+            <a:r>
+              <a:rPr lang="pl-PL" sz="1400" dirty="0"/>
+              <a:t> </a:t>
+            </a:r>
+            <a:r>
+              <a:rPr lang="pl-PL" sz="1400" dirty="0" err="1"/>
+              <a:t>code</a:t>
+            </a:r>
+            <a:endParaRPr lang="pl-PL" sz="1400" dirty="0"/>
+          </a:p>
+          <a:p>
+            <a:pPr lvl="1"/>
+            <a:r>
+              <a:rPr lang="pl-PL" sz="1400" b="1" dirty="0" err="1"/>
+              <a:t>Mutation</a:t>
+            </a:r>
+            <a:r>
+              <a:rPr lang="pl-PL" sz="1400" b="1" dirty="0"/>
+              <a:t> </a:t>
+            </a:r>
+            <a:r>
+              <a:rPr lang="pl-PL" sz="1400" b="1" dirty="0" err="1"/>
+              <a:t>buckets</a:t>
+            </a:r>
+            <a:r>
+              <a:rPr lang="pl-PL" sz="1400" b="1" dirty="0"/>
+              <a:t> </a:t>
+            </a:r>
+            <a:r>
+              <a:rPr lang="pl-PL" sz="1400" dirty="0"/>
+              <a:t>– </a:t>
+            </a:r>
+            <a:r>
+              <a:rPr lang="pl-PL" sz="1400" dirty="0" err="1"/>
+              <a:t>modified</a:t>
+            </a:r>
+            <a:r>
+              <a:rPr lang="pl-PL" sz="1400" dirty="0"/>
+              <a:t> </a:t>
+            </a:r>
+            <a:r>
+              <a:rPr lang="pl-PL" sz="1400" dirty="0" err="1"/>
+              <a:t>code</a:t>
+            </a:r>
+            <a:r>
+              <a:rPr lang="pl-PL" sz="1400" dirty="0"/>
+              <a:t> </a:t>
+            </a:r>
+            <a:r>
+              <a:rPr lang="pl-PL" sz="1400" dirty="0" err="1"/>
+              <a:t>can</a:t>
+            </a:r>
+            <a:r>
+              <a:rPr lang="pl-PL" sz="1400" dirty="0"/>
+              <a:t> be </a:t>
+            </a:r>
+            <a:r>
+              <a:rPr lang="pl-PL" sz="1400" dirty="0" err="1"/>
+              <a:t>valid</a:t>
+            </a:r>
+            <a:r>
+              <a:rPr lang="pl-PL" sz="1400" dirty="0"/>
+              <a:t>, not </a:t>
+            </a:r>
+            <a:r>
+              <a:rPr lang="pl-PL" sz="1400" dirty="0" err="1"/>
+              <a:t>valid</a:t>
+            </a:r>
+            <a:r>
+              <a:rPr lang="pl-PL" sz="1400" dirty="0"/>
+              <a:t> </a:t>
+            </a:r>
+            <a:r>
+              <a:rPr lang="pl-PL" sz="1400" dirty="0" err="1"/>
+              <a:t>or</a:t>
+            </a:r>
+            <a:r>
+              <a:rPr lang="pl-PL" sz="1400" dirty="0"/>
+              <a:t> </a:t>
+            </a:r>
+            <a:r>
+              <a:rPr lang="pl-PL" sz="1400" dirty="0" err="1"/>
+              <a:t>equivalent</a:t>
             </a:r>
             <a:r>
               <a:rPr lang="pl-PL" sz="1400" dirty="0"/>
@@ -9180,7 +9917,7 @@
             </a:r>
             <a:r>
               <a:rPr lang="pl-PL" sz="1400" dirty="0" err="1"/>
-              <a:t>specified</a:t>
+              <a:t>other</a:t>
             </a:r>
             <a:r>
               <a:rPr lang="pl-PL" sz="1400" dirty="0"/>
@@ -9188,268 +9925,53 @@
             </a:r>
             <a:r>
               <a:rPr lang="pl-PL" sz="1400" dirty="0" err="1"/>
-              <a:t>enitity</a:t>
+              <a:t>mutations</a:t>
+            </a:r>
+            <a:endParaRPr lang="pl-PL" sz="1400" dirty="0"/>
+          </a:p>
+          <a:p>
+            <a:pPr lvl="1"/>
+            <a:r>
+              <a:rPr lang="pl-PL" sz="1400" b="1" dirty="0" err="1"/>
+              <a:t>Mutation</a:t>
+            </a:r>
+            <a:r>
+              <a:rPr lang="pl-PL" sz="1400" b="1" dirty="0"/>
+              <a:t> </a:t>
+            </a:r>
+            <a:r>
+              <a:rPr lang="pl-PL" sz="1400" b="1" dirty="0" err="1"/>
+              <a:t>score</a:t>
+            </a:r>
+            <a:r>
+              <a:rPr lang="pl-PL" sz="1400" b="1" dirty="0"/>
+              <a:t> </a:t>
             </a:r>
             <a:r>
               <a:rPr lang="pl-PL" sz="1400" dirty="0"/>
-              <a:t> (</a:t>
-            </a:r>
-            <a:r>
-              <a:rPr lang="pl-PL" sz="1400" dirty="0" err="1"/>
-              <a:t>typically</a:t>
-            </a:r>
-            <a:r>
-              <a:rPr lang="pl-PL" sz="1400" dirty="0"/>
-              <a:t> a </a:t>
-            </a:r>
-            <a:r>
-              <a:rPr lang="pl-PL" sz="1400" dirty="0" err="1"/>
-              <a:t>class</a:t>
-            </a:r>
-            <a:r>
-              <a:rPr lang="pl-PL" sz="1400" dirty="0"/>
-              <a:t>)</a:t>
-            </a:r>
-          </a:p>
-          <a:p>
-            <a:pPr lvl="1"/>
-            <a:r>
-              <a:rPr lang="pl-PL" sz="1400" dirty="0"/>
-              <a:t>Mutant </a:t>
-            </a:r>
-            <a:r>
-              <a:rPr lang="pl-PL" sz="1400" dirty="0" err="1"/>
-              <a:t>killed</a:t>
-            </a:r>
-            <a:r>
-              <a:rPr lang="pl-PL" sz="1400" dirty="0"/>
-              <a:t> – </a:t>
-            </a:r>
-            <a:r>
-              <a:rPr lang="pl-PL" sz="1400" dirty="0" err="1"/>
-              <a:t>at</a:t>
-            </a:r>
-            <a:r>
-              <a:rPr lang="pl-PL" sz="1400" dirty="0"/>
-              <a:t> </a:t>
-            </a:r>
-            <a:r>
-              <a:rPr lang="pl-PL" sz="1400" dirty="0" err="1"/>
-              <a:t>least</a:t>
-            </a:r>
-            <a:r>
-              <a:rPr lang="pl-PL" sz="1400" dirty="0"/>
-              <a:t> one test from </a:t>
-            </a:r>
-            <a:r>
-              <a:rPr lang="pl-PL" sz="1400" dirty="0" err="1"/>
-              <a:t>suite</a:t>
-            </a:r>
-            <a:r>
-              <a:rPr lang="pl-PL" sz="1400" dirty="0"/>
-              <a:t> </a:t>
-            </a:r>
-            <a:r>
-              <a:rPr lang="pl-PL" sz="1400" dirty="0" err="1"/>
-              <a:t>failed</a:t>
-            </a:r>
-            <a:r>
-              <a:rPr lang="pl-PL" sz="1400" dirty="0"/>
-              <a:t> </a:t>
-            </a:r>
-            <a:r>
-              <a:rPr lang="pl-PL" sz="1400" dirty="0" err="1"/>
-              <a:t>when</a:t>
-            </a:r>
-            <a:r>
-              <a:rPr lang="pl-PL" sz="1400" dirty="0"/>
-              <a:t> </a:t>
-            </a:r>
-            <a:r>
-              <a:rPr lang="pl-PL" sz="1400" dirty="0" err="1"/>
-              <a:t>executed</a:t>
-            </a:r>
-            <a:r>
-              <a:rPr lang="pl-PL" sz="1400" dirty="0"/>
-              <a:t> </a:t>
-            </a:r>
-            <a:r>
-              <a:rPr lang="pl-PL" sz="1400" dirty="0" err="1"/>
-              <a:t>against</a:t>
-            </a:r>
-            <a:r>
-              <a:rPr lang="pl-PL" sz="1400" dirty="0"/>
-              <a:t> </a:t>
-            </a:r>
-            <a:r>
-              <a:rPr lang="pl-PL" sz="1400" dirty="0" err="1"/>
-              <a:t>mutated</a:t>
-            </a:r>
-            <a:r>
-              <a:rPr lang="pl-PL" sz="1400" dirty="0"/>
-              <a:t> </a:t>
-            </a:r>
-            <a:r>
-              <a:rPr lang="pl-PL" sz="1400" dirty="0" err="1"/>
-              <a:t>code</a:t>
-            </a:r>
-            <a:endParaRPr lang="pl-PL" sz="1400" dirty="0"/>
-          </a:p>
-          <a:p>
-            <a:pPr lvl="1"/>
-            <a:r>
-              <a:rPr lang="pl-PL" sz="1400" dirty="0"/>
-              <a:t>Mutant </a:t>
-            </a:r>
-            <a:r>
-              <a:rPr lang="pl-PL" sz="1400" dirty="0" err="1"/>
-              <a:t>survived</a:t>
-            </a:r>
-            <a:r>
-              <a:rPr lang="pl-PL" sz="1400" dirty="0"/>
-              <a:t> – no test from </a:t>
-            </a:r>
-            <a:r>
-              <a:rPr lang="pl-PL" sz="1400" dirty="0" err="1"/>
-              <a:t>suite</a:t>
-            </a:r>
-            <a:r>
-              <a:rPr lang="pl-PL" sz="1400" dirty="0"/>
-              <a:t> </a:t>
-            </a:r>
-            <a:r>
-              <a:rPr lang="pl-PL" sz="1400" dirty="0" err="1"/>
-              <a:t>failed</a:t>
-            </a:r>
-            <a:r>
-              <a:rPr lang="pl-PL" sz="1400" dirty="0"/>
-              <a:t> </a:t>
-            </a:r>
-            <a:r>
-              <a:rPr lang="pl-PL" sz="1400" dirty="0" err="1"/>
-              <a:t>when</a:t>
-            </a:r>
-            <a:r>
-              <a:rPr lang="pl-PL" sz="1400" dirty="0"/>
-              <a:t> </a:t>
-            </a:r>
-            <a:r>
-              <a:rPr lang="pl-PL" sz="1400" dirty="0" err="1"/>
-              <a:t>executed</a:t>
-            </a:r>
-            <a:r>
-              <a:rPr lang="pl-PL" sz="1400" dirty="0"/>
-              <a:t> </a:t>
-            </a:r>
-            <a:r>
-              <a:rPr lang="pl-PL" sz="1400" dirty="0" err="1"/>
-              <a:t>against</a:t>
-            </a:r>
-            <a:r>
-              <a:rPr lang="pl-PL" sz="1400" dirty="0"/>
-              <a:t> </a:t>
-            </a:r>
-            <a:r>
-              <a:rPr lang="pl-PL" sz="1400" dirty="0" err="1"/>
-              <a:t>mutated</a:t>
-            </a:r>
-            <a:r>
-              <a:rPr lang="pl-PL" sz="1400" dirty="0"/>
-              <a:t> </a:t>
-            </a:r>
-            <a:r>
-              <a:rPr lang="pl-PL" sz="1400" dirty="0" err="1"/>
-              <a:t>code</a:t>
-            </a:r>
-            <a:endParaRPr lang="pl-PL" sz="1400" dirty="0"/>
-          </a:p>
-          <a:p>
-            <a:pPr lvl="1"/>
-            <a:r>
-              <a:rPr lang="pl-PL" sz="1400" dirty="0" err="1"/>
-              <a:t>Mutation</a:t>
-            </a:r>
-            <a:r>
-              <a:rPr lang="pl-PL" sz="1400" dirty="0"/>
-              <a:t> </a:t>
-            </a:r>
-            <a:r>
-              <a:rPr lang="pl-PL" sz="1400" dirty="0" err="1"/>
-              <a:t>buckets</a:t>
-            </a:r>
-            <a:r>
-              <a:rPr lang="pl-PL" sz="1400" dirty="0"/>
-              <a:t> – </a:t>
-            </a:r>
-            <a:r>
-              <a:rPr lang="pl-PL" sz="1400" dirty="0" err="1"/>
-              <a:t>modified</a:t>
-            </a:r>
-            <a:r>
-              <a:rPr lang="pl-PL" sz="1400" dirty="0"/>
-              <a:t> </a:t>
-            </a:r>
-            <a:r>
-              <a:rPr lang="pl-PL" sz="1400" dirty="0" err="1"/>
-              <a:t>code</a:t>
-            </a:r>
-            <a:r>
-              <a:rPr lang="pl-PL" sz="1400" dirty="0"/>
-              <a:t> </a:t>
-            </a:r>
-            <a:r>
-              <a:rPr lang="pl-PL" sz="1400" dirty="0" err="1"/>
-              <a:t>can</a:t>
-            </a:r>
-            <a:r>
-              <a:rPr lang="pl-PL" sz="1400" dirty="0"/>
-              <a:t> be </a:t>
-            </a:r>
-            <a:r>
-              <a:rPr lang="pl-PL" sz="1400" dirty="0" err="1"/>
-              <a:t>valid</a:t>
-            </a:r>
-            <a:r>
-              <a:rPr lang="pl-PL" sz="1400" dirty="0"/>
-              <a:t>, not </a:t>
-            </a:r>
-            <a:r>
-              <a:rPr lang="pl-PL" sz="1400" dirty="0" err="1"/>
-              <a:t>valid</a:t>
-            </a:r>
-            <a:r>
-              <a:rPr lang="pl-PL" sz="1400" dirty="0"/>
-              <a:t> </a:t>
-            </a:r>
-            <a:r>
-              <a:rPr lang="pl-PL" sz="1400" dirty="0" err="1"/>
-              <a:t>or</a:t>
-            </a:r>
-            <a:r>
-              <a:rPr lang="pl-PL" sz="1400" dirty="0"/>
-              <a:t> </a:t>
-            </a:r>
-            <a:r>
-              <a:rPr lang="pl-PL" sz="1400" dirty="0" err="1"/>
-              <a:t>equivalent</a:t>
-            </a:r>
-            <a:r>
-              <a:rPr lang="pl-PL" sz="1400" dirty="0"/>
-              <a:t> to </a:t>
-            </a:r>
-            <a:r>
-              <a:rPr lang="pl-PL" sz="1400" dirty="0" err="1"/>
-              <a:t>other</a:t>
-            </a:r>
-            <a:r>
-              <a:rPr lang="pl-PL" sz="1400" dirty="0"/>
-              <a:t> </a:t>
-            </a:r>
-            <a:r>
-              <a:rPr lang="pl-PL" sz="1400" dirty="0" err="1"/>
-              <a:t>mutations</a:t>
-            </a:r>
-            <a:endParaRPr lang="pl-PL" sz="1400" dirty="0"/>
+              <a:t>– </a:t>
+            </a:r>
+            <a:r>
+              <a:rPr lang="pl-PL" sz="1400" dirty="0" err="1">
+                <a:latin typeface="Consolas" panose="020B0609020204030204" pitchFamily="49" charset="0"/>
+              </a:rPr>
+              <a:t>killed_mutants</a:t>
+            </a:r>
+            <a:r>
+              <a:rPr lang="pl-PL" sz="1400" dirty="0">
+                <a:latin typeface="Consolas" panose="020B0609020204030204" pitchFamily="49" charset="0"/>
+              </a:rPr>
+              <a:t> / </a:t>
+            </a:r>
+            <a:r>
+              <a:rPr lang="pl-PL" sz="1400" dirty="0" err="1">
+                <a:latin typeface="Consolas" panose="020B0609020204030204" pitchFamily="49" charset="0"/>
+              </a:rPr>
+              <a:t>total_numer_of_mutants</a:t>
+            </a:r>
+            <a:endParaRPr lang="pl-PL" sz="1400" dirty="0">
+              <a:latin typeface="Consolas" panose="020B0609020204030204" pitchFamily="49" charset="0"/>
+            </a:endParaRPr>
           </a:p>
         </p:txBody>
       </p:sp>
@@ -9522,6 +10044,505 @@
       </p:transition>
     </mc:Fallback>
   </mc:AlternateContent>
+  <p:timing>
+    <p:tnLst>
+      <p:par>
+        <p:cTn id="1" dur="indefinite" restart="never" nodeType="tmRoot">
+          <p:childTnLst>
+            <p:seq concurrent="1" nextAc="seek">
+              <p:cTn id="2" dur="indefinite" nodeType="mainSeq">
+                <p:childTnLst>
+                  <p:par>
+                    <p:cTn id="3" fill="hold">
+                      <p:stCondLst>
+                        <p:cond delay="indefinite"/>
+                      </p:stCondLst>
+                      <p:childTnLst>
+                        <p:par>
+                          <p:cTn id="4" fill="hold">
+                            <p:stCondLst>
+                              <p:cond delay="0"/>
+                            </p:stCondLst>
+                            <p:childTnLst>
+                              <p:par>
+                                <p:cTn id="5" presetID="10" presetClass="entr" presetSubtype="0" fill="hold" grpId="0" nodeType="clickEffect">
+                                  <p:stCondLst>
+                                    <p:cond delay="0"/>
+                                  </p:stCondLst>
+                                  <p:childTnLst>
+                                    <p:set>
+                                      <p:cBhvr>
+                                        <p:cTn id="6" dur="1" fill="hold">
+                                          <p:stCondLst>
+                                            <p:cond delay="0"/>
+                                          </p:stCondLst>
+                                        </p:cTn>
+                                        <p:tgtEl>
+                                          <p:spTgt spid="4">
+                                            <p:txEl>
+                                              <p:pRg st="0" end="0"/>
+                                            </p:txEl>
+                                          </p:spTgt>
+                                        </p:tgtEl>
+                                        <p:attrNameLst>
+                                          <p:attrName>style.visibility</p:attrName>
+                                        </p:attrNameLst>
+                                      </p:cBhvr>
+                                      <p:to>
+                                        <p:strVal val="visible"/>
+                                      </p:to>
+                                    </p:set>
+                                    <p:animEffect transition="in" filter="fade">
+                                      <p:cBhvr>
+                                        <p:cTn id="7" dur="500"/>
+                                        <p:tgtEl>
+                                          <p:spTgt spid="4">
+                                            <p:txEl>
+                                              <p:pRg st="0" end="0"/>
+                                            </p:txEl>
+                                          </p:spTgt>
+                                        </p:tgtEl>
+                                      </p:cBhvr>
+                                    </p:animEffect>
+                                  </p:childTnLst>
+                                </p:cTn>
+                              </p:par>
+                              <p:par>
+                                <p:cTn id="8" presetID="10" presetClass="entr" presetSubtype="0" fill="hold" grpId="0" nodeType="withEffect">
+                                  <p:stCondLst>
+                                    <p:cond delay="0"/>
+                                  </p:stCondLst>
+                                  <p:childTnLst>
+                                    <p:set>
+                                      <p:cBhvr>
+                                        <p:cTn id="9" dur="1" fill="hold">
+                                          <p:stCondLst>
+                                            <p:cond delay="0"/>
+                                          </p:stCondLst>
+                                        </p:cTn>
+                                        <p:tgtEl>
+                                          <p:spTgt spid="4">
+                                            <p:txEl>
+                                              <p:pRg st="1" end="1"/>
+                                            </p:txEl>
+                                          </p:spTgt>
+                                        </p:tgtEl>
+                                        <p:attrNameLst>
+                                          <p:attrName>style.visibility</p:attrName>
+                                        </p:attrNameLst>
+                                      </p:cBhvr>
+                                      <p:to>
+                                        <p:strVal val="visible"/>
+                                      </p:to>
+                                    </p:set>
+                                    <p:animEffect transition="in" filter="fade">
+                                      <p:cBhvr>
+                                        <p:cTn id="10" dur="500"/>
+                                        <p:tgtEl>
+                                          <p:spTgt spid="4">
+                                            <p:txEl>
+                                              <p:pRg st="1" end="1"/>
+                                            </p:txEl>
+                                          </p:spTgt>
+                                        </p:tgtEl>
+                                      </p:cBhvr>
+                                    </p:animEffect>
+                                  </p:childTnLst>
+                                </p:cTn>
+                              </p:par>
+                              <p:par>
+                                <p:cTn id="11" presetID="10" presetClass="entr" presetSubtype="0" fill="hold" grpId="0" nodeType="withEffect">
+                                  <p:stCondLst>
+                                    <p:cond delay="0"/>
+                                  </p:stCondLst>
+                                  <p:childTnLst>
+                                    <p:set>
+                                      <p:cBhvr>
+                                        <p:cTn id="12" dur="1" fill="hold">
+                                          <p:stCondLst>
+                                            <p:cond delay="0"/>
+                                          </p:stCondLst>
+                                        </p:cTn>
+                                        <p:tgtEl>
+                                          <p:spTgt spid="4">
+                                            <p:txEl>
+                                              <p:pRg st="2" end="2"/>
+                                            </p:txEl>
+                                          </p:spTgt>
+                                        </p:tgtEl>
+                                        <p:attrNameLst>
+                                          <p:attrName>style.visibility</p:attrName>
+                                        </p:attrNameLst>
+                                      </p:cBhvr>
+                                      <p:to>
+                                        <p:strVal val="visible"/>
+                                      </p:to>
+                                    </p:set>
+                                    <p:animEffect transition="in" filter="fade">
+                                      <p:cBhvr>
+                                        <p:cTn id="13" dur="500"/>
+                                        <p:tgtEl>
+                                          <p:spTgt spid="4">
+                                            <p:txEl>
+                                              <p:pRg st="2" end="2"/>
+                                            </p:txEl>
+                                          </p:spTgt>
+                                        </p:tgtEl>
+                                      </p:cBhvr>
+                                    </p:animEffect>
+                                  </p:childTnLst>
+                                </p:cTn>
+                              </p:par>
+                            </p:childTnLst>
+                          </p:cTn>
+                        </p:par>
+                      </p:childTnLst>
+                    </p:cTn>
+                  </p:par>
+                  <p:par>
+                    <p:cTn id="14" fill="hold">
+                      <p:stCondLst>
+                        <p:cond delay="indefinite"/>
+                      </p:stCondLst>
+                      <p:childTnLst>
+                        <p:par>
+                          <p:cTn id="15" fill="hold">
+                            <p:stCondLst>
+                              <p:cond delay="0"/>
+                            </p:stCondLst>
+                            <p:childTnLst>
+                              <p:par>
+                                <p:cTn id="16" presetID="10" presetClass="entr" presetSubtype="0" fill="hold" grpId="0" nodeType="clickEffect">
+                                  <p:stCondLst>
+                                    <p:cond delay="0"/>
+                                  </p:stCondLst>
+                                  <p:childTnLst>
+                                    <p:set>
+                                      <p:cBhvr>
+                                        <p:cTn id="17" dur="1" fill="hold">
+                                          <p:stCondLst>
+                                            <p:cond delay="0"/>
+                                          </p:stCondLst>
+                                        </p:cTn>
+                                        <p:tgtEl>
+                                          <p:spTgt spid="4">
+                                            <p:txEl>
+                                              <p:pRg st="3" end="3"/>
+                                            </p:txEl>
+                                          </p:spTgt>
+                                        </p:tgtEl>
+                                        <p:attrNameLst>
+                                          <p:attrName>style.visibility</p:attrName>
+                                        </p:attrNameLst>
+                                      </p:cBhvr>
+                                      <p:to>
+                                        <p:strVal val="visible"/>
+                                      </p:to>
+                                    </p:set>
+                                    <p:animEffect transition="in" filter="fade">
+                                      <p:cBhvr>
+                                        <p:cTn id="18" dur="500"/>
+                                        <p:tgtEl>
+                                          <p:spTgt spid="4">
+                                            <p:txEl>
+                                              <p:pRg st="3" end="3"/>
+                                            </p:txEl>
+                                          </p:spTgt>
+                                        </p:tgtEl>
+                                      </p:cBhvr>
+                                    </p:animEffect>
+                                  </p:childTnLst>
+                                </p:cTn>
+                              </p:par>
+                              <p:par>
+                                <p:cTn id="19" presetID="10" presetClass="entr" presetSubtype="0" fill="hold" grpId="0" nodeType="withEffect">
+                                  <p:stCondLst>
+                                    <p:cond delay="0"/>
+                                  </p:stCondLst>
+                                  <p:childTnLst>
+                                    <p:set>
+                                      <p:cBhvr>
+                                        <p:cTn id="20" dur="1" fill="hold">
+                                          <p:stCondLst>
+                                            <p:cond delay="0"/>
+                                          </p:stCondLst>
+                                        </p:cTn>
+                                        <p:tgtEl>
+                                          <p:spTgt spid="4">
+                                            <p:txEl>
+                                              <p:pRg st="4" end="4"/>
+                                            </p:txEl>
+                                          </p:spTgt>
+                                        </p:tgtEl>
+                                        <p:attrNameLst>
+                                          <p:attrName>style.visibility</p:attrName>
+                                        </p:attrNameLst>
+                                      </p:cBhvr>
+                                      <p:to>
+                                        <p:strVal val="visible"/>
+                                      </p:to>
+                                    </p:set>
+                                    <p:animEffect transition="in" filter="fade">
+                                      <p:cBhvr>
+                                        <p:cTn id="21" dur="500"/>
+                                        <p:tgtEl>
+                                          <p:spTgt spid="4">
+                                            <p:txEl>
+                                              <p:pRg st="4" end="4"/>
+                                            </p:txEl>
+                                          </p:spTgt>
+                                        </p:tgtEl>
+                                      </p:cBhvr>
+                                    </p:animEffect>
+                                  </p:childTnLst>
+                                </p:cTn>
+                              </p:par>
+                              <p:par>
+                                <p:cTn id="22" presetID="10" presetClass="entr" presetSubtype="0" fill="hold" grpId="0" nodeType="withEffect">
+                                  <p:stCondLst>
+                                    <p:cond delay="0"/>
+                                  </p:stCondLst>
+                                  <p:childTnLst>
+                                    <p:set>
+                                      <p:cBhvr>
+                                        <p:cTn id="23" dur="1" fill="hold">
+                                          <p:stCondLst>
+                                            <p:cond delay="0"/>
+                                          </p:stCondLst>
+                                        </p:cTn>
+                                        <p:tgtEl>
+                                          <p:spTgt spid="4">
+                                            <p:txEl>
+                                              <p:pRg st="5" end="5"/>
+                                            </p:txEl>
+                                          </p:spTgt>
+                                        </p:tgtEl>
+                                        <p:attrNameLst>
+                                          <p:attrName>style.visibility</p:attrName>
+                                        </p:attrNameLst>
+                                      </p:cBhvr>
+                                      <p:to>
+                                        <p:strVal val="visible"/>
+                                      </p:to>
+                                    </p:set>
+                                    <p:animEffect transition="in" filter="fade">
+                                      <p:cBhvr>
+                                        <p:cTn id="24" dur="500"/>
+                                        <p:tgtEl>
+                                          <p:spTgt spid="4">
+                                            <p:txEl>
+                                              <p:pRg st="5" end="5"/>
+                                            </p:txEl>
+                                          </p:spTgt>
+                                        </p:tgtEl>
+                                      </p:cBhvr>
+                                    </p:animEffect>
+                                  </p:childTnLst>
+                                </p:cTn>
+                              </p:par>
+                              <p:par>
+                                <p:cTn id="25" presetID="10" presetClass="entr" presetSubtype="0" fill="hold" grpId="0" nodeType="withEffect">
+                                  <p:stCondLst>
+                                    <p:cond delay="0"/>
+                                  </p:stCondLst>
+                                  <p:childTnLst>
+                                    <p:set>
+                                      <p:cBhvr>
+                                        <p:cTn id="26" dur="1" fill="hold">
+                                          <p:stCondLst>
+                                            <p:cond delay="0"/>
+                                          </p:stCondLst>
+                                        </p:cTn>
+                                        <p:tgtEl>
+                                          <p:spTgt spid="4">
+                                            <p:txEl>
+                                              <p:pRg st="6" end="6"/>
+                                            </p:txEl>
+                                          </p:spTgt>
+                                        </p:tgtEl>
+                                        <p:attrNameLst>
+                                          <p:attrName>style.visibility</p:attrName>
+                                        </p:attrNameLst>
+                                      </p:cBhvr>
+                                      <p:to>
+                                        <p:strVal val="visible"/>
+                                      </p:to>
+                                    </p:set>
+                                    <p:animEffect transition="in" filter="fade">
+                                      <p:cBhvr>
+                                        <p:cTn id="27" dur="500"/>
+                                        <p:tgtEl>
+                                          <p:spTgt spid="4">
+                                            <p:txEl>
+                                              <p:pRg st="6" end="6"/>
+                                            </p:txEl>
+                                          </p:spTgt>
+                                        </p:tgtEl>
+                                      </p:cBhvr>
+                                    </p:animEffect>
+                                  </p:childTnLst>
+                                </p:cTn>
+                              </p:par>
+                              <p:par>
+                                <p:cTn id="28" presetID="10" presetClass="entr" presetSubtype="0" fill="hold" grpId="0" nodeType="withEffect">
+                                  <p:stCondLst>
+                                    <p:cond delay="0"/>
+                                  </p:stCondLst>
+                                  <p:childTnLst>
+                                    <p:set>
+                                      <p:cBhvr>
+                                        <p:cTn id="29" dur="1" fill="hold">
+                                          <p:stCondLst>
+                                            <p:cond delay="0"/>
+                                          </p:stCondLst>
+                                        </p:cTn>
+                                        <p:tgtEl>
+                                          <p:spTgt spid="4">
+                                            <p:txEl>
+                                              <p:pRg st="7" end="7"/>
+                                            </p:txEl>
+                                          </p:spTgt>
+                                        </p:tgtEl>
+                                        <p:attrNameLst>
+                                          <p:attrName>style.visibility</p:attrName>
+                                        </p:attrNameLst>
+                                      </p:cBhvr>
+                                      <p:to>
+                                        <p:strVal val="visible"/>
+                                      </p:to>
+                                    </p:set>
+                                    <p:animEffect transition="in" filter="fade">
+                                      <p:cBhvr>
+                                        <p:cTn id="30" dur="500"/>
+                                        <p:tgtEl>
+                                          <p:spTgt spid="4">
+                                            <p:txEl>
+                                              <p:pRg st="7" end="7"/>
+                                            </p:txEl>
+                                          </p:spTgt>
+                                        </p:tgtEl>
+                                      </p:cBhvr>
+                                    </p:animEffect>
+                                  </p:childTnLst>
+                                </p:cTn>
+                              </p:par>
+                              <p:par>
+                                <p:cTn id="31" presetID="10" presetClass="entr" presetSubtype="0" fill="hold" grpId="0" nodeType="withEffect">
+                                  <p:stCondLst>
+                                    <p:cond delay="0"/>
+                                  </p:stCondLst>
+                                  <p:childTnLst>
+                                    <p:set>
+                                      <p:cBhvr>
+                                        <p:cTn id="32" dur="1" fill="hold">
+                                          <p:stCondLst>
+                                            <p:cond delay="0"/>
+                                          </p:stCondLst>
+                                        </p:cTn>
+                                        <p:tgtEl>
+                                          <p:spTgt spid="4">
+                                            <p:txEl>
+                                              <p:pRg st="8" end="8"/>
+                                            </p:txEl>
+                                          </p:spTgt>
+                                        </p:tgtEl>
+                                        <p:attrNameLst>
+                                          <p:attrName>style.visibility</p:attrName>
+                                        </p:attrNameLst>
+                                      </p:cBhvr>
+                                      <p:to>
+                                        <p:strVal val="visible"/>
+                                      </p:to>
+                                    </p:set>
+                                    <p:animEffect transition="in" filter="fade">
+                                      <p:cBhvr>
+                                        <p:cTn id="33" dur="500"/>
+                                        <p:tgtEl>
+                                          <p:spTgt spid="4">
+                                            <p:txEl>
+                                              <p:pRg st="8" end="8"/>
+                                            </p:txEl>
+                                          </p:spTgt>
+                                        </p:tgtEl>
+                                      </p:cBhvr>
+                                    </p:animEffect>
+                                  </p:childTnLst>
+                                </p:cTn>
+                              </p:par>
+                              <p:par>
+                                <p:cTn id="34" presetID="10" presetClass="entr" presetSubtype="0" fill="hold" grpId="0" nodeType="withEffect">
+                                  <p:stCondLst>
+                                    <p:cond delay="0"/>
+                                  </p:stCondLst>
+                                  <p:childTnLst>
+                                    <p:set>
+                                      <p:cBhvr>
+                                        <p:cTn id="35" dur="1" fill="hold">
+                                          <p:stCondLst>
+                                            <p:cond delay="0"/>
+                                          </p:stCondLst>
+                                        </p:cTn>
+                                        <p:tgtEl>
+                                          <p:spTgt spid="4">
+                                            <p:txEl>
+                                              <p:pRg st="9" end="9"/>
+                                            </p:txEl>
+                                          </p:spTgt>
+                                        </p:tgtEl>
+                                        <p:attrNameLst>
+                                          <p:attrName>style.visibility</p:attrName>
+                                        </p:attrNameLst>
+                                      </p:cBhvr>
+                                      <p:to>
+                                        <p:strVal val="visible"/>
+                                      </p:to>
+                                    </p:set>
+                                    <p:animEffect transition="in" filter="fade">
+                                      <p:cBhvr>
+                                        <p:cTn id="36" dur="500"/>
+                                        <p:tgtEl>
+                                          <p:spTgt spid="4">
+                                            <p:txEl>
+                                              <p:pRg st="9" end="9"/>
+                                            </p:txEl>
+                                          </p:spTgt>
+                                        </p:tgtEl>
+                                      </p:cBhvr>
+                                    </p:animEffect>
+                                  </p:childTnLst>
+                                </p:cTn>
+                              </p:par>
+                            </p:childTnLst>
+                          </p:cTn>
+                        </p:par>
+                      </p:childTnLst>
+                    </p:cTn>
+                  </p:par>
+                </p:childTnLst>
+              </p:cTn>
+              <p:prevCondLst>
+                <p:cond evt="onPrev" delay="0">
+                  <p:tgtEl>
+                    <p:sldTgt/>
+                  </p:tgtEl>
+                </p:cond>
+              </p:prevCondLst>
+              <p:nextCondLst>
+                <p:cond evt="onNext" delay="0">
+                  <p:tgtEl>
+                    <p:sldTgt/>
+                  </p:tgtEl>
+                </p:cond>
+              </p:nextCondLst>
+            </p:seq>
+          </p:childTnLst>
+        </p:cTn>
+      </p:par>
+    </p:tnLst>
+    <p:bldLst>
+      <p:bldP spid="4" grpId="0" build="p"/>
+    </p:bldLst>
+  </p:timing>
 </p:sld>
 </file>
 
@@ -9544,334 +10565,6 @@
       </p:grpSpPr>
       <p:sp>
         <p:nvSpPr>
-          <p:cNvPr id="4" name="Content Placeholder 3">
-            <a:extLst>
-              <a:ext uri="{FF2B5EF4-FFF2-40B4-BE49-F238E27FC236}">
-                <a16:creationId xmlns:a16="http://schemas.microsoft.com/office/drawing/2014/main" id="{52756FBF-A39D-4D8E-847A-42E970536F10}"/>
-              </a:ext>
-            </a:extLst>
-          </p:cNvPr>
-          <p:cNvSpPr>
-            <a:spLocks noGrp="1"/>
-          </p:cNvSpPr>
-          <p:nvPr>
-            <p:ph idx="1"/>
-          </p:nvPr>
-        </p:nvSpPr>
-        <p:spPr/>
-        <p:txBody>
-          <a:bodyPr>
-            <a:normAutofit/>
-          </a:bodyPr>
-          <a:lstStyle/>
-          <a:p>
-            <a:r>
-              <a:rPr lang="pl-PL" sz="1400" dirty="0" err="1"/>
-              <a:t>Arithmetic</a:t>
-            </a:r>
-            <a:r>
-              <a:rPr lang="pl-PL" sz="1400" dirty="0"/>
-              <a:t> </a:t>
-            </a:r>
-            <a:r>
-              <a:rPr lang="pl-PL" sz="1400" dirty="0" err="1"/>
-              <a:t>operations</a:t>
-            </a:r>
-            <a:r>
-              <a:rPr lang="pl-PL" sz="1400" dirty="0"/>
-              <a:t> – `+` </a:t>
-            </a:r>
-            <a:r>
-              <a:rPr lang="pl-PL" sz="1400" dirty="0" err="1"/>
-              <a:t>changes</a:t>
-            </a:r>
-            <a:r>
-              <a:rPr lang="pl-PL" sz="1400" dirty="0"/>
-              <a:t> to `-`, `*` </a:t>
-            </a:r>
-            <a:r>
-              <a:rPr lang="pl-PL" sz="1400" dirty="0" err="1"/>
-              <a:t>changes</a:t>
-            </a:r>
-            <a:r>
-              <a:rPr lang="pl-PL" sz="1400" dirty="0"/>
-              <a:t> to `/`</a:t>
-            </a:r>
-          </a:p>
-          <a:p>
-            <a:r>
-              <a:rPr lang="pl-PL" sz="1400" dirty="0" err="1"/>
-              <a:t>Equality</a:t>
-            </a:r>
-            <a:r>
-              <a:rPr lang="pl-PL" sz="1400" dirty="0"/>
-              <a:t> </a:t>
-            </a:r>
-            <a:r>
-              <a:rPr lang="pl-PL" sz="1400" dirty="0" err="1"/>
-              <a:t>operations</a:t>
-            </a:r>
-            <a:r>
-              <a:rPr lang="pl-PL" sz="1400" dirty="0"/>
-              <a:t> – `==` </a:t>
-            </a:r>
-            <a:r>
-              <a:rPr lang="pl-PL" sz="1400" dirty="0" err="1"/>
-              <a:t>changes</a:t>
-            </a:r>
-            <a:r>
-              <a:rPr lang="pl-PL" sz="1400" dirty="0"/>
-              <a:t> to `!=`, `&gt;` </a:t>
-            </a:r>
-            <a:r>
-              <a:rPr lang="pl-PL" sz="1400" dirty="0" err="1"/>
-              <a:t>changes</a:t>
-            </a:r>
-            <a:r>
-              <a:rPr lang="pl-PL" sz="1400" dirty="0"/>
-              <a:t> to `&lt;=` </a:t>
-            </a:r>
-          </a:p>
-          <a:p>
-            <a:r>
-              <a:rPr lang="pl-PL" sz="1400" dirty="0" err="1"/>
-              <a:t>Literals</a:t>
-            </a:r>
-            <a:r>
-              <a:rPr lang="pl-PL" sz="1400" dirty="0"/>
-              <a:t> and </a:t>
-            </a:r>
-            <a:r>
-              <a:rPr lang="pl-PL" sz="1400" dirty="0" err="1"/>
-              <a:t>constants</a:t>
-            </a:r>
-            <a:r>
-              <a:rPr lang="pl-PL" sz="1400" dirty="0"/>
-              <a:t> – </a:t>
-            </a:r>
-            <a:r>
-              <a:rPr lang="pl-PL" sz="1400" dirty="0" err="1"/>
-              <a:t>true</a:t>
-            </a:r>
-            <a:r>
-              <a:rPr lang="pl-PL" sz="1400" dirty="0"/>
-              <a:t> </a:t>
-            </a:r>
-            <a:r>
-              <a:rPr lang="pl-PL" sz="1400" dirty="0" err="1"/>
-              <a:t>changes</a:t>
-            </a:r>
-            <a:r>
-              <a:rPr lang="pl-PL" sz="1400" dirty="0"/>
-              <a:t> to </a:t>
-            </a:r>
-            <a:r>
-              <a:rPr lang="pl-PL" sz="1400" dirty="0" err="1"/>
-              <a:t>false</a:t>
-            </a:r>
-            <a:r>
-              <a:rPr lang="pl-PL" sz="1400" dirty="0"/>
-              <a:t>, 1 </a:t>
-            </a:r>
-            <a:r>
-              <a:rPr lang="pl-PL" sz="1400" dirty="0" err="1"/>
-              <a:t>changes</a:t>
-            </a:r>
-            <a:r>
-              <a:rPr lang="pl-PL" sz="1400" dirty="0"/>
-              <a:t> to 2, `</a:t>
-            </a:r>
-            <a:r>
-              <a:rPr lang="pl-PL" sz="1400" dirty="0" err="1"/>
-              <a:t>someString</a:t>
-            </a:r>
-            <a:r>
-              <a:rPr lang="pl-PL" sz="1400" dirty="0"/>
-              <a:t>` </a:t>
-            </a:r>
-            <a:r>
-              <a:rPr lang="pl-PL" sz="1400" dirty="0" err="1"/>
-              <a:t>changes</a:t>
-            </a:r>
-            <a:r>
-              <a:rPr lang="pl-PL" sz="1400" dirty="0"/>
-              <a:t> to `</a:t>
-            </a:r>
-            <a:r>
-              <a:rPr lang="pl-PL" sz="1400" dirty="0" err="1"/>
-              <a:t>otherString</a:t>
-            </a:r>
-            <a:r>
-              <a:rPr lang="pl-PL" sz="1400" dirty="0"/>
-              <a:t>`</a:t>
-            </a:r>
-          </a:p>
-          <a:p>
-            <a:r>
-              <a:rPr lang="pl-PL" sz="1400" dirty="0" err="1"/>
-              <a:t>Assignment</a:t>
-            </a:r>
-            <a:r>
-              <a:rPr lang="pl-PL" sz="1400" dirty="0"/>
-              <a:t> </a:t>
-            </a:r>
-            <a:r>
-              <a:rPr lang="pl-PL" sz="1400" dirty="0" err="1"/>
-              <a:t>statements</a:t>
-            </a:r>
-            <a:r>
-              <a:rPr lang="pl-PL" sz="1400" dirty="0"/>
-              <a:t> – `+=` </a:t>
-            </a:r>
-            <a:r>
-              <a:rPr lang="pl-PL" sz="1400" dirty="0" err="1"/>
-              <a:t>changes</a:t>
-            </a:r>
-            <a:r>
-              <a:rPr lang="pl-PL" sz="1400" dirty="0"/>
-              <a:t> to  `-=`, `^=` </a:t>
-            </a:r>
-            <a:r>
-              <a:rPr lang="pl-PL" sz="1400" dirty="0" err="1"/>
-              <a:t>changes</a:t>
-            </a:r>
-            <a:r>
-              <a:rPr lang="pl-PL" sz="1400" dirty="0"/>
-              <a:t> to `&amp;=`</a:t>
-            </a:r>
-          </a:p>
-          <a:p>
-            <a:r>
-              <a:rPr lang="pl-PL" sz="1400" dirty="0" err="1"/>
-              <a:t>Unary</a:t>
-            </a:r>
-            <a:r>
-              <a:rPr lang="pl-PL" sz="1400" dirty="0"/>
-              <a:t> and update </a:t>
-            </a:r>
-            <a:r>
-              <a:rPr lang="pl-PL" sz="1400" dirty="0" err="1"/>
-              <a:t>operators</a:t>
-            </a:r>
-            <a:r>
-              <a:rPr lang="pl-PL" sz="1400" dirty="0"/>
-              <a:t> - `-</a:t>
-            </a:r>
-            <a:r>
-              <a:rPr lang="pl-PL" sz="1400" dirty="0" err="1"/>
-              <a:t>variable</a:t>
-            </a:r>
-            <a:r>
-              <a:rPr lang="pl-PL" sz="1400" dirty="0"/>
-              <a:t>` </a:t>
-            </a:r>
-            <a:r>
-              <a:rPr lang="pl-PL" sz="1400" dirty="0" err="1"/>
-              <a:t>changes</a:t>
-            </a:r>
-            <a:r>
-              <a:rPr lang="pl-PL" sz="1400" dirty="0"/>
-              <a:t> to `+</a:t>
-            </a:r>
-            <a:r>
-              <a:rPr lang="pl-PL" sz="1400" dirty="0" err="1"/>
-              <a:t>variable</a:t>
-            </a:r>
-            <a:r>
-              <a:rPr lang="pl-PL" sz="1400" dirty="0"/>
-              <a:t>`, `</a:t>
-            </a:r>
-            <a:r>
-              <a:rPr lang="pl-PL" sz="1400" dirty="0" err="1"/>
-              <a:t>variable</a:t>
-            </a:r>
-            <a:r>
-              <a:rPr lang="pl-PL" sz="1400" dirty="0"/>
-              <a:t>++` </a:t>
-            </a:r>
-            <a:r>
-              <a:rPr lang="pl-PL" sz="1400" dirty="0" err="1"/>
-              <a:t>changes</a:t>
-            </a:r>
-            <a:r>
-              <a:rPr lang="pl-PL" sz="1400" dirty="0"/>
-              <a:t> to `</a:t>
-            </a:r>
-            <a:r>
-              <a:rPr lang="pl-PL" sz="1400" dirty="0" err="1"/>
-              <a:t>variable</a:t>
-            </a:r>
-            <a:r>
-              <a:rPr lang="pl-PL" sz="1400" dirty="0"/>
-              <a:t>--`</a:t>
-            </a:r>
-          </a:p>
-          <a:p>
-            <a:r>
-              <a:rPr lang="pl-PL" sz="1400" dirty="0" err="1"/>
-              <a:t>Regex</a:t>
-            </a:r>
-            <a:r>
-              <a:rPr lang="pl-PL" sz="1400" dirty="0"/>
-              <a:t> </a:t>
-            </a:r>
-            <a:r>
-              <a:rPr lang="pl-PL" sz="1400" dirty="0" err="1"/>
-              <a:t>mutators</a:t>
-            </a:r>
-            <a:endParaRPr lang="pl-PL" sz="1400" dirty="0"/>
-          </a:p>
-          <a:p>
-            <a:r>
-              <a:rPr lang="pl-PL" sz="1400" dirty="0"/>
-              <a:t>Language </a:t>
-            </a:r>
-            <a:r>
-              <a:rPr lang="pl-PL" sz="1400" dirty="0" err="1"/>
-              <a:t>specific</a:t>
-            </a:r>
-            <a:r>
-              <a:rPr lang="pl-PL" sz="1400" dirty="0"/>
-              <a:t> </a:t>
-            </a:r>
-            <a:r>
-              <a:rPr lang="pl-PL" sz="1400" dirty="0" err="1"/>
-              <a:t>mutators</a:t>
-            </a:r>
-            <a:r>
-              <a:rPr lang="pl-PL" sz="1400" dirty="0"/>
-              <a:t> – LINQ `</a:t>
-            </a:r>
-            <a:r>
-              <a:rPr lang="pl-PL" sz="1400" dirty="0" err="1"/>
-              <a:t>All</a:t>
-            </a:r>
-            <a:r>
-              <a:rPr lang="pl-PL" sz="1400" dirty="0"/>
-              <a:t>()` </a:t>
-            </a:r>
-            <a:r>
-              <a:rPr lang="pl-PL" sz="1400" dirty="0" err="1"/>
-              <a:t>changes</a:t>
-            </a:r>
-            <a:r>
-              <a:rPr lang="pl-PL" sz="1400" dirty="0"/>
-              <a:t> to LINQ `</a:t>
-            </a:r>
-            <a:r>
-              <a:rPr lang="pl-PL" sz="1400" dirty="0" err="1"/>
-              <a:t>Any</a:t>
-            </a:r>
-            <a:r>
-              <a:rPr lang="pl-PL" sz="1400"/>
-              <a:t>()`</a:t>
-            </a:r>
-            <a:endParaRPr lang="pl-PL" sz="1400" dirty="0"/>
-          </a:p>
-        </p:txBody>
-      </p:sp>
-      <p:sp>
-        <p:nvSpPr>
           <p:cNvPr id="2" name="Title 1">
             <a:extLst>
               <a:ext uri="{FF2B5EF4-FFF2-40B4-BE49-F238E27FC236}">
@@ -9905,10 +10598,448 @@
               <a:rPr lang="pl-PL" sz="2000" dirty="0" err="1"/>
               <a:t>examples</a:t>
             </a:r>
+            <a:r>
+              <a:rPr lang="pl-PL" sz="2000" dirty="0"/>
+              <a:t> – part I</a:t>
+            </a:r>
             <a:endParaRPr lang="pl-PL" sz="1600" dirty="0"/>
           </a:p>
         </p:txBody>
       </p:sp>
+      <p:graphicFrame>
+        <p:nvGraphicFramePr>
+          <p:cNvPr id="6" name="Table 6">
+            <a:extLst>
+              <a:ext uri="{FF2B5EF4-FFF2-40B4-BE49-F238E27FC236}">
+                <a16:creationId xmlns:a16="http://schemas.microsoft.com/office/drawing/2014/main" id="{529B042A-BB90-4F4D-903C-DD6877D85319}"/>
+              </a:ext>
+            </a:extLst>
+          </p:cNvPr>
+          <p:cNvGraphicFramePr>
+            <a:graphicFrameLocks noGrp="1"/>
+          </p:cNvGraphicFramePr>
+          <p:nvPr>
+            <p:ph idx="1"/>
+            <p:extLst>
+              <p:ext uri="{D42A27DB-BD31-4B8C-83A1-F6EECF244321}">
+                <p14:modId xmlns:p14="http://schemas.microsoft.com/office/powerpoint/2010/main" val="3411910434"/>
+              </p:ext>
+            </p:extLst>
+          </p:nvPr>
+        </p:nvGraphicFramePr>
+        <p:xfrm>
+          <a:off x="640080" y="685800"/>
+          <a:ext cx="6035040" cy="3108960"/>
+        </p:xfrm>
+        <a:graphic>
+          <a:graphicData uri="http://schemas.openxmlformats.org/drawingml/2006/table">
+            <a:tbl>
+              <a:tblPr firstRow="1" bandRow="1">
+                <a:tableStyleId>{69CF1AB2-1976-4502-BF36-3FF5EA218861}</a:tableStyleId>
+              </a:tblPr>
+              <a:tblGrid>
+                <a:gridCol w="3017520">
+                  <a:extLst>
+                    <a:ext uri="{9D8B030D-6E8A-4147-A177-3AD203B41FA5}">
+                      <a16:colId xmlns:a16="http://schemas.microsoft.com/office/drawing/2014/main" val="797759379"/>
+                    </a:ext>
+                  </a:extLst>
+                </a:gridCol>
+                <a:gridCol w="3017520">
+                  <a:extLst>
+                    <a:ext uri="{9D8B030D-6E8A-4147-A177-3AD203B41FA5}">
+                      <a16:colId xmlns:a16="http://schemas.microsoft.com/office/drawing/2014/main" val="1170372738"/>
+                    </a:ext>
+                  </a:extLst>
+                </a:gridCol>
+              </a:tblGrid>
+              <a:tr h="310896">
+                <a:tc gridSpan="2">
+                  <a:txBody>
+                    <a:bodyPr/>
+                    <a:lstStyle/>
+                    <a:p>
+                      <a:pPr algn="ctr"/>
+                      <a:r>
+                        <a:rPr lang="pl-PL" sz="1050" dirty="0" err="1"/>
+                        <a:t>Arithmetic</a:t>
+                      </a:r>
+                      <a:r>
+                        <a:rPr lang="pl-PL" sz="1050" dirty="0"/>
+                        <a:t> </a:t>
+                      </a:r>
+                      <a:r>
+                        <a:rPr lang="pl-PL" sz="1050" dirty="0" err="1"/>
+                        <a:t>operators</a:t>
+                      </a:r>
+                      <a:endParaRPr lang="pl-PL" sz="1050" dirty="0"/>
+                    </a:p>
+                  </a:txBody>
+                  <a:tcPr anchor="ctr"/>
+                </a:tc>
+                <a:tc hMerge="1">
+                  <a:txBody>
+                    <a:bodyPr/>
+                    <a:lstStyle/>
+                    <a:p>
+                      <a:endParaRPr lang="pl-PL" dirty="0"/>
+                    </a:p>
+                  </a:txBody>
+                  <a:tcPr/>
+                </a:tc>
+                <a:extLst>
+                  <a:ext uri="{0D108BD9-81ED-4DB2-BD59-A6C34878D82A}">
+                    <a16:rowId xmlns:a16="http://schemas.microsoft.com/office/drawing/2014/main" val="3908795543"/>
+                  </a:ext>
+                </a:extLst>
+              </a:tr>
+              <a:tr h="310896">
+                <a:tc>
+                  <a:txBody>
+                    <a:bodyPr/>
+                    <a:lstStyle/>
+                    <a:p>
+                      <a:pPr algn="ctr"/>
+                      <a:r>
+                        <a:rPr lang="pl-PL" sz="1050" dirty="0"/>
+                        <a:t>+</a:t>
+                      </a:r>
+                    </a:p>
+                  </a:txBody>
+                  <a:tcPr anchor="ctr"/>
+                </a:tc>
+                <a:tc>
+                  <a:txBody>
+                    <a:bodyPr/>
+                    <a:lstStyle/>
+                    <a:p>
+                      <a:pPr algn="ctr"/>
+                      <a:r>
+                        <a:rPr lang="pl-PL" sz="1050" dirty="0"/>
+                        <a:t>-</a:t>
+                      </a:r>
+                    </a:p>
+                  </a:txBody>
+                  <a:tcPr anchor="ctr"/>
+                </a:tc>
+                <a:extLst>
+                  <a:ext uri="{0D108BD9-81ED-4DB2-BD59-A6C34878D82A}">
+                    <a16:rowId xmlns:a16="http://schemas.microsoft.com/office/drawing/2014/main" val="349206112"/>
+                  </a:ext>
+                </a:extLst>
+              </a:tr>
+              <a:tr h="310896">
+                <a:tc>
+                  <a:txBody>
+                    <a:bodyPr/>
+                    <a:lstStyle/>
+                    <a:p>
+                      <a:pPr algn="ctr"/>
+                      <a:r>
+                        <a:rPr lang="pl-PL" sz="1050" dirty="0"/>
+                        <a:t>*</a:t>
+                      </a:r>
+                    </a:p>
+                  </a:txBody>
+                  <a:tcPr anchor="ctr"/>
+                </a:tc>
+                <a:tc>
+                  <a:txBody>
+                    <a:bodyPr/>
+                    <a:lstStyle/>
+                    <a:p>
+                      <a:pPr algn="ctr"/>
+                      <a:r>
+                        <a:rPr lang="pl-PL" sz="1050" dirty="0"/>
+                        <a:t>/</a:t>
+                      </a:r>
+                    </a:p>
+                  </a:txBody>
+                  <a:tcPr anchor="ctr"/>
+                </a:tc>
+                <a:extLst>
+                  <a:ext uri="{0D108BD9-81ED-4DB2-BD59-A6C34878D82A}">
+                    <a16:rowId xmlns:a16="http://schemas.microsoft.com/office/drawing/2014/main" val="1877436797"/>
+                  </a:ext>
+                </a:extLst>
+              </a:tr>
+              <a:tr h="310896">
+                <a:tc gridSpan="2">
+                  <a:txBody>
+                    <a:bodyPr/>
+                    <a:lstStyle/>
+                    <a:p>
+                      <a:pPr algn="ctr"/>
+                      <a:r>
+                        <a:rPr lang="pl-PL" sz="1050" b="1" dirty="0" err="1"/>
+                        <a:t>Equality</a:t>
+                      </a:r>
+                      <a:r>
+                        <a:rPr lang="pl-PL" sz="1050" b="1" dirty="0"/>
+                        <a:t> </a:t>
+                      </a:r>
+                      <a:r>
+                        <a:rPr lang="pl-PL" sz="1050" b="1" dirty="0" err="1"/>
+                        <a:t>opertors</a:t>
+                      </a:r>
+                      <a:endParaRPr lang="pl-PL" sz="1050" b="1" dirty="0"/>
+                    </a:p>
+                  </a:txBody>
+                  <a:tcPr anchor="ctr"/>
+                </a:tc>
+                <a:tc hMerge="1">
+                  <a:txBody>
+                    <a:bodyPr/>
+                    <a:lstStyle/>
+                    <a:p>
+                      <a:endParaRPr lang="pl-PL" dirty="0"/>
+                    </a:p>
+                  </a:txBody>
+                  <a:tcPr/>
+                </a:tc>
+                <a:extLst>
+                  <a:ext uri="{0D108BD9-81ED-4DB2-BD59-A6C34878D82A}">
+                    <a16:rowId xmlns:a16="http://schemas.microsoft.com/office/drawing/2014/main" val="3032669739"/>
+                  </a:ext>
+                </a:extLst>
+              </a:tr>
+              <a:tr h="310896">
+                <a:tc>
+                  <a:txBody>
+                    <a:bodyPr/>
+                    <a:lstStyle/>
+                    <a:p>
+                      <a:pPr algn="ctr"/>
+                      <a:r>
+                        <a:rPr lang="pl-PL" sz="1050" dirty="0"/>
+                        <a:t>==</a:t>
+                      </a:r>
+                    </a:p>
+                  </a:txBody>
+                  <a:tcPr anchor="ctr"/>
+                </a:tc>
+                <a:tc>
+                  <a:txBody>
+                    <a:bodyPr/>
+                    <a:lstStyle/>
+                    <a:p>
+                      <a:pPr algn="ctr"/>
+                      <a:r>
+                        <a:rPr lang="pl-PL" sz="1050" dirty="0"/>
+                        <a:t>!=</a:t>
+                      </a:r>
+                    </a:p>
+                  </a:txBody>
+                  <a:tcPr anchor="ctr"/>
+                </a:tc>
+                <a:extLst>
+                  <a:ext uri="{0D108BD9-81ED-4DB2-BD59-A6C34878D82A}">
+                    <a16:rowId xmlns:a16="http://schemas.microsoft.com/office/drawing/2014/main" val="1949283793"/>
+                  </a:ext>
+                </a:extLst>
+              </a:tr>
+              <a:tr h="310896">
+                <a:tc>
+                  <a:txBody>
+                    <a:bodyPr/>
+                    <a:lstStyle/>
+                    <a:p>
+                      <a:pPr algn="ctr"/>
+                      <a:r>
+                        <a:rPr lang="pl-PL" sz="1050" dirty="0"/>
+                        <a:t>&gt;</a:t>
+                      </a:r>
+                    </a:p>
+                  </a:txBody>
+                  <a:tcPr anchor="ctr"/>
+                </a:tc>
+                <a:tc>
+                  <a:txBody>
+                    <a:bodyPr/>
+                    <a:lstStyle/>
+                    <a:p>
+                      <a:pPr algn="ctr"/>
+                      <a:r>
+                        <a:rPr lang="pl-PL" sz="1050" dirty="0"/>
+                        <a:t>&lt;=</a:t>
+                      </a:r>
+                    </a:p>
+                  </a:txBody>
+                  <a:tcPr anchor="ctr"/>
+                </a:tc>
+                <a:extLst>
+                  <a:ext uri="{0D108BD9-81ED-4DB2-BD59-A6C34878D82A}">
+                    <a16:rowId xmlns:a16="http://schemas.microsoft.com/office/drawing/2014/main" val="513207115"/>
+                  </a:ext>
+                </a:extLst>
+              </a:tr>
+              <a:tr h="310896">
+                <a:tc gridSpan="2">
+                  <a:txBody>
+                    <a:bodyPr/>
+                    <a:lstStyle/>
+                    <a:p>
+                      <a:pPr algn="ctr"/>
+                      <a:r>
+                        <a:rPr lang="pl-PL" sz="1050" b="1" dirty="0" err="1"/>
+                        <a:t>Literals</a:t>
+                      </a:r>
+                      <a:r>
+                        <a:rPr lang="pl-PL" sz="1050" b="1" dirty="0"/>
+                        <a:t> and </a:t>
+                      </a:r>
+                      <a:r>
+                        <a:rPr lang="pl-PL" sz="1050" b="1" dirty="0" err="1"/>
+                        <a:t>constants</a:t>
+                      </a:r>
+                      <a:endParaRPr lang="pl-PL" sz="1050" b="1" dirty="0"/>
+                    </a:p>
+                  </a:txBody>
+                  <a:tcPr anchor="ctr"/>
+                </a:tc>
+                <a:tc hMerge="1">
+                  <a:txBody>
+                    <a:bodyPr/>
+                    <a:lstStyle/>
+                    <a:p>
+                      <a:endParaRPr lang="pl-PL" dirty="0"/>
+                    </a:p>
+                  </a:txBody>
+                  <a:tcPr/>
+                </a:tc>
+                <a:extLst>
+                  <a:ext uri="{0D108BD9-81ED-4DB2-BD59-A6C34878D82A}">
+                    <a16:rowId xmlns:a16="http://schemas.microsoft.com/office/drawing/2014/main" val="759489256"/>
+                  </a:ext>
+                </a:extLst>
+              </a:tr>
+              <a:tr h="310896">
+                <a:tc>
+                  <a:txBody>
+                    <a:bodyPr/>
+                    <a:lstStyle/>
+                    <a:p>
+                      <a:pPr algn="ctr"/>
+                      <a:r>
+                        <a:rPr lang="pl-PL" sz="1050" dirty="0" err="1"/>
+                        <a:t>true</a:t>
+                      </a:r>
+                      <a:endParaRPr lang="pl-PL" sz="1050" dirty="0"/>
+                    </a:p>
+                  </a:txBody>
+                  <a:tcPr anchor="ctr"/>
+                </a:tc>
+                <a:tc>
+                  <a:txBody>
+                    <a:bodyPr/>
+                    <a:lstStyle/>
+                    <a:p>
+                      <a:pPr algn="ctr"/>
+                      <a:r>
+                        <a:rPr lang="pl-PL" sz="1050" dirty="0" err="1"/>
+                        <a:t>false</a:t>
+                      </a:r>
+                      <a:endParaRPr lang="pl-PL" sz="1050" dirty="0"/>
+                    </a:p>
+                  </a:txBody>
+                  <a:tcPr anchor="ctr"/>
+                </a:tc>
+                <a:extLst>
+                  <a:ext uri="{0D108BD9-81ED-4DB2-BD59-A6C34878D82A}">
+                    <a16:rowId xmlns:a16="http://schemas.microsoft.com/office/drawing/2014/main" val="3898202486"/>
+                  </a:ext>
+                </a:extLst>
+              </a:tr>
+              <a:tr h="310896">
+                <a:tc>
+                  <a:txBody>
+                    <a:bodyPr/>
+                    <a:lstStyle/>
+                    <a:p>
+                      <a:pPr algn="ctr"/>
+                      <a:r>
+                        <a:rPr lang="pl-PL" sz="1050" dirty="0"/>
+                        <a:t>1</a:t>
+                      </a:r>
+                    </a:p>
+                  </a:txBody>
+                  <a:tcPr anchor="ctr"/>
+                </a:tc>
+                <a:tc>
+                  <a:txBody>
+                    <a:bodyPr/>
+                    <a:lstStyle/>
+                    <a:p>
+                      <a:pPr algn="ctr"/>
+                      <a:r>
+                        <a:rPr lang="pl-PL" sz="1050" dirty="0"/>
+                        <a:t>2</a:t>
+                      </a:r>
+                    </a:p>
+                  </a:txBody>
+                  <a:tcPr anchor="ctr"/>
+                </a:tc>
+                <a:extLst>
+                  <a:ext uri="{0D108BD9-81ED-4DB2-BD59-A6C34878D82A}">
+                    <a16:rowId xmlns:a16="http://schemas.microsoft.com/office/drawing/2014/main" val="675461041"/>
+                  </a:ext>
+                </a:extLst>
+              </a:tr>
+              <a:tr h="310896">
+                <a:tc>
+                  <a:txBody>
+                    <a:bodyPr/>
+                    <a:lstStyle/>
+                    <a:p>
+                      <a:pPr algn="ctr"/>
+                      <a:r>
+                        <a:rPr lang="pl-PL" sz="1050" dirty="0"/>
+                        <a:t>`</a:t>
+                      </a:r>
+                      <a:r>
+                        <a:rPr lang="pl-PL" sz="1050" dirty="0" err="1"/>
+                        <a:t>anyString</a:t>
+                      </a:r>
+                      <a:r>
+                        <a:rPr lang="pl-PL" sz="1050" dirty="0"/>
+                        <a:t>`</a:t>
+                      </a:r>
+                    </a:p>
+                  </a:txBody>
+                  <a:tcPr anchor="ctr"/>
+                </a:tc>
+                <a:tc>
+                  <a:txBody>
+                    <a:bodyPr/>
+                    <a:lstStyle/>
+                    <a:p>
+                      <a:pPr algn="ctr"/>
+                      <a:r>
+                        <a:rPr lang="pl-PL" sz="1050" dirty="0"/>
+                        <a:t>`</a:t>
+                      </a:r>
+                      <a:r>
+                        <a:rPr lang="pl-PL" sz="1050" dirty="0" err="1"/>
+                        <a:t>otherString</a:t>
+                      </a:r>
+                      <a:r>
+                        <a:rPr lang="pl-PL" sz="1050" dirty="0"/>
+                        <a:t>`</a:t>
+                      </a:r>
+                    </a:p>
+                  </a:txBody>
+                  <a:tcPr anchor="ctr"/>
+                </a:tc>
+                <a:extLst>
+                  <a:ext uri="{0D108BD9-81ED-4DB2-BD59-A6C34878D82A}">
+                    <a16:rowId xmlns:a16="http://schemas.microsoft.com/office/drawing/2014/main" val="80353864"/>
+                  </a:ext>
+                </a:extLst>
+              </a:tr>
+            </a:tbl>
+          </a:graphicData>
+        </a:graphic>
+      </p:graphicFrame>
     </p:spTree>
     <p:extLst>
       <p:ext uri="{BB962C8B-B14F-4D97-AF65-F5344CB8AC3E}">
@@ -9953,62 +11084,10 @@
       </p:grpSpPr>
       <p:sp>
         <p:nvSpPr>
-          <p:cNvPr id="6" name="Content Placeholder 5">
+          <p:cNvPr id="2" name="Title 1">
             <a:extLst>
               <a:ext uri="{FF2B5EF4-FFF2-40B4-BE49-F238E27FC236}">
-                <a16:creationId xmlns:a16="http://schemas.microsoft.com/office/drawing/2014/main" id="{ADB5CBDD-44A4-44B9-A5A6-C5EB9760B87C}"/>
-              </a:ext>
-            </a:extLst>
-          </p:cNvPr>
-          <p:cNvSpPr>
-            <a:spLocks noGrp="1"/>
-          </p:cNvSpPr>
-          <p:nvPr>
-            <p:ph idx="1"/>
-          </p:nvPr>
-        </p:nvSpPr>
-        <p:spPr/>
-        <p:txBody>
-          <a:bodyPr/>
-          <a:lstStyle/>
-          <a:p>
-            <a:r>
-              <a:rPr lang="pl-PL" dirty="0">
-                <a:hlinkClick r:id="rId2"/>
-              </a:rPr>
-              <a:t>https://elearningindustry.com/wp-content/uploads/2016/11/practical-learning-measurement-e1479981619388.jpeg</a:t>
-            </a:r>
-            <a:endParaRPr lang="pl-PL" dirty="0"/>
-          </a:p>
-          <a:p>
-            <a:r>
-              <a:rPr lang="pl-PL" dirty="0">
-                <a:hlinkClick r:id="rId3"/>
-              </a:rPr>
-              <a:t>https://blog.providentmetals.com/wp-content/uploads/2019/01/stack-of-silver-bars.jpg</a:t>
-            </a:r>
-            <a:endParaRPr lang="pl-PL" dirty="0"/>
-          </a:p>
-          <a:p>
-            <a:r>
-              <a:rPr lang="pl-PL" dirty="0">
-                <a:hlinkClick r:id="rId4"/>
-              </a:rPr>
-              <a:t>https://www.cwgmarkets.com/assets/images/gold.jpeg</a:t>
-            </a:r>
-            <a:endParaRPr lang="pl-PL" dirty="0"/>
-          </a:p>
-          <a:p>
-            <a:endParaRPr lang="pl-PL" dirty="0"/>
-          </a:p>
-        </p:txBody>
-      </p:sp>
-      <p:sp>
-        <p:nvSpPr>
-          <p:cNvPr id="5" name="Title 4">
-            <a:extLst>
-              <a:ext uri="{FF2B5EF4-FFF2-40B4-BE49-F238E27FC236}">
-                <a16:creationId xmlns:a16="http://schemas.microsoft.com/office/drawing/2014/main" id="{3AB7D658-FD2B-4B86-A92A-52150CF549A1}"/>
+                <a16:creationId xmlns:a16="http://schemas.microsoft.com/office/drawing/2014/main" id="{9F330C78-AE15-4C22-9298-CD62FABE4066}"/>
               </a:ext>
             </a:extLst>
           </p:cNvPr>
@@ -10021,34 +11100,469 @@
         </p:nvSpPr>
         <p:spPr/>
         <p:txBody>
-          <a:bodyPr/>
+          <a:bodyPr anchor="ctr">
+            <a:normAutofit fontScale="90000"/>
+          </a:bodyPr>
           <a:lstStyle/>
           <a:p>
             <a:r>
-              <a:rPr lang="pl-PL" dirty="0" err="1"/>
-              <a:t>Resources</a:t>
-            </a:r>
-            <a:endParaRPr lang="pl-PL" dirty="0"/>
+              <a:rPr lang="pl-PL" sz="2000" dirty="0" err="1"/>
+              <a:t>Mutators</a:t>
+            </a:r>
+            <a:r>
+              <a:rPr lang="pl-PL" sz="2000" dirty="0"/>
+              <a:t> </a:t>
+            </a:r>
+            <a:r>
+              <a:rPr lang="pl-PL" sz="2000" dirty="0" err="1"/>
+              <a:t>examples</a:t>
+            </a:r>
+            <a:r>
+              <a:rPr lang="pl-PL" sz="2000" dirty="0"/>
+              <a:t> – part II</a:t>
+            </a:r>
+            <a:endParaRPr lang="pl-PL" sz="1600" dirty="0"/>
           </a:p>
         </p:txBody>
       </p:sp>
+      <p:graphicFrame>
+        <p:nvGraphicFramePr>
+          <p:cNvPr id="6" name="Table 6">
+            <a:extLst>
+              <a:ext uri="{FF2B5EF4-FFF2-40B4-BE49-F238E27FC236}">
+                <a16:creationId xmlns:a16="http://schemas.microsoft.com/office/drawing/2014/main" id="{529B042A-BB90-4F4D-903C-DD6877D85319}"/>
+              </a:ext>
+            </a:extLst>
+          </p:cNvPr>
+          <p:cNvGraphicFramePr>
+            <a:graphicFrameLocks noGrp="1"/>
+          </p:cNvGraphicFramePr>
+          <p:nvPr>
+            <p:ph idx="1"/>
+            <p:extLst>
+              <p:ext uri="{D42A27DB-BD31-4B8C-83A1-F6EECF244321}">
+                <p14:modId xmlns:p14="http://schemas.microsoft.com/office/powerpoint/2010/main" val="2256491789"/>
+              </p:ext>
+            </p:extLst>
+          </p:nvPr>
+        </p:nvGraphicFramePr>
+        <p:xfrm>
+          <a:off x="601980" y="685800"/>
+          <a:ext cx="6035040" cy="3108960"/>
+        </p:xfrm>
+        <a:graphic>
+          <a:graphicData uri="http://schemas.openxmlformats.org/drawingml/2006/table">
+            <a:tbl>
+              <a:tblPr firstRow="1" bandRow="1">
+                <a:tableStyleId>{69CF1AB2-1976-4502-BF36-3FF5EA218861}</a:tableStyleId>
+              </a:tblPr>
+              <a:tblGrid>
+                <a:gridCol w="3017520">
+                  <a:extLst>
+                    <a:ext uri="{9D8B030D-6E8A-4147-A177-3AD203B41FA5}">
+                      <a16:colId xmlns:a16="http://schemas.microsoft.com/office/drawing/2014/main" val="797759379"/>
+                    </a:ext>
+                  </a:extLst>
+                </a:gridCol>
+                <a:gridCol w="3017520">
+                  <a:extLst>
+                    <a:ext uri="{9D8B030D-6E8A-4147-A177-3AD203B41FA5}">
+                      <a16:colId xmlns:a16="http://schemas.microsoft.com/office/drawing/2014/main" val="1170372738"/>
+                    </a:ext>
+                  </a:extLst>
+                </a:gridCol>
+              </a:tblGrid>
+              <a:tr h="345440">
+                <a:tc gridSpan="2">
+                  <a:txBody>
+                    <a:bodyPr/>
+                    <a:lstStyle/>
+                    <a:p>
+                      <a:pPr algn="ctr"/>
+                      <a:r>
+                        <a:rPr lang="pl-PL" sz="1050" b="1" dirty="0" err="1"/>
+                        <a:t>Assignement</a:t>
+                      </a:r>
+                      <a:r>
+                        <a:rPr lang="pl-PL" sz="1050" b="1" dirty="0"/>
+                        <a:t> </a:t>
+                      </a:r>
+                      <a:r>
+                        <a:rPr lang="pl-PL" sz="1050" b="1" dirty="0" err="1"/>
+                        <a:t>statements</a:t>
+                      </a:r>
+                      <a:endParaRPr lang="pl-PL" sz="1050" b="1" dirty="0"/>
+                    </a:p>
+                  </a:txBody>
+                  <a:tcPr anchor="ctr"/>
+                </a:tc>
+                <a:tc hMerge="1">
+                  <a:txBody>
+                    <a:bodyPr/>
+                    <a:lstStyle/>
+                    <a:p>
+                      <a:endParaRPr lang="pl-PL" sz="1200" dirty="0"/>
+                    </a:p>
+                  </a:txBody>
+                  <a:tcPr/>
+                </a:tc>
+                <a:extLst>
+                  <a:ext uri="{0D108BD9-81ED-4DB2-BD59-A6C34878D82A}">
+                    <a16:rowId xmlns:a16="http://schemas.microsoft.com/office/drawing/2014/main" val="620041728"/>
+                  </a:ext>
+                </a:extLst>
+              </a:tr>
+              <a:tr h="345440">
+                <a:tc>
+                  <a:txBody>
+                    <a:bodyPr/>
+                    <a:lstStyle/>
+                    <a:p>
+                      <a:pPr algn="ctr"/>
+                      <a:r>
+                        <a:rPr lang="pl-PL" sz="1050" dirty="0"/>
+                        <a:t>+=</a:t>
+                      </a:r>
+                    </a:p>
+                  </a:txBody>
+                  <a:tcPr anchor="ctr"/>
+                </a:tc>
+                <a:tc>
+                  <a:txBody>
+                    <a:bodyPr/>
+                    <a:lstStyle/>
+                    <a:p>
+                      <a:pPr algn="ctr"/>
+                      <a:r>
+                        <a:rPr lang="pl-PL" sz="1050" dirty="0"/>
+                        <a:t>-=</a:t>
+                      </a:r>
+                    </a:p>
+                  </a:txBody>
+                  <a:tcPr anchor="ctr"/>
+                </a:tc>
+                <a:extLst>
+                  <a:ext uri="{0D108BD9-81ED-4DB2-BD59-A6C34878D82A}">
+                    <a16:rowId xmlns:a16="http://schemas.microsoft.com/office/drawing/2014/main" val="3642664355"/>
+                  </a:ext>
+                </a:extLst>
+              </a:tr>
+              <a:tr h="345440">
+                <a:tc>
+                  <a:txBody>
+                    <a:bodyPr/>
+                    <a:lstStyle/>
+                    <a:p>
+                      <a:pPr algn="ctr"/>
+                      <a:r>
+                        <a:rPr lang="pl-PL" sz="1050" dirty="0"/>
+                        <a:t>^=</a:t>
+                      </a:r>
+                    </a:p>
+                  </a:txBody>
+                  <a:tcPr anchor="ctr"/>
+                </a:tc>
+                <a:tc>
+                  <a:txBody>
+                    <a:bodyPr/>
+                    <a:lstStyle/>
+                    <a:p>
+                      <a:pPr algn="ctr"/>
+                      <a:r>
+                        <a:rPr lang="pl-PL" sz="1050" dirty="0"/>
+                        <a:t>&amp;=</a:t>
+                      </a:r>
+                    </a:p>
+                  </a:txBody>
+                  <a:tcPr anchor="ctr"/>
+                </a:tc>
+                <a:extLst>
+                  <a:ext uri="{0D108BD9-81ED-4DB2-BD59-A6C34878D82A}">
+                    <a16:rowId xmlns:a16="http://schemas.microsoft.com/office/drawing/2014/main" val="2452152009"/>
+                  </a:ext>
+                </a:extLst>
+              </a:tr>
+              <a:tr h="345440">
+                <a:tc gridSpan="2">
+                  <a:txBody>
+                    <a:bodyPr/>
+                    <a:lstStyle/>
+                    <a:p>
+                      <a:pPr algn="ctr"/>
+                      <a:r>
+                        <a:rPr lang="pl-PL" sz="1050" b="1" dirty="0" err="1"/>
+                        <a:t>Unary</a:t>
+                      </a:r>
+                      <a:r>
+                        <a:rPr lang="pl-PL" sz="1050" b="1" dirty="0"/>
+                        <a:t> and update </a:t>
+                      </a:r>
+                      <a:r>
+                        <a:rPr lang="pl-PL" sz="1050" b="1" dirty="0" err="1"/>
+                        <a:t>operators</a:t>
+                      </a:r>
+                      <a:endParaRPr lang="pl-PL" sz="1050" b="1" dirty="0"/>
+                    </a:p>
+                  </a:txBody>
+                  <a:tcPr anchor="ctr"/>
+                </a:tc>
+                <a:tc hMerge="1">
+                  <a:txBody>
+                    <a:bodyPr/>
+                    <a:lstStyle/>
+                    <a:p>
+                      <a:endParaRPr lang="pl-PL" sz="1200" dirty="0"/>
+                    </a:p>
+                  </a:txBody>
+                  <a:tcPr/>
+                </a:tc>
+                <a:extLst>
+                  <a:ext uri="{0D108BD9-81ED-4DB2-BD59-A6C34878D82A}">
+                    <a16:rowId xmlns:a16="http://schemas.microsoft.com/office/drawing/2014/main" val="3875370505"/>
+                  </a:ext>
+                </a:extLst>
+              </a:tr>
+              <a:tr h="345440">
+                <a:tc>
+                  <a:txBody>
+                    <a:bodyPr/>
+                    <a:lstStyle/>
+                    <a:p>
+                      <a:pPr algn="ctr"/>
+                      <a:r>
+                        <a:rPr lang="pl-PL" sz="1050" dirty="0"/>
+                        <a:t>-</a:t>
+                      </a:r>
+                      <a:r>
+                        <a:rPr lang="pl-PL" sz="1050" dirty="0" err="1"/>
+                        <a:t>variable</a:t>
+                      </a:r>
+                      <a:endParaRPr lang="pl-PL" sz="1050" dirty="0"/>
+                    </a:p>
+                  </a:txBody>
+                  <a:tcPr anchor="ctr"/>
+                </a:tc>
+                <a:tc>
+                  <a:txBody>
+                    <a:bodyPr/>
+                    <a:lstStyle/>
+                    <a:p>
+                      <a:pPr algn="ctr"/>
+                      <a:r>
+                        <a:rPr lang="pl-PL" sz="1050" dirty="0"/>
+                        <a:t>+</a:t>
+                      </a:r>
+                      <a:r>
+                        <a:rPr lang="pl-PL" sz="1050" dirty="0" err="1"/>
+                        <a:t>variable</a:t>
+                      </a:r>
+                      <a:endParaRPr lang="pl-PL" sz="1050" dirty="0"/>
+                    </a:p>
+                  </a:txBody>
+                  <a:tcPr anchor="ctr"/>
+                </a:tc>
+                <a:extLst>
+                  <a:ext uri="{0D108BD9-81ED-4DB2-BD59-A6C34878D82A}">
+                    <a16:rowId xmlns:a16="http://schemas.microsoft.com/office/drawing/2014/main" val="1039118166"/>
+                  </a:ext>
+                </a:extLst>
+              </a:tr>
+              <a:tr h="345440">
+                <a:tc>
+                  <a:txBody>
+                    <a:bodyPr/>
+                    <a:lstStyle/>
+                    <a:p>
+                      <a:pPr algn="ctr"/>
+                      <a:r>
+                        <a:rPr lang="pl-PL" sz="1050"/>
+                        <a:t>variable++</a:t>
+                      </a:r>
+                      <a:endParaRPr lang="pl-PL" sz="1050" dirty="0"/>
+                    </a:p>
+                  </a:txBody>
+                  <a:tcPr anchor="ctr"/>
+                </a:tc>
+                <a:tc>
+                  <a:txBody>
+                    <a:bodyPr/>
+                    <a:lstStyle/>
+                    <a:p>
+                      <a:pPr algn="ctr"/>
+                      <a:r>
+                        <a:rPr lang="pl-PL" sz="1050" dirty="0" err="1"/>
+                        <a:t>variable</a:t>
+                      </a:r>
+                      <a:r>
+                        <a:rPr lang="pl-PL" sz="1050" dirty="0"/>
+                        <a:t>--</a:t>
+                      </a:r>
+                    </a:p>
+                  </a:txBody>
+                  <a:tcPr anchor="ctr"/>
+                </a:tc>
+                <a:extLst>
+                  <a:ext uri="{0D108BD9-81ED-4DB2-BD59-A6C34878D82A}">
+                    <a16:rowId xmlns:a16="http://schemas.microsoft.com/office/drawing/2014/main" val="2026000916"/>
+                  </a:ext>
+                </a:extLst>
+              </a:tr>
+              <a:tr h="345440">
+                <a:tc gridSpan="2">
+                  <a:txBody>
+                    <a:bodyPr/>
+                    <a:lstStyle/>
+                    <a:p>
+                      <a:pPr algn="ctr"/>
+                      <a:r>
+                        <a:rPr lang="pl-PL" sz="1050" b="1" dirty="0" err="1"/>
+                        <a:t>Regex</a:t>
+                      </a:r>
+                      <a:r>
+                        <a:rPr lang="pl-PL" sz="1050" b="1" dirty="0"/>
+                        <a:t> </a:t>
+                      </a:r>
+                      <a:r>
+                        <a:rPr lang="pl-PL" sz="1050" b="1" dirty="0" err="1"/>
+                        <a:t>mutators</a:t>
+                      </a:r>
+                      <a:endParaRPr lang="pl-PL" sz="1050" b="1" dirty="0"/>
+                    </a:p>
+                  </a:txBody>
+                  <a:tcPr anchor="ctr"/>
+                </a:tc>
+                <a:tc hMerge="1">
+                  <a:txBody>
+                    <a:bodyPr/>
+                    <a:lstStyle/>
+                    <a:p>
+                      <a:endParaRPr lang="pl-PL" sz="1200" dirty="0"/>
+                    </a:p>
+                  </a:txBody>
+                  <a:tcPr/>
+                </a:tc>
+                <a:extLst>
+                  <a:ext uri="{0D108BD9-81ED-4DB2-BD59-A6C34878D82A}">
+                    <a16:rowId xmlns:a16="http://schemas.microsoft.com/office/drawing/2014/main" val="2606921932"/>
+                  </a:ext>
+                </a:extLst>
+              </a:tr>
+              <a:tr h="345440">
+                <a:tc gridSpan="2">
+                  <a:txBody>
+                    <a:bodyPr/>
+                    <a:lstStyle/>
+                    <a:p>
+                      <a:pPr algn="ctr"/>
+                      <a:r>
+                        <a:rPr lang="pl-PL" sz="1050" b="1" dirty="0"/>
+                        <a:t>Language </a:t>
+                      </a:r>
+                      <a:r>
+                        <a:rPr lang="pl-PL" sz="1050" b="1" dirty="0" err="1"/>
+                        <a:t>specific</a:t>
+                      </a:r>
+                      <a:r>
+                        <a:rPr lang="pl-PL" sz="1050" b="1" dirty="0"/>
+                        <a:t> </a:t>
+                      </a:r>
+                      <a:r>
+                        <a:rPr lang="pl-PL" sz="1050" b="1" dirty="0" err="1"/>
+                        <a:t>mutators</a:t>
+                      </a:r>
+                      <a:endParaRPr lang="pl-PL" sz="1050" b="1" dirty="0"/>
+                    </a:p>
+                  </a:txBody>
+                  <a:tcPr anchor="ctr"/>
+                </a:tc>
+                <a:tc hMerge="1">
+                  <a:txBody>
+                    <a:bodyPr/>
+                    <a:lstStyle/>
+                    <a:p>
+                      <a:endParaRPr lang="pl-PL" sz="1200" dirty="0"/>
+                    </a:p>
+                  </a:txBody>
+                  <a:tcPr/>
+                </a:tc>
+                <a:extLst>
+                  <a:ext uri="{0D108BD9-81ED-4DB2-BD59-A6C34878D82A}">
+                    <a16:rowId xmlns:a16="http://schemas.microsoft.com/office/drawing/2014/main" val="2931880119"/>
+                  </a:ext>
+                </a:extLst>
+              </a:tr>
+              <a:tr h="345440">
+                <a:tc>
+                  <a:txBody>
+                    <a:bodyPr/>
+                    <a:lstStyle/>
+                    <a:p>
+                      <a:pPr algn="ctr"/>
+                      <a:r>
+                        <a:rPr lang="pl-PL" sz="1050" dirty="0"/>
+                        <a:t>LINQ `</a:t>
+                      </a:r>
+                      <a:r>
+                        <a:rPr lang="pl-PL" sz="1050" dirty="0" err="1"/>
+                        <a:t>All</a:t>
+                      </a:r>
+                      <a:r>
+                        <a:rPr lang="pl-PL" sz="1050" dirty="0"/>
+                        <a:t>()`</a:t>
+                      </a:r>
+                    </a:p>
+                  </a:txBody>
+                  <a:tcPr anchor="ctr"/>
+                </a:tc>
+                <a:tc>
+                  <a:txBody>
+                    <a:bodyPr/>
+                    <a:lstStyle/>
+                    <a:p>
+                      <a:pPr algn="ctr"/>
+                      <a:r>
+                        <a:rPr lang="pl-PL" sz="1050" dirty="0"/>
+                        <a:t>LINQ `</a:t>
+                      </a:r>
+                      <a:r>
+                        <a:rPr lang="pl-PL" sz="1050" dirty="0" err="1"/>
+                        <a:t>Any</a:t>
+                      </a:r>
+                      <a:r>
+                        <a:rPr lang="pl-PL" sz="1050" dirty="0"/>
+                        <a:t>()`</a:t>
+                      </a:r>
+                    </a:p>
+                  </a:txBody>
+                  <a:tcPr anchor="ctr"/>
+                </a:tc>
+                <a:extLst>
+                  <a:ext uri="{0D108BD9-81ED-4DB2-BD59-A6C34878D82A}">
+                    <a16:rowId xmlns:a16="http://schemas.microsoft.com/office/drawing/2014/main" val="2677391182"/>
+                  </a:ext>
+                </a:extLst>
+              </a:tr>
+            </a:tbl>
+          </a:graphicData>
+        </a:graphic>
+      </p:graphicFrame>
     </p:spTree>
     <p:extLst>
       <p:ext uri="{BB962C8B-B14F-4D97-AF65-F5344CB8AC3E}">
-        <p14:creationId xmlns:p14="http://schemas.microsoft.com/office/powerpoint/2010/main" val="1218340993"/>
+        <p14:creationId xmlns:p14="http://schemas.microsoft.com/office/powerpoint/2010/main" val="1834569854"/>
       </p:ext>
     </p:extLst>
   </p:cSld>
   <p:clrMapOvr>
     <a:masterClrMapping/>
   </p:clrMapOvr>
-  <mc:AlternateContent xmlns:mc="http://schemas.openxmlformats.org/markup-compatibility/2006" xmlns:p14="http://schemas.microsoft.com/office/powerpoint/2010/main">
-    <mc:Choice Requires="p14">
+  <mc:AlternateContent xmlns:mc="http://schemas.openxmlformats.org/markup-compatibility/2006">
+    <mc:Choice xmlns:p14="http://schemas.microsoft.com/office/powerpoint/2010/main" Requires="p14">
       <p:transition spd="med" p14:dur="700">
         <p:fade/>
       </p:transition>
     </mc:Choice>
-    <mc:Fallback xmlns="">
+    <mc:Fallback>
       <p:transition spd="med">
         <p:fade/>
       </p:transition>
@@ -10058,6 +11572,1534 @@
 </file>
 
 <file path=ppt/slides/slide14.xml><?xml version="1.0" encoding="utf-8"?>
+<p:sld xmlns:a="http://schemas.openxmlformats.org/drawingml/2006/main" xmlns:r="http://schemas.openxmlformats.org/officeDocument/2006/relationships" xmlns:p="http://schemas.openxmlformats.org/presentationml/2006/main">
+  <p:cSld>
+    <p:spTree>
+      <p:nvGrpSpPr>
+        <p:cNvPr id="1" name=""/>
+        <p:cNvGrpSpPr/>
+        <p:nvPr/>
+      </p:nvGrpSpPr>
+      <p:grpSpPr>
+        <a:xfrm>
+          <a:off x="0" y="0"/>
+          <a:ext cx="0" cy="0"/>
+          <a:chOff x="0" y="0"/>
+          <a:chExt cx="0" cy="0"/>
+        </a:xfrm>
+      </p:grpSpPr>
+      <p:sp>
+        <p:nvSpPr>
+          <p:cNvPr id="4" name="Content Placeholder 3">
+            <a:extLst>
+              <a:ext uri="{FF2B5EF4-FFF2-40B4-BE49-F238E27FC236}">
+                <a16:creationId xmlns:a16="http://schemas.microsoft.com/office/drawing/2014/main" id="{D7E387CB-4EA2-4C9F-A5DC-BE05EF4D3015}"/>
+              </a:ext>
+            </a:extLst>
+          </p:cNvPr>
+          <p:cNvSpPr>
+            <a:spLocks noGrp="1"/>
+          </p:cNvSpPr>
+          <p:nvPr>
+            <p:ph idx="1"/>
+          </p:nvPr>
+        </p:nvSpPr>
+        <p:spPr>
+          <a:xfrm>
+            <a:off x="213360" y="1374775"/>
+            <a:ext cx="3314102" cy="1828800"/>
+          </a:xfrm>
+        </p:spPr>
+        <p:txBody>
+          <a:bodyPr/>
+          <a:lstStyle/>
+          <a:p>
+            <a:r>
+              <a:rPr lang="pl-PL" dirty="0">
+                <a:hlinkClick r:id="rId3"/>
+              </a:rPr>
+              <a:t>https://stryker-mutator.io/</a:t>
+            </a:r>
+            <a:endParaRPr lang="pl-PL" dirty="0"/>
+          </a:p>
+          <a:p>
+            <a:r>
+              <a:rPr lang="pl-PL" dirty="0" err="1"/>
+              <a:t>NetFramework</a:t>
+            </a:r>
+            <a:r>
+              <a:rPr lang="pl-PL" dirty="0"/>
+              <a:t> and </a:t>
+            </a:r>
+            <a:r>
+              <a:rPr lang="pl-PL" dirty="0" err="1"/>
+              <a:t>NetCore</a:t>
+            </a:r>
+            <a:r>
+              <a:rPr lang="pl-PL" dirty="0"/>
+              <a:t> </a:t>
+            </a:r>
+            <a:r>
+              <a:rPr lang="pl-PL" dirty="0" err="1"/>
+              <a:t>support</a:t>
+            </a:r>
+            <a:endParaRPr lang="pl-PL" dirty="0"/>
+          </a:p>
+          <a:p>
+            <a:r>
+              <a:rPr lang="pl-PL" dirty="0"/>
+              <a:t>Simple to </a:t>
+            </a:r>
+            <a:r>
+              <a:rPr lang="pl-PL" dirty="0" err="1"/>
+              <a:t>configure</a:t>
+            </a:r>
+            <a:r>
+              <a:rPr lang="pl-PL" dirty="0"/>
+              <a:t> and </a:t>
+            </a:r>
+            <a:r>
+              <a:rPr lang="pl-PL" dirty="0" err="1"/>
+              <a:t>use</a:t>
+            </a:r>
+            <a:endParaRPr lang="pl-PL" dirty="0"/>
+          </a:p>
+          <a:p>
+            <a:r>
+              <a:rPr lang="pl-PL" dirty="0" err="1"/>
+              <a:t>Optimized</a:t>
+            </a:r>
+            <a:r>
+              <a:rPr lang="pl-PL" dirty="0"/>
+              <a:t> for high </a:t>
+            </a:r>
+            <a:r>
+              <a:rPr lang="pl-PL" dirty="0" err="1"/>
+              <a:t>speed</a:t>
+            </a:r>
+            <a:r>
+              <a:rPr lang="pl-PL" dirty="0"/>
+              <a:t> </a:t>
+            </a:r>
+            <a:r>
+              <a:rPr lang="pl-PL" dirty="0" err="1"/>
+              <a:t>execution</a:t>
+            </a:r>
+            <a:endParaRPr lang="pl-PL" dirty="0"/>
+          </a:p>
+          <a:p>
+            <a:r>
+              <a:rPr lang="pl-PL" dirty="0" err="1"/>
+              <a:t>Huge</a:t>
+            </a:r>
+            <a:r>
+              <a:rPr lang="pl-PL" dirty="0"/>
+              <a:t> </a:t>
+            </a:r>
+            <a:r>
+              <a:rPr lang="pl-PL" dirty="0" err="1"/>
+              <a:t>variety</a:t>
+            </a:r>
+            <a:r>
+              <a:rPr lang="pl-PL" dirty="0"/>
+              <a:t> of </a:t>
+            </a:r>
+            <a:r>
+              <a:rPr lang="pl-PL" dirty="0" err="1"/>
+              <a:t>mutators</a:t>
+            </a:r>
+            <a:r>
+              <a:rPr lang="pl-PL" dirty="0"/>
+              <a:t> </a:t>
+            </a:r>
+            <a:r>
+              <a:rPr lang="pl-PL" dirty="0" err="1"/>
+              <a:t>supported</a:t>
+            </a:r>
+            <a:endParaRPr lang="pl-PL" dirty="0"/>
+          </a:p>
+          <a:p>
+            <a:endParaRPr lang="pl-PL" dirty="0"/>
+          </a:p>
+        </p:txBody>
+      </p:sp>
+      <p:sp>
+        <p:nvSpPr>
+          <p:cNvPr id="2" name="Title 1">
+            <a:extLst>
+              <a:ext uri="{FF2B5EF4-FFF2-40B4-BE49-F238E27FC236}">
+                <a16:creationId xmlns:a16="http://schemas.microsoft.com/office/drawing/2014/main" id="{9F330C78-AE15-4C22-9298-CD62FABE4066}"/>
+              </a:ext>
+            </a:extLst>
+          </p:cNvPr>
+          <p:cNvSpPr>
+            <a:spLocks noGrp="1"/>
+          </p:cNvSpPr>
+          <p:nvPr>
+            <p:ph type="title"/>
+          </p:nvPr>
+        </p:nvSpPr>
+        <p:spPr/>
+        <p:txBody>
+          <a:bodyPr anchor="ctr">
+            <a:normAutofit fontScale="90000"/>
+          </a:bodyPr>
+          <a:lstStyle/>
+          <a:p>
+            <a:r>
+              <a:rPr lang="pl-PL" sz="2000" dirty="0" err="1"/>
+              <a:t>Mutation</a:t>
+            </a:r>
+            <a:r>
+              <a:rPr lang="pl-PL" sz="2000" dirty="0"/>
+              <a:t> </a:t>
+            </a:r>
+            <a:r>
+              <a:rPr lang="pl-PL" sz="2000" dirty="0" err="1"/>
+              <a:t>testing</a:t>
+            </a:r>
+            <a:r>
+              <a:rPr lang="pl-PL" sz="2000" dirty="0"/>
+              <a:t> for .NET in </a:t>
+            </a:r>
+            <a:r>
+              <a:rPr lang="pl-PL" sz="2000" dirty="0" err="1"/>
+              <a:t>action</a:t>
+            </a:r>
+            <a:endParaRPr lang="pl-PL" sz="1600" dirty="0"/>
+          </a:p>
+        </p:txBody>
+      </p:sp>
+      <p:pic>
+        <p:nvPicPr>
+          <p:cNvPr id="10" name="Content Placeholder 9" descr="A picture containing map&#10;&#10;Description automatically generated">
+            <a:extLst>
+              <a:ext uri="{FF2B5EF4-FFF2-40B4-BE49-F238E27FC236}">
+                <a16:creationId xmlns:a16="http://schemas.microsoft.com/office/drawing/2014/main" id="{3FD8D732-266A-45CE-A69A-52D01B309C0F}"/>
+              </a:ext>
+            </a:extLst>
+          </p:cNvPr>
+          <p:cNvPicPr>
+            <a:picLocks noGrp="1" noChangeAspect="1"/>
+          </p:cNvPicPr>
+          <p:nvPr>
+            <p:ph idx="10"/>
+          </p:nvPr>
+        </p:nvPicPr>
+        <p:blipFill>
+          <a:blip r:embed="rId4"/>
+          <a:stretch>
+            <a:fillRect/>
+          </a:stretch>
+        </p:blipFill>
+        <p:spPr>
+          <a:xfrm>
+            <a:off x="3771900" y="791817"/>
+            <a:ext cx="3314700" cy="2994716"/>
+          </a:xfrm>
+        </p:spPr>
+      </p:pic>
+    </p:spTree>
+    <p:extLst>
+      <p:ext uri="{BB962C8B-B14F-4D97-AF65-F5344CB8AC3E}">
+        <p14:creationId xmlns:p14="http://schemas.microsoft.com/office/powerpoint/2010/main" val="4259654021"/>
+      </p:ext>
+    </p:extLst>
+  </p:cSld>
+  <p:clrMapOvr>
+    <a:masterClrMapping/>
+  </p:clrMapOvr>
+  <mc:AlternateContent xmlns:mc="http://schemas.openxmlformats.org/markup-compatibility/2006">
+    <mc:Choice xmlns:p14="http://schemas.microsoft.com/office/powerpoint/2010/main" Requires="p14">
+      <p:transition spd="med" p14:dur="700">
+        <p:fade/>
+      </p:transition>
+    </mc:Choice>
+    <mc:Fallback>
+      <p:transition spd="med">
+        <p:fade/>
+      </p:transition>
+    </mc:Fallback>
+  </mc:AlternateContent>
+</p:sld>
+</file>
+
+<file path=ppt/slides/slide15.xml><?xml version="1.0" encoding="utf-8"?>
+<p:sld xmlns:a="http://schemas.openxmlformats.org/drawingml/2006/main" xmlns:r="http://schemas.openxmlformats.org/officeDocument/2006/relationships" xmlns:p="http://schemas.openxmlformats.org/presentationml/2006/main">
+  <p:cSld>
+    <p:spTree>
+      <p:nvGrpSpPr>
+        <p:cNvPr id="1" name=""/>
+        <p:cNvGrpSpPr/>
+        <p:nvPr/>
+      </p:nvGrpSpPr>
+      <p:grpSpPr>
+        <a:xfrm>
+          <a:off x="0" y="0"/>
+          <a:ext cx="0" cy="0"/>
+          <a:chOff x="0" y="0"/>
+          <a:chExt cx="0" cy="0"/>
+        </a:xfrm>
+      </p:grpSpPr>
+      <p:sp>
+        <p:nvSpPr>
+          <p:cNvPr id="4" name="Content Placeholder 3">
+            <a:extLst>
+              <a:ext uri="{FF2B5EF4-FFF2-40B4-BE49-F238E27FC236}">
+                <a16:creationId xmlns:a16="http://schemas.microsoft.com/office/drawing/2014/main" id="{D7E387CB-4EA2-4C9F-A5DC-BE05EF4D3015}"/>
+              </a:ext>
+            </a:extLst>
+          </p:cNvPr>
+          <p:cNvSpPr>
+            <a:spLocks noGrp="1"/>
+          </p:cNvSpPr>
+          <p:nvPr>
+            <p:ph idx="1"/>
+          </p:nvPr>
+        </p:nvSpPr>
+        <p:spPr>
+          <a:xfrm>
+            <a:off x="213360" y="1374775"/>
+            <a:ext cx="3314102" cy="1828800"/>
+          </a:xfrm>
+        </p:spPr>
+        <p:txBody>
+          <a:bodyPr/>
+          <a:lstStyle/>
+          <a:p>
+            <a:r>
+              <a:rPr lang="pl-PL" dirty="0" err="1"/>
+              <a:t>Mutation</a:t>
+            </a:r>
+            <a:r>
+              <a:rPr lang="pl-PL" dirty="0"/>
+              <a:t> </a:t>
+            </a:r>
+            <a:r>
+              <a:rPr lang="pl-PL" dirty="0" err="1"/>
+              <a:t>testing</a:t>
+            </a:r>
+            <a:r>
+              <a:rPr lang="pl-PL" dirty="0"/>
+              <a:t> </a:t>
+            </a:r>
+            <a:r>
+              <a:rPr lang="pl-PL" dirty="0" err="1"/>
+              <a:t>requires</a:t>
+            </a:r>
+            <a:r>
+              <a:rPr lang="pl-PL" dirty="0"/>
+              <a:t> </a:t>
+            </a:r>
+            <a:r>
+              <a:rPr lang="pl-PL" dirty="0" err="1"/>
+              <a:t>huge</a:t>
+            </a:r>
+            <a:r>
+              <a:rPr lang="pl-PL" dirty="0"/>
+              <a:t> </a:t>
+            </a:r>
+            <a:r>
+              <a:rPr lang="pl-PL" dirty="0" err="1"/>
+              <a:t>computational</a:t>
+            </a:r>
+            <a:r>
+              <a:rPr lang="pl-PL" dirty="0"/>
+              <a:t> </a:t>
+            </a:r>
+            <a:r>
+              <a:rPr lang="pl-PL" dirty="0" err="1"/>
+              <a:t>power</a:t>
+            </a:r>
+            <a:endParaRPr lang="pl-PL" dirty="0"/>
+          </a:p>
+          <a:p>
+            <a:r>
+              <a:rPr lang="pl-PL" dirty="0" err="1"/>
+              <a:t>Execution</a:t>
+            </a:r>
+            <a:r>
+              <a:rPr lang="pl-PL" dirty="0"/>
+              <a:t> </a:t>
+            </a:r>
+            <a:r>
+              <a:rPr lang="pl-PL" dirty="0" err="1"/>
+              <a:t>time</a:t>
+            </a:r>
+            <a:r>
+              <a:rPr lang="pl-PL" dirty="0"/>
+              <a:t> </a:t>
+            </a:r>
+            <a:r>
+              <a:rPr lang="pl-PL" dirty="0" err="1"/>
+              <a:t>is</a:t>
+            </a:r>
+            <a:r>
+              <a:rPr lang="pl-PL" dirty="0"/>
+              <a:t> a problem </a:t>
+            </a:r>
+            <a:r>
+              <a:rPr lang="pl-PL" dirty="0" err="1"/>
+              <a:t>especially</a:t>
+            </a:r>
+            <a:r>
+              <a:rPr lang="pl-PL" dirty="0"/>
+              <a:t> for </a:t>
+            </a:r>
+            <a:r>
+              <a:rPr lang="pl-PL" dirty="0" err="1"/>
+              <a:t>large</a:t>
+            </a:r>
+            <a:r>
+              <a:rPr lang="pl-PL" dirty="0"/>
+              <a:t> </a:t>
+            </a:r>
+            <a:r>
+              <a:rPr lang="pl-PL" dirty="0" err="1"/>
+              <a:t>codebases</a:t>
+            </a:r>
+            <a:endParaRPr lang="pl-PL" dirty="0"/>
+          </a:p>
+          <a:p>
+            <a:r>
+              <a:rPr lang="pl-PL" dirty="0" err="1"/>
+              <a:t>There</a:t>
+            </a:r>
+            <a:r>
+              <a:rPr lang="pl-PL" dirty="0"/>
+              <a:t> </a:t>
+            </a:r>
+            <a:r>
+              <a:rPr lang="pl-PL" dirty="0" err="1"/>
+              <a:t>is</a:t>
+            </a:r>
+            <a:r>
+              <a:rPr lang="pl-PL" dirty="0"/>
+              <a:t> a </a:t>
+            </a:r>
+            <a:r>
+              <a:rPr lang="pl-PL" dirty="0" err="1"/>
+              <a:t>possibility</a:t>
+            </a:r>
+            <a:r>
+              <a:rPr lang="pl-PL" dirty="0"/>
+              <a:t> to report </a:t>
+            </a:r>
+            <a:r>
+              <a:rPr lang="pl-PL" dirty="0" err="1"/>
+              <a:t>false</a:t>
+            </a:r>
+            <a:r>
+              <a:rPr lang="pl-PL" dirty="0"/>
+              <a:t> </a:t>
+            </a:r>
+            <a:r>
+              <a:rPr lang="pl-PL" dirty="0" err="1"/>
+              <a:t>positives</a:t>
+            </a:r>
+            <a:endParaRPr lang="pl-PL" dirty="0"/>
+          </a:p>
+          <a:p>
+            <a:endParaRPr lang="pl-PL" dirty="0"/>
+          </a:p>
+        </p:txBody>
+      </p:sp>
+      <p:sp>
+        <p:nvSpPr>
+          <p:cNvPr id="2" name="Title 1">
+            <a:extLst>
+              <a:ext uri="{FF2B5EF4-FFF2-40B4-BE49-F238E27FC236}">
+                <a16:creationId xmlns:a16="http://schemas.microsoft.com/office/drawing/2014/main" id="{9F330C78-AE15-4C22-9298-CD62FABE4066}"/>
+              </a:ext>
+            </a:extLst>
+          </p:cNvPr>
+          <p:cNvSpPr>
+            <a:spLocks noGrp="1"/>
+          </p:cNvSpPr>
+          <p:nvPr>
+            <p:ph type="title"/>
+          </p:nvPr>
+        </p:nvSpPr>
+        <p:spPr/>
+        <p:txBody>
+          <a:bodyPr anchor="ctr">
+            <a:normAutofit fontScale="90000"/>
+          </a:bodyPr>
+          <a:lstStyle/>
+          <a:p>
+            <a:r>
+              <a:rPr lang="pl-PL" sz="2000" dirty="0"/>
+              <a:t>It </a:t>
+            </a:r>
+            <a:r>
+              <a:rPr lang="pl-PL" sz="2000" dirty="0" err="1"/>
+              <a:t>looks</a:t>
+            </a:r>
+            <a:r>
+              <a:rPr lang="pl-PL" sz="2000" dirty="0"/>
+              <a:t> </a:t>
+            </a:r>
+            <a:r>
+              <a:rPr lang="pl-PL" sz="2000" dirty="0" err="1"/>
+              <a:t>fantastic</a:t>
+            </a:r>
+            <a:r>
+              <a:rPr lang="pl-PL" sz="2000" dirty="0"/>
+              <a:t> </a:t>
+            </a:r>
+            <a:r>
+              <a:rPr lang="pl-PL" sz="2000" dirty="0" err="1"/>
+              <a:t>doesn’t</a:t>
+            </a:r>
+            <a:r>
+              <a:rPr lang="pl-PL" sz="2000" dirty="0"/>
+              <a:t> </a:t>
+            </a:r>
+            <a:r>
+              <a:rPr lang="pl-PL" sz="2000" dirty="0" err="1"/>
+              <a:t>it</a:t>
+            </a:r>
+            <a:r>
+              <a:rPr lang="pl-PL" sz="2000" dirty="0"/>
+              <a:t>?</a:t>
+            </a:r>
+            <a:endParaRPr lang="pl-PL" sz="1600" dirty="0"/>
+          </a:p>
+        </p:txBody>
+      </p:sp>
+      <p:pic>
+        <p:nvPicPr>
+          <p:cNvPr id="7" name="Content Placeholder 6" descr="A picture containing text&#10;&#10;Description automatically generated">
+            <a:extLst>
+              <a:ext uri="{FF2B5EF4-FFF2-40B4-BE49-F238E27FC236}">
+                <a16:creationId xmlns:a16="http://schemas.microsoft.com/office/drawing/2014/main" id="{A2E216C2-0F2F-4D35-BB61-9F9379523FEC}"/>
+              </a:ext>
+            </a:extLst>
+          </p:cNvPr>
+          <p:cNvPicPr>
+            <a:picLocks noGrp="1" noChangeAspect="1"/>
+          </p:cNvPicPr>
+          <p:nvPr>
+            <p:ph idx="10"/>
+          </p:nvPr>
+        </p:nvPicPr>
+        <p:blipFill>
+          <a:blip r:embed="rId3"/>
+          <a:stretch>
+            <a:fillRect/>
+          </a:stretch>
+        </p:blipFill>
+        <p:spPr>
+          <a:xfrm>
+            <a:off x="3771900" y="1046162"/>
+            <a:ext cx="3314700" cy="2486025"/>
+          </a:xfrm>
+        </p:spPr>
+      </p:pic>
+    </p:spTree>
+    <p:extLst>
+      <p:ext uri="{BB962C8B-B14F-4D97-AF65-F5344CB8AC3E}">
+        <p14:creationId xmlns:p14="http://schemas.microsoft.com/office/powerpoint/2010/main" val="1984372040"/>
+      </p:ext>
+    </p:extLst>
+  </p:cSld>
+  <p:clrMapOvr>
+    <a:masterClrMapping/>
+  </p:clrMapOvr>
+  <mc:AlternateContent xmlns:mc="http://schemas.openxmlformats.org/markup-compatibility/2006">
+    <mc:Choice xmlns:p14="http://schemas.microsoft.com/office/powerpoint/2010/main" Requires="p14">
+      <p:transition spd="med" p14:dur="700">
+        <p:fade/>
+      </p:transition>
+    </mc:Choice>
+    <mc:Fallback>
+      <p:transition spd="med">
+        <p:fade/>
+      </p:transition>
+    </mc:Fallback>
+  </mc:AlternateContent>
+  <p:timing>
+    <p:tnLst>
+      <p:par>
+        <p:cTn id="1" dur="indefinite" restart="never" nodeType="tmRoot">
+          <p:childTnLst>
+            <p:seq concurrent="1" nextAc="seek">
+              <p:cTn id="2" dur="indefinite" nodeType="mainSeq">
+                <p:childTnLst>
+                  <p:par>
+                    <p:cTn id="3" fill="hold">
+                      <p:stCondLst>
+                        <p:cond delay="indefinite"/>
+                      </p:stCondLst>
+                      <p:childTnLst>
+                        <p:par>
+                          <p:cTn id="4" fill="hold">
+                            <p:stCondLst>
+                              <p:cond delay="0"/>
+                            </p:stCondLst>
+                            <p:childTnLst>
+                              <p:par>
+                                <p:cTn id="5" presetID="10" presetClass="entr" presetSubtype="0" fill="hold" nodeType="clickEffect">
+                                  <p:stCondLst>
+                                    <p:cond delay="0"/>
+                                  </p:stCondLst>
+                                  <p:childTnLst>
+                                    <p:set>
+                                      <p:cBhvr>
+                                        <p:cTn id="6" dur="1" fill="hold">
+                                          <p:stCondLst>
+                                            <p:cond delay="0"/>
+                                          </p:stCondLst>
+                                        </p:cTn>
+                                        <p:tgtEl>
+                                          <p:spTgt spid="7"/>
+                                        </p:tgtEl>
+                                        <p:attrNameLst>
+                                          <p:attrName>style.visibility</p:attrName>
+                                        </p:attrNameLst>
+                                      </p:cBhvr>
+                                      <p:to>
+                                        <p:strVal val="visible"/>
+                                      </p:to>
+                                    </p:set>
+                                    <p:animEffect transition="in" filter="fade">
+                                      <p:cBhvr>
+                                        <p:cTn id="7" dur="500"/>
+                                        <p:tgtEl>
+                                          <p:spTgt spid="7"/>
+                                        </p:tgtEl>
+                                      </p:cBhvr>
+                                    </p:animEffect>
+                                  </p:childTnLst>
+                                </p:cTn>
+                              </p:par>
+                            </p:childTnLst>
+                          </p:cTn>
+                        </p:par>
+                      </p:childTnLst>
+                    </p:cTn>
+                  </p:par>
+                  <p:par>
+                    <p:cTn id="8" fill="hold">
+                      <p:stCondLst>
+                        <p:cond delay="indefinite"/>
+                      </p:stCondLst>
+                      <p:childTnLst>
+                        <p:par>
+                          <p:cTn id="9" fill="hold">
+                            <p:stCondLst>
+                              <p:cond delay="0"/>
+                            </p:stCondLst>
+                            <p:childTnLst>
+                              <p:par>
+                                <p:cTn id="10" presetID="10" presetClass="entr" presetSubtype="0" fill="hold" grpId="0" nodeType="clickEffect">
+                                  <p:stCondLst>
+                                    <p:cond delay="0"/>
+                                  </p:stCondLst>
+                                  <p:childTnLst>
+                                    <p:set>
+                                      <p:cBhvr>
+                                        <p:cTn id="11" dur="1" fill="hold">
+                                          <p:stCondLst>
+                                            <p:cond delay="0"/>
+                                          </p:stCondLst>
+                                        </p:cTn>
+                                        <p:tgtEl>
+                                          <p:spTgt spid="4">
+                                            <p:txEl>
+                                              <p:pRg st="0" end="0"/>
+                                            </p:txEl>
+                                          </p:spTgt>
+                                        </p:tgtEl>
+                                        <p:attrNameLst>
+                                          <p:attrName>style.visibility</p:attrName>
+                                        </p:attrNameLst>
+                                      </p:cBhvr>
+                                      <p:to>
+                                        <p:strVal val="visible"/>
+                                      </p:to>
+                                    </p:set>
+                                    <p:animEffect transition="in" filter="fade">
+                                      <p:cBhvr>
+                                        <p:cTn id="12" dur="500"/>
+                                        <p:tgtEl>
+                                          <p:spTgt spid="4">
+                                            <p:txEl>
+                                              <p:pRg st="0" end="0"/>
+                                            </p:txEl>
+                                          </p:spTgt>
+                                        </p:tgtEl>
+                                      </p:cBhvr>
+                                    </p:animEffect>
+                                  </p:childTnLst>
+                                </p:cTn>
+                              </p:par>
+                              <p:par>
+                                <p:cTn id="13" presetID="10" presetClass="entr" presetSubtype="0" fill="hold" grpId="0" nodeType="withEffect">
+                                  <p:stCondLst>
+                                    <p:cond delay="0"/>
+                                  </p:stCondLst>
+                                  <p:childTnLst>
+                                    <p:set>
+                                      <p:cBhvr>
+                                        <p:cTn id="14" dur="1" fill="hold">
+                                          <p:stCondLst>
+                                            <p:cond delay="0"/>
+                                          </p:stCondLst>
+                                        </p:cTn>
+                                        <p:tgtEl>
+                                          <p:spTgt spid="4">
+                                            <p:txEl>
+                                              <p:pRg st="1" end="1"/>
+                                            </p:txEl>
+                                          </p:spTgt>
+                                        </p:tgtEl>
+                                        <p:attrNameLst>
+                                          <p:attrName>style.visibility</p:attrName>
+                                        </p:attrNameLst>
+                                      </p:cBhvr>
+                                      <p:to>
+                                        <p:strVal val="visible"/>
+                                      </p:to>
+                                    </p:set>
+                                    <p:animEffect transition="in" filter="fade">
+                                      <p:cBhvr>
+                                        <p:cTn id="15" dur="500"/>
+                                        <p:tgtEl>
+                                          <p:spTgt spid="4">
+                                            <p:txEl>
+                                              <p:pRg st="1" end="1"/>
+                                            </p:txEl>
+                                          </p:spTgt>
+                                        </p:tgtEl>
+                                      </p:cBhvr>
+                                    </p:animEffect>
+                                  </p:childTnLst>
+                                </p:cTn>
+                              </p:par>
+                              <p:par>
+                                <p:cTn id="16" presetID="10" presetClass="entr" presetSubtype="0" fill="hold" grpId="0" nodeType="withEffect">
+                                  <p:stCondLst>
+                                    <p:cond delay="0"/>
+                                  </p:stCondLst>
+                                  <p:childTnLst>
+                                    <p:set>
+                                      <p:cBhvr>
+                                        <p:cTn id="17" dur="1" fill="hold">
+                                          <p:stCondLst>
+                                            <p:cond delay="0"/>
+                                          </p:stCondLst>
+                                        </p:cTn>
+                                        <p:tgtEl>
+                                          <p:spTgt spid="4">
+                                            <p:txEl>
+                                              <p:pRg st="2" end="2"/>
+                                            </p:txEl>
+                                          </p:spTgt>
+                                        </p:tgtEl>
+                                        <p:attrNameLst>
+                                          <p:attrName>style.visibility</p:attrName>
+                                        </p:attrNameLst>
+                                      </p:cBhvr>
+                                      <p:to>
+                                        <p:strVal val="visible"/>
+                                      </p:to>
+                                    </p:set>
+                                    <p:animEffect transition="in" filter="fade">
+                                      <p:cBhvr>
+                                        <p:cTn id="18" dur="500"/>
+                                        <p:tgtEl>
+                                          <p:spTgt spid="4">
+                                            <p:txEl>
+                                              <p:pRg st="2" end="2"/>
+                                            </p:txEl>
+                                          </p:spTgt>
+                                        </p:tgtEl>
+                                      </p:cBhvr>
+                                    </p:animEffect>
+                                  </p:childTnLst>
+                                </p:cTn>
+                              </p:par>
+                            </p:childTnLst>
+                          </p:cTn>
+                        </p:par>
+                      </p:childTnLst>
+                    </p:cTn>
+                  </p:par>
+                </p:childTnLst>
+              </p:cTn>
+              <p:prevCondLst>
+                <p:cond evt="onPrev" delay="0">
+                  <p:tgtEl>
+                    <p:sldTgt/>
+                  </p:tgtEl>
+                </p:cond>
+              </p:prevCondLst>
+              <p:nextCondLst>
+                <p:cond evt="onNext" delay="0">
+                  <p:tgtEl>
+                    <p:sldTgt/>
+                  </p:tgtEl>
+                </p:cond>
+              </p:nextCondLst>
+            </p:seq>
+          </p:childTnLst>
+        </p:cTn>
+      </p:par>
+    </p:tnLst>
+    <p:bldLst>
+      <p:bldP spid="4" grpId="0" uiExpand="1" build="p"/>
+    </p:bldLst>
+  </p:timing>
+</p:sld>
+</file>
+
+<file path=ppt/slides/slide16.xml><?xml version="1.0" encoding="utf-8"?>
+<p:sld xmlns:a="http://schemas.openxmlformats.org/drawingml/2006/main" xmlns:r="http://schemas.openxmlformats.org/officeDocument/2006/relationships" xmlns:p="http://schemas.openxmlformats.org/presentationml/2006/main">
+  <p:cSld>
+    <p:spTree>
+      <p:nvGrpSpPr>
+        <p:cNvPr id="1" name=""/>
+        <p:cNvGrpSpPr/>
+        <p:nvPr/>
+      </p:nvGrpSpPr>
+      <p:grpSpPr>
+        <a:xfrm>
+          <a:off x="0" y="0"/>
+          <a:ext cx="0" cy="0"/>
+          <a:chOff x="0" y="0"/>
+          <a:chExt cx="0" cy="0"/>
+        </a:xfrm>
+      </p:grpSpPr>
+      <p:sp>
+        <p:nvSpPr>
+          <p:cNvPr id="4" name="Content Placeholder 3">
+            <a:extLst>
+              <a:ext uri="{FF2B5EF4-FFF2-40B4-BE49-F238E27FC236}">
+                <a16:creationId xmlns:a16="http://schemas.microsoft.com/office/drawing/2014/main" id="{D7E387CB-4EA2-4C9F-A5DC-BE05EF4D3015}"/>
+              </a:ext>
+            </a:extLst>
+          </p:cNvPr>
+          <p:cNvSpPr>
+            <a:spLocks noGrp="1"/>
+          </p:cNvSpPr>
+          <p:nvPr>
+            <p:ph idx="1"/>
+          </p:nvPr>
+        </p:nvSpPr>
+        <p:spPr>
+          <a:xfrm>
+            <a:off x="213360" y="990600"/>
+            <a:ext cx="6263640" cy="2667001"/>
+          </a:xfrm>
+        </p:spPr>
+        <p:txBody>
+          <a:bodyPr/>
+          <a:lstStyle/>
+          <a:p>
+            <a:pPr algn="just"/>
+            <a:r>
+              <a:rPr lang="pl-PL" dirty="0" err="1"/>
+              <a:t>Mutation</a:t>
+            </a:r>
+            <a:r>
+              <a:rPr lang="pl-PL" dirty="0"/>
+              <a:t> </a:t>
+            </a:r>
+            <a:r>
+              <a:rPr lang="pl-PL" dirty="0" err="1"/>
+              <a:t>testing</a:t>
+            </a:r>
+            <a:r>
+              <a:rPr lang="pl-PL" dirty="0"/>
+              <a:t> </a:t>
+            </a:r>
+            <a:r>
+              <a:rPr lang="pl-PL" dirty="0" err="1"/>
+              <a:t>has</a:t>
+            </a:r>
+            <a:r>
+              <a:rPr lang="pl-PL" dirty="0"/>
+              <a:t> </a:t>
+            </a:r>
+            <a:r>
+              <a:rPr lang="pl-PL" dirty="0" err="1"/>
+              <a:t>power</a:t>
+            </a:r>
+            <a:r>
+              <a:rPr lang="pl-PL" dirty="0"/>
+              <a:t> to be </a:t>
+            </a:r>
+            <a:r>
+              <a:rPr lang="pl-PL" dirty="0">
+                <a:solidFill>
+                  <a:schemeClr val="accent1">
+                    <a:lumMod val="75000"/>
+                  </a:schemeClr>
+                </a:solidFill>
+              </a:rPr>
+              <a:t>standard for </a:t>
+            </a:r>
+            <a:r>
+              <a:rPr lang="pl-PL" dirty="0" err="1">
+                <a:solidFill>
+                  <a:schemeClr val="accent1">
+                    <a:lumMod val="75000"/>
+                  </a:schemeClr>
+                </a:solidFill>
+              </a:rPr>
+              <a:t>assessing</a:t>
+            </a:r>
+            <a:r>
+              <a:rPr lang="pl-PL" dirty="0">
+                <a:solidFill>
+                  <a:schemeClr val="accent1">
+                    <a:lumMod val="75000"/>
+                  </a:schemeClr>
+                </a:solidFill>
+              </a:rPr>
+              <a:t> test </a:t>
+            </a:r>
+            <a:r>
+              <a:rPr lang="pl-PL" dirty="0" err="1">
+                <a:solidFill>
+                  <a:schemeClr val="accent1">
+                    <a:lumMod val="75000"/>
+                  </a:schemeClr>
+                </a:solidFill>
+              </a:rPr>
+              <a:t>suite</a:t>
+            </a:r>
+            <a:r>
+              <a:rPr lang="pl-PL" dirty="0">
+                <a:solidFill>
+                  <a:schemeClr val="accent1">
+                    <a:lumMod val="75000"/>
+                  </a:schemeClr>
+                </a:solidFill>
+              </a:rPr>
+              <a:t> </a:t>
+            </a:r>
+            <a:r>
+              <a:rPr lang="pl-PL" dirty="0" err="1">
+                <a:solidFill>
+                  <a:schemeClr val="accent1">
+                    <a:lumMod val="75000"/>
+                  </a:schemeClr>
+                </a:solidFill>
+              </a:rPr>
+              <a:t>strength</a:t>
+            </a:r>
+            <a:endParaRPr lang="pl-PL" dirty="0">
+              <a:solidFill>
+                <a:schemeClr val="accent1">
+                  <a:lumMod val="75000"/>
+                </a:schemeClr>
+              </a:solidFill>
+            </a:endParaRPr>
+          </a:p>
+          <a:p>
+            <a:pPr algn="just"/>
+            <a:r>
+              <a:rPr lang="pl-PL" dirty="0" err="1"/>
+              <a:t>Over</a:t>
+            </a:r>
+            <a:r>
+              <a:rPr lang="pl-PL" dirty="0"/>
+              <a:t> the </a:t>
+            </a:r>
+            <a:r>
+              <a:rPr lang="pl-PL" dirty="0" err="1"/>
+              <a:t>time</a:t>
+            </a:r>
+            <a:r>
+              <a:rPr lang="pl-PL" dirty="0"/>
+              <a:t> </a:t>
+            </a:r>
+            <a:r>
+              <a:rPr lang="pl-PL" dirty="0" err="1"/>
+              <a:t>mutations</a:t>
+            </a:r>
+            <a:r>
+              <a:rPr lang="pl-PL" dirty="0"/>
+              <a:t> </a:t>
+            </a:r>
+            <a:r>
+              <a:rPr lang="pl-PL" dirty="0" err="1"/>
+              <a:t>testing</a:t>
+            </a:r>
+            <a:r>
+              <a:rPr lang="pl-PL" dirty="0"/>
+              <a:t> </a:t>
+            </a:r>
+            <a:r>
+              <a:rPr lang="pl-PL" dirty="0" err="1"/>
+              <a:t>will</a:t>
+            </a:r>
+            <a:r>
+              <a:rPr lang="pl-PL" dirty="0"/>
+              <a:t> </a:t>
+            </a:r>
+            <a:r>
+              <a:rPr lang="pl-PL" dirty="0" err="1"/>
+              <a:t>give</a:t>
+            </a:r>
+            <a:r>
+              <a:rPr lang="pl-PL" dirty="0"/>
+              <a:t> </a:t>
+            </a:r>
+            <a:r>
+              <a:rPr lang="pl-PL" dirty="0" err="1"/>
+              <a:t>you</a:t>
+            </a:r>
+            <a:r>
+              <a:rPr lang="pl-PL" dirty="0"/>
+              <a:t> </a:t>
+            </a:r>
+            <a:r>
+              <a:rPr lang="pl-PL" dirty="0" err="1">
+                <a:solidFill>
+                  <a:schemeClr val="accent1">
+                    <a:lumMod val="75000"/>
+                  </a:schemeClr>
+                </a:solidFill>
+              </a:rPr>
+              <a:t>inner</a:t>
+            </a:r>
+            <a:r>
+              <a:rPr lang="pl-PL" dirty="0">
+                <a:solidFill>
+                  <a:schemeClr val="accent1">
+                    <a:lumMod val="75000"/>
+                  </a:schemeClr>
+                </a:solidFill>
+              </a:rPr>
+              <a:t> </a:t>
+            </a:r>
+            <a:r>
+              <a:rPr lang="pl-PL" dirty="0" err="1">
+                <a:solidFill>
+                  <a:schemeClr val="accent1">
+                    <a:lumMod val="75000"/>
+                  </a:schemeClr>
+                </a:solidFill>
+              </a:rPr>
+              <a:t>sense</a:t>
+            </a:r>
+            <a:r>
+              <a:rPr lang="pl-PL" dirty="0">
+                <a:solidFill>
+                  <a:schemeClr val="accent1">
+                    <a:lumMod val="75000"/>
+                  </a:schemeClr>
+                </a:solidFill>
+              </a:rPr>
+              <a:t> </a:t>
+            </a:r>
+            <a:r>
+              <a:rPr lang="pl-PL" dirty="0"/>
+              <a:t>for </a:t>
+            </a:r>
+            <a:r>
+              <a:rPr lang="pl-PL" dirty="0" err="1"/>
+              <a:t>creating</a:t>
+            </a:r>
+            <a:r>
+              <a:rPr lang="pl-PL" dirty="0"/>
+              <a:t> </a:t>
+            </a:r>
+            <a:r>
+              <a:rPr lang="pl-PL" dirty="0" err="1">
+                <a:solidFill>
+                  <a:schemeClr val="accent1">
+                    <a:lumMod val="75000"/>
+                  </a:schemeClr>
+                </a:solidFill>
+              </a:rPr>
+              <a:t>meaningful</a:t>
+            </a:r>
+            <a:r>
+              <a:rPr lang="pl-PL" dirty="0">
+                <a:solidFill>
+                  <a:schemeClr val="accent1">
+                    <a:lumMod val="75000"/>
+                  </a:schemeClr>
+                </a:solidFill>
+              </a:rPr>
+              <a:t> </a:t>
+            </a:r>
+            <a:r>
+              <a:rPr lang="pl-PL" dirty="0" err="1">
+                <a:solidFill>
+                  <a:schemeClr val="accent1">
+                    <a:lumMod val="75000"/>
+                  </a:schemeClr>
+                </a:solidFill>
+              </a:rPr>
+              <a:t>tests</a:t>
+            </a:r>
+            <a:endParaRPr lang="pl-PL" dirty="0">
+              <a:solidFill>
+                <a:schemeClr val="accent1">
+                  <a:lumMod val="75000"/>
+                </a:schemeClr>
+              </a:solidFill>
+            </a:endParaRPr>
+          </a:p>
+          <a:p>
+            <a:pPr algn="just"/>
+            <a:r>
+              <a:rPr lang="pl-PL" dirty="0"/>
+              <a:t>For </a:t>
+            </a:r>
+            <a:r>
+              <a:rPr lang="pl-PL" dirty="0" err="1"/>
+              <a:t>codebases</a:t>
+            </a:r>
+            <a:r>
+              <a:rPr lang="pl-PL" dirty="0"/>
+              <a:t> with </a:t>
+            </a:r>
+            <a:r>
+              <a:rPr lang="pl-PL" dirty="0" err="1"/>
+              <a:t>low</a:t>
+            </a:r>
+            <a:r>
+              <a:rPr lang="pl-PL" dirty="0"/>
+              <a:t> </a:t>
+            </a:r>
+            <a:r>
+              <a:rPr lang="pl-PL" dirty="0" err="1"/>
+              <a:t>coverage</a:t>
+            </a:r>
+            <a:r>
+              <a:rPr lang="pl-PL" dirty="0"/>
+              <a:t>, </a:t>
+            </a:r>
+            <a:r>
+              <a:rPr lang="pl-PL" dirty="0" err="1"/>
+              <a:t>mutation</a:t>
+            </a:r>
+            <a:r>
+              <a:rPr lang="pl-PL" dirty="0"/>
+              <a:t> </a:t>
+            </a:r>
+            <a:r>
+              <a:rPr lang="pl-PL" dirty="0" err="1"/>
+              <a:t>testing</a:t>
+            </a:r>
+            <a:r>
+              <a:rPr lang="pl-PL" dirty="0"/>
+              <a:t> </a:t>
+            </a:r>
+            <a:r>
+              <a:rPr lang="pl-PL" dirty="0" err="1"/>
+              <a:t>will</a:t>
+            </a:r>
+            <a:r>
+              <a:rPr lang="pl-PL" dirty="0"/>
+              <a:t> show </a:t>
+            </a:r>
+            <a:r>
+              <a:rPr lang="pl-PL" dirty="0" err="1"/>
+              <a:t>you</a:t>
+            </a:r>
+            <a:r>
+              <a:rPr lang="pl-PL" dirty="0"/>
+              <a:t> </a:t>
+            </a:r>
+            <a:r>
+              <a:rPr lang="pl-PL" dirty="0" err="1"/>
+              <a:t>how</a:t>
+            </a:r>
+            <a:r>
+              <a:rPr lang="pl-PL" dirty="0"/>
+              <a:t> to </a:t>
+            </a:r>
+            <a:r>
+              <a:rPr lang="pl-PL" dirty="0" err="1">
+                <a:solidFill>
+                  <a:schemeClr val="accent1">
+                    <a:lumMod val="75000"/>
+                  </a:schemeClr>
+                </a:solidFill>
+              </a:rPr>
+              <a:t>write</a:t>
+            </a:r>
+            <a:r>
+              <a:rPr lang="pl-PL" dirty="0">
+                <a:solidFill>
+                  <a:schemeClr val="accent1">
+                    <a:lumMod val="75000"/>
+                  </a:schemeClr>
+                </a:solidFill>
+              </a:rPr>
+              <a:t> </a:t>
+            </a:r>
+            <a:r>
+              <a:rPr lang="pl-PL" dirty="0" err="1">
+                <a:solidFill>
+                  <a:schemeClr val="accent1">
+                    <a:lumMod val="75000"/>
+                  </a:schemeClr>
+                </a:solidFill>
+              </a:rPr>
+              <a:t>tests</a:t>
+            </a:r>
+            <a:r>
+              <a:rPr lang="pl-PL" dirty="0">
+                <a:solidFill>
+                  <a:schemeClr val="accent1">
+                    <a:lumMod val="75000"/>
+                  </a:schemeClr>
+                </a:solidFill>
+              </a:rPr>
+              <a:t> with </a:t>
+            </a:r>
+            <a:r>
+              <a:rPr lang="pl-PL" dirty="0" err="1">
+                <a:solidFill>
+                  <a:schemeClr val="accent1">
+                    <a:lumMod val="75000"/>
+                  </a:schemeClr>
+                </a:solidFill>
+              </a:rPr>
+              <a:t>strong</a:t>
+            </a:r>
+            <a:r>
+              <a:rPr lang="pl-PL" dirty="0">
+                <a:solidFill>
+                  <a:schemeClr val="accent1">
+                    <a:lumMod val="75000"/>
+                  </a:schemeClr>
+                </a:solidFill>
+              </a:rPr>
+              <a:t> </a:t>
+            </a:r>
+            <a:r>
+              <a:rPr lang="pl-PL" dirty="0" err="1">
+                <a:solidFill>
+                  <a:schemeClr val="accent1">
+                    <a:lumMod val="75000"/>
+                  </a:schemeClr>
+                </a:solidFill>
+              </a:rPr>
+              <a:t>assertions</a:t>
+            </a:r>
+            <a:r>
+              <a:rPr lang="pl-PL" dirty="0">
+                <a:solidFill>
+                  <a:schemeClr val="accent1">
+                    <a:lumMod val="75000"/>
+                  </a:schemeClr>
+                </a:solidFill>
+              </a:rPr>
+              <a:t> </a:t>
+            </a:r>
+          </a:p>
+          <a:p>
+            <a:pPr algn="just"/>
+            <a:r>
+              <a:rPr lang="pl-PL" dirty="0"/>
+              <a:t>For </a:t>
+            </a:r>
+            <a:r>
+              <a:rPr lang="pl-PL" dirty="0" err="1"/>
+              <a:t>codebases</a:t>
+            </a:r>
+            <a:r>
+              <a:rPr lang="pl-PL" dirty="0"/>
+              <a:t> with high </a:t>
+            </a:r>
+            <a:r>
+              <a:rPr lang="pl-PL" dirty="0" err="1"/>
+              <a:t>coverage</a:t>
+            </a:r>
+            <a:r>
+              <a:rPr lang="pl-PL" dirty="0"/>
+              <a:t> </a:t>
+            </a:r>
+            <a:r>
+              <a:rPr lang="pl-PL" dirty="0" err="1"/>
+              <a:t>it</a:t>
+            </a:r>
+            <a:r>
+              <a:rPr lang="pl-PL" dirty="0"/>
+              <a:t> </a:t>
+            </a:r>
+            <a:r>
+              <a:rPr lang="pl-PL" dirty="0" err="1"/>
+              <a:t>will</a:t>
+            </a:r>
+            <a:r>
+              <a:rPr lang="pl-PL" dirty="0"/>
+              <a:t> </a:t>
+            </a:r>
+            <a:r>
+              <a:rPr lang="pl-PL" dirty="0">
+                <a:solidFill>
+                  <a:schemeClr val="accent1">
+                    <a:lumMod val="75000"/>
+                  </a:schemeClr>
+                </a:solidFill>
+              </a:rPr>
+              <a:t>point</a:t>
+            </a:r>
+            <a:r>
+              <a:rPr lang="pl-PL" dirty="0"/>
+              <a:t> </a:t>
+            </a:r>
+            <a:r>
+              <a:rPr lang="pl-PL" dirty="0" err="1"/>
+              <a:t>you</a:t>
+            </a:r>
+            <a:r>
+              <a:rPr lang="pl-PL" dirty="0"/>
+              <a:t> to </a:t>
+            </a:r>
+            <a:r>
+              <a:rPr lang="pl-PL" dirty="0" err="1"/>
+              <a:t>some</a:t>
+            </a:r>
+            <a:r>
+              <a:rPr lang="pl-PL" dirty="0"/>
+              <a:t> </a:t>
+            </a:r>
+            <a:r>
+              <a:rPr lang="pl-PL" dirty="0" err="1">
+                <a:solidFill>
+                  <a:schemeClr val="accent1">
+                    <a:lumMod val="75000"/>
+                  </a:schemeClr>
+                </a:solidFill>
+              </a:rPr>
+              <a:t>weak</a:t>
+            </a:r>
+            <a:r>
+              <a:rPr lang="pl-PL" dirty="0">
+                <a:solidFill>
+                  <a:schemeClr val="accent1">
+                    <a:lumMod val="75000"/>
+                  </a:schemeClr>
+                </a:solidFill>
+              </a:rPr>
+              <a:t> </a:t>
+            </a:r>
+            <a:r>
+              <a:rPr lang="pl-PL" dirty="0" err="1">
+                <a:solidFill>
+                  <a:schemeClr val="accent1">
+                    <a:lumMod val="75000"/>
+                  </a:schemeClr>
+                </a:solidFill>
+              </a:rPr>
+              <a:t>spots</a:t>
+            </a:r>
+            <a:r>
+              <a:rPr lang="pl-PL" dirty="0">
+                <a:solidFill>
+                  <a:schemeClr val="accent1">
+                    <a:lumMod val="75000"/>
+                  </a:schemeClr>
+                </a:solidFill>
+              </a:rPr>
+              <a:t> </a:t>
+            </a:r>
+            <a:r>
+              <a:rPr lang="pl-PL" dirty="0"/>
+              <a:t>of </a:t>
+            </a:r>
+            <a:r>
+              <a:rPr lang="pl-PL" dirty="0" err="1"/>
+              <a:t>your</a:t>
+            </a:r>
+            <a:r>
+              <a:rPr lang="pl-PL" dirty="0"/>
+              <a:t> </a:t>
+            </a:r>
+            <a:r>
+              <a:rPr lang="pl-PL" dirty="0" err="1"/>
+              <a:t>code</a:t>
+            </a:r>
+            <a:endParaRPr lang="pl-PL" dirty="0"/>
+          </a:p>
+          <a:p>
+            <a:pPr algn="just"/>
+            <a:r>
+              <a:rPr lang="pl-PL" dirty="0"/>
+              <a:t>It </a:t>
+            </a:r>
+            <a:r>
+              <a:rPr lang="pl-PL" dirty="0" err="1"/>
+              <a:t>will</a:t>
+            </a:r>
+            <a:r>
+              <a:rPr lang="pl-PL" dirty="0"/>
+              <a:t> </a:t>
+            </a:r>
+            <a:r>
+              <a:rPr lang="pl-PL" dirty="0" err="1"/>
+              <a:t>help</a:t>
+            </a:r>
+            <a:r>
+              <a:rPr lang="pl-PL" dirty="0"/>
+              <a:t> </a:t>
+            </a:r>
+            <a:r>
+              <a:rPr lang="pl-PL" dirty="0" err="1"/>
+              <a:t>you</a:t>
+            </a:r>
+            <a:r>
+              <a:rPr lang="pl-PL" dirty="0"/>
+              <a:t> to </a:t>
+            </a:r>
+            <a:r>
+              <a:rPr lang="pl-PL" dirty="0" err="1">
+                <a:solidFill>
+                  <a:schemeClr val="accent1">
+                    <a:lumMod val="75000"/>
+                  </a:schemeClr>
+                </a:solidFill>
+              </a:rPr>
+              <a:t>maintain</a:t>
+            </a:r>
+            <a:r>
+              <a:rPr lang="pl-PL" dirty="0"/>
+              <a:t> </a:t>
+            </a:r>
+            <a:r>
+              <a:rPr lang="pl-PL" dirty="0">
+                <a:solidFill>
+                  <a:schemeClr val="accent1">
+                    <a:lumMod val="75000"/>
+                  </a:schemeClr>
+                </a:solidFill>
+              </a:rPr>
+              <a:t>high</a:t>
+            </a:r>
+            <a:r>
+              <a:rPr lang="pl-PL" dirty="0"/>
+              <a:t> </a:t>
+            </a:r>
+            <a:r>
+              <a:rPr lang="pl-PL" dirty="0" err="1">
+                <a:solidFill>
+                  <a:schemeClr val="accent1">
+                    <a:lumMod val="75000"/>
+                  </a:schemeClr>
+                </a:solidFill>
+              </a:rPr>
+              <a:t>quality</a:t>
+            </a:r>
+            <a:r>
+              <a:rPr lang="pl-PL" dirty="0"/>
+              <a:t> of </a:t>
+            </a:r>
+            <a:r>
+              <a:rPr lang="pl-PL" dirty="0" err="1"/>
+              <a:t>your</a:t>
+            </a:r>
+            <a:r>
+              <a:rPr lang="pl-PL" dirty="0"/>
+              <a:t> test </a:t>
+            </a:r>
+            <a:r>
+              <a:rPr lang="pl-PL" dirty="0" err="1"/>
+              <a:t>suite</a:t>
+            </a:r>
+            <a:endParaRPr lang="pl-PL" dirty="0"/>
+          </a:p>
+          <a:p>
+            <a:pPr algn="just"/>
+            <a:endParaRPr lang="pl-PL" dirty="0"/>
+          </a:p>
+        </p:txBody>
+      </p:sp>
+      <p:sp>
+        <p:nvSpPr>
+          <p:cNvPr id="2" name="Title 1">
+            <a:extLst>
+              <a:ext uri="{FF2B5EF4-FFF2-40B4-BE49-F238E27FC236}">
+                <a16:creationId xmlns:a16="http://schemas.microsoft.com/office/drawing/2014/main" id="{9F330C78-AE15-4C22-9298-CD62FABE4066}"/>
+              </a:ext>
+            </a:extLst>
+          </p:cNvPr>
+          <p:cNvSpPr>
+            <a:spLocks noGrp="1"/>
+          </p:cNvSpPr>
+          <p:nvPr>
+            <p:ph type="title"/>
+          </p:nvPr>
+        </p:nvSpPr>
+        <p:spPr/>
+        <p:txBody>
+          <a:bodyPr anchor="ctr">
+            <a:normAutofit fontScale="90000"/>
+          </a:bodyPr>
+          <a:lstStyle/>
+          <a:p>
+            <a:r>
+              <a:rPr lang="pl-PL" sz="2000" dirty="0" err="1"/>
+              <a:t>So</a:t>
+            </a:r>
+            <a:r>
+              <a:rPr lang="pl-PL" sz="2000" dirty="0"/>
+              <a:t> </a:t>
+            </a:r>
+            <a:r>
+              <a:rPr lang="pl-PL" sz="2000" dirty="0" err="1"/>
+              <a:t>why</a:t>
+            </a:r>
+            <a:r>
+              <a:rPr lang="pl-PL" sz="2000" dirty="0"/>
+              <a:t> </a:t>
+            </a:r>
+            <a:r>
+              <a:rPr lang="pl-PL" sz="2000" dirty="0" err="1"/>
+              <a:t>even</a:t>
+            </a:r>
+            <a:r>
+              <a:rPr lang="pl-PL" sz="2000" dirty="0"/>
+              <a:t> </a:t>
+            </a:r>
+            <a:r>
+              <a:rPr lang="pl-PL" sz="2000" dirty="0" err="1"/>
+              <a:t>bother</a:t>
+            </a:r>
+            <a:r>
+              <a:rPr lang="pl-PL" sz="2000" dirty="0"/>
+              <a:t>?</a:t>
+            </a:r>
+            <a:endParaRPr lang="pl-PL" sz="1600" dirty="0"/>
+          </a:p>
+        </p:txBody>
+      </p:sp>
+    </p:spTree>
+    <p:extLst>
+      <p:ext uri="{BB962C8B-B14F-4D97-AF65-F5344CB8AC3E}">
+        <p14:creationId xmlns:p14="http://schemas.microsoft.com/office/powerpoint/2010/main" val="633839040"/>
+      </p:ext>
+    </p:extLst>
+  </p:cSld>
+  <p:clrMapOvr>
+    <a:masterClrMapping/>
+  </p:clrMapOvr>
+  <mc:AlternateContent xmlns:mc="http://schemas.openxmlformats.org/markup-compatibility/2006">
+    <mc:Choice xmlns:p14="http://schemas.microsoft.com/office/powerpoint/2010/main" Requires="p14">
+      <p:transition spd="med" p14:dur="700">
+        <p:fade/>
+      </p:transition>
+    </mc:Choice>
+    <mc:Fallback>
+      <p:transition spd="med">
+        <p:fade/>
+      </p:transition>
+    </mc:Fallback>
+  </mc:AlternateContent>
+</p:sld>
+</file>
+
+<file path=ppt/slides/slide17.xml><?xml version="1.0" encoding="utf-8"?>
 <p:sld xmlns:a="http://schemas.openxmlformats.org/drawingml/2006/main" xmlns:r="http://schemas.openxmlformats.org/officeDocument/2006/relationships" xmlns:p="http://schemas.openxmlformats.org/presentationml/2006/main">
   <p:cSld>
     <p:spTree>
@@ -10682,7 +13724,7 @@
 </p:sld>
 </file>
 
-<file path=ppt/slides/slide15.xml><?xml version="1.0" encoding="utf-8"?>
+<file path=ppt/slides/slide18.xml><?xml version="1.0" encoding="utf-8"?>
 <p:sld xmlns:a="http://schemas.openxmlformats.org/drawingml/2006/main" xmlns:r="http://schemas.openxmlformats.org/officeDocument/2006/relationships" xmlns:p="http://schemas.openxmlformats.org/presentationml/2006/main">
   <p:cSld>
     <p:spTree>
@@ -10724,6 +13766,25 @@
               <a:rPr lang="en-US" dirty="0"/>
               <a:t>Thank you for attending</a:t>
             </a:r>
+            <a:br>
+              <a:rPr lang="pl-PL" dirty="0"/>
+            </a:br>
+            <a:br>
+              <a:rPr lang="pl-PL" dirty="0"/>
+            </a:br>
+            <a:r>
+              <a:rPr lang="pl-PL" dirty="0"/>
+              <a:t>Q &amp; A </a:t>
+            </a:r>
+            <a:r>
+              <a:rPr lang="pl-PL" dirty="0" err="1"/>
+              <a:t>time</a:t>
+            </a:r>
+            <a:r>
+              <a:rPr lang="pl-PL" dirty="0"/>
+              <a:t>!</a:t>
+            </a:r>
+            <a:endParaRPr lang="en-US" dirty="0"/>
           </a:p>
         </p:txBody>
       </p:sp>
@@ -10752,7 +13813,7 @@
 </p:sld>
 </file>
 
-<file path=ppt/slides/slide16.xml><?xml version="1.0" encoding="utf-8"?>
+<file path=ppt/slides/slide19.xml><?xml version="1.0" encoding="utf-8"?>
 <p:sld xmlns:a="http://schemas.openxmlformats.org/drawingml/2006/main" xmlns:r="http://schemas.openxmlformats.org/officeDocument/2006/relationships" xmlns:p="http://schemas.openxmlformats.org/presentationml/2006/main">
   <p:cSld>
     <p:spTree>
@@ -11587,6 +14648,153 @@
     <p:extLst>
       <p:ext uri="{BB962C8B-B14F-4D97-AF65-F5344CB8AC3E}">
         <p14:creationId xmlns:p14="http://schemas.microsoft.com/office/powerpoint/2010/main" val="3268191436"/>
+      </p:ext>
+    </p:extLst>
+  </p:cSld>
+  <p:clrMapOvr>
+    <a:masterClrMapping/>
+  </p:clrMapOvr>
+  <mc:AlternateContent xmlns:mc="http://schemas.openxmlformats.org/markup-compatibility/2006" xmlns:p14="http://schemas.microsoft.com/office/powerpoint/2010/main">
+    <mc:Choice Requires="p14">
+      <p:transition spd="med" p14:dur="700">
+        <p:fade/>
+      </p:transition>
+    </mc:Choice>
+    <mc:Fallback xmlns="">
+      <p:transition spd="med">
+        <p:fade/>
+      </p:transition>
+    </mc:Fallback>
+  </mc:AlternateContent>
+</p:sld>
+</file>
+
+<file path=ppt/slides/slide20.xml><?xml version="1.0" encoding="utf-8"?>
+<p:sld xmlns:a="http://schemas.openxmlformats.org/drawingml/2006/main" xmlns:r="http://schemas.openxmlformats.org/officeDocument/2006/relationships" xmlns:p="http://schemas.openxmlformats.org/presentationml/2006/main">
+  <p:cSld>
+    <p:spTree>
+      <p:nvGrpSpPr>
+        <p:cNvPr id="1" name=""/>
+        <p:cNvGrpSpPr/>
+        <p:nvPr/>
+      </p:nvGrpSpPr>
+      <p:grpSpPr>
+        <a:xfrm>
+          <a:off x="0" y="0"/>
+          <a:ext cx="0" cy="0"/>
+          <a:chOff x="0" y="0"/>
+          <a:chExt cx="0" cy="0"/>
+        </a:xfrm>
+      </p:grpSpPr>
+      <p:sp>
+        <p:nvSpPr>
+          <p:cNvPr id="6" name="Content Placeholder 5">
+            <a:extLst>
+              <a:ext uri="{FF2B5EF4-FFF2-40B4-BE49-F238E27FC236}">
+                <a16:creationId xmlns:a16="http://schemas.microsoft.com/office/drawing/2014/main" id="{ADB5CBDD-44A4-44B9-A5A6-C5EB9760B87C}"/>
+              </a:ext>
+            </a:extLst>
+          </p:cNvPr>
+          <p:cNvSpPr>
+            <a:spLocks noGrp="1"/>
+          </p:cNvSpPr>
+          <p:nvPr>
+            <p:ph idx="1"/>
+          </p:nvPr>
+        </p:nvSpPr>
+        <p:spPr/>
+        <p:txBody>
+          <a:bodyPr/>
+          <a:lstStyle/>
+          <a:p>
+            <a:r>
+              <a:rPr lang="pl-PL" dirty="0">
+                <a:hlinkClick r:id="rId2"/>
+              </a:rPr>
+              <a:t>https://elearningindustry.com/wp-content/uploads/2016/11/practical-learning-measurement-e1479981619388.jpeg</a:t>
+            </a:r>
+            <a:endParaRPr lang="pl-PL" dirty="0"/>
+          </a:p>
+          <a:p>
+            <a:r>
+              <a:rPr lang="pl-PL" dirty="0">
+                <a:hlinkClick r:id="rId3"/>
+              </a:rPr>
+              <a:t>https://blog.providentmetals.com/wp-content/uploads/2019/01/stack-of-silver-bars.jpg</a:t>
+            </a:r>
+            <a:endParaRPr lang="pl-PL" dirty="0"/>
+          </a:p>
+          <a:p>
+            <a:r>
+              <a:rPr lang="pl-PL" dirty="0">
+                <a:hlinkClick r:id="rId4"/>
+              </a:rPr>
+              <a:t>https://www.cwgmarkets.com/assets/images/gold.jpeg</a:t>
+            </a:r>
+            <a:endParaRPr lang="pl-PL" dirty="0"/>
+          </a:p>
+          <a:p>
+            <a:r>
+              <a:rPr lang="pl-PL" dirty="0">
+                <a:hlinkClick r:id="rId5"/>
+              </a:rPr>
+              <a:t>https://stryker-mutator.io/</a:t>
+            </a:r>
+            <a:endParaRPr lang="pl-PL" dirty="0"/>
+          </a:p>
+          <a:p>
+            <a:r>
+              <a:rPr lang="pl-PL" dirty="0">
+                <a:hlinkClick r:id="rId6"/>
+              </a:rPr>
+              <a:t>https://i.ytimg.com/vi/UkLtnp4vD8M/hqdefault.jpg</a:t>
+            </a:r>
+            <a:endParaRPr lang="pl-PL" dirty="0"/>
+          </a:p>
+          <a:p>
+            <a:endParaRPr lang="pl-PL" dirty="0"/>
+          </a:p>
+          <a:p>
+            <a:endParaRPr lang="pl-PL" dirty="0"/>
+          </a:p>
+          <a:p>
+            <a:endParaRPr lang="pl-PL" dirty="0"/>
+          </a:p>
+        </p:txBody>
+      </p:sp>
+      <p:sp>
+        <p:nvSpPr>
+          <p:cNvPr id="5" name="Title 4">
+            <a:extLst>
+              <a:ext uri="{FF2B5EF4-FFF2-40B4-BE49-F238E27FC236}">
+                <a16:creationId xmlns:a16="http://schemas.microsoft.com/office/drawing/2014/main" id="{3AB7D658-FD2B-4B86-A92A-52150CF549A1}"/>
+              </a:ext>
+            </a:extLst>
+          </p:cNvPr>
+          <p:cNvSpPr>
+            <a:spLocks noGrp="1"/>
+          </p:cNvSpPr>
+          <p:nvPr>
+            <p:ph type="title"/>
+          </p:nvPr>
+        </p:nvSpPr>
+        <p:spPr/>
+        <p:txBody>
+          <a:bodyPr/>
+          <a:lstStyle/>
+          <a:p>
+            <a:r>
+              <a:rPr lang="pl-PL" dirty="0" err="1"/>
+              <a:t>Resources</a:t>
+            </a:r>
+            <a:endParaRPr lang="pl-PL" dirty="0"/>
+          </a:p>
+        </p:txBody>
+      </p:sp>
+    </p:spTree>
+    <p:extLst>
+      <p:ext uri="{BB962C8B-B14F-4D97-AF65-F5344CB8AC3E}">
+        <p14:creationId xmlns:p14="http://schemas.microsoft.com/office/powerpoint/2010/main" val="1218340993"/>
       </p:ext>
     </p:extLst>
   </p:cSld>
@@ -12668,40 +15876,40 @@
         </p:spPr>
         <p:txBody>
           <a:bodyPr anchor="ctr">
-            <a:normAutofit/>
+            <a:noAutofit/>
           </a:bodyPr>
           <a:lstStyle/>
           <a:p>
             <a:r>
-              <a:rPr lang="pl-PL" dirty="0" err="1"/>
+              <a:rPr lang="pl-PL" sz="1800" dirty="0" err="1"/>
               <a:t>Are</a:t>
             </a:r>
             <a:r>
-              <a:rPr lang="pl-PL" dirty="0"/>
+              <a:rPr lang="pl-PL" sz="1800" dirty="0"/>
               <a:t> my unit </a:t>
             </a:r>
             <a:r>
-              <a:rPr lang="pl-PL" dirty="0" err="1"/>
+              <a:rPr lang="pl-PL" sz="1800" dirty="0" err="1"/>
               <a:t>tests</a:t>
             </a:r>
             <a:r>
-              <a:rPr lang="pl-PL" dirty="0"/>
+              <a:rPr lang="pl-PL" sz="1800" dirty="0"/>
               <a:t> </a:t>
             </a:r>
             <a:r>
-              <a:rPr lang="pl-PL" dirty="0" err="1"/>
+              <a:rPr lang="pl-PL" sz="1800" dirty="0" err="1"/>
               <a:t>testing</a:t>
             </a:r>
             <a:r>
-              <a:rPr lang="pl-PL" dirty="0"/>
+              <a:rPr lang="pl-PL" sz="1800" dirty="0"/>
               <a:t> </a:t>
             </a:r>
             <a:r>
-              <a:rPr lang="pl-PL" dirty="0" err="1"/>
+              <a:rPr lang="pl-PL" sz="1800" dirty="0" err="1"/>
               <a:t>well</a:t>
             </a:r>
             <a:r>
-              <a:rPr lang="pl-PL" dirty="0"/>
+              <a:rPr lang="pl-PL" sz="1800" dirty="0"/>
               <a:t>? </a:t>
             </a:r>
           </a:p>
@@ -12725,8 +15933,8 @@
         </p:nvSpPr>
         <p:spPr>
           <a:xfrm>
-            <a:off x="3772498" y="609600"/>
-            <a:ext cx="3314102" cy="3359485"/>
+            <a:off x="3772498" y="1489242"/>
+            <a:ext cx="3314102" cy="1600200"/>
           </a:xfrm>
         </p:spPr>
         <p:txBody>
@@ -12736,40 +15944,40 @@
           <a:lstStyle/>
           <a:p>
             <a:r>
-              <a:rPr lang="pl-PL" err="1"/>
+              <a:rPr lang="pl-PL" dirty="0" err="1"/>
               <a:t>Count</a:t>
             </a:r>
-            <a:endParaRPr lang="pl-PL"/>
-          </a:p>
-          <a:p>
-            <a:r>
-              <a:rPr lang="pl-PL"/>
+            <a:endParaRPr lang="pl-PL" dirty="0"/>
+          </a:p>
+          <a:p>
+            <a:r>
+              <a:rPr lang="pl-PL" dirty="0"/>
               <a:t>Line </a:t>
             </a:r>
             <a:r>
-              <a:rPr lang="pl-PL" err="1"/>
+              <a:rPr lang="pl-PL" dirty="0" err="1"/>
               <a:t>coverage</a:t>
             </a:r>
-            <a:endParaRPr lang="pl-PL"/>
-          </a:p>
-          <a:p>
-            <a:r>
-              <a:rPr lang="pl-PL" err="1"/>
+            <a:endParaRPr lang="pl-PL" dirty="0"/>
+          </a:p>
+          <a:p>
+            <a:r>
+              <a:rPr lang="pl-PL" dirty="0" err="1"/>
               <a:t>Branch</a:t>
             </a:r>
             <a:r>
-              <a:rPr lang="pl-PL"/>
+              <a:rPr lang="pl-PL" dirty="0"/>
               <a:t> </a:t>
             </a:r>
             <a:r>
-              <a:rPr lang="pl-PL" err="1"/>
+              <a:rPr lang="pl-PL" dirty="0" err="1"/>
               <a:t>coverage</a:t>
             </a:r>
-            <a:endParaRPr lang="pl-PL"/>
-          </a:p>
-          <a:p>
-            <a:r>
-              <a:rPr lang="pl-PL"/>
+            <a:endParaRPr lang="pl-PL" dirty="0"/>
+          </a:p>
+          <a:p>
+            <a:r>
+              <a:rPr lang="pl-PL" dirty="0"/>
               <a:t>???</a:t>
             </a:r>
           </a:p>
@@ -12797,6 +16005,283 @@
       </p:transition>
     </mc:Fallback>
   </mc:AlternateContent>
+  <p:timing>
+    <p:tnLst>
+      <p:par>
+        <p:cTn id="1" dur="indefinite" restart="never" nodeType="tmRoot">
+          <p:childTnLst>
+            <p:seq concurrent="1" nextAc="seek">
+              <p:cTn id="2" dur="indefinite" nodeType="mainSeq">
+                <p:childTnLst>
+                  <p:par>
+                    <p:cTn id="3" fill="hold">
+                      <p:stCondLst>
+                        <p:cond delay="indefinite"/>
+                      </p:stCondLst>
+                      <p:childTnLst>
+                        <p:par>
+                          <p:cTn id="4" fill="hold">
+                            <p:stCondLst>
+                              <p:cond delay="0"/>
+                            </p:stCondLst>
+                            <p:childTnLst>
+                              <p:par>
+                                <p:cTn id="5" presetID="10" presetClass="entr" presetSubtype="0" fill="hold" grpId="0" nodeType="clickEffect">
+                                  <p:stCondLst>
+                                    <p:cond delay="0"/>
+                                  </p:stCondLst>
+                                  <p:childTnLst>
+                                    <p:set>
+                                      <p:cBhvr>
+                                        <p:cTn id="6" dur="1" fill="hold">
+                                          <p:stCondLst>
+                                            <p:cond delay="0"/>
+                                          </p:stCondLst>
+                                        </p:cTn>
+                                        <p:tgtEl>
+                                          <p:spTgt spid="4">
+                                            <p:txEl>
+                                              <p:pRg st="0" end="0"/>
+                                            </p:txEl>
+                                          </p:spTgt>
+                                        </p:tgtEl>
+                                        <p:attrNameLst>
+                                          <p:attrName>style.visibility</p:attrName>
+                                        </p:attrNameLst>
+                                      </p:cBhvr>
+                                      <p:to>
+                                        <p:strVal val="visible"/>
+                                      </p:to>
+                                    </p:set>
+                                    <p:animEffect transition="in" filter="fade">
+                                      <p:cBhvr>
+                                        <p:cTn id="7" dur="500"/>
+                                        <p:tgtEl>
+                                          <p:spTgt spid="4">
+                                            <p:txEl>
+                                              <p:pRg st="0" end="0"/>
+                                            </p:txEl>
+                                          </p:spTgt>
+                                        </p:tgtEl>
+                                      </p:cBhvr>
+                                    </p:animEffect>
+                                  </p:childTnLst>
+                                </p:cTn>
+                              </p:par>
+                            </p:childTnLst>
+                          </p:cTn>
+                        </p:par>
+                      </p:childTnLst>
+                    </p:cTn>
+                  </p:par>
+                  <p:par>
+                    <p:cTn id="8" fill="hold">
+                      <p:stCondLst>
+                        <p:cond delay="indefinite"/>
+                      </p:stCondLst>
+                      <p:childTnLst>
+                        <p:par>
+                          <p:cTn id="9" fill="hold">
+                            <p:stCondLst>
+                              <p:cond delay="0"/>
+                            </p:stCondLst>
+                            <p:childTnLst>
+                              <p:par>
+                                <p:cTn id="10" presetID="10" presetClass="entr" presetSubtype="0" fill="hold" grpId="0" nodeType="clickEffect">
+                                  <p:stCondLst>
+                                    <p:cond delay="0"/>
+                                  </p:stCondLst>
+                                  <p:childTnLst>
+                                    <p:set>
+                                      <p:cBhvr>
+                                        <p:cTn id="11" dur="1" fill="hold">
+                                          <p:stCondLst>
+                                            <p:cond delay="0"/>
+                                          </p:stCondLst>
+                                        </p:cTn>
+                                        <p:tgtEl>
+                                          <p:spTgt spid="4">
+                                            <p:txEl>
+                                              <p:pRg st="1" end="1"/>
+                                            </p:txEl>
+                                          </p:spTgt>
+                                        </p:tgtEl>
+                                        <p:attrNameLst>
+                                          <p:attrName>style.visibility</p:attrName>
+                                        </p:attrNameLst>
+                                      </p:cBhvr>
+                                      <p:to>
+                                        <p:strVal val="visible"/>
+                                      </p:to>
+                                    </p:set>
+                                    <p:animEffect transition="in" filter="fade">
+                                      <p:cBhvr>
+                                        <p:cTn id="12" dur="500"/>
+                                        <p:tgtEl>
+                                          <p:spTgt spid="4">
+                                            <p:txEl>
+                                              <p:pRg st="1" end="1"/>
+                                            </p:txEl>
+                                          </p:spTgt>
+                                        </p:tgtEl>
+                                      </p:cBhvr>
+                                    </p:animEffect>
+                                  </p:childTnLst>
+                                </p:cTn>
+                              </p:par>
+                            </p:childTnLst>
+                          </p:cTn>
+                        </p:par>
+                      </p:childTnLst>
+                    </p:cTn>
+                  </p:par>
+                  <p:par>
+                    <p:cTn id="13" fill="hold">
+                      <p:stCondLst>
+                        <p:cond delay="indefinite"/>
+                      </p:stCondLst>
+                      <p:childTnLst>
+                        <p:par>
+                          <p:cTn id="14" fill="hold">
+                            <p:stCondLst>
+                              <p:cond delay="0"/>
+                            </p:stCondLst>
+                            <p:childTnLst>
+                              <p:par>
+                                <p:cTn id="15" presetID="10" presetClass="entr" presetSubtype="0" fill="hold" grpId="0" nodeType="clickEffect">
+                                  <p:stCondLst>
+                                    <p:cond delay="0"/>
+                                  </p:stCondLst>
+                                  <p:childTnLst>
+                                    <p:set>
+                                      <p:cBhvr>
+                                        <p:cTn id="16" dur="1" fill="hold">
+                                          <p:stCondLst>
+                                            <p:cond delay="0"/>
+                                          </p:stCondLst>
+                                        </p:cTn>
+                                        <p:tgtEl>
+                                          <p:spTgt spid="4">
+                                            <p:txEl>
+                                              <p:pRg st="2" end="2"/>
+                                            </p:txEl>
+                                          </p:spTgt>
+                                        </p:tgtEl>
+                                        <p:attrNameLst>
+                                          <p:attrName>style.visibility</p:attrName>
+                                        </p:attrNameLst>
+                                      </p:cBhvr>
+                                      <p:to>
+                                        <p:strVal val="visible"/>
+                                      </p:to>
+                                    </p:set>
+                                    <p:animEffect transition="in" filter="fade">
+                                      <p:cBhvr>
+                                        <p:cTn id="17" dur="500"/>
+                                        <p:tgtEl>
+                                          <p:spTgt spid="4">
+                                            <p:txEl>
+                                              <p:pRg st="2" end="2"/>
+                                            </p:txEl>
+                                          </p:spTgt>
+                                        </p:tgtEl>
+                                      </p:cBhvr>
+                                    </p:animEffect>
+                                  </p:childTnLst>
+                                </p:cTn>
+                              </p:par>
+                            </p:childTnLst>
+                          </p:cTn>
+                        </p:par>
+                      </p:childTnLst>
+                    </p:cTn>
+                  </p:par>
+                  <p:par>
+                    <p:cTn id="18" fill="hold">
+                      <p:stCondLst>
+                        <p:cond delay="indefinite"/>
+                      </p:stCondLst>
+                      <p:childTnLst>
+                        <p:par>
+                          <p:cTn id="19" fill="hold">
+                            <p:stCondLst>
+                              <p:cond delay="0"/>
+                            </p:stCondLst>
+                            <p:childTnLst>
+                              <p:par>
+                                <p:cTn id="20" presetID="10" presetClass="entr" presetSubtype="0" fill="hold" grpId="0" nodeType="clickEffect">
+                                  <p:stCondLst>
+                                    <p:cond delay="0"/>
+                                  </p:stCondLst>
+                                  <p:childTnLst>
+                                    <p:set>
+                                      <p:cBhvr>
+                                        <p:cTn id="21" dur="1" fill="hold">
+                                          <p:stCondLst>
+                                            <p:cond delay="0"/>
+                                          </p:stCondLst>
+                                        </p:cTn>
+                                        <p:tgtEl>
+                                          <p:spTgt spid="4">
+                                            <p:txEl>
+                                              <p:pRg st="3" end="3"/>
+                                            </p:txEl>
+                                          </p:spTgt>
+                                        </p:tgtEl>
+                                        <p:attrNameLst>
+                                          <p:attrName>style.visibility</p:attrName>
+                                        </p:attrNameLst>
+                                      </p:cBhvr>
+                                      <p:to>
+                                        <p:strVal val="visible"/>
+                                      </p:to>
+                                    </p:set>
+                                    <p:animEffect transition="in" filter="fade">
+                                      <p:cBhvr>
+                                        <p:cTn id="22" dur="500"/>
+                                        <p:tgtEl>
+                                          <p:spTgt spid="4">
+                                            <p:txEl>
+                                              <p:pRg st="3" end="3"/>
+                                            </p:txEl>
+                                          </p:spTgt>
+                                        </p:tgtEl>
+                                      </p:cBhvr>
+                                    </p:animEffect>
+                                  </p:childTnLst>
+                                </p:cTn>
+                              </p:par>
+                            </p:childTnLst>
+                          </p:cTn>
+                        </p:par>
+                      </p:childTnLst>
+                    </p:cTn>
+                  </p:par>
+                </p:childTnLst>
+              </p:cTn>
+              <p:prevCondLst>
+                <p:cond evt="onPrev" delay="0">
+                  <p:tgtEl>
+                    <p:sldTgt/>
+                  </p:tgtEl>
+                </p:cond>
+              </p:prevCondLst>
+              <p:nextCondLst>
+                <p:cond evt="onNext" delay="0">
+                  <p:tgtEl>
+                    <p:sldTgt/>
+                  </p:tgtEl>
+                </p:cond>
+              </p:nextCondLst>
+            </p:seq>
+          </p:childTnLst>
+        </p:cTn>
+      </p:par>
+    </p:tnLst>
+    <p:bldLst>
+      <p:bldP spid="4" grpId="0" build="p"/>
+    </p:bldLst>
+  </p:timing>
 </p:sld>
 </file>
 
@@ -13068,6 +16553,142 @@
       </p:transition>
     </mc:Fallback>
   </mc:AlternateContent>
+  <p:timing>
+    <p:tnLst>
+      <p:par>
+        <p:cTn id="1" dur="indefinite" restart="never" nodeType="tmRoot">
+          <p:childTnLst>
+            <p:seq concurrent="1" nextAc="seek">
+              <p:cTn id="2" dur="indefinite" nodeType="mainSeq">
+                <p:childTnLst>
+                  <p:par>
+                    <p:cTn id="3" fill="hold">
+                      <p:stCondLst>
+                        <p:cond delay="indefinite"/>
+                      </p:stCondLst>
+                      <p:childTnLst>
+                        <p:par>
+                          <p:cTn id="4" fill="hold">
+                            <p:stCondLst>
+                              <p:cond delay="0"/>
+                            </p:stCondLst>
+                            <p:childTnLst>
+                              <p:par>
+                                <p:cTn id="5" presetID="10" presetClass="entr" presetSubtype="0" fill="hold" nodeType="clickEffect">
+                                  <p:stCondLst>
+                                    <p:cond delay="0"/>
+                                  </p:stCondLst>
+                                  <p:childTnLst>
+                                    <p:set>
+                                      <p:cBhvr>
+                                        <p:cTn id="6" dur="1" fill="hold">
+                                          <p:stCondLst>
+                                            <p:cond delay="0"/>
+                                          </p:stCondLst>
+                                        </p:cTn>
+                                        <p:tgtEl>
+                                          <p:spTgt spid="9"/>
+                                        </p:tgtEl>
+                                        <p:attrNameLst>
+                                          <p:attrName>style.visibility</p:attrName>
+                                        </p:attrNameLst>
+                                      </p:cBhvr>
+                                      <p:to>
+                                        <p:strVal val="visible"/>
+                                      </p:to>
+                                    </p:set>
+                                    <p:animEffect transition="in" filter="fade">
+                                      <p:cBhvr>
+                                        <p:cTn id="7" dur="500"/>
+                                        <p:tgtEl>
+                                          <p:spTgt spid="9"/>
+                                        </p:tgtEl>
+                                      </p:cBhvr>
+                                    </p:animEffect>
+                                  </p:childTnLst>
+                                </p:cTn>
+                              </p:par>
+                            </p:childTnLst>
+                          </p:cTn>
+                        </p:par>
+                      </p:childTnLst>
+                    </p:cTn>
+                  </p:par>
+                  <p:par>
+                    <p:cTn id="8" fill="hold">
+                      <p:stCondLst>
+                        <p:cond delay="indefinite"/>
+                      </p:stCondLst>
+                      <p:childTnLst>
+                        <p:par>
+                          <p:cTn id="9" fill="hold">
+                            <p:stCondLst>
+                              <p:cond delay="0"/>
+                            </p:stCondLst>
+                            <p:childTnLst>
+                              <p:par>
+                                <p:cTn id="10" presetID="10" presetClass="entr" presetSubtype="0" fill="hold" nodeType="clickEffect">
+                                  <p:stCondLst>
+                                    <p:cond delay="0"/>
+                                  </p:stCondLst>
+                                  <p:childTnLst>
+                                    <p:set>
+                                      <p:cBhvr>
+                                        <p:cTn id="11" dur="1" fill="hold">
+                                          <p:stCondLst>
+                                            <p:cond delay="0"/>
+                                          </p:stCondLst>
+                                        </p:cTn>
+                                        <p:tgtEl>
+                                          <p:spTgt spid="12"/>
+                                        </p:tgtEl>
+                                        <p:attrNameLst>
+                                          <p:attrName>style.visibility</p:attrName>
+                                        </p:attrNameLst>
+                                      </p:cBhvr>
+                                      <p:to>
+                                        <p:strVal val="visible"/>
+                                      </p:to>
+                                    </p:set>
+                                    <p:animEffect transition="in" filter="fade">
+                                      <p:cBhvr>
+                                        <p:cTn id="12" dur="500"/>
+                                        <p:tgtEl>
+                                          <p:spTgt spid="12"/>
+                                        </p:tgtEl>
+                                      </p:cBhvr>
+                                    </p:animEffect>
+                                  </p:childTnLst>
+                                </p:cTn>
+                              </p:par>
+                            </p:childTnLst>
+                          </p:cTn>
+                        </p:par>
+                      </p:childTnLst>
+                    </p:cTn>
+                  </p:par>
+                </p:childTnLst>
+              </p:cTn>
+              <p:prevCondLst>
+                <p:cond evt="onPrev" delay="0">
+                  <p:tgtEl>
+                    <p:sldTgt/>
+                  </p:tgtEl>
+                </p:cond>
+              </p:prevCondLst>
+              <p:nextCondLst>
+                <p:cond evt="onNext" delay="0">
+                  <p:tgtEl>
+                    <p:sldTgt/>
+                  </p:tgtEl>
+                </p:cond>
+              </p:nextCondLst>
+            </p:seq>
+          </p:childTnLst>
+        </p:cTn>
+      </p:par>
+    </p:tnLst>
+  </p:timing>
 </p:sld>
 </file>
 
@@ -13247,6 +16868,142 @@
       </p:transition>
     </mc:Fallback>
   </mc:AlternateContent>
+  <p:timing>
+    <p:tnLst>
+      <p:par>
+        <p:cTn id="1" dur="indefinite" restart="never" nodeType="tmRoot">
+          <p:childTnLst>
+            <p:seq concurrent="1" nextAc="seek">
+              <p:cTn id="2" dur="indefinite" nodeType="mainSeq">
+                <p:childTnLst>
+                  <p:par>
+                    <p:cTn id="3" fill="hold">
+                      <p:stCondLst>
+                        <p:cond delay="indefinite"/>
+                      </p:stCondLst>
+                      <p:childTnLst>
+                        <p:par>
+                          <p:cTn id="4" fill="hold">
+                            <p:stCondLst>
+                              <p:cond delay="0"/>
+                            </p:stCondLst>
+                            <p:childTnLst>
+                              <p:par>
+                                <p:cTn id="5" presetID="10" presetClass="entr" presetSubtype="0" fill="hold" nodeType="clickEffect">
+                                  <p:stCondLst>
+                                    <p:cond delay="0"/>
+                                  </p:stCondLst>
+                                  <p:childTnLst>
+                                    <p:set>
+                                      <p:cBhvr>
+                                        <p:cTn id="6" dur="1" fill="hold">
+                                          <p:stCondLst>
+                                            <p:cond delay="0"/>
+                                          </p:stCondLst>
+                                        </p:cTn>
+                                        <p:tgtEl>
+                                          <p:spTgt spid="6"/>
+                                        </p:tgtEl>
+                                        <p:attrNameLst>
+                                          <p:attrName>style.visibility</p:attrName>
+                                        </p:attrNameLst>
+                                      </p:cBhvr>
+                                      <p:to>
+                                        <p:strVal val="visible"/>
+                                      </p:to>
+                                    </p:set>
+                                    <p:animEffect transition="in" filter="fade">
+                                      <p:cBhvr>
+                                        <p:cTn id="7" dur="500"/>
+                                        <p:tgtEl>
+                                          <p:spTgt spid="6"/>
+                                        </p:tgtEl>
+                                      </p:cBhvr>
+                                    </p:animEffect>
+                                  </p:childTnLst>
+                                </p:cTn>
+                              </p:par>
+                            </p:childTnLst>
+                          </p:cTn>
+                        </p:par>
+                      </p:childTnLst>
+                    </p:cTn>
+                  </p:par>
+                  <p:par>
+                    <p:cTn id="8" fill="hold">
+                      <p:stCondLst>
+                        <p:cond delay="indefinite"/>
+                      </p:stCondLst>
+                      <p:childTnLst>
+                        <p:par>
+                          <p:cTn id="9" fill="hold">
+                            <p:stCondLst>
+                              <p:cond delay="0"/>
+                            </p:stCondLst>
+                            <p:childTnLst>
+                              <p:par>
+                                <p:cTn id="10" presetID="10" presetClass="entr" presetSubtype="0" fill="hold" nodeType="clickEffect">
+                                  <p:stCondLst>
+                                    <p:cond delay="0"/>
+                                  </p:stCondLst>
+                                  <p:childTnLst>
+                                    <p:set>
+                                      <p:cBhvr>
+                                        <p:cTn id="11" dur="1" fill="hold">
+                                          <p:stCondLst>
+                                            <p:cond delay="0"/>
+                                          </p:stCondLst>
+                                        </p:cTn>
+                                        <p:tgtEl>
+                                          <p:spTgt spid="16"/>
+                                        </p:tgtEl>
+                                        <p:attrNameLst>
+                                          <p:attrName>style.visibility</p:attrName>
+                                        </p:attrNameLst>
+                                      </p:cBhvr>
+                                      <p:to>
+                                        <p:strVal val="visible"/>
+                                      </p:to>
+                                    </p:set>
+                                    <p:animEffect transition="in" filter="fade">
+                                      <p:cBhvr>
+                                        <p:cTn id="12" dur="500"/>
+                                        <p:tgtEl>
+                                          <p:spTgt spid="16"/>
+                                        </p:tgtEl>
+                                      </p:cBhvr>
+                                    </p:animEffect>
+                                  </p:childTnLst>
+                                </p:cTn>
+                              </p:par>
+                            </p:childTnLst>
+                          </p:cTn>
+                        </p:par>
+                      </p:childTnLst>
+                    </p:cTn>
+                  </p:par>
+                </p:childTnLst>
+              </p:cTn>
+              <p:prevCondLst>
+                <p:cond evt="onPrev" delay="0">
+                  <p:tgtEl>
+                    <p:sldTgt/>
+                  </p:tgtEl>
+                </p:cond>
+              </p:prevCondLst>
+              <p:nextCondLst>
+                <p:cond evt="onNext" delay="0">
+                  <p:tgtEl>
+                    <p:sldTgt/>
+                  </p:tgtEl>
+                </p:cond>
+              </p:nextCondLst>
+            </p:seq>
+          </p:childTnLst>
+        </p:cTn>
+      </p:par>
+    </p:tnLst>
+  </p:timing>
 </p:sld>
 </file>
 
@@ -13750,6 +17507,222 @@
       </p:transition>
     </mc:Fallback>
   </mc:AlternateContent>
+  <p:timing>
+    <p:tnLst>
+      <p:par>
+        <p:cTn id="1" dur="indefinite" restart="never" nodeType="tmRoot">
+          <p:childTnLst>
+            <p:seq concurrent="1" nextAc="seek">
+              <p:cTn id="2" dur="indefinite" nodeType="mainSeq">
+                <p:childTnLst>
+                  <p:par>
+                    <p:cTn id="3" fill="hold">
+                      <p:stCondLst>
+                        <p:cond delay="indefinite"/>
+                      </p:stCondLst>
+                      <p:childTnLst>
+                        <p:par>
+                          <p:cTn id="4" fill="hold">
+                            <p:stCondLst>
+                              <p:cond delay="0"/>
+                            </p:stCondLst>
+                            <p:childTnLst>
+                              <p:par>
+                                <p:cTn id="5" presetID="10" presetClass="entr" presetSubtype="0" fill="hold" grpId="0" nodeType="clickEffect">
+                                  <p:stCondLst>
+                                    <p:cond delay="0"/>
+                                  </p:stCondLst>
+                                  <p:childTnLst>
+                                    <p:set>
+                                      <p:cBhvr>
+                                        <p:cTn id="6" dur="1" fill="hold">
+                                          <p:stCondLst>
+                                            <p:cond delay="0"/>
+                                          </p:stCondLst>
+                                        </p:cTn>
+                                        <p:tgtEl>
+                                          <p:spTgt spid="4">
+                                            <p:txEl>
+                                              <p:pRg st="0" end="0"/>
+                                            </p:txEl>
+                                          </p:spTgt>
+                                        </p:tgtEl>
+                                        <p:attrNameLst>
+                                          <p:attrName>style.visibility</p:attrName>
+                                        </p:attrNameLst>
+                                      </p:cBhvr>
+                                      <p:to>
+                                        <p:strVal val="visible"/>
+                                      </p:to>
+                                    </p:set>
+                                    <p:animEffect transition="in" filter="fade">
+                                      <p:cBhvr>
+                                        <p:cTn id="7" dur="500"/>
+                                        <p:tgtEl>
+                                          <p:spTgt spid="4">
+                                            <p:txEl>
+                                              <p:pRg st="0" end="0"/>
+                                            </p:txEl>
+                                          </p:spTgt>
+                                        </p:tgtEl>
+                                      </p:cBhvr>
+                                    </p:animEffect>
+                                  </p:childTnLst>
+                                </p:cTn>
+                              </p:par>
+                            </p:childTnLst>
+                          </p:cTn>
+                        </p:par>
+                      </p:childTnLst>
+                    </p:cTn>
+                  </p:par>
+                  <p:par>
+                    <p:cTn id="8" fill="hold">
+                      <p:stCondLst>
+                        <p:cond delay="indefinite"/>
+                      </p:stCondLst>
+                      <p:childTnLst>
+                        <p:par>
+                          <p:cTn id="9" fill="hold">
+                            <p:stCondLst>
+                              <p:cond delay="0"/>
+                            </p:stCondLst>
+                            <p:childTnLst>
+                              <p:par>
+                                <p:cTn id="10" presetID="10" presetClass="entr" presetSubtype="0" fill="hold" grpId="0" nodeType="clickEffect">
+                                  <p:stCondLst>
+                                    <p:cond delay="0"/>
+                                  </p:stCondLst>
+                                  <p:childTnLst>
+                                    <p:set>
+                                      <p:cBhvr>
+                                        <p:cTn id="11" dur="1" fill="hold">
+                                          <p:stCondLst>
+                                            <p:cond delay="0"/>
+                                          </p:stCondLst>
+                                        </p:cTn>
+                                        <p:tgtEl>
+                                          <p:spTgt spid="4">
+                                            <p:txEl>
+                                              <p:pRg st="2" end="2"/>
+                                            </p:txEl>
+                                          </p:spTgt>
+                                        </p:tgtEl>
+                                        <p:attrNameLst>
+                                          <p:attrName>style.visibility</p:attrName>
+                                        </p:attrNameLst>
+                                      </p:cBhvr>
+                                      <p:to>
+                                        <p:strVal val="visible"/>
+                                      </p:to>
+                                    </p:set>
+                                    <p:animEffect transition="in" filter="fade">
+                                      <p:cBhvr>
+                                        <p:cTn id="12" dur="500"/>
+                                        <p:tgtEl>
+                                          <p:spTgt spid="4">
+                                            <p:txEl>
+                                              <p:pRg st="2" end="2"/>
+                                            </p:txEl>
+                                          </p:spTgt>
+                                        </p:tgtEl>
+                                      </p:cBhvr>
+                                    </p:animEffect>
+                                  </p:childTnLst>
+                                </p:cTn>
+                              </p:par>
+                            </p:childTnLst>
+                          </p:cTn>
+                        </p:par>
+                      </p:childTnLst>
+                    </p:cTn>
+                  </p:par>
+                  <p:par>
+                    <p:cTn id="13" fill="hold">
+                      <p:stCondLst>
+                        <p:cond delay="indefinite"/>
+                      </p:stCondLst>
+                      <p:childTnLst>
+                        <p:par>
+                          <p:cTn id="14" fill="hold">
+                            <p:stCondLst>
+                              <p:cond delay="0"/>
+                            </p:stCondLst>
+                            <p:childTnLst>
+                              <p:par>
+                                <p:cTn id="15" presetID="10" presetClass="entr" presetSubtype="0" fill="hold" grpId="0" nodeType="clickEffect">
+                                  <p:stCondLst>
+                                    <p:cond delay="0"/>
+                                  </p:stCondLst>
+                                  <p:childTnLst>
+                                    <p:set>
+                                      <p:cBhvr>
+                                        <p:cTn id="16" dur="1" fill="hold">
+                                          <p:stCondLst>
+                                            <p:cond delay="0"/>
+                                          </p:stCondLst>
+                                        </p:cTn>
+                                        <p:tgtEl>
+                                          <p:spTgt spid="4">
+                                            <p:txEl>
+                                              <p:pRg st="4" end="4"/>
+                                            </p:txEl>
+                                          </p:spTgt>
+                                        </p:tgtEl>
+                                        <p:attrNameLst>
+                                          <p:attrName>style.visibility</p:attrName>
+                                        </p:attrNameLst>
+                                      </p:cBhvr>
+                                      <p:to>
+                                        <p:strVal val="visible"/>
+                                      </p:to>
+                                    </p:set>
+                                    <p:animEffect transition="in" filter="fade">
+                                      <p:cBhvr>
+                                        <p:cTn id="17" dur="500"/>
+                                        <p:tgtEl>
+                                          <p:spTgt spid="4">
+                                            <p:txEl>
+                                              <p:pRg st="4" end="4"/>
+                                            </p:txEl>
+                                          </p:spTgt>
+                                        </p:tgtEl>
+                                      </p:cBhvr>
+                                    </p:animEffect>
+                                  </p:childTnLst>
+                                </p:cTn>
+                              </p:par>
+                            </p:childTnLst>
+                          </p:cTn>
+                        </p:par>
+                      </p:childTnLst>
+                    </p:cTn>
+                  </p:par>
+                </p:childTnLst>
+              </p:cTn>
+              <p:prevCondLst>
+                <p:cond evt="onPrev" delay="0">
+                  <p:tgtEl>
+                    <p:sldTgt/>
+                  </p:tgtEl>
+                </p:cond>
+              </p:prevCondLst>
+              <p:nextCondLst>
+                <p:cond evt="onNext" delay="0">
+                  <p:tgtEl>
+                    <p:sldTgt/>
+                  </p:tgtEl>
+                </p:cond>
+              </p:nextCondLst>
+            </p:seq>
+          </p:childTnLst>
+        </p:cTn>
+      </p:par>
+    </p:tnLst>
+    <p:bldLst>
+      <p:bldP spid="4" grpId="0" build="p"/>
+    </p:bldLst>
+  </p:timing>
 </p:sld>
 </file>
 
